--- a/wk6/ios設計.pptx
+++ b/wk6/ios設計.pptx
@@ -4,6 +4,9 @@
   <p:sldMasterIdLst>
     <p:sldMasterId id="2147483648" r:id="rId1"/>
   </p:sldMasterIdLst>
+  <p:notesMasterIdLst>
+    <p:notesMasterId r:id="rId11"/>
+  </p:notesMasterIdLst>
   <p:sldIdLst>
     <p:sldId id="264" r:id="rId2"/>
     <p:sldId id="263" r:id="rId3"/>
@@ -12,9 +15,8 @@
     <p:sldId id="262" r:id="rId6"/>
     <p:sldId id="257" r:id="rId7"/>
     <p:sldId id="260" r:id="rId8"/>
-    <p:sldId id="267" r:id="rId9"/>
-    <p:sldId id="266" r:id="rId10"/>
-    <p:sldId id="265" r:id="rId11"/>
+    <p:sldId id="268" r:id="rId9"/>
+    <p:sldId id="269" r:id="rId10"/>
   </p:sldIdLst>
   <p:sldSz cx="12192000" cy="6858000"/>
   <p:notesSz cx="6858000" cy="9144000"/>
@@ -119,6 +121,524 @@
     </p:ext>
   </p:extLst>
 </p:presentation>
+</file>
+
+<file path=ppt/notesMasters/notesMaster1.xml><?xml version="1.0" encoding="utf-8"?>
+<p:notesMaster xmlns:a="http://schemas.openxmlformats.org/drawingml/2006/main" xmlns:r="http://schemas.openxmlformats.org/officeDocument/2006/relationships" xmlns:p="http://schemas.openxmlformats.org/presentationml/2006/main">
+  <p:cSld>
+    <p:bg>
+      <p:bgRef idx="1001">
+        <a:schemeClr val="bg1"/>
+      </p:bgRef>
+    </p:bg>
+    <p:spTree>
+      <p:nvGrpSpPr>
+        <p:cNvPr id="1" name=""/>
+        <p:cNvGrpSpPr/>
+        <p:nvPr/>
+      </p:nvGrpSpPr>
+      <p:grpSpPr>
+        <a:xfrm>
+          <a:off x="0" y="0"/>
+          <a:ext cx="0" cy="0"/>
+          <a:chOff x="0" y="0"/>
+          <a:chExt cx="0" cy="0"/>
+        </a:xfrm>
+      </p:grpSpPr>
+      <p:sp>
+        <p:nvSpPr>
+          <p:cNvPr id="2" name="頁首版面配置區 1"/>
+          <p:cNvSpPr>
+            <a:spLocks noGrp="1"/>
+          </p:cNvSpPr>
+          <p:nvPr>
+            <p:ph type="hdr" sz="quarter"/>
+          </p:nvPr>
+        </p:nvSpPr>
+        <p:spPr>
+          <a:xfrm>
+            <a:off x="0" y="0"/>
+            <a:ext cx="2971800" cy="458788"/>
+          </a:xfrm>
+          <a:prstGeom prst="rect">
+            <a:avLst/>
+          </a:prstGeom>
+        </p:spPr>
+        <p:txBody>
+          <a:bodyPr vert="horz" lIns="91440" tIns="45720" rIns="91440" bIns="45720" rtlCol="0"/>
+          <a:lstStyle>
+            <a:lvl1pPr algn="l">
+              <a:defRPr sz="1200"/>
+            </a:lvl1pPr>
+          </a:lstStyle>
+          <a:p>
+            <a:endParaRPr lang="zh-TW" altLang="en-US"/>
+          </a:p>
+        </p:txBody>
+      </p:sp>
+      <p:sp>
+        <p:nvSpPr>
+          <p:cNvPr id="3" name="日期版面配置區 2"/>
+          <p:cNvSpPr>
+            <a:spLocks noGrp="1"/>
+          </p:cNvSpPr>
+          <p:nvPr>
+            <p:ph type="dt" idx="1"/>
+          </p:nvPr>
+        </p:nvSpPr>
+        <p:spPr>
+          <a:xfrm>
+            <a:off x="3884613" y="0"/>
+            <a:ext cx="2971800" cy="458788"/>
+          </a:xfrm>
+          <a:prstGeom prst="rect">
+            <a:avLst/>
+          </a:prstGeom>
+        </p:spPr>
+        <p:txBody>
+          <a:bodyPr vert="horz" lIns="91440" tIns="45720" rIns="91440" bIns="45720" rtlCol="0"/>
+          <a:lstStyle>
+            <a:lvl1pPr algn="r">
+              <a:defRPr sz="1200"/>
+            </a:lvl1pPr>
+          </a:lstStyle>
+          <a:p>
+            <a:fld id="{6FFE7BFC-8FD5-4229-AEBC-424D9585DC45}" type="datetimeFigureOut">
+              <a:rPr lang="zh-TW" altLang="en-US" smtClean="0"/>
+              <a:t>2017/3/27</a:t>
+            </a:fld>
+            <a:endParaRPr lang="zh-TW" altLang="en-US"/>
+          </a:p>
+        </p:txBody>
+      </p:sp>
+      <p:sp>
+        <p:nvSpPr>
+          <p:cNvPr id="4" name="投影片圖像版面配置區 3"/>
+          <p:cNvSpPr>
+            <a:spLocks noGrp="1" noRot="1" noChangeAspect="1"/>
+          </p:cNvSpPr>
+          <p:nvPr>
+            <p:ph type="sldImg" idx="2"/>
+          </p:nvPr>
+        </p:nvSpPr>
+        <p:spPr>
+          <a:xfrm>
+            <a:off x="685800" y="1143000"/>
+            <a:ext cx="5486400" cy="3086100"/>
+          </a:xfrm>
+          <a:prstGeom prst="rect">
+            <a:avLst/>
+          </a:prstGeom>
+          <a:noFill/>
+          <a:ln w="12700">
+            <a:solidFill>
+              <a:prstClr val="black"/>
+            </a:solidFill>
+          </a:ln>
+        </p:spPr>
+        <p:txBody>
+          <a:bodyPr vert="horz" lIns="91440" tIns="45720" rIns="91440" bIns="45720" rtlCol="0" anchor="ctr"/>
+          <a:lstStyle/>
+          <a:p>
+            <a:endParaRPr lang="zh-TW" altLang="en-US"/>
+          </a:p>
+        </p:txBody>
+      </p:sp>
+      <p:sp>
+        <p:nvSpPr>
+          <p:cNvPr id="5" name="備忘稿版面配置區 4"/>
+          <p:cNvSpPr>
+            <a:spLocks noGrp="1"/>
+          </p:cNvSpPr>
+          <p:nvPr>
+            <p:ph type="body" sz="quarter" idx="3"/>
+          </p:nvPr>
+        </p:nvSpPr>
+        <p:spPr>
+          <a:xfrm>
+            <a:off x="685800" y="4400550"/>
+            <a:ext cx="5486400" cy="3600450"/>
+          </a:xfrm>
+          <a:prstGeom prst="rect">
+            <a:avLst/>
+          </a:prstGeom>
+        </p:spPr>
+        <p:txBody>
+          <a:bodyPr vert="horz" lIns="91440" tIns="45720" rIns="91440" bIns="45720" rtlCol="0"/>
+          <a:lstStyle/>
+          <a:p>
+            <a:pPr lvl="0"/>
+            <a:r>
+              <a:rPr lang="zh-TW" altLang="en-US" smtClean="0"/>
+              <a:t>按一下以編輯母片文字樣式</a:t>
+            </a:r>
+          </a:p>
+          <a:p>
+            <a:pPr lvl="1"/>
+            <a:r>
+              <a:rPr lang="zh-TW" altLang="en-US" smtClean="0"/>
+              <a:t>第二層</a:t>
+            </a:r>
+          </a:p>
+          <a:p>
+            <a:pPr lvl="2"/>
+            <a:r>
+              <a:rPr lang="zh-TW" altLang="en-US" smtClean="0"/>
+              <a:t>第三層</a:t>
+            </a:r>
+          </a:p>
+          <a:p>
+            <a:pPr lvl="3"/>
+            <a:r>
+              <a:rPr lang="zh-TW" altLang="en-US" smtClean="0"/>
+              <a:t>第四層</a:t>
+            </a:r>
+          </a:p>
+          <a:p>
+            <a:pPr lvl="4"/>
+            <a:r>
+              <a:rPr lang="zh-TW" altLang="en-US" smtClean="0"/>
+              <a:t>第五層</a:t>
+            </a:r>
+            <a:endParaRPr lang="zh-TW" altLang="en-US"/>
+          </a:p>
+        </p:txBody>
+      </p:sp>
+      <p:sp>
+        <p:nvSpPr>
+          <p:cNvPr id="6" name="頁尾版面配置區 5"/>
+          <p:cNvSpPr>
+            <a:spLocks noGrp="1"/>
+          </p:cNvSpPr>
+          <p:nvPr>
+            <p:ph type="ftr" sz="quarter" idx="4"/>
+          </p:nvPr>
+        </p:nvSpPr>
+        <p:spPr>
+          <a:xfrm>
+            <a:off x="0" y="8685213"/>
+            <a:ext cx="2971800" cy="458787"/>
+          </a:xfrm>
+          <a:prstGeom prst="rect">
+            <a:avLst/>
+          </a:prstGeom>
+        </p:spPr>
+        <p:txBody>
+          <a:bodyPr vert="horz" lIns="91440" tIns="45720" rIns="91440" bIns="45720" rtlCol="0" anchor="b"/>
+          <a:lstStyle>
+            <a:lvl1pPr algn="l">
+              <a:defRPr sz="1200"/>
+            </a:lvl1pPr>
+          </a:lstStyle>
+          <a:p>
+            <a:endParaRPr lang="zh-TW" altLang="en-US"/>
+          </a:p>
+        </p:txBody>
+      </p:sp>
+      <p:sp>
+        <p:nvSpPr>
+          <p:cNvPr id="7" name="投影片編號版面配置區 6"/>
+          <p:cNvSpPr>
+            <a:spLocks noGrp="1"/>
+          </p:cNvSpPr>
+          <p:nvPr>
+            <p:ph type="sldNum" sz="quarter" idx="5"/>
+          </p:nvPr>
+        </p:nvSpPr>
+        <p:spPr>
+          <a:xfrm>
+            <a:off x="3884613" y="8685213"/>
+            <a:ext cx="2971800" cy="458787"/>
+          </a:xfrm>
+          <a:prstGeom prst="rect">
+            <a:avLst/>
+          </a:prstGeom>
+        </p:spPr>
+        <p:txBody>
+          <a:bodyPr vert="horz" lIns="91440" tIns="45720" rIns="91440" bIns="45720" rtlCol="0" anchor="b"/>
+          <a:lstStyle>
+            <a:lvl1pPr algn="r">
+              <a:defRPr sz="1200"/>
+            </a:lvl1pPr>
+          </a:lstStyle>
+          <a:p>
+            <a:fld id="{45E986CC-E59F-4321-B74F-AE936737EE90}" type="slidenum">
+              <a:rPr lang="zh-TW" altLang="en-US" smtClean="0"/>
+              <a:t>‹#›</a:t>
+            </a:fld>
+            <a:endParaRPr lang="zh-TW" altLang="en-US"/>
+          </a:p>
+        </p:txBody>
+      </p:sp>
+    </p:spTree>
+    <p:extLst>
+      <p:ext uri="{BB962C8B-B14F-4D97-AF65-F5344CB8AC3E}">
+        <p14:creationId xmlns:p14="http://schemas.microsoft.com/office/powerpoint/2010/main" val="3195262392"/>
+      </p:ext>
+    </p:extLst>
+  </p:cSld>
+  <p:clrMap bg1="lt1" tx1="dk1" bg2="lt2" tx2="dk2" accent1="accent1" accent2="accent2" accent3="accent3" accent4="accent4" accent5="accent5" accent6="accent6" hlink="hlink" folHlink="folHlink"/>
+  <p:notesStyle>
+    <a:lvl1pPr marL="0" algn="l" defTabSz="914400" rtl="0" eaLnBrk="1" latinLnBrk="0" hangingPunct="1">
+      <a:defRPr sz="1200" kern="1200">
+        <a:solidFill>
+          <a:schemeClr val="tx1"/>
+        </a:solidFill>
+        <a:latin typeface="+mn-lt"/>
+        <a:ea typeface="+mn-ea"/>
+        <a:cs typeface="+mn-cs"/>
+      </a:defRPr>
+    </a:lvl1pPr>
+    <a:lvl2pPr marL="457200" algn="l" defTabSz="914400" rtl="0" eaLnBrk="1" latinLnBrk="0" hangingPunct="1">
+      <a:defRPr sz="1200" kern="1200">
+        <a:solidFill>
+          <a:schemeClr val="tx1"/>
+        </a:solidFill>
+        <a:latin typeface="+mn-lt"/>
+        <a:ea typeface="+mn-ea"/>
+        <a:cs typeface="+mn-cs"/>
+      </a:defRPr>
+    </a:lvl2pPr>
+    <a:lvl3pPr marL="914400" algn="l" defTabSz="914400" rtl="0" eaLnBrk="1" latinLnBrk="0" hangingPunct="1">
+      <a:defRPr sz="1200" kern="1200">
+        <a:solidFill>
+          <a:schemeClr val="tx1"/>
+        </a:solidFill>
+        <a:latin typeface="+mn-lt"/>
+        <a:ea typeface="+mn-ea"/>
+        <a:cs typeface="+mn-cs"/>
+      </a:defRPr>
+    </a:lvl3pPr>
+    <a:lvl4pPr marL="1371600" algn="l" defTabSz="914400" rtl="0" eaLnBrk="1" latinLnBrk="0" hangingPunct="1">
+      <a:defRPr sz="1200" kern="1200">
+        <a:solidFill>
+          <a:schemeClr val="tx1"/>
+        </a:solidFill>
+        <a:latin typeface="+mn-lt"/>
+        <a:ea typeface="+mn-ea"/>
+        <a:cs typeface="+mn-cs"/>
+      </a:defRPr>
+    </a:lvl4pPr>
+    <a:lvl5pPr marL="1828800" algn="l" defTabSz="914400" rtl="0" eaLnBrk="1" latinLnBrk="0" hangingPunct="1">
+      <a:defRPr sz="1200" kern="1200">
+        <a:solidFill>
+          <a:schemeClr val="tx1"/>
+        </a:solidFill>
+        <a:latin typeface="+mn-lt"/>
+        <a:ea typeface="+mn-ea"/>
+        <a:cs typeface="+mn-cs"/>
+      </a:defRPr>
+    </a:lvl5pPr>
+    <a:lvl6pPr marL="2286000" algn="l" defTabSz="914400" rtl="0" eaLnBrk="1" latinLnBrk="0" hangingPunct="1">
+      <a:defRPr sz="1200" kern="1200">
+        <a:solidFill>
+          <a:schemeClr val="tx1"/>
+        </a:solidFill>
+        <a:latin typeface="+mn-lt"/>
+        <a:ea typeface="+mn-ea"/>
+        <a:cs typeface="+mn-cs"/>
+      </a:defRPr>
+    </a:lvl6pPr>
+    <a:lvl7pPr marL="2743200" algn="l" defTabSz="914400" rtl="0" eaLnBrk="1" latinLnBrk="0" hangingPunct="1">
+      <a:defRPr sz="1200" kern="1200">
+        <a:solidFill>
+          <a:schemeClr val="tx1"/>
+        </a:solidFill>
+        <a:latin typeface="+mn-lt"/>
+        <a:ea typeface="+mn-ea"/>
+        <a:cs typeface="+mn-cs"/>
+      </a:defRPr>
+    </a:lvl7pPr>
+    <a:lvl8pPr marL="3200400" algn="l" defTabSz="914400" rtl="0" eaLnBrk="1" latinLnBrk="0" hangingPunct="1">
+      <a:defRPr sz="1200" kern="1200">
+        <a:solidFill>
+          <a:schemeClr val="tx1"/>
+        </a:solidFill>
+        <a:latin typeface="+mn-lt"/>
+        <a:ea typeface="+mn-ea"/>
+        <a:cs typeface="+mn-cs"/>
+      </a:defRPr>
+    </a:lvl8pPr>
+    <a:lvl9pPr marL="3657600" algn="l" defTabSz="914400" rtl="0" eaLnBrk="1" latinLnBrk="0" hangingPunct="1">
+      <a:defRPr sz="1200" kern="1200">
+        <a:solidFill>
+          <a:schemeClr val="tx1"/>
+        </a:solidFill>
+        <a:latin typeface="+mn-lt"/>
+        <a:ea typeface="+mn-ea"/>
+        <a:cs typeface="+mn-cs"/>
+      </a:defRPr>
+    </a:lvl9pPr>
+  </p:notesStyle>
+</p:notesMaster>
+</file>
+
+<file path=ppt/notesSlides/notesSlide1.xml><?xml version="1.0" encoding="utf-8"?>
+<p:notes xmlns:a="http://schemas.openxmlformats.org/drawingml/2006/main" xmlns:r="http://schemas.openxmlformats.org/officeDocument/2006/relationships" xmlns:p="http://schemas.openxmlformats.org/presentationml/2006/main">
+  <p:cSld>
+    <p:spTree>
+      <p:nvGrpSpPr>
+        <p:cNvPr id="1" name=""/>
+        <p:cNvGrpSpPr/>
+        <p:nvPr/>
+      </p:nvGrpSpPr>
+      <p:grpSpPr>
+        <a:xfrm>
+          <a:off x="0" y="0"/>
+          <a:ext cx="0" cy="0"/>
+          <a:chOff x="0" y="0"/>
+          <a:chExt cx="0" cy="0"/>
+        </a:xfrm>
+      </p:grpSpPr>
+      <p:sp>
+        <p:nvSpPr>
+          <p:cNvPr id="2" name="投影片圖像版面配置區 1"/>
+          <p:cNvSpPr>
+            <a:spLocks noGrp="1" noRot="1" noChangeAspect="1"/>
+          </p:cNvSpPr>
+          <p:nvPr>
+            <p:ph type="sldImg"/>
+          </p:nvPr>
+        </p:nvSpPr>
+        <p:spPr/>
+      </p:sp>
+      <p:sp>
+        <p:nvSpPr>
+          <p:cNvPr id="3" name="備忘稿版面配置區 2"/>
+          <p:cNvSpPr>
+            <a:spLocks noGrp="1"/>
+          </p:cNvSpPr>
+          <p:nvPr>
+            <p:ph type="body" idx="1"/>
+          </p:nvPr>
+        </p:nvSpPr>
+        <p:spPr/>
+        <p:txBody>
+          <a:bodyPr/>
+          <a:lstStyle/>
+          <a:p>
+            <a:endParaRPr lang="zh-TW" altLang="en-US" dirty="0"/>
+          </a:p>
+        </p:txBody>
+      </p:sp>
+      <p:sp>
+        <p:nvSpPr>
+          <p:cNvPr id="4" name="投影片編號版面配置區 3"/>
+          <p:cNvSpPr>
+            <a:spLocks noGrp="1"/>
+          </p:cNvSpPr>
+          <p:nvPr>
+            <p:ph type="sldNum" sz="quarter" idx="10"/>
+          </p:nvPr>
+        </p:nvSpPr>
+        <p:spPr/>
+        <p:txBody>
+          <a:bodyPr/>
+          <a:lstStyle/>
+          <a:p>
+            <a:fld id="{45E986CC-E59F-4321-B74F-AE936737EE90}" type="slidenum">
+              <a:rPr lang="zh-TW" altLang="en-US" smtClean="0"/>
+              <a:t>8</a:t>
+            </a:fld>
+            <a:endParaRPr lang="zh-TW" altLang="en-US"/>
+          </a:p>
+        </p:txBody>
+      </p:sp>
+    </p:spTree>
+    <p:extLst>
+      <p:ext uri="{BB962C8B-B14F-4D97-AF65-F5344CB8AC3E}">
+        <p14:creationId xmlns:p14="http://schemas.microsoft.com/office/powerpoint/2010/main" val="2285637734"/>
+      </p:ext>
+    </p:extLst>
+  </p:cSld>
+  <p:clrMapOvr>
+    <a:masterClrMapping/>
+  </p:clrMapOvr>
+</p:notes>
+</file>
+
+<file path=ppt/notesSlides/notesSlide2.xml><?xml version="1.0" encoding="utf-8"?>
+<p:notes xmlns:a="http://schemas.openxmlformats.org/drawingml/2006/main" xmlns:r="http://schemas.openxmlformats.org/officeDocument/2006/relationships" xmlns:p="http://schemas.openxmlformats.org/presentationml/2006/main">
+  <p:cSld>
+    <p:spTree>
+      <p:nvGrpSpPr>
+        <p:cNvPr id="1" name=""/>
+        <p:cNvGrpSpPr/>
+        <p:nvPr/>
+      </p:nvGrpSpPr>
+      <p:grpSpPr>
+        <a:xfrm>
+          <a:off x="0" y="0"/>
+          <a:ext cx="0" cy="0"/>
+          <a:chOff x="0" y="0"/>
+          <a:chExt cx="0" cy="0"/>
+        </a:xfrm>
+      </p:grpSpPr>
+      <p:sp>
+        <p:nvSpPr>
+          <p:cNvPr id="2" name="投影片圖像版面配置區 1"/>
+          <p:cNvSpPr>
+            <a:spLocks noGrp="1" noRot="1" noChangeAspect="1"/>
+          </p:cNvSpPr>
+          <p:nvPr>
+            <p:ph type="sldImg"/>
+          </p:nvPr>
+        </p:nvSpPr>
+        <p:spPr/>
+      </p:sp>
+      <p:sp>
+        <p:nvSpPr>
+          <p:cNvPr id="3" name="備忘稿版面配置區 2"/>
+          <p:cNvSpPr>
+            <a:spLocks noGrp="1"/>
+          </p:cNvSpPr>
+          <p:nvPr>
+            <p:ph type="body" idx="1"/>
+          </p:nvPr>
+        </p:nvSpPr>
+        <p:spPr/>
+        <p:txBody>
+          <a:bodyPr/>
+          <a:lstStyle/>
+          <a:p>
+            <a:endParaRPr lang="zh-TW" altLang="en-US" dirty="0"/>
+          </a:p>
+        </p:txBody>
+      </p:sp>
+      <p:sp>
+        <p:nvSpPr>
+          <p:cNvPr id="4" name="投影片編號版面配置區 3"/>
+          <p:cNvSpPr>
+            <a:spLocks noGrp="1"/>
+          </p:cNvSpPr>
+          <p:nvPr>
+            <p:ph type="sldNum" sz="quarter" idx="10"/>
+          </p:nvPr>
+        </p:nvSpPr>
+        <p:spPr/>
+        <p:txBody>
+          <a:bodyPr/>
+          <a:lstStyle/>
+          <a:p>
+            <a:fld id="{45E986CC-E59F-4321-B74F-AE936737EE90}" type="slidenum">
+              <a:rPr lang="zh-TW" altLang="en-US" smtClean="0"/>
+              <a:t>9</a:t>
+            </a:fld>
+            <a:endParaRPr lang="zh-TW" altLang="en-US"/>
+          </a:p>
+        </p:txBody>
+      </p:sp>
+    </p:spTree>
+    <p:extLst>
+      <p:ext uri="{BB962C8B-B14F-4D97-AF65-F5344CB8AC3E}">
+        <p14:creationId xmlns:p14="http://schemas.microsoft.com/office/powerpoint/2010/main" val="3277111900"/>
+      </p:ext>
+    </p:extLst>
+  </p:cSld>
+  <p:clrMapOvr>
+    <a:masterClrMapping/>
+  </p:clrMapOvr>
+</p:notes>
 </file>
 
 <file path=ppt/slideLayouts/slideLayout1.xml><?xml version="1.0" encoding="utf-8"?>
@@ -2986,8 +3506,8 @@
         </p:nvSpPr>
         <p:spPr>
           <a:xfrm>
-            <a:off x="4164158" y="2895600"/>
-            <a:ext cx="3863686" cy="861774"/>
+            <a:off x="4169612" y="2895600"/>
+            <a:ext cx="3852786" cy="861774"/>
           </a:xfrm>
           <a:prstGeom prst="rect">
             <a:avLst/>
@@ -3003,7 +3523,7 @@
             <a:pPr algn="ctr"/>
             <a:r>
               <a:rPr lang="en-US" altLang="zh-TW" sz="2500" dirty="0" smtClean="0"/>
-              <a:t>UX framework for Instagram</a:t>
+              <a:t>UX framework for App Store</a:t>
             </a:r>
           </a:p>
           <a:p>
@@ -3032,516 +3552,6 @@
     <p:extLst>
       <p:ext uri="{BB962C8B-B14F-4D97-AF65-F5344CB8AC3E}">
         <p14:creationId xmlns:p14="http://schemas.microsoft.com/office/powerpoint/2010/main" val="793124047"/>
-      </p:ext>
-    </p:extLst>
-  </p:cSld>
-  <p:clrMapOvr>
-    <a:masterClrMapping/>
-  </p:clrMapOvr>
-  <p:timing>
-    <p:tnLst>
-      <p:par>
-        <p:cTn id="1" dur="indefinite" restart="never" nodeType="tmRoot"/>
-      </p:par>
-    </p:tnLst>
-  </p:timing>
-</p:sld>
-</file>
-
-<file path=ppt/slides/slide10.xml><?xml version="1.0" encoding="utf-8"?>
-<p:sld xmlns:a="http://schemas.openxmlformats.org/drawingml/2006/main" xmlns:r="http://schemas.openxmlformats.org/officeDocument/2006/relationships" xmlns:p="http://schemas.openxmlformats.org/presentationml/2006/main">
-  <p:cSld>
-    <p:spTree>
-      <p:nvGrpSpPr>
-        <p:cNvPr id="1" name=""/>
-        <p:cNvGrpSpPr/>
-        <p:nvPr/>
-      </p:nvGrpSpPr>
-      <p:grpSpPr>
-        <a:xfrm>
-          <a:off x="0" y="0"/>
-          <a:ext cx="0" cy="0"/>
-          <a:chOff x="0" y="0"/>
-          <a:chExt cx="0" cy="0"/>
-        </a:xfrm>
-      </p:grpSpPr>
-      <p:sp>
-        <p:nvSpPr>
-          <p:cNvPr id="4" name="文字方塊 3"/>
-          <p:cNvSpPr txBox="1"/>
-          <p:nvPr/>
-        </p:nvSpPr>
-        <p:spPr>
-          <a:xfrm>
-            <a:off x="270933" y="333215"/>
-            <a:ext cx="1470274" cy="523220"/>
-          </a:xfrm>
-          <a:prstGeom prst="rect">
-            <a:avLst/>
-          </a:prstGeom>
-          <a:noFill/>
-        </p:spPr>
-        <p:txBody>
-          <a:bodyPr wrap="none" rtlCol="0">
-            <a:spAutoFit/>
-          </a:bodyPr>
-          <a:lstStyle/>
-          <a:p>
-            <a:r>
-              <a:rPr lang="en-US" altLang="zh-TW" sz="2800" dirty="0" smtClean="0"/>
-              <a:t>3-3.</a:t>
-            </a:r>
-            <a:r>
-              <a:rPr lang="zh-TW" altLang="en-US" sz="2800" dirty="0" smtClean="0"/>
-              <a:t>圖示</a:t>
-            </a:r>
-            <a:endParaRPr lang="zh-TW" altLang="en-US" sz="2800" dirty="0"/>
-          </a:p>
-        </p:txBody>
-      </p:sp>
-      <p:pic>
-        <p:nvPicPr>
-          <p:cNvPr id="10" name="圖片 9"/>
-          <p:cNvPicPr>
-            <a:picLocks noChangeAspect="1"/>
-          </p:cNvPicPr>
-          <p:nvPr/>
-        </p:nvPicPr>
-        <p:blipFill>
-          <a:blip r:embed="rId2" cstate="print">
-            <a:extLst>
-              <a:ext uri="{28A0092B-C50C-407E-A947-70E740481C1C}">
-                <a14:useLocalDpi xmlns:a14="http://schemas.microsoft.com/office/drawing/2010/main" val="0"/>
-              </a:ext>
-            </a:extLst>
-          </a:blip>
-          <a:stretch>
-            <a:fillRect/>
-          </a:stretch>
-        </p:blipFill>
-        <p:spPr>
-          <a:xfrm>
-            <a:off x="139837" y="1372565"/>
-            <a:ext cx="1709056" cy="3391128"/>
-          </a:xfrm>
-          <a:prstGeom prst="rect">
-            <a:avLst/>
-          </a:prstGeom>
-        </p:spPr>
-      </p:pic>
-      <p:pic>
-        <p:nvPicPr>
-          <p:cNvPr id="14" name="圖片 13"/>
-          <p:cNvPicPr>
-            <a:picLocks noChangeAspect="1"/>
-          </p:cNvPicPr>
-          <p:nvPr/>
-        </p:nvPicPr>
-        <p:blipFill>
-          <a:blip r:embed="rId3" cstate="print">
-            <a:extLst>
-              <a:ext uri="{28A0092B-C50C-407E-A947-70E740481C1C}">
-                <a14:useLocalDpi xmlns:a14="http://schemas.microsoft.com/office/drawing/2010/main" val="0"/>
-              </a:ext>
-            </a:extLst>
-          </a:blip>
-          <a:stretch>
-            <a:fillRect/>
-          </a:stretch>
-        </p:blipFill>
-        <p:spPr>
-          <a:xfrm>
-            <a:off x="4222317" y="1357767"/>
-            <a:ext cx="1716515" cy="3405926"/>
-          </a:xfrm>
-          <a:prstGeom prst="rect">
-            <a:avLst/>
-          </a:prstGeom>
-        </p:spPr>
-      </p:pic>
-      <p:pic>
-        <p:nvPicPr>
-          <p:cNvPr id="162" name="圖片 161"/>
-          <p:cNvPicPr>
-            <a:picLocks noChangeAspect="1"/>
-          </p:cNvPicPr>
-          <p:nvPr/>
-        </p:nvPicPr>
-        <p:blipFill>
-          <a:blip r:embed="rId4" cstate="print">
-            <a:extLst>
-              <a:ext uri="{28A0092B-C50C-407E-A947-70E740481C1C}">
-                <a14:useLocalDpi xmlns:a14="http://schemas.microsoft.com/office/drawing/2010/main" val="0"/>
-              </a:ext>
-            </a:extLst>
-          </a:blip>
-          <a:stretch>
-            <a:fillRect/>
-          </a:stretch>
-        </p:blipFill>
-        <p:spPr>
-          <a:xfrm>
-            <a:off x="6273740" y="1370992"/>
-            <a:ext cx="1709849" cy="3392701"/>
-          </a:xfrm>
-          <a:prstGeom prst="rect">
-            <a:avLst/>
-          </a:prstGeom>
-        </p:spPr>
-      </p:pic>
-      <p:sp>
-        <p:nvSpPr>
-          <p:cNvPr id="347" name="文字方塊 346"/>
-          <p:cNvSpPr txBox="1"/>
-          <p:nvPr/>
-        </p:nvSpPr>
-        <p:spPr>
-          <a:xfrm>
-            <a:off x="406063" y="4876167"/>
-            <a:ext cx="1176604" cy="646331"/>
-          </a:xfrm>
-          <a:prstGeom prst="rect">
-            <a:avLst/>
-          </a:prstGeom>
-          <a:noFill/>
-        </p:spPr>
-        <p:txBody>
-          <a:bodyPr wrap="square" rtlCol="0">
-            <a:spAutoFit/>
-          </a:bodyPr>
-          <a:lstStyle/>
-          <a:p>
-            <a:pPr algn="ctr"/>
-            <a:r>
-              <a:rPr lang="zh-TW" altLang="en-US" dirty="0" smtClean="0"/>
-              <a:t>圖 </a:t>
-            </a:r>
-            <a:r>
-              <a:rPr lang="en-US" altLang="zh-TW" dirty="0" smtClean="0"/>
-              <a:t>A</a:t>
-            </a:r>
-          </a:p>
-          <a:p>
-            <a:pPr algn="ctr"/>
-            <a:r>
-              <a:rPr lang="zh-TW" altLang="en-US" dirty="0" smtClean="0"/>
-              <a:t>登入方式</a:t>
-            </a:r>
-            <a:endParaRPr lang="en-US" altLang="zh-TW" dirty="0" smtClean="0"/>
-          </a:p>
-        </p:txBody>
-      </p:sp>
-      <p:sp>
-        <p:nvSpPr>
-          <p:cNvPr id="348" name="文字方塊 347"/>
-          <p:cNvSpPr txBox="1"/>
-          <p:nvPr/>
-        </p:nvSpPr>
-        <p:spPr>
-          <a:xfrm>
-            <a:off x="2449846" y="4876167"/>
-            <a:ext cx="1171518" cy="646331"/>
-          </a:xfrm>
-          <a:prstGeom prst="rect">
-            <a:avLst/>
-          </a:prstGeom>
-          <a:noFill/>
-        </p:spPr>
-        <p:txBody>
-          <a:bodyPr wrap="square" rtlCol="0">
-            <a:spAutoFit/>
-          </a:bodyPr>
-          <a:lstStyle/>
-          <a:p>
-            <a:pPr algn="ctr"/>
-            <a:r>
-              <a:rPr lang="zh-TW" altLang="en-US" dirty="0" smtClean="0"/>
-              <a:t>圖 </a:t>
-            </a:r>
-            <a:r>
-              <a:rPr lang="en-US" altLang="zh-TW" dirty="0" smtClean="0"/>
-              <a:t>B</a:t>
-            </a:r>
-          </a:p>
-          <a:p>
-            <a:pPr algn="ctr"/>
-            <a:r>
-              <a:rPr lang="zh-TW" altLang="en-US" dirty="0" smtClean="0"/>
-              <a:t>確認同意</a:t>
-            </a:r>
-            <a:endParaRPr lang="zh-TW" altLang="en-US" dirty="0"/>
-          </a:p>
-        </p:txBody>
-      </p:sp>
-      <p:sp>
-        <p:nvSpPr>
-          <p:cNvPr id="349" name="文字方塊 348"/>
-          <p:cNvSpPr txBox="1"/>
-          <p:nvPr/>
-        </p:nvSpPr>
-        <p:spPr>
-          <a:xfrm>
-            <a:off x="4746466" y="4876167"/>
-            <a:ext cx="668215" cy="646331"/>
-          </a:xfrm>
-          <a:prstGeom prst="rect">
-            <a:avLst/>
-          </a:prstGeom>
-          <a:noFill/>
-        </p:spPr>
-        <p:txBody>
-          <a:bodyPr wrap="square" rtlCol="0">
-            <a:spAutoFit/>
-          </a:bodyPr>
-          <a:lstStyle/>
-          <a:p>
-            <a:pPr algn="ctr"/>
-            <a:r>
-              <a:rPr lang="zh-TW" altLang="en-US" dirty="0" smtClean="0"/>
-              <a:t>圖 </a:t>
-            </a:r>
-            <a:r>
-              <a:rPr lang="en-US" altLang="zh-TW" dirty="0" smtClean="0"/>
-              <a:t>C</a:t>
-            </a:r>
-          </a:p>
-          <a:p>
-            <a:pPr algn="ctr"/>
-            <a:r>
-              <a:rPr lang="zh-TW" altLang="en-US" dirty="0"/>
-              <a:t>登入</a:t>
-            </a:r>
-          </a:p>
-        </p:txBody>
-      </p:sp>
-      <p:sp>
-        <p:nvSpPr>
-          <p:cNvPr id="350" name="文字方塊 349"/>
-          <p:cNvSpPr txBox="1"/>
-          <p:nvPr/>
-        </p:nvSpPr>
-        <p:spPr>
-          <a:xfrm>
-            <a:off x="6539783" y="4876167"/>
-            <a:ext cx="1180494" cy="646331"/>
-          </a:xfrm>
-          <a:prstGeom prst="rect">
-            <a:avLst/>
-          </a:prstGeom>
-          <a:noFill/>
-        </p:spPr>
-        <p:txBody>
-          <a:bodyPr wrap="square" rtlCol="0">
-            <a:spAutoFit/>
-          </a:bodyPr>
-          <a:lstStyle/>
-          <a:p>
-            <a:pPr algn="ctr"/>
-            <a:r>
-              <a:rPr lang="zh-TW" altLang="en-US" dirty="0" smtClean="0"/>
-              <a:t>圖 </a:t>
-            </a:r>
-            <a:r>
-              <a:rPr lang="en-US" altLang="zh-TW" dirty="0" smtClean="0"/>
-              <a:t>D</a:t>
-            </a:r>
-          </a:p>
-          <a:p>
-            <a:pPr algn="ctr"/>
-            <a:r>
-              <a:rPr lang="zh-TW" altLang="en-US" dirty="0" smtClean="0"/>
-              <a:t>輸入密碼</a:t>
-            </a:r>
-            <a:endParaRPr lang="zh-TW" altLang="en-US" dirty="0"/>
-          </a:p>
-        </p:txBody>
-      </p:sp>
-      <p:pic>
-        <p:nvPicPr>
-          <p:cNvPr id="351" name="圖片 350"/>
-          <p:cNvPicPr>
-            <a:picLocks noChangeAspect="1"/>
-          </p:cNvPicPr>
-          <p:nvPr/>
-        </p:nvPicPr>
-        <p:blipFill>
-          <a:blip r:embed="rId5" cstate="print">
-            <a:extLst>
-              <a:ext uri="{28A0092B-C50C-407E-A947-70E740481C1C}">
-                <a14:useLocalDpi xmlns:a14="http://schemas.microsoft.com/office/drawing/2010/main" val="0"/>
-              </a:ext>
-            </a:extLst>
-          </a:blip>
-          <a:stretch>
-            <a:fillRect/>
-          </a:stretch>
-        </p:blipFill>
-        <p:spPr>
-          <a:xfrm>
-            <a:off x="10356899" y="1370992"/>
-            <a:ext cx="1709848" cy="3392701"/>
-          </a:xfrm>
-          <a:prstGeom prst="rect">
-            <a:avLst/>
-          </a:prstGeom>
-        </p:spPr>
-      </p:pic>
-      <p:sp>
-        <p:nvSpPr>
-          <p:cNvPr id="352" name="文字方塊 351"/>
-          <p:cNvSpPr txBox="1"/>
-          <p:nvPr/>
-        </p:nvSpPr>
-        <p:spPr>
-          <a:xfrm>
-            <a:off x="8582597" y="4876167"/>
-            <a:ext cx="1175296" cy="646331"/>
-          </a:xfrm>
-          <a:prstGeom prst="rect">
-            <a:avLst/>
-          </a:prstGeom>
-          <a:noFill/>
-        </p:spPr>
-        <p:txBody>
-          <a:bodyPr wrap="square" rtlCol="0">
-            <a:spAutoFit/>
-          </a:bodyPr>
-          <a:lstStyle/>
-          <a:p>
-            <a:pPr algn="ctr"/>
-            <a:r>
-              <a:rPr lang="zh-TW" altLang="en-US" dirty="0" smtClean="0"/>
-              <a:t>圖 </a:t>
-            </a:r>
-            <a:r>
-              <a:rPr lang="en-US" altLang="zh-TW" dirty="0" smtClean="0"/>
-              <a:t>E</a:t>
-            </a:r>
-          </a:p>
-          <a:p>
-            <a:pPr algn="ctr"/>
-            <a:r>
-              <a:rPr lang="zh-TW" altLang="en-US" dirty="0" smtClean="0"/>
-              <a:t>驗證</a:t>
-            </a:r>
-            <a:r>
-              <a:rPr lang="zh-TW" altLang="en-US" dirty="0"/>
-              <a:t>失</a:t>
-            </a:r>
-            <a:r>
-              <a:rPr lang="zh-TW" altLang="en-US" dirty="0" smtClean="0"/>
-              <a:t>敗</a:t>
-            </a:r>
-            <a:endParaRPr lang="zh-TW" altLang="en-US" dirty="0"/>
-          </a:p>
-        </p:txBody>
-      </p:sp>
-      <p:pic>
-        <p:nvPicPr>
-          <p:cNvPr id="2" name="圖片 1"/>
-          <p:cNvPicPr>
-            <a:picLocks noChangeAspect="1"/>
-          </p:cNvPicPr>
-          <p:nvPr/>
-        </p:nvPicPr>
-        <p:blipFill>
-          <a:blip r:embed="rId6">
-            <a:extLst>
-              <a:ext uri="{28A0092B-C50C-407E-A947-70E740481C1C}">
-                <a14:useLocalDpi xmlns:a14="http://schemas.microsoft.com/office/drawing/2010/main" val="0"/>
-              </a:ext>
-            </a:extLst>
-          </a:blip>
-          <a:stretch>
-            <a:fillRect/>
-          </a:stretch>
-        </p:blipFill>
-        <p:spPr>
-          <a:xfrm>
-            <a:off x="8318497" y="1383597"/>
-            <a:ext cx="1703496" cy="3380096"/>
-          </a:xfrm>
-          <a:prstGeom prst="rect">
-            <a:avLst/>
-          </a:prstGeom>
-        </p:spPr>
-      </p:pic>
-      <p:pic>
-        <p:nvPicPr>
-          <p:cNvPr id="3" name="圖片 2"/>
-          <p:cNvPicPr>
-            <a:picLocks noChangeAspect="1"/>
-          </p:cNvPicPr>
-          <p:nvPr/>
-        </p:nvPicPr>
-        <p:blipFill>
-          <a:blip r:embed="rId7">
-            <a:extLst>
-              <a:ext uri="{28A0092B-C50C-407E-A947-70E740481C1C}">
-                <a14:useLocalDpi xmlns:a14="http://schemas.microsoft.com/office/drawing/2010/main" val="0"/>
-              </a:ext>
-            </a:extLst>
-          </a:blip>
-          <a:stretch>
-            <a:fillRect/>
-          </a:stretch>
-        </p:blipFill>
-        <p:spPr>
-          <a:xfrm>
-            <a:off x="2183801" y="1383376"/>
-            <a:ext cx="1703608" cy="3380317"/>
-          </a:xfrm>
-          <a:prstGeom prst="rect">
-            <a:avLst/>
-          </a:prstGeom>
-        </p:spPr>
-      </p:pic>
-      <p:sp>
-        <p:nvSpPr>
-          <p:cNvPr id="15" name="文字方塊 14"/>
-          <p:cNvSpPr txBox="1"/>
-          <p:nvPr/>
-        </p:nvSpPr>
-        <p:spPr>
-          <a:xfrm>
-            <a:off x="10558373" y="4876167"/>
-            <a:ext cx="1306899" cy="646331"/>
-          </a:xfrm>
-          <a:prstGeom prst="rect">
-            <a:avLst/>
-          </a:prstGeom>
-          <a:noFill/>
-        </p:spPr>
-        <p:txBody>
-          <a:bodyPr wrap="square" rtlCol="0">
-            <a:spAutoFit/>
-          </a:bodyPr>
-          <a:lstStyle/>
-          <a:p>
-            <a:pPr algn="ctr"/>
-            <a:r>
-              <a:rPr lang="zh-TW" altLang="en-US" dirty="0" smtClean="0"/>
-              <a:t>圖 </a:t>
-            </a:r>
-            <a:r>
-              <a:rPr lang="en-US" altLang="zh-TW" dirty="0" smtClean="0"/>
-              <a:t>F</a:t>
-            </a:r>
-          </a:p>
-          <a:p>
-            <a:pPr algn="ctr"/>
-            <a:r>
-              <a:rPr lang="zh-TW" altLang="en-US" dirty="0" smtClean="0"/>
-              <a:t>下載成功</a:t>
-            </a:r>
-            <a:endParaRPr lang="zh-TW" altLang="en-US" dirty="0"/>
-          </a:p>
-        </p:txBody>
-      </p:sp>
-    </p:spTree>
-    <p:extLst>
-      <p:ext uri="{BB962C8B-B14F-4D97-AF65-F5344CB8AC3E}">
-        <p14:creationId xmlns:p14="http://schemas.microsoft.com/office/powerpoint/2010/main" val="2087520722"/>
       </p:ext>
     </p:extLst>
   </p:cSld>
@@ -7437,681 +7447,53 @@
           <a:chExt cx="0" cy="0"/>
         </a:xfrm>
       </p:grpSpPr>
-      <p:sp>
-        <p:nvSpPr>
-          <p:cNvPr id="3" name="文字方塊 2"/>
-          <p:cNvSpPr txBox="1"/>
-          <p:nvPr/>
-        </p:nvSpPr>
-        <p:spPr>
-          <a:xfrm>
-            <a:off x="5143069" y="197333"/>
-            <a:ext cx="1505862" cy="340519"/>
-          </a:xfrm>
-          <a:prstGeom prst="roundRect">
-            <a:avLst/>
-          </a:prstGeom>
-          <a:noFill/>
-          <a:ln>
-            <a:solidFill>
-              <a:schemeClr val="tx1"/>
-            </a:solidFill>
-          </a:ln>
-        </p:spPr>
-        <p:txBody>
-          <a:bodyPr wrap="square" rtlCol="0">
-            <a:spAutoFit/>
-          </a:bodyPr>
-          <a:lstStyle/>
-          <a:p>
-            <a:pPr algn="ctr"/>
-            <a:r>
-              <a:rPr lang="en-US" altLang="zh-TW" sz="1400" dirty="0" smtClean="0"/>
-              <a:t>App Store</a:t>
-            </a:r>
-            <a:endParaRPr lang="zh-TW" altLang="en-US" sz="1400" dirty="0"/>
-          </a:p>
-        </p:txBody>
-      </p:sp>
-      <p:sp>
-        <p:nvSpPr>
-          <p:cNvPr id="4" name="文字方塊 3"/>
-          <p:cNvSpPr txBox="1"/>
-          <p:nvPr/>
-        </p:nvSpPr>
-        <p:spPr>
-          <a:xfrm>
-            <a:off x="5444594" y="1520456"/>
-            <a:ext cx="902811" cy="307777"/>
-          </a:xfrm>
-          <a:prstGeom prst="rect">
-            <a:avLst/>
-          </a:prstGeom>
-          <a:noFill/>
-          <a:ln>
-            <a:solidFill>
-              <a:schemeClr val="tx1"/>
-            </a:solidFill>
-          </a:ln>
-        </p:spPr>
-        <p:txBody>
-          <a:bodyPr wrap="none" rtlCol="0">
-            <a:spAutoFit/>
-          </a:bodyPr>
-          <a:lstStyle/>
-          <a:p>
-            <a:pPr algn="ctr"/>
-            <a:r>
-              <a:rPr lang="zh-TW" altLang="en-US" sz="1400" dirty="0" smtClean="0"/>
-              <a:t>選擇國</a:t>
-            </a:r>
-            <a:r>
-              <a:rPr lang="zh-TW" altLang="en-US" sz="1400" dirty="0"/>
-              <a:t>家</a:t>
-            </a:r>
-          </a:p>
-        </p:txBody>
-      </p:sp>
-      <p:sp>
-        <p:nvSpPr>
-          <p:cNvPr id="5" name="文字方塊 4"/>
-          <p:cNvSpPr txBox="1"/>
-          <p:nvPr/>
-        </p:nvSpPr>
-        <p:spPr>
-          <a:xfrm>
-            <a:off x="2229470" y="3056741"/>
-            <a:ext cx="1793399" cy="611386"/>
-          </a:xfrm>
-          <a:prstGeom prst="flowChartDecision">
-            <a:avLst/>
-          </a:prstGeom>
-          <a:noFill/>
-          <a:ln>
-            <a:solidFill>
-              <a:schemeClr val="tx1"/>
-            </a:solidFill>
-          </a:ln>
-        </p:spPr>
-        <p:txBody>
-          <a:bodyPr wrap="none" rtlCol="0">
-            <a:spAutoFit/>
-          </a:bodyPr>
-          <a:lstStyle/>
-          <a:p>
-            <a:pPr algn="ctr"/>
-            <a:r>
-              <a:rPr lang="zh-TW" altLang="en-US" sz="1400" dirty="0" smtClean="0"/>
-              <a:t>是否取消</a:t>
-            </a:r>
-            <a:endParaRPr lang="zh-TW" altLang="en-US" sz="1400" dirty="0"/>
-          </a:p>
-        </p:txBody>
-      </p:sp>
-      <p:sp>
-        <p:nvSpPr>
-          <p:cNvPr id="6" name="文字方塊 5"/>
-          <p:cNvSpPr txBox="1"/>
-          <p:nvPr/>
-        </p:nvSpPr>
-        <p:spPr>
-          <a:xfrm>
-            <a:off x="5611822" y="1879224"/>
-            <a:ext cx="1505862" cy="307777"/>
-          </a:xfrm>
-          <a:prstGeom prst="rect">
-            <a:avLst/>
-          </a:prstGeom>
-          <a:noFill/>
-          <a:ln>
-            <a:noFill/>
-          </a:ln>
-        </p:spPr>
-        <p:txBody>
-          <a:bodyPr wrap="square" rtlCol="0">
-            <a:spAutoFit/>
-          </a:bodyPr>
-          <a:lstStyle/>
-          <a:p>
-            <a:pPr algn="ctr"/>
-            <a:r>
-              <a:rPr lang="zh-TW" altLang="en-US" sz="1400" dirty="0" smtClean="0"/>
-              <a:t>下一步</a:t>
-            </a:r>
-            <a:endParaRPr lang="zh-TW" altLang="en-US" sz="1400" dirty="0"/>
-          </a:p>
-        </p:txBody>
-      </p:sp>
-      <p:sp>
-        <p:nvSpPr>
-          <p:cNvPr id="7" name="文字方塊 6"/>
-          <p:cNvSpPr txBox="1"/>
-          <p:nvPr/>
-        </p:nvSpPr>
-        <p:spPr>
-          <a:xfrm>
-            <a:off x="5459108" y="2275516"/>
-            <a:ext cx="902811" cy="307777"/>
-          </a:xfrm>
-          <a:prstGeom prst="rect">
-            <a:avLst/>
-          </a:prstGeom>
-          <a:noFill/>
-          <a:ln>
-            <a:solidFill>
-              <a:schemeClr val="tx1"/>
-            </a:solidFill>
-          </a:ln>
-        </p:spPr>
-        <p:txBody>
-          <a:bodyPr wrap="none" rtlCol="0">
-            <a:spAutoFit/>
-          </a:bodyPr>
-          <a:lstStyle/>
-          <a:p>
-            <a:pPr algn="ctr"/>
-            <a:r>
-              <a:rPr lang="zh-TW" altLang="en-US" sz="1400" dirty="0" smtClean="0"/>
-              <a:t>閱讀條款</a:t>
-            </a:r>
-            <a:endParaRPr lang="zh-TW" altLang="en-US" sz="1400" dirty="0"/>
-          </a:p>
-        </p:txBody>
-      </p:sp>
-      <p:sp>
-        <p:nvSpPr>
-          <p:cNvPr id="8" name="文字方塊 7"/>
-          <p:cNvSpPr txBox="1"/>
-          <p:nvPr/>
-        </p:nvSpPr>
-        <p:spPr>
-          <a:xfrm>
-            <a:off x="5558148" y="2677870"/>
-            <a:ext cx="1505862" cy="307777"/>
-          </a:xfrm>
-          <a:prstGeom prst="rect">
-            <a:avLst/>
-          </a:prstGeom>
-          <a:noFill/>
-          <a:ln>
-            <a:noFill/>
-          </a:ln>
-        </p:spPr>
-        <p:txBody>
-          <a:bodyPr wrap="square" rtlCol="0">
-            <a:spAutoFit/>
-          </a:bodyPr>
-          <a:lstStyle/>
-          <a:p>
-            <a:pPr algn="ctr"/>
-            <a:r>
-              <a:rPr lang="zh-TW" altLang="en-US" sz="1400" dirty="0" smtClean="0"/>
-              <a:t>同意</a:t>
-            </a:r>
-            <a:endParaRPr lang="zh-TW" altLang="en-US" sz="1400" dirty="0"/>
-          </a:p>
-        </p:txBody>
-      </p:sp>
-      <p:sp>
-        <p:nvSpPr>
-          <p:cNvPr id="9" name="文字方塊 8"/>
-          <p:cNvSpPr txBox="1"/>
-          <p:nvPr/>
-        </p:nvSpPr>
-        <p:spPr>
-          <a:xfrm>
-            <a:off x="6825655" y="1988275"/>
-            <a:ext cx="1505862" cy="307777"/>
-          </a:xfrm>
-          <a:prstGeom prst="rect">
-            <a:avLst/>
-          </a:prstGeom>
-          <a:noFill/>
-          <a:ln>
-            <a:noFill/>
-          </a:ln>
-        </p:spPr>
-        <p:txBody>
-          <a:bodyPr wrap="square" rtlCol="0">
-            <a:spAutoFit/>
-          </a:bodyPr>
-          <a:lstStyle/>
-          <a:p>
-            <a:pPr algn="ctr"/>
-            <a:r>
-              <a:rPr lang="zh-TW" altLang="en-US" sz="1400" dirty="0" smtClean="0"/>
-              <a:t>返回</a:t>
-            </a:r>
-            <a:endParaRPr lang="zh-TW" altLang="en-US" sz="1400" dirty="0"/>
-          </a:p>
-        </p:txBody>
-      </p:sp>
-      <p:sp>
-        <p:nvSpPr>
-          <p:cNvPr id="12" name="文字方塊 11"/>
-          <p:cNvSpPr txBox="1"/>
-          <p:nvPr/>
-        </p:nvSpPr>
-        <p:spPr>
-          <a:xfrm>
-            <a:off x="4941180" y="3017812"/>
-            <a:ext cx="1958982" cy="611386"/>
-          </a:xfrm>
-          <a:prstGeom prst="flowChartDecision">
-            <a:avLst/>
-          </a:prstGeom>
-          <a:noFill/>
-          <a:ln>
-            <a:solidFill>
-              <a:schemeClr val="tx1"/>
-            </a:solidFill>
-          </a:ln>
-        </p:spPr>
-        <p:txBody>
-          <a:bodyPr wrap="none" rtlCol="0">
-            <a:spAutoFit/>
-          </a:bodyPr>
-          <a:lstStyle/>
-          <a:p>
-            <a:pPr algn="ctr"/>
-            <a:r>
-              <a:rPr lang="zh-TW" altLang="en-US" sz="1400" dirty="0" smtClean="0"/>
-              <a:t>確定同意</a:t>
-            </a:r>
-            <a:r>
-              <a:rPr lang="en-US" altLang="zh-TW" sz="1400" dirty="0" smtClean="0"/>
-              <a:t>?</a:t>
-            </a:r>
-            <a:endParaRPr lang="zh-TW" altLang="en-US" sz="1400" dirty="0"/>
-          </a:p>
-        </p:txBody>
-      </p:sp>
-      <p:sp>
-        <p:nvSpPr>
-          <p:cNvPr id="13" name="文字方塊 12"/>
-          <p:cNvSpPr txBox="1"/>
-          <p:nvPr/>
-        </p:nvSpPr>
-        <p:spPr>
-          <a:xfrm>
-            <a:off x="5499208" y="3690338"/>
-            <a:ext cx="1505862" cy="307777"/>
-          </a:xfrm>
-          <a:prstGeom prst="rect">
-            <a:avLst/>
-          </a:prstGeom>
-          <a:noFill/>
-          <a:ln>
-            <a:noFill/>
-          </a:ln>
-        </p:spPr>
-        <p:txBody>
-          <a:bodyPr wrap="square" rtlCol="0">
-            <a:spAutoFit/>
-          </a:bodyPr>
-          <a:lstStyle/>
-          <a:p>
-            <a:pPr algn="ctr"/>
-            <a:r>
-              <a:rPr lang="zh-TW" altLang="en-US" sz="1400" dirty="0" smtClean="0"/>
-              <a:t>同意</a:t>
-            </a:r>
-            <a:endParaRPr lang="zh-TW" altLang="en-US" sz="1400" dirty="0"/>
-          </a:p>
-        </p:txBody>
-      </p:sp>
-      <p:sp>
-        <p:nvSpPr>
-          <p:cNvPr id="14" name="文字方塊 13"/>
-          <p:cNvSpPr txBox="1"/>
-          <p:nvPr/>
-        </p:nvSpPr>
-        <p:spPr>
-          <a:xfrm>
-            <a:off x="4139909" y="1343966"/>
-            <a:ext cx="1505862" cy="307777"/>
-          </a:xfrm>
-          <a:prstGeom prst="rect">
-            <a:avLst/>
-          </a:prstGeom>
-          <a:noFill/>
-          <a:ln>
-            <a:noFill/>
-          </a:ln>
-        </p:spPr>
-        <p:txBody>
-          <a:bodyPr wrap="square" rtlCol="0">
-            <a:spAutoFit/>
-          </a:bodyPr>
-          <a:lstStyle/>
-          <a:p>
-            <a:pPr algn="ctr"/>
-            <a:r>
-              <a:rPr lang="zh-TW" altLang="en-US" sz="1400" dirty="0" smtClean="0"/>
-              <a:t>取</a:t>
-            </a:r>
-            <a:r>
-              <a:rPr lang="zh-TW" altLang="en-US" sz="1400" dirty="0"/>
-              <a:t>消</a:t>
-            </a:r>
-          </a:p>
-        </p:txBody>
-      </p:sp>
-      <p:sp>
-        <p:nvSpPr>
-          <p:cNvPr id="15" name="文字方塊 14"/>
-          <p:cNvSpPr txBox="1"/>
-          <p:nvPr/>
-        </p:nvSpPr>
-        <p:spPr>
-          <a:xfrm>
-            <a:off x="6831104" y="3007953"/>
-            <a:ext cx="1505862" cy="307777"/>
-          </a:xfrm>
-          <a:prstGeom prst="rect">
-            <a:avLst/>
-          </a:prstGeom>
-          <a:noFill/>
-          <a:ln>
-            <a:noFill/>
-          </a:ln>
-        </p:spPr>
-        <p:txBody>
-          <a:bodyPr wrap="square" rtlCol="0">
-            <a:spAutoFit/>
-          </a:bodyPr>
-          <a:lstStyle/>
-          <a:p>
-            <a:pPr algn="ctr"/>
-            <a:r>
-              <a:rPr lang="zh-TW" altLang="en-US" sz="1400" dirty="0" smtClean="0"/>
-              <a:t>取</a:t>
-            </a:r>
-            <a:r>
-              <a:rPr lang="zh-TW" altLang="en-US" sz="1400" dirty="0"/>
-              <a:t>消</a:t>
-            </a:r>
-          </a:p>
-        </p:txBody>
-      </p:sp>
-      <p:sp>
-        <p:nvSpPr>
-          <p:cNvPr id="16" name="文字方塊 15"/>
-          <p:cNvSpPr txBox="1"/>
-          <p:nvPr/>
-        </p:nvSpPr>
-        <p:spPr>
-          <a:xfrm>
-            <a:off x="5444594" y="4074134"/>
-            <a:ext cx="902811" cy="307777"/>
-          </a:xfrm>
-          <a:prstGeom prst="rect">
-            <a:avLst/>
-          </a:prstGeom>
-          <a:noFill/>
-          <a:ln>
-            <a:solidFill>
-              <a:schemeClr val="tx1"/>
-            </a:solidFill>
-          </a:ln>
-        </p:spPr>
-        <p:txBody>
-          <a:bodyPr wrap="none" rtlCol="0">
-            <a:spAutoFit/>
-          </a:bodyPr>
-          <a:lstStyle/>
-          <a:p>
-            <a:pPr algn="ctr"/>
-            <a:r>
-              <a:rPr lang="zh-TW" altLang="en-US" sz="1400" dirty="0" smtClean="0"/>
-              <a:t>填寫資料</a:t>
-            </a:r>
-            <a:endParaRPr lang="zh-TW" altLang="en-US" sz="1400" dirty="0"/>
-          </a:p>
-        </p:txBody>
-      </p:sp>
-      <p:sp>
-        <p:nvSpPr>
-          <p:cNvPr id="18" name="文字方塊 17"/>
-          <p:cNvSpPr txBox="1"/>
-          <p:nvPr/>
-        </p:nvSpPr>
-        <p:spPr>
-          <a:xfrm>
-            <a:off x="5543990" y="4435989"/>
-            <a:ext cx="1505862" cy="307777"/>
-          </a:xfrm>
-          <a:prstGeom prst="rect">
-            <a:avLst/>
-          </a:prstGeom>
-          <a:noFill/>
-          <a:ln>
-            <a:noFill/>
-          </a:ln>
-        </p:spPr>
-        <p:txBody>
-          <a:bodyPr wrap="square" rtlCol="0">
-            <a:spAutoFit/>
-          </a:bodyPr>
-          <a:lstStyle/>
-          <a:p>
-            <a:pPr algn="ctr"/>
-            <a:r>
-              <a:rPr lang="zh-TW" altLang="en-US" sz="1400" dirty="0" smtClean="0"/>
-              <a:t>下一步</a:t>
-            </a:r>
-            <a:endParaRPr lang="zh-TW" altLang="en-US" sz="1400" dirty="0"/>
-          </a:p>
-        </p:txBody>
-      </p:sp>
-      <p:sp>
-        <p:nvSpPr>
-          <p:cNvPr id="19" name="文字方塊 18"/>
-          <p:cNvSpPr txBox="1"/>
-          <p:nvPr/>
-        </p:nvSpPr>
-        <p:spPr>
-          <a:xfrm>
-            <a:off x="4931021" y="4784485"/>
-            <a:ext cx="1958982" cy="611386"/>
-          </a:xfrm>
-          <a:prstGeom prst="flowChartDecision">
-            <a:avLst/>
-          </a:prstGeom>
-          <a:noFill/>
-          <a:ln>
-            <a:solidFill>
-              <a:schemeClr val="tx1"/>
-            </a:solidFill>
-          </a:ln>
-        </p:spPr>
-        <p:txBody>
-          <a:bodyPr wrap="none" rtlCol="0">
-            <a:spAutoFit/>
-          </a:bodyPr>
-          <a:lstStyle/>
-          <a:p>
-            <a:pPr algn="ctr"/>
-            <a:r>
-              <a:rPr lang="zh-TW" altLang="en-US" sz="1400" dirty="0" smtClean="0"/>
-              <a:t>填寫完成</a:t>
-            </a:r>
-            <a:r>
-              <a:rPr lang="en-US" altLang="zh-TW" sz="1400" dirty="0" smtClean="0"/>
-              <a:t>?</a:t>
-            </a:r>
-            <a:endParaRPr lang="zh-TW" altLang="en-US" sz="1400" dirty="0"/>
-          </a:p>
-        </p:txBody>
-      </p:sp>
-      <p:sp>
-        <p:nvSpPr>
-          <p:cNvPr id="20" name="文字方塊 19"/>
-          <p:cNvSpPr txBox="1"/>
-          <p:nvPr/>
-        </p:nvSpPr>
-        <p:spPr>
-          <a:xfrm>
-            <a:off x="5317404" y="5843210"/>
-            <a:ext cx="1261884" cy="307777"/>
-          </a:xfrm>
-          <a:prstGeom prst="rect">
-            <a:avLst/>
-          </a:prstGeom>
-          <a:noFill/>
-          <a:ln>
-            <a:solidFill>
-              <a:schemeClr val="tx1"/>
-            </a:solidFill>
-          </a:ln>
-        </p:spPr>
-        <p:txBody>
-          <a:bodyPr wrap="none" rtlCol="0">
-            <a:spAutoFit/>
-          </a:bodyPr>
-          <a:lstStyle/>
-          <a:p>
-            <a:pPr algn="ctr"/>
-            <a:r>
-              <a:rPr lang="zh-TW" altLang="en-US" sz="1400" dirty="0" smtClean="0"/>
-              <a:t>填寫付款方</a:t>
-            </a:r>
-            <a:r>
-              <a:rPr lang="zh-TW" altLang="en-US" sz="1400" dirty="0"/>
-              <a:t>式</a:t>
-            </a:r>
-          </a:p>
-        </p:txBody>
-      </p:sp>
-      <p:sp>
-        <p:nvSpPr>
-          <p:cNvPr id="21" name="文字方塊 20"/>
-          <p:cNvSpPr txBox="1"/>
-          <p:nvPr/>
-        </p:nvSpPr>
-        <p:spPr>
-          <a:xfrm>
-            <a:off x="7496705" y="5676223"/>
-            <a:ext cx="1958982" cy="611386"/>
-          </a:xfrm>
-          <a:prstGeom prst="flowChartDecision">
-            <a:avLst/>
-          </a:prstGeom>
-          <a:noFill/>
-          <a:ln>
-            <a:solidFill>
-              <a:schemeClr val="tx1"/>
-            </a:solidFill>
-          </a:ln>
-        </p:spPr>
-        <p:txBody>
-          <a:bodyPr wrap="none" rtlCol="0">
-            <a:spAutoFit/>
-          </a:bodyPr>
-          <a:lstStyle/>
-          <a:p>
-            <a:pPr algn="ctr"/>
-            <a:r>
-              <a:rPr lang="zh-TW" altLang="en-US" sz="1400" dirty="0" smtClean="0"/>
-              <a:t>填寫完成</a:t>
-            </a:r>
-            <a:r>
-              <a:rPr lang="en-US" altLang="zh-TW" sz="1400" dirty="0" smtClean="0"/>
-              <a:t>?</a:t>
-            </a:r>
-            <a:endParaRPr lang="zh-TW" altLang="en-US" sz="1400" dirty="0"/>
-          </a:p>
-        </p:txBody>
-      </p:sp>
-      <p:sp>
-        <p:nvSpPr>
-          <p:cNvPr id="22" name="文字方塊 21"/>
-          <p:cNvSpPr txBox="1"/>
-          <p:nvPr/>
-        </p:nvSpPr>
-        <p:spPr>
-          <a:xfrm>
-            <a:off x="10053951" y="5817810"/>
-            <a:ext cx="902811" cy="307777"/>
-          </a:xfrm>
-          <a:prstGeom prst="rect">
-            <a:avLst/>
-          </a:prstGeom>
-          <a:noFill/>
-          <a:ln>
-            <a:solidFill>
-              <a:schemeClr val="tx1"/>
-            </a:solidFill>
-          </a:ln>
-        </p:spPr>
-        <p:txBody>
-          <a:bodyPr wrap="none" rtlCol="0">
-            <a:spAutoFit/>
-          </a:bodyPr>
-          <a:lstStyle/>
-          <a:p>
-            <a:pPr algn="ctr"/>
-            <a:r>
-              <a:rPr lang="zh-TW" altLang="en-US" sz="1400" dirty="0" smtClean="0"/>
-              <a:t>驗證帳號</a:t>
-            </a:r>
-            <a:endParaRPr lang="zh-TW" altLang="en-US" sz="1400" dirty="0"/>
-          </a:p>
-        </p:txBody>
-      </p:sp>
-      <p:sp>
-        <p:nvSpPr>
-          <p:cNvPr id="23" name="文字方塊 22"/>
-          <p:cNvSpPr txBox="1"/>
-          <p:nvPr/>
-        </p:nvSpPr>
-        <p:spPr>
-          <a:xfrm>
-            <a:off x="11345684" y="5817808"/>
-            <a:ext cx="543739" cy="307777"/>
-          </a:xfrm>
-          <a:prstGeom prst="rect">
-            <a:avLst/>
-          </a:prstGeom>
-          <a:noFill/>
-          <a:ln>
-            <a:solidFill>
-              <a:schemeClr val="tx1"/>
-            </a:solidFill>
-          </a:ln>
-        </p:spPr>
-        <p:txBody>
-          <a:bodyPr wrap="none" rtlCol="0">
-            <a:spAutoFit/>
-          </a:bodyPr>
-          <a:lstStyle/>
-          <a:p>
-            <a:pPr algn="ctr"/>
-            <a:r>
-              <a:rPr lang="zh-TW" altLang="en-US" sz="1400" dirty="0" smtClean="0"/>
-              <a:t>完成</a:t>
-            </a:r>
-            <a:endParaRPr lang="zh-TW" altLang="en-US" sz="1400" dirty="0"/>
-          </a:p>
-        </p:txBody>
-      </p:sp>
+      <p:pic>
+        <p:nvPicPr>
+          <p:cNvPr id="27" name="圖片 26"/>
+          <p:cNvPicPr>
+            <a:picLocks noChangeAspect="1"/>
+          </p:cNvPicPr>
+          <p:nvPr/>
+        </p:nvPicPr>
+        <p:blipFill>
+          <a:blip r:embed="rId3" cstate="print">
+            <a:extLst>
+              <a:ext uri="{28A0092B-C50C-407E-A947-70E740481C1C}">
+                <a14:useLocalDpi xmlns:a14="http://schemas.microsoft.com/office/drawing/2010/main" val="0"/>
+              </a:ext>
+            </a:extLst>
+          </a:blip>
+          <a:stretch>
+            <a:fillRect/>
+          </a:stretch>
+        </p:blipFill>
+        <p:spPr>
+          <a:xfrm>
+            <a:off x="7030227" y="1187127"/>
+            <a:ext cx="1010381" cy="2004809"/>
+          </a:xfrm>
+          <a:prstGeom prst="rect">
+            <a:avLst/>
+          </a:prstGeom>
+        </p:spPr>
+      </p:pic>
       <p:cxnSp>
         <p:nvCxnSpPr>
-          <p:cNvPr id="25" name="直線單箭頭接點 24"/>
+          <p:cNvPr id="129" name="直線單箭頭接點 128"/>
           <p:cNvCxnSpPr/>
           <p:nvPr/>
         </p:nvCxnSpPr>
         <p:spPr>
-          <a:xfrm flipH="1">
-            <a:off x="5879373" y="573931"/>
-            <a:ext cx="2" cy="226986"/>
+          <a:xfrm>
+            <a:off x="2992078" y="2211957"/>
+            <a:ext cx="988248" cy="0"/>
           </a:xfrm>
           <a:prstGeom prst="straightConnector1">
             <a:avLst/>
           </a:prstGeom>
           <a:ln w="19050">
             <a:solidFill>
-              <a:schemeClr val="tx1"/>
+              <a:srgbClr val="FF0000"/>
             </a:solidFill>
             <a:tailEnd type="triangle"/>
           </a:ln>
@@ -8133,22 +7515,1046 @@
       </p:cxnSp>
       <p:cxnSp>
         <p:nvCxnSpPr>
-          <p:cNvPr id="26" name="直線接點 25"/>
+          <p:cNvPr id="140" name="直線單箭頭接點 139"/>
           <p:cNvCxnSpPr/>
           <p:nvPr/>
         </p:nvCxnSpPr>
         <p:spPr>
           <a:xfrm>
-            <a:off x="6425572" y="2380644"/>
-            <a:ext cx="1513545" cy="0"/>
-          </a:xfrm>
-          <a:prstGeom prst="line">
+            <a:off x="7853311" y="2198704"/>
+            <a:ext cx="829521" cy="0"/>
+          </a:xfrm>
+          <a:prstGeom prst="straightConnector1">
+            <a:avLst/>
+          </a:prstGeom>
+          <a:ln w="19050">
+            <a:solidFill>
+              <a:srgbClr val="FF0000"/>
+            </a:solidFill>
+            <a:tailEnd type="triangle"/>
+          </a:ln>
+        </p:spPr>
+        <p:style>
+          <a:lnRef idx="1">
+            <a:schemeClr val="accent1"/>
+          </a:lnRef>
+          <a:fillRef idx="0">
+            <a:schemeClr val="accent1"/>
+          </a:fillRef>
+          <a:effectRef idx="0">
+            <a:schemeClr val="accent1"/>
+          </a:effectRef>
+          <a:fontRef idx="minor">
+            <a:schemeClr val="tx1"/>
+          </a:fontRef>
+        </p:style>
+      </p:cxnSp>
+      <p:pic>
+        <p:nvPicPr>
+          <p:cNvPr id="4" name="圖片 3"/>
+          <p:cNvPicPr>
+            <a:picLocks noChangeAspect="1"/>
+          </p:cNvPicPr>
+          <p:nvPr/>
+        </p:nvPicPr>
+        <p:blipFill>
+          <a:blip r:embed="rId4" cstate="print">
+            <a:extLst>
+              <a:ext uri="{28A0092B-C50C-407E-A947-70E740481C1C}">
+                <a14:useLocalDpi xmlns:a14="http://schemas.microsoft.com/office/drawing/2010/main" val="0"/>
+              </a:ext>
+            </a:extLst>
+          </a:blip>
+          <a:stretch>
+            <a:fillRect/>
+          </a:stretch>
+        </p:blipFill>
+        <p:spPr>
+          <a:xfrm>
+            <a:off x="2061410" y="1208995"/>
+            <a:ext cx="999360" cy="1982941"/>
+          </a:xfrm>
+          <a:prstGeom prst="rect">
+            <a:avLst/>
+          </a:prstGeom>
+        </p:spPr>
+      </p:pic>
+      <p:sp>
+        <p:nvSpPr>
+          <p:cNvPr id="2" name="文字方塊 1"/>
+          <p:cNvSpPr txBox="1"/>
+          <p:nvPr/>
+        </p:nvSpPr>
+        <p:spPr>
+          <a:xfrm>
+            <a:off x="179519" y="2036229"/>
+            <a:ext cx="1505862" cy="340519"/>
+          </a:xfrm>
+          <a:prstGeom prst="roundRect">
+            <a:avLst/>
+          </a:prstGeom>
+          <a:solidFill>
+            <a:schemeClr val="accent1">
+              <a:lumMod val="40000"/>
+              <a:lumOff val="60000"/>
+            </a:schemeClr>
+          </a:solidFill>
+          <a:ln>
+            <a:solidFill>
+              <a:schemeClr val="tx1"/>
+            </a:solidFill>
+          </a:ln>
+        </p:spPr>
+        <p:txBody>
+          <a:bodyPr wrap="square" rtlCol="0">
+            <a:spAutoFit/>
+          </a:bodyPr>
+          <a:lstStyle/>
+          <a:p>
+            <a:pPr algn="ctr"/>
+            <a:r>
+              <a:rPr lang="en-US" altLang="zh-TW" sz="1400" dirty="0" smtClean="0"/>
+              <a:t>App Store</a:t>
+            </a:r>
+            <a:endParaRPr lang="zh-TW" altLang="en-US" sz="1400" dirty="0"/>
+          </a:p>
+        </p:txBody>
+      </p:sp>
+      <p:sp>
+        <p:nvSpPr>
+          <p:cNvPr id="3" name="文字方塊 2"/>
+          <p:cNvSpPr txBox="1"/>
+          <p:nvPr/>
+        </p:nvSpPr>
+        <p:spPr>
+          <a:xfrm>
+            <a:off x="3986522" y="2033546"/>
+            <a:ext cx="902811" cy="307777"/>
+          </a:xfrm>
+          <a:prstGeom prst="rect">
+            <a:avLst/>
+          </a:prstGeom>
+          <a:noFill/>
+          <a:ln>
+            <a:solidFill>
+              <a:schemeClr val="tx1"/>
+            </a:solidFill>
+          </a:ln>
+        </p:spPr>
+        <p:txBody>
+          <a:bodyPr wrap="none" rtlCol="0">
+            <a:spAutoFit/>
+          </a:bodyPr>
+          <a:lstStyle/>
+          <a:p>
+            <a:pPr algn="ctr"/>
+            <a:r>
+              <a:rPr lang="zh-TW" altLang="en-US" sz="1400" dirty="0" smtClean="0"/>
+              <a:t>選擇國家</a:t>
+            </a:r>
+            <a:endParaRPr lang="zh-TW" altLang="en-US" sz="1400" dirty="0"/>
+          </a:p>
+        </p:txBody>
+      </p:sp>
+      <p:sp>
+        <p:nvSpPr>
+          <p:cNvPr id="5" name="文字方塊 4"/>
+          <p:cNvSpPr txBox="1"/>
+          <p:nvPr/>
+        </p:nvSpPr>
+        <p:spPr>
+          <a:xfrm>
+            <a:off x="4408801" y="1854342"/>
+            <a:ext cx="1505862" cy="276999"/>
+          </a:xfrm>
+          <a:prstGeom prst="rect">
+            <a:avLst/>
+          </a:prstGeom>
+          <a:noFill/>
+          <a:ln>
+            <a:noFill/>
+          </a:ln>
+        </p:spPr>
+        <p:txBody>
+          <a:bodyPr wrap="square" rtlCol="0">
+            <a:spAutoFit/>
+          </a:bodyPr>
+          <a:lstStyle/>
+          <a:p>
+            <a:pPr algn="ctr"/>
+            <a:r>
+              <a:rPr lang="zh-TW" altLang="en-US" sz="1200" dirty="0" smtClean="0"/>
+              <a:t>下一步</a:t>
+            </a:r>
+            <a:endParaRPr lang="zh-TW" altLang="en-US" sz="1200" dirty="0"/>
+          </a:p>
+        </p:txBody>
+      </p:sp>
+      <p:sp>
+        <p:nvSpPr>
+          <p:cNvPr id="6" name="文字方塊 5"/>
+          <p:cNvSpPr txBox="1"/>
+          <p:nvPr/>
+        </p:nvSpPr>
+        <p:spPr>
+          <a:xfrm>
+            <a:off x="5497248" y="2031044"/>
+            <a:ext cx="902811" cy="307777"/>
+          </a:xfrm>
+          <a:prstGeom prst="rect">
+            <a:avLst/>
+          </a:prstGeom>
+          <a:noFill/>
+          <a:ln>
+            <a:solidFill>
+              <a:schemeClr val="tx1"/>
+            </a:solidFill>
+          </a:ln>
+        </p:spPr>
+        <p:txBody>
+          <a:bodyPr wrap="none" rtlCol="0">
+            <a:spAutoFit/>
+          </a:bodyPr>
+          <a:lstStyle/>
+          <a:p>
+            <a:pPr algn="ctr"/>
+            <a:r>
+              <a:rPr lang="zh-TW" altLang="en-US" sz="1400" dirty="0" smtClean="0"/>
+              <a:t>閱讀條款</a:t>
+            </a:r>
+            <a:endParaRPr lang="zh-TW" altLang="en-US" sz="1400" dirty="0"/>
+          </a:p>
+        </p:txBody>
+      </p:sp>
+      <p:sp>
+        <p:nvSpPr>
+          <p:cNvPr id="7" name="文字方塊 6"/>
+          <p:cNvSpPr txBox="1"/>
+          <p:nvPr/>
+        </p:nvSpPr>
+        <p:spPr>
+          <a:xfrm>
+            <a:off x="5927487" y="1864534"/>
+            <a:ext cx="1505862" cy="276999"/>
+          </a:xfrm>
+          <a:prstGeom prst="rect">
+            <a:avLst/>
+          </a:prstGeom>
+          <a:noFill/>
+          <a:ln>
+            <a:noFill/>
+          </a:ln>
+        </p:spPr>
+        <p:txBody>
+          <a:bodyPr wrap="square" rtlCol="0">
+            <a:spAutoFit/>
+          </a:bodyPr>
+          <a:lstStyle/>
+          <a:p>
+            <a:pPr algn="ctr"/>
+            <a:r>
+              <a:rPr lang="zh-TW" altLang="en-US" sz="1200" dirty="0" smtClean="0"/>
+              <a:t>同意</a:t>
+            </a:r>
+            <a:endParaRPr lang="zh-TW" altLang="en-US" sz="1200" dirty="0"/>
+          </a:p>
+        </p:txBody>
+      </p:sp>
+      <p:sp>
+        <p:nvSpPr>
+          <p:cNvPr id="8" name="文字方塊 7"/>
+          <p:cNvSpPr txBox="1"/>
+          <p:nvPr/>
+        </p:nvSpPr>
+        <p:spPr>
+          <a:xfrm>
+            <a:off x="4349416" y="646199"/>
+            <a:ext cx="1505862" cy="276999"/>
+          </a:xfrm>
+          <a:prstGeom prst="rect">
+            <a:avLst/>
+          </a:prstGeom>
+          <a:noFill/>
+          <a:ln>
+            <a:noFill/>
+          </a:ln>
+        </p:spPr>
+        <p:txBody>
+          <a:bodyPr wrap="square" rtlCol="0">
+            <a:spAutoFit/>
+          </a:bodyPr>
+          <a:lstStyle/>
+          <a:p>
+            <a:pPr algn="ctr"/>
+            <a:r>
+              <a:rPr lang="zh-TW" altLang="en-US" sz="1200" dirty="0" smtClean="0"/>
+              <a:t>返回</a:t>
+            </a:r>
+            <a:endParaRPr lang="zh-TW" altLang="en-US" sz="1200" dirty="0"/>
+          </a:p>
+        </p:txBody>
+      </p:sp>
+      <p:sp>
+        <p:nvSpPr>
+          <p:cNvPr id="10" name="文字方塊 9"/>
+          <p:cNvSpPr txBox="1"/>
+          <p:nvPr/>
+        </p:nvSpPr>
+        <p:spPr>
+          <a:xfrm>
+            <a:off x="7540298" y="1858389"/>
+            <a:ext cx="1505862" cy="276999"/>
+          </a:xfrm>
+          <a:prstGeom prst="rect">
+            <a:avLst/>
+          </a:prstGeom>
+          <a:noFill/>
+          <a:ln>
+            <a:noFill/>
+          </a:ln>
+        </p:spPr>
+        <p:txBody>
+          <a:bodyPr wrap="square" rtlCol="0">
+            <a:spAutoFit/>
+          </a:bodyPr>
+          <a:lstStyle/>
+          <a:p>
+            <a:pPr algn="ctr"/>
+            <a:r>
+              <a:rPr lang="zh-TW" altLang="en-US" sz="1200" dirty="0" smtClean="0"/>
+              <a:t>同意</a:t>
+            </a:r>
+            <a:endParaRPr lang="zh-TW" altLang="en-US" sz="1200" dirty="0"/>
+          </a:p>
+        </p:txBody>
+      </p:sp>
+      <p:sp>
+        <p:nvSpPr>
+          <p:cNvPr id="11" name="文字方塊 10"/>
+          <p:cNvSpPr txBox="1"/>
+          <p:nvPr/>
+        </p:nvSpPr>
+        <p:spPr>
+          <a:xfrm>
+            <a:off x="3390271" y="2659349"/>
+            <a:ext cx="1505862" cy="307777"/>
+          </a:xfrm>
+          <a:prstGeom prst="rect">
+            <a:avLst/>
+          </a:prstGeom>
+          <a:noFill/>
+          <a:ln>
+            <a:noFill/>
+          </a:ln>
+        </p:spPr>
+        <p:txBody>
+          <a:bodyPr wrap="square" rtlCol="0">
+            <a:spAutoFit/>
+          </a:bodyPr>
+          <a:lstStyle/>
+          <a:p>
+            <a:pPr algn="ctr"/>
+            <a:r>
+              <a:rPr lang="zh-TW" altLang="en-US" sz="1400" dirty="0" smtClean="0"/>
+              <a:t>取</a:t>
+            </a:r>
+            <a:r>
+              <a:rPr lang="zh-TW" altLang="en-US" sz="1400" dirty="0"/>
+              <a:t>消</a:t>
+            </a:r>
+          </a:p>
+        </p:txBody>
+      </p:sp>
+      <p:sp>
+        <p:nvSpPr>
+          <p:cNvPr id="12" name="文字方塊 11"/>
+          <p:cNvSpPr txBox="1"/>
+          <p:nvPr/>
+        </p:nvSpPr>
+        <p:spPr>
+          <a:xfrm>
+            <a:off x="9530529" y="1760094"/>
+            <a:ext cx="1505862" cy="276999"/>
+          </a:xfrm>
+          <a:prstGeom prst="rect">
+            <a:avLst/>
+          </a:prstGeom>
+          <a:noFill/>
+          <a:ln>
+            <a:noFill/>
+          </a:ln>
+        </p:spPr>
+        <p:txBody>
+          <a:bodyPr wrap="square" rtlCol="0">
+            <a:spAutoFit/>
+          </a:bodyPr>
+          <a:lstStyle/>
+          <a:p>
+            <a:pPr algn="ctr"/>
+            <a:r>
+              <a:rPr lang="zh-TW" altLang="en-US" sz="1200" dirty="0" smtClean="0"/>
+              <a:t>取</a:t>
+            </a:r>
+            <a:r>
+              <a:rPr lang="zh-TW" altLang="en-US" sz="1200" dirty="0"/>
+              <a:t>消</a:t>
+            </a:r>
+          </a:p>
+        </p:txBody>
+      </p:sp>
+      <p:sp>
+        <p:nvSpPr>
+          <p:cNvPr id="13" name="文字方塊 12"/>
+          <p:cNvSpPr txBox="1"/>
+          <p:nvPr/>
+        </p:nvSpPr>
+        <p:spPr>
+          <a:xfrm>
+            <a:off x="8705963" y="1992841"/>
+            <a:ext cx="902811" cy="307777"/>
+          </a:xfrm>
+          <a:prstGeom prst="rect">
+            <a:avLst/>
+          </a:prstGeom>
+          <a:noFill/>
+          <a:ln>
+            <a:solidFill>
+              <a:schemeClr val="tx1"/>
+            </a:solidFill>
+          </a:ln>
+        </p:spPr>
+        <p:txBody>
+          <a:bodyPr wrap="none" rtlCol="0">
+            <a:spAutoFit/>
+          </a:bodyPr>
+          <a:lstStyle/>
+          <a:p>
+            <a:pPr algn="ctr"/>
+            <a:r>
+              <a:rPr lang="zh-TW" altLang="en-US" sz="1400" dirty="0" smtClean="0"/>
+              <a:t>填寫資料</a:t>
+            </a:r>
+            <a:endParaRPr lang="zh-TW" altLang="en-US" sz="1400" dirty="0"/>
+          </a:p>
+        </p:txBody>
+      </p:sp>
+      <p:sp>
+        <p:nvSpPr>
+          <p:cNvPr id="14" name="文字方塊 13"/>
+          <p:cNvSpPr txBox="1"/>
+          <p:nvPr/>
+        </p:nvSpPr>
+        <p:spPr>
+          <a:xfrm>
+            <a:off x="9043835" y="2420139"/>
+            <a:ext cx="973387" cy="276999"/>
+          </a:xfrm>
+          <a:prstGeom prst="rect">
+            <a:avLst/>
+          </a:prstGeom>
+          <a:noFill/>
+          <a:ln>
+            <a:noFill/>
+          </a:ln>
+        </p:spPr>
+        <p:txBody>
+          <a:bodyPr wrap="square" rtlCol="0">
+            <a:spAutoFit/>
+          </a:bodyPr>
+          <a:lstStyle/>
+          <a:p>
+            <a:pPr algn="ctr"/>
+            <a:r>
+              <a:rPr lang="zh-TW" altLang="en-US" sz="1200" dirty="0" smtClean="0"/>
+              <a:t>下一步 </a:t>
+            </a:r>
+            <a:endParaRPr lang="zh-TW" altLang="en-US" sz="1200" dirty="0"/>
+          </a:p>
+        </p:txBody>
+      </p:sp>
+      <p:sp>
+        <p:nvSpPr>
+          <p:cNvPr id="15" name="文字方塊 14"/>
+          <p:cNvSpPr txBox="1"/>
+          <p:nvPr/>
+        </p:nvSpPr>
+        <p:spPr>
+          <a:xfrm>
+            <a:off x="8230167" y="2796849"/>
+            <a:ext cx="1958982" cy="611386"/>
+          </a:xfrm>
+          <a:prstGeom prst="flowChartDecision">
+            <a:avLst/>
+          </a:prstGeom>
+          <a:noFill/>
+          <a:ln>
+            <a:solidFill>
+              <a:schemeClr val="tx1"/>
+            </a:solidFill>
+          </a:ln>
+        </p:spPr>
+        <p:txBody>
+          <a:bodyPr wrap="none" rtlCol="0">
+            <a:spAutoFit/>
+          </a:bodyPr>
+          <a:lstStyle/>
+          <a:p>
+            <a:pPr algn="ctr"/>
+            <a:r>
+              <a:rPr lang="zh-TW" altLang="en-US" sz="1400" dirty="0" smtClean="0"/>
+              <a:t>填寫完成</a:t>
+            </a:r>
+            <a:r>
+              <a:rPr lang="en-US" altLang="zh-TW" sz="1400" dirty="0" smtClean="0"/>
+              <a:t>?</a:t>
+            </a:r>
+            <a:endParaRPr lang="zh-TW" altLang="en-US" sz="1400" dirty="0"/>
+          </a:p>
+        </p:txBody>
+      </p:sp>
+      <p:sp>
+        <p:nvSpPr>
+          <p:cNvPr id="16" name="文字方塊 15"/>
+          <p:cNvSpPr txBox="1"/>
+          <p:nvPr/>
+        </p:nvSpPr>
+        <p:spPr>
+          <a:xfrm>
+            <a:off x="8583877" y="3805663"/>
+            <a:ext cx="1261884" cy="307777"/>
+          </a:xfrm>
+          <a:prstGeom prst="rect">
+            <a:avLst/>
+          </a:prstGeom>
+          <a:noFill/>
+          <a:ln>
+            <a:solidFill>
+              <a:schemeClr val="tx1"/>
+            </a:solidFill>
+          </a:ln>
+        </p:spPr>
+        <p:txBody>
+          <a:bodyPr wrap="none" rtlCol="0">
+            <a:spAutoFit/>
+          </a:bodyPr>
+          <a:lstStyle/>
+          <a:p>
+            <a:pPr algn="ctr"/>
+            <a:r>
+              <a:rPr lang="zh-TW" altLang="en-US" sz="1400" dirty="0" smtClean="0"/>
+              <a:t>填寫付款方</a:t>
+            </a:r>
+            <a:r>
+              <a:rPr lang="zh-TW" altLang="en-US" sz="1400" dirty="0"/>
+              <a:t>式</a:t>
+            </a:r>
+          </a:p>
+        </p:txBody>
+      </p:sp>
+      <p:sp>
+        <p:nvSpPr>
+          <p:cNvPr id="17" name="文字方塊 16"/>
+          <p:cNvSpPr txBox="1"/>
+          <p:nvPr/>
+        </p:nvSpPr>
+        <p:spPr>
+          <a:xfrm>
+            <a:off x="8230167" y="4502020"/>
+            <a:ext cx="1958982" cy="611386"/>
+          </a:xfrm>
+          <a:prstGeom prst="flowChartDecision">
+            <a:avLst/>
+          </a:prstGeom>
+          <a:noFill/>
+          <a:ln>
+            <a:solidFill>
+              <a:schemeClr val="tx1"/>
+            </a:solidFill>
+          </a:ln>
+        </p:spPr>
+        <p:txBody>
+          <a:bodyPr wrap="none" rtlCol="0">
+            <a:spAutoFit/>
+          </a:bodyPr>
+          <a:lstStyle/>
+          <a:p>
+            <a:pPr algn="ctr"/>
+            <a:r>
+              <a:rPr lang="zh-TW" altLang="en-US" sz="1400" dirty="0" smtClean="0"/>
+              <a:t>填寫完成</a:t>
+            </a:r>
+            <a:r>
+              <a:rPr lang="en-US" altLang="zh-TW" sz="1400" dirty="0" smtClean="0"/>
+              <a:t>?</a:t>
+            </a:r>
+            <a:endParaRPr lang="zh-TW" altLang="en-US" sz="1400" dirty="0"/>
+          </a:p>
+        </p:txBody>
+      </p:sp>
+      <p:sp>
+        <p:nvSpPr>
+          <p:cNvPr id="18" name="文字方塊 17"/>
+          <p:cNvSpPr txBox="1"/>
+          <p:nvPr/>
+        </p:nvSpPr>
+        <p:spPr>
+          <a:xfrm>
+            <a:off x="8770889" y="5535096"/>
+            <a:ext cx="902811" cy="307777"/>
+          </a:xfrm>
+          <a:prstGeom prst="rect">
+            <a:avLst/>
+          </a:prstGeom>
+          <a:noFill/>
+          <a:ln>
+            <a:solidFill>
+              <a:schemeClr val="tx1"/>
+            </a:solidFill>
+          </a:ln>
+        </p:spPr>
+        <p:txBody>
+          <a:bodyPr wrap="none" rtlCol="0">
+            <a:spAutoFit/>
+          </a:bodyPr>
+          <a:lstStyle/>
+          <a:p>
+            <a:pPr algn="ctr"/>
+            <a:r>
+              <a:rPr lang="zh-TW" altLang="en-US" sz="1400" dirty="0" smtClean="0"/>
+              <a:t>驗證帳號</a:t>
+            </a:r>
+            <a:endParaRPr lang="zh-TW" altLang="en-US" sz="1400" dirty="0"/>
+          </a:p>
+        </p:txBody>
+      </p:sp>
+      <p:sp>
+        <p:nvSpPr>
+          <p:cNvPr id="19" name="文字方塊 18"/>
+          <p:cNvSpPr txBox="1"/>
+          <p:nvPr/>
+        </p:nvSpPr>
+        <p:spPr>
+          <a:xfrm>
+            <a:off x="8959526" y="6259412"/>
+            <a:ext cx="543739" cy="307777"/>
+          </a:xfrm>
+          <a:prstGeom prst="rect">
+            <a:avLst/>
+          </a:prstGeom>
+          <a:solidFill>
+            <a:schemeClr val="accent1">
+              <a:lumMod val="60000"/>
+              <a:lumOff val="40000"/>
+            </a:schemeClr>
+          </a:solidFill>
+          <a:ln>
+            <a:solidFill>
+              <a:schemeClr val="tx1"/>
+            </a:solidFill>
+          </a:ln>
+        </p:spPr>
+        <p:txBody>
+          <a:bodyPr wrap="none" rtlCol="0">
+            <a:spAutoFit/>
+          </a:bodyPr>
+          <a:lstStyle/>
+          <a:p>
+            <a:pPr algn="ctr"/>
+            <a:r>
+              <a:rPr lang="zh-TW" altLang="en-US" sz="1400" dirty="0" smtClean="0"/>
+              <a:t>完成</a:t>
+            </a:r>
+            <a:endParaRPr lang="zh-TW" altLang="en-US" sz="1400" dirty="0"/>
+          </a:p>
+        </p:txBody>
+      </p:sp>
+      <p:cxnSp>
+        <p:nvCxnSpPr>
+          <p:cNvPr id="30" name="直線單箭頭接點 29"/>
+          <p:cNvCxnSpPr/>
+          <p:nvPr/>
+        </p:nvCxnSpPr>
+        <p:spPr>
+          <a:xfrm flipV="1">
+            <a:off x="6235928" y="2392761"/>
+            <a:ext cx="0" cy="1099557"/>
+          </a:xfrm>
+          <a:prstGeom prst="straightConnector1">
             <a:avLst/>
           </a:prstGeom>
           <a:ln w="19050">
             <a:solidFill>
               <a:schemeClr val="tx1"/>
             </a:solidFill>
+            <a:tailEnd type="triangle"/>
+          </a:ln>
+        </p:spPr>
+        <p:style>
+          <a:lnRef idx="1">
+            <a:schemeClr val="accent1"/>
+          </a:lnRef>
+          <a:fillRef idx="0">
+            <a:schemeClr val="accent1"/>
+          </a:fillRef>
+          <a:effectRef idx="0">
+            <a:schemeClr val="accent1"/>
+          </a:effectRef>
+          <a:fontRef idx="minor">
+            <a:schemeClr val="tx1"/>
+          </a:fontRef>
+        </p:style>
+      </p:cxnSp>
+      <p:sp>
+        <p:nvSpPr>
+          <p:cNvPr id="34" name="文字方塊 33"/>
+          <p:cNvSpPr txBox="1"/>
+          <p:nvPr/>
+        </p:nvSpPr>
+        <p:spPr>
+          <a:xfrm>
+            <a:off x="9845761" y="2541359"/>
+            <a:ext cx="1505862" cy="276999"/>
+          </a:xfrm>
+          <a:prstGeom prst="rect">
+            <a:avLst/>
+          </a:prstGeom>
+          <a:noFill/>
+          <a:ln>
+            <a:noFill/>
+          </a:ln>
+        </p:spPr>
+        <p:txBody>
+          <a:bodyPr wrap="square" rtlCol="0">
+            <a:spAutoFit/>
+          </a:bodyPr>
+          <a:lstStyle/>
+          <a:p>
+            <a:pPr algn="ctr"/>
+            <a:r>
+              <a:rPr lang="zh-TW" altLang="en-US" sz="1200" dirty="0"/>
+              <a:t>否</a:t>
+            </a:r>
+          </a:p>
+        </p:txBody>
+      </p:sp>
+      <p:sp>
+        <p:nvSpPr>
+          <p:cNvPr id="35" name="文字方塊 34"/>
+          <p:cNvSpPr txBox="1"/>
+          <p:nvPr/>
+        </p:nvSpPr>
+        <p:spPr>
+          <a:xfrm>
+            <a:off x="8707533" y="3461943"/>
+            <a:ext cx="1505862" cy="276999"/>
+          </a:xfrm>
+          <a:prstGeom prst="rect">
+            <a:avLst/>
+          </a:prstGeom>
+          <a:noFill/>
+          <a:ln>
+            <a:noFill/>
+          </a:ln>
+        </p:spPr>
+        <p:txBody>
+          <a:bodyPr wrap="square" rtlCol="0">
+            <a:spAutoFit/>
+          </a:bodyPr>
+          <a:lstStyle/>
+          <a:p>
+            <a:pPr algn="ctr"/>
+            <a:r>
+              <a:rPr lang="zh-TW" altLang="en-US" sz="1200" dirty="0"/>
+              <a:t>是</a:t>
+            </a:r>
+          </a:p>
+        </p:txBody>
+      </p:sp>
+      <p:cxnSp>
+        <p:nvCxnSpPr>
+          <p:cNvPr id="36" name="直線單箭頭接點 35"/>
+          <p:cNvCxnSpPr/>
+          <p:nvPr/>
+        </p:nvCxnSpPr>
+        <p:spPr>
+          <a:xfrm>
+            <a:off x="9222295" y="3410287"/>
+            <a:ext cx="0" cy="395859"/>
+          </a:xfrm>
+          <a:prstGeom prst="straightConnector1">
+            <a:avLst/>
+          </a:prstGeom>
+          <a:ln w="19050">
+            <a:solidFill>
+              <a:srgbClr val="FF0000"/>
+            </a:solidFill>
+            <a:tailEnd type="triangle"/>
+          </a:ln>
+        </p:spPr>
+        <p:style>
+          <a:lnRef idx="1">
+            <a:schemeClr val="accent1"/>
+          </a:lnRef>
+          <a:fillRef idx="0">
+            <a:schemeClr val="accent1"/>
+          </a:fillRef>
+          <a:effectRef idx="0">
+            <a:schemeClr val="accent1"/>
+          </a:effectRef>
+          <a:fontRef idx="minor">
+            <a:schemeClr val="tx1"/>
+          </a:fontRef>
+        </p:style>
+      </p:cxnSp>
+      <p:sp>
+        <p:nvSpPr>
+          <p:cNvPr id="38" name="文字方塊 37"/>
+          <p:cNvSpPr txBox="1"/>
+          <p:nvPr/>
+        </p:nvSpPr>
+        <p:spPr>
+          <a:xfrm>
+            <a:off x="8854421" y="4153736"/>
+            <a:ext cx="1505862" cy="276999"/>
+          </a:xfrm>
+          <a:prstGeom prst="rect">
+            <a:avLst/>
+          </a:prstGeom>
+          <a:noFill/>
+          <a:ln>
+            <a:noFill/>
+          </a:ln>
+        </p:spPr>
+        <p:txBody>
+          <a:bodyPr wrap="square" rtlCol="0">
+            <a:spAutoFit/>
+          </a:bodyPr>
+          <a:lstStyle/>
+          <a:p>
+            <a:pPr algn="ctr"/>
+            <a:r>
+              <a:rPr lang="zh-TW" altLang="en-US" sz="1200" dirty="0" smtClean="0"/>
+              <a:t>下一步</a:t>
+            </a:r>
+            <a:endParaRPr lang="zh-TW" altLang="en-US" sz="1200" dirty="0"/>
+          </a:p>
+        </p:txBody>
+      </p:sp>
+      <p:sp>
+        <p:nvSpPr>
+          <p:cNvPr id="51" name="文字方塊 50"/>
+          <p:cNvSpPr txBox="1"/>
+          <p:nvPr/>
+        </p:nvSpPr>
+        <p:spPr>
+          <a:xfrm>
+            <a:off x="4954225" y="2643312"/>
+            <a:ext cx="1505862" cy="307777"/>
+          </a:xfrm>
+          <a:prstGeom prst="rect">
+            <a:avLst/>
+          </a:prstGeom>
+          <a:noFill/>
+          <a:ln>
+            <a:noFill/>
+          </a:ln>
+        </p:spPr>
+        <p:txBody>
+          <a:bodyPr wrap="square" rtlCol="0">
+            <a:spAutoFit/>
+          </a:bodyPr>
+          <a:lstStyle/>
+          <a:p>
+            <a:pPr algn="ctr"/>
+            <a:r>
+              <a:rPr lang="zh-TW" altLang="en-US" sz="1400" dirty="0" smtClean="0"/>
+              <a:t>取</a:t>
+            </a:r>
+            <a:r>
+              <a:rPr lang="zh-TW" altLang="en-US" sz="1400" dirty="0"/>
+              <a:t>消</a:t>
+            </a:r>
+          </a:p>
+        </p:txBody>
+      </p:sp>
+      <p:sp>
+        <p:nvSpPr>
+          <p:cNvPr id="57" name="文字方塊 56"/>
+          <p:cNvSpPr txBox="1"/>
+          <p:nvPr/>
+        </p:nvSpPr>
+        <p:spPr>
+          <a:xfrm>
+            <a:off x="4626579" y="6197720"/>
+            <a:ext cx="1237111" cy="307777"/>
+          </a:xfrm>
+          <a:prstGeom prst="rect">
+            <a:avLst/>
+          </a:prstGeom>
+          <a:noFill/>
+          <a:ln>
+            <a:solidFill>
+              <a:schemeClr val="tx1"/>
+            </a:solidFill>
+          </a:ln>
+        </p:spPr>
+        <p:txBody>
+          <a:bodyPr wrap="square" rtlCol="0">
+            <a:spAutoFit/>
+          </a:bodyPr>
+          <a:lstStyle/>
+          <a:p>
+            <a:pPr algn="ctr"/>
+            <a:r>
+              <a:rPr lang="zh-TW" altLang="en-US" sz="1400" dirty="0" smtClean="0"/>
+              <a:t>回原來</a:t>
+            </a:r>
+            <a:r>
+              <a:rPr lang="zh-TW" altLang="en-US" sz="1400" dirty="0"/>
+              <a:t>畫面</a:t>
+            </a:r>
+          </a:p>
+        </p:txBody>
+      </p:sp>
+      <p:sp>
+        <p:nvSpPr>
+          <p:cNvPr id="58" name="文字方塊 57"/>
+          <p:cNvSpPr txBox="1"/>
+          <p:nvPr/>
+        </p:nvSpPr>
+        <p:spPr>
+          <a:xfrm>
+            <a:off x="261635" y="796326"/>
+            <a:ext cx="1470274" cy="523220"/>
+          </a:xfrm>
+          <a:prstGeom prst="rect">
+            <a:avLst/>
+          </a:prstGeom>
+          <a:noFill/>
+        </p:spPr>
+        <p:txBody>
+          <a:bodyPr wrap="none" rtlCol="0">
+            <a:spAutoFit/>
+          </a:bodyPr>
+          <a:lstStyle/>
+          <a:p>
+            <a:r>
+              <a:rPr lang="en-US" altLang="zh-TW" sz="2800" dirty="0" smtClean="0"/>
+              <a:t>3-1.</a:t>
+            </a:r>
+            <a:r>
+              <a:rPr lang="zh-TW" altLang="en-US" sz="2800" dirty="0"/>
+              <a:t>註冊</a:t>
+            </a:r>
+          </a:p>
+        </p:txBody>
+      </p:sp>
+      <p:sp>
+        <p:nvSpPr>
+          <p:cNvPr id="63" name="文字方塊 62"/>
+          <p:cNvSpPr txBox="1"/>
+          <p:nvPr/>
+        </p:nvSpPr>
+        <p:spPr>
+          <a:xfrm>
+            <a:off x="255684" y="197333"/>
+            <a:ext cx="2254143" cy="523220"/>
+          </a:xfrm>
+          <a:prstGeom prst="rect">
+            <a:avLst/>
+          </a:prstGeom>
+          <a:noFill/>
+        </p:spPr>
+        <p:txBody>
+          <a:bodyPr wrap="none" rtlCol="0">
+            <a:spAutoFit/>
+          </a:bodyPr>
+          <a:lstStyle/>
+          <a:p>
+            <a:r>
+              <a:rPr lang="en-US" altLang="zh-TW" sz="2800" dirty="0" smtClean="0"/>
+              <a:t>3.</a:t>
+            </a:r>
+            <a:r>
+              <a:rPr lang="zh-TW" altLang="en-US" sz="2800" dirty="0" smtClean="0"/>
+              <a:t>功能流程</a:t>
+            </a:r>
+            <a:r>
+              <a:rPr lang="zh-TW" altLang="en-US" sz="2800" dirty="0"/>
+              <a:t>圖</a:t>
+            </a:r>
+          </a:p>
+        </p:txBody>
+      </p:sp>
+      <p:sp>
+        <p:nvSpPr>
+          <p:cNvPr id="54" name="文字方塊 53"/>
+          <p:cNvSpPr txBox="1"/>
+          <p:nvPr/>
+        </p:nvSpPr>
+        <p:spPr>
+          <a:xfrm>
+            <a:off x="3012334" y="1793915"/>
+            <a:ext cx="1023036" cy="276999"/>
+          </a:xfrm>
+          <a:prstGeom prst="rect">
+            <a:avLst/>
+          </a:prstGeom>
+          <a:noFill/>
+          <a:ln>
+            <a:noFill/>
+          </a:ln>
+        </p:spPr>
+        <p:txBody>
+          <a:bodyPr wrap="none" rtlCol="0">
+            <a:spAutoFit/>
+          </a:bodyPr>
+          <a:lstStyle/>
+          <a:p>
+            <a:pPr algn="ctr"/>
+            <a:r>
+              <a:rPr lang="zh-TW" altLang="en-US" sz="1200" dirty="0" smtClean="0"/>
+              <a:t>新增</a:t>
+            </a:r>
+            <a:r>
+              <a:rPr lang="en-US" altLang="zh-TW" sz="1200" dirty="0" smtClean="0"/>
+              <a:t>Apple</a:t>
+            </a:r>
+            <a:r>
+              <a:rPr lang="zh-TW" altLang="en-US" sz="1200" dirty="0"/>
+              <a:t> </a:t>
+            </a:r>
+            <a:r>
+              <a:rPr lang="en-US" altLang="zh-TW" sz="1200" dirty="0" smtClean="0"/>
+              <a:t>I</a:t>
+            </a:r>
+            <a:r>
+              <a:rPr lang="en-US" altLang="zh-TW" sz="1200" dirty="0"/>
+              <a:t>D</a:t>
+            </a:r>
+            <a:endParaRPr lang="zh-TW" altLang="en-US" sz="1200" dirty="0"/>
+          </a:p>
+        </p:txBody>
+      </p:sp>
+      <p:cxnSp>
+        <p:nvCxnSpPr>
+          <p:cNvPr id="128" name="直線單箭頭接點 127"/>
+          <p:cNvCxnSpPr/>
+          <p:nvPr/>
+        </p:nvCxnSpPr>
+        <p:spPr>
+          <a:xfrm>
+            <a:off x="1697315" y="2188200"/>
+            <a:ext cx="382228" cy="0"/>
+          </a:xfrm>
+          <a:prstGeom prst="straightConnector1">
+            <a:avLst/>
+          </a:prstGeom>
+          <a:ln w="19050">
+            <a:solidFill>
+              <a:srgbClr val="FF0000"/>
+            </a:solidFill>
+            <a:tailEnd type="triangle"/>
           </a:ln>
         </p:spPr>
         <p:style>
@@ -8168,21 +8574,21 @@
       </p:cxnSp>
       <p:cxnSp>
         <p:nvCxnSpPr>
-          <p:cNvPr id="33" name="直線單箭頭接點 32"/>
+          <p:cNvPr id="133" name="直線單箭頭接點 132"/>
           <p:cNvCxnSpPr/>
           <p:nvPr/>
         </p:nvCxnSpPr>
         <p:spPr>
           <a:xfrm>
-            <a:off x="5910514" y="1877431"/>
-            <a:ext cx="0" cy="395859"/>
+            <a:off x="4901267" y="2189532"/>
+            <a:ext cx="597574" cy="0"/>
           </a:xfrm>
           <a:prstGeom prst="straightConnector1">
             <a:avLst/>
           </a:prstGeom>
           <a:ln w="19050">
             <a:solidFill>
-              <a:schemeClr val="tx1"/>
+              <a:srgbClr val="FF0000"/>
             </a:solidFill>
             <a:tailEnd type="triangle"/>
           </a:ln>
@@ -8204,21 +8610,21 @@
       </p:cxnSp>
       <p:cxnSp>
         <p:nvCxnSpPr>
-          <p:cNvPr id="34" name="直線單箭頭接點 33"/>
+          <p:cNvPr id="138" name="直線單箭頭接點 137"/>
           <p:cNvCxnSpPr/>
           <p:nvPr/>
         </p:nvCxnSpPr>
         <p:spPr>
           <a:xfrm>
-            <a:off x="5924894" y="2626427"/>
-            <a:ext cx="0" cy="395859"/>
+            <a:off x="6400059" y="2175433"/>
+            <a:ext cx="641511" cy="0"/>
           </a:xfrm>
           <a:prstGeom prst="straightConnector1">
             <a:avLst/>
           </a:prstGeom>
           <a:ln w="19050">
             <a:solidFill>
-              <a:schemeClr val="tx1"/>
+              <a:srgbClr val="FF0000"/>
             </a:solidFill>
             <a:tailEnd type="triangle"/>
           </a:ln>
@@ -8240,22 +8646,92 @@
       </p:cxnSp>
       <p:cxnSp>
         <p:nvCxnSpPr>
-          <p:cNvPr id="37" name="直線接點 36"/>
+          <p:cNvPr id="148" name="直線單箭頭接點 147"/>
           <p:cNvCxnSpPr/>
           <p:nvPr/>
         </p:nvCxnSpPr>
         <p:spPr>
-          <a:xfrm flipV="1">
-            <a:off x="7939117" y="1615081"/>
-            <a:ext cx="0" cy="765563"/>
-          </a:xfrm>
-          <a:prstGeom prst="line">
+          <a:xfrm>
+            <a:off x="9231396" y="4113440"/>
+            <a:ext cx="0" cy="395859"/>
+          </a:xfrm>
+          <a:prstGeom prst="straightConnector1">
             <a:avLst/>
           </a:prstGeom>
           <a:ln w="19050">
             <a:solidFill>
-              <a:schemeClr val="tx1"/>
+              <a:srgbClr val="FF0000"/>
             </a:solidFill>
+            <a:tailEnd type="triangle"/>
+          </a:ln>
+        </p:spPr>
+        <p:style>
+          <a:lnRef idx="1">
+            <a:schemeClr val="accent1"/>
+          </a:lnRef>
+          <a:fillRef idx="0">
+            <a:schemeClr val="accent1"/>
+          </a:fillRef>
+          <a:effectRef idx="0">
+            <a:schemeClr val="accent1"/>
+          </a:effectRef>
+          <a:fontRef idx="minor">
+            <a:schemeClr val="tx1"/>
+          </a:fontRef>
+        </p:style>
+      </p:cxnSp>
+      <p:sp>
+        <p:nvSpPr>
+          <p:cNvPr id="149" name="文字方塊 148"/>
+          <p:cNvSpPr txBox="1"/>
+          <p:nvPr/>
+        </p:nvSpPr>
+        <p:spPr>
+          <a:xfrm>
+            <a:off x="8707533" y="5172972"/>
+            <a:ext cx="1505862" cy="276999"/>
+          </a:xfrm>
+          <a:prstGeom prst="rect">
+            <a:avLst/>
+          </a:prstGeom>
+          <a:noFill/>
+          <a:ln>
+            <a:noFill/>
+          </a:ln>
+        </p:spPr>
+        <p:txBody>
+          <a:bodyPr wrap="square" rtlCol="0">
+            <a:spAutoFit/>
+          </a:bodyPr>
+          <a:lstStyle/>
+          <a:p>
+            <a:pPr algn="ctr"/>
+            <a:r>
+              <a:rPr lang="zh-TW" altLang="en-US" sz="1200" dirty="0"/>
+              <a:t>是</a:t>
+            </a:r>
+          </a:p>
+        </p:txBody>
+      </p:sp>
+      <p:cxnSp>
+        <p:nvCxnSpPr>
+          <p:cNvPr id="150" name="直線單箭頭接點 149"/>
+          <p:cNvCxnSpPr/>
+          <p:nvPr/>
+        </p:nvCxnSpPr>
+        <p:spPr>
+          <a:xfrm>
+            <a:off x="9222295" y="5121316"/>
+            <a:ext cx="0" cy="395859"/>
+          </a:xfrm>
+          <a:prstGeom prst="straightConnector1">
+            <a:avLst/>
+          </a:prstGeom>
+          <a:ln w="19050">
+            <a:solidFill>
+              <a:srgbClr val="FF0000"/>
+            </a:solidFill>
+            <a:tailEnd type="triangle"/>
           </a:ln>
         </p:spPr>
         <p:style>
@@ -8275,14 +8751,189 @@
       </p:cxnSp>
       <p:cxnSp>
         <p:nvCxnSpPr>
-          <p:cNvPr id="49" name="直線單箭頭接點 48"/>
+          <p:cNvPr id="154" name="直線單箭頭接點 153"/>
           <p:cNvCxnSpPr/>
           <p:nvPr/>
         </p:nvCxnSpPr>
         <p:spPr>
-          <a:xfrm flipH="1">
-            <a:off x="6398701" y="1632146"/>
-            <a:ext cx="1540416" cy="0"/>
+          <a:xfrm>
+            <a:off x="9242843" y="5856918"/>
+            <a:ext cx="0" cy="395859"/>
+          </a:xfrm>
+          <a:prstGeom prst="straightConnector1">
+            <a:avLst/>
+          </a:prstGeom>
+          <a:ln w="19050">
+            <a:solidFill>
+              <a:srgbClr val="FF0000"/>
+            </a:solidFill>
+            <a:tailEnd type="triangle"/>
+          </a:ln>
+        </p:spPr>
+        <p:style>
+          <a:lnRef idx="1">
+            <a:schemeClr val="accent1"/>
+          </a:lnRef>
+          <a:fillRef idx="0">
+            <a:schemeClr val="accent1"/>
+          </a:fillRef>
+          <a:effectRef idx="0">
+            <a:schemeClr val="accent1"/>
+          </a:effectRef>
+          <a:fontRef idx="minor">
+            <a:schemeClr val="tx1"/>
+          </a:fontRef>
+        </p:style>
+      </p:cxnSp>
+      <p:sp>
+        <p:nvSpPr>
+          <p:cNvPr id="155" name="文字方塊 154"/>
+          <p:cNvSpPr txBox="1"/>
+          <p:nvPr/>
+        </p:nvSpPr>
+        <p:spPr>
+          <a:xfrm>
+            <a:off x="6566367" y="3455234"/>
+            <a:ext cx="541244" cy="307777"/>
+          </a:xfrm>
+          <a:prstGeom prst="rect">
+            <a:avLst/>
+          </a:prstGeom>
+          <a:noFill/>
+          <a:ln>
+            <a:noFill/>
+          </a:ln>
+        </p:spPr>
+        <p:txBody>
+          <a:bodyPr wrap="square" rtlCol="0">
+            <a:spAutoFit/>
+          </a:bodyPr>
+          <a:lstStyle/>
+          <a:p>
+            <a:pPr algn="ctr"/>
+            <a:r>
+              <a:rPr lang="zh-TW" altLang="en-US" sz="1400" dirty="0" smtClean="0"/>
+              <a:t>取</a:t>
+            </a:r>
+            <a:r>
+              <a:rPr lang="zh-TW" altLang="en-US" sz="1400" dirty="0"/>
+              <a:t>消</a:t>
+            </a:r>
+          </a:p>
+        </p:txBody>
+      </p:sp>
+      <p:sp>
+        <p:nvSpPr>
+          <p:cNvPr id="156" name="文字方塊 155"/>
+          <p:cNvSpPr txBox="1"/>
+          <p:nvPr/>
+        </p:nvSpPr>
+        <p:spPr>
+          <a:xfrm>
+            <a:off x="10189149" y="577099"/>
+            <a:ext cx="463915" cy="307777"/>
+          </a:xfrm>
+          <a:prstGeom prst="rect">
+            <a:avLst/>
+          </a:prstGeom>
+          <a:noFill/>
+          <a:ln>
+            <a:noFill/>
+          </a:ln>
+        </p:spPr>
+        <p:txBody>
+          <a:bodyPr wrap="square" rtlCol="0">
+            <a:spAutoFit/>
+          </a:bodyPr>
+          <a:lstStyle/>
+          <a:p>
+            <a:pPr algn="ctr"/>
+            <a:r>
+              <a:rPr lang="zh-TW" altLang="en-US" sz="1400" dirty="0"/>
+              <a:t>否</a:t>
+            </a:r>
+          </a:p>
+        </p:txBody>
+      </p:sp>
+      <p:cxnSp>
+        <p:nvCxnSpPr>
+          <p:cNvPr id="159" name="直線單箭頭接點 158"/>
+          <p:cNvCxnSpPr/>
+          <p:nvPr/>
+        </p:nvCxnSpPr>
+        <p:spPr>
+          <a:xfrm>
+            <a:off x="9189904" y="2338821"/>
+            <a:ext cx="0" cy="395859"/>
+          </a:xfrm>
+          <a:prstGeom prst="straightConnector1">
+            <a:avLst/>
+          </a:prstGeom>
+          <a:ln w="19050">
+            <a:solidFill>
+              <a:srgbClr val="FF0000"/>
+            </a:solidFill>
+            <a:tailEnd type="triangle"/>
+          </a:ln>
+        </p:spPr>
+        <p:style>
+          <a:lnRef idx="1">
+            <a:schemeClr val="accent1"/>
+          </a:lnRef>
+          <a:fillRef idx="0">
+            <a:schemeClr val="accent1"/>
+          </a:fillRef>
+          <a:effectRef idx="0">
+            <a:schemeClr val="accent1"/>
+          </a:effectRef>
+          <a:fontRef idx="minor">
+            <a:schemeClr val="tx1"/>
+          </a:fontRef>
+        </p:style>
+      </p:cxnSp>
+      <p:sp>
+        <p:nvSpPr>
+          <p:cNvPr id="160" name="文字方塊 159"/>
+          <p:cNvSpPr txBox="1"/>
+          <p:nvPr/>
+        </p:nvSpPr>
+        <p:spPr>
+          <a:xfrm>
+            <a:off x="9878916" y="4296316"/>
+            <a:ext cx="1505862" cy="276999"/>
+          </a:xfrm>
+          <a:prstGeom prst="rect">
+            <a:avLst/>
+          </a:prstGeom>
+          <a:noFill/>
+          <a:ln>
+            <a:noFill/>
+          </a:ln>
+        </p:spPr>
+        <p:txBody>
+          <a:bodyPr wrap="square" rtlCol="0">
+            <a:spAutoFit/>
+          </a:bodyPr>
+          <a:lstStyle/>
+          <a:p>
+            <a:pPr algn="ctr"/>
+            <a:r>
+              <a:rPr lang="zh-TW" altLang="en-US" sz="1200" dirty="0"/>
+              <a:t>否</a:t>
+            </a:r>
+          </a:p>
+        </p:txBody>
+      </p:sp>
+      <p:cxnSp>
+        <p:nvCxnSpPr>
+          <p:cNvPr id="164" name="直線單箭頭接點 163"/>
+          <p:cNvCxnSpPr/>
+          <p:nvPr/>
+        </p:nvCxnSpPr>
+        <p:spPr>
+          <a:xfrm>
+            <a:off x="5245135" y="3257165"/>
+            <a:ext cx="0" cy="351051"/>
           </a:xfrm>
           <a:prstGeom prst="straightConnector1">
             <a:avLst/>
@@ -8311,22 +8962,125 @@
       </p:cxnSp>
       <p:cxnSp>
         <p:nvCxnSpPr>
-          <p:cNvPr id="53" name="直線接點 52"/>
+          <p:cNvPr id="165" name="直線單箭頭接點 164"/>
           <p:cNvCxnSpPr/>
           <p:nvPr/>
         </p:nvCxnSpPr>
         <p:spPr>
           <a:xfrm>
-            <a:off x="6989422" y="3368290"/>
-            <a:ext cx="1122689" cy="0"/>
-          </a:xfrm>
-          <a:prstGeom prst="line">
+            <a:off x="5239758" y="5742027"/>
+            <a:ext cx="0" cy="395859"/>
+          </a:xfrm>
+          <a:prstGeom prst="straightConnector1">
             <a:avLst/>
           </a:prstGeom>
           <a:ln w="19050">
             <a:solidFill>
               <a:schemeClr val="tx1"/>
             </a:solidFill>
+            <a:tailEnd type="triangle"/>
+          </a:ln>
+        </p:spPr>
+        <p:style>
+          <a:lnRef idx="1">
+            <a:schemeClr val="accent1"/>
+          </a:lnRef>
+          <a:fillRef idx="0">
+            <a:schemeClr val="accent1"/>
+          </a:fillRef>
+          <a:effectRef idx="0">
+            <a:schemeClr val="accent1"/>
+          </a:effectRef>
+          <a:fontRef idx="minor">
+            <a:schemeClr val="tx1"/>
+          </a:fontRef>
+        </p:style>
+      </p:cxnSp>
+      <p:sp>
+        <p:nvSpPr>
+          <p:cNvPr id="166" name="文字方塊 165"/>
+          <p:cNvSpPr txBox="1"/>
+          <p:nvPr/>
+        </p:nvSpPr>
+        <p:spPr>
+          <a:xfrm>
+            <a:off x="5270341" y="5819900"/>
+            <a:ext cx="484180" cy="276999"/>
+          </a:xfrm>
+          <a:prstGeom prst="rect">
+            <a:avLst/>
+          </a:prstGeom>
+          <a:noFill/>
+          <a:ln>
+            <a:noFill/>
+          </a:ln>
+        </p:spPr>
+        <p:txBody>
+          <a:bodyPr wrap="square" rtlCol="0">
+            <a:spAutoFit/>
+          </a:bodyPr>
+          <a:lstStyle/>
+          <a:p>
+            <a:pPr algn="ctr"/>
+            <a:r>
+              <a:rPr lang="zh-TW" altLang="en-US" sz="1200" dirty="0"/>
+              <a:t>否</a:t>
+            </a:r>
+          </a:p>
+        </p:txBody>
+      </p:sp>
+      <p:sp>
+        <p:nvSpPr>
+          <p:cNvPr id="167" name="文字方塊 166"/>
+          <p:cNvSpPr txBox="1"/>
+          <p:nvPr/>
+        </p:nvSpPr>
+        <p:spPr>
+          <a:xfrm>
+            <a:off x="3620377" y="4539558"/>
+            <a:ext cx="522825" cy="276999"/>
+          </a:xfrm>
+          <a:prstGeom prst="rect">
+            <a:avLst/>
+          </a:prstGeom>
+          <a:noFill/>
+          <a:ln>
+            <a:noFill/>
+          </a:ln>
+        </p:spPr>
+        <p:txBody>
+          <a:bodyPr wrap="square" rtlCol="0">
+            <a:spAutoFit/>
+          </a:bodyPr>
+          <a:lstStyle/>
+          <a:p>
+            <a:pPr algn="ctr"/>
+            <a:r>
+              <a:rPr lang="zh-TW" altLang="en-US" sz="1200" dirty="0"/>
+              <a:t>是</a:t>
+            </a:r>
+          </a:p>
+        </p:txBody>
+      </p:sp>
+      <p:cxnSp>
+        <p:nvCxnSpPr>
+          <p:cNvPr id="172" name="直線單箭頭接點 171"/>
+          <p:cNvCxnSpPr/>
+          <p:nvPr/>
+        </p:nvCxnSpPr>
+        <p:spPr>
+          <a:xfrm flipV="1">
+            <a:off x="840263" y="2412489"/>
+            <a:ext cx="0" cy="2516350"/>
+          </a:xfrm>
+          <a:prstGeom prst="straightConnector1">
+            <a:avLst/>
+          </a:prstGeom>
+          <a:ln w="19050">
+            <a:solidFill>
+              <a:schemeClr val="tx1"/>
+            </a:solidFill>
+            <a:tailEnd type="triangle"/>
           </a:ln>
         </p:spPr>
         <p:style>
@@ -8346,14 +9100,14 @@
       </p:cxnSp>
       <p:cxnSp>
         <p:nvCxnSpPr>
-          <p:cNvPr id="54" name="直線接點 53"/>
+          <p:cNvPr id="176" name="直線接點 175"/>
           <p:cNvCxnSpPr/>
           <p:nvPr/>
         </p:nvCxnSpPr>
         <p:spPr>
-          <a:xfrm flipV="1">
-            <a:off x="8087397" y="2491512"/>
-            <a:ext cx="0" cy="876779"/>
+          <a:xfrm>
+            <a:off x="861584" y="4917688"/>
+            <a:ext cx="4027749" cy="0"/>
           </a:xfrm>
           <a:prstGeom prst="line">
             <a:avLst/>
@@ -8381,23 +9135,22 @@
       </p:cxnSp>
       <p:cxnSp>
         <p:nvCxnSpPr>
-          <p:cNvPr id="55" name="直線單箭頭接點 54"/>
+          <p:cNvPr id="177" name="直線接點 176"/>
           <p:cNvCxnSpPr/>
           <p:nvPr/>
         </p:nvCxnSpPr>
         <p:spPr>
-          <a:xfrm flipH="1">
-            <a:off x="6429025" y="2491512"/>
-            <a:ext cx="1683086" cy="0"/>
-          </a:xfrm>
-          <a:prstGeom prst="straightConnector1">
+          <a:xfrm>
+            <a:off x="4453710" y="3255581"/>
+            <a:ext cx="1510726" cy="0"/>
+          </a:xfrm>
+          <a:prstGeom prst="line">
             <a:avLst/>
           </a:prstGeom>
           <a:ln w="19050">
             <a:solidFill>
               <a:schemeClr val="tx1"/>
             </a:solidFill>
-            <a:tailEnd type="triangle"/>
           </a:ln>
         </p:spPr>
         <p:style>
@@ -8417,23 +9170,22 @@
       </p:cxnSp>
       <p:cxnSp>
         <p:nvCxnSpPr>
-          <p:cNvPr id="59" name="直線單箭頭接點 58"/>
+          <p:cNvPr id="196" name="直線接點 195"/>
           <p:cNvCxnSpPr/>
           <p:nvPr/>
         </p:nvCxnSpPr>
         <p:spPr>
           <a:xfrm>
-            <a:off x="5924894" y="3693924"/>
-            <a:ext cx="0" cy="395859"/>
-          </a:xfrm>
-          <a:prstGeom prst="straightConnector1">
+            <a:off x="4442944" y="2408182"/>
+            <a:ext cx="0" cy="868543"/>
+          </a:xfrm>
+          <a:prstGeom prst="line">
             <a:avLst/>
           </a:prstGeom>
           <a:ln w="19050">
             <a:solidFill>
               <a:schemeClr val="tx1"/>
             </a:solidFill>
-            <a:tailEnd type="triangle"/>
           </a:ln>
         </p:spPr>
         <p:style>
@@ -8453,23 +9205,22 @@
       </p:cxnSp>
       <p:cxnSp>
         <p:nvCxnSpPr>
-          <p:cNvPr id="60" name="直線單箭頭接點 59"/>
+          <p:cNvPr id="198" name="直線接點 197"/>
           <p:cNvCxnSpPr/>
           <p:nvPr/>
         </p:nvCxnSpPr>
         <p:spPr>
           <a:xfrm>
-            <a:off x="5926917" y="4407336"/>
-            <a:ext cx="0" cy="395859"/>
-          </a:xfrm>
-          <a:prstGeom prst="straightConnector1">
+            <a:off x="5964436" y="2332877"/>
+            <a:ext cx="0" cy="922704"/>
+          </a:xfrm>
+          <a:prstGeom prst="line">
             <a:avLst/>
           </a:prstGeom>
           <a:ln w="19050">
             <a:solidFill>
               <a:schemeClr val="tx1"/>
             </a:solidFill>
-            <a:tailEnd type="triangle"/>
           </a:ln>
         </p:spPr>
         <p:style>
@@ -8489,14 +9240,14 @@
       </p:cxnSp>
       <p:cxnSp>
         <p:nvCxnSpPr>
-          <p:cNvPr id="61" name="直線接點 60"/>
+          <p:cNvPr id="201" name="直線接點 200"/>
           <p:cNvCxnSpPr/>
           <p:nvPr/>
         </p:nvCxnSpPr>
         <p:spPr>
           <a:xfrm>
-            <a:off x="6989422" y="5120747"/>
-            <a:ext cx="1122689" cy="0"/>
+            <a:off x="5766768" y="980306"/>
+            <a:ext cx="0" cy="1003846"/>
           </a:xfrm>
           <a:prstGeom prst="line">
             <a:avLst/>
@@ -8524,14 +9275,14 @@
       </p:cxnSp>
       <p:cxnSp>
         <p:nvCxnSpPr>
-          <p:cNvPr id="62" name="直線接點 61"/>
+          <p:cNvPr id="203" name="直線接點 202"/>
           <p:cNvCxnSpPr/>
           <p:nvPr/>
         </p:nvCxnSpPr>
         <p:spPr>
-          <a:xfrm flipV="1">
-            <a:off x="8099754" y="4304452"/>
-            <a:ext cx="0" cy="816295"/>
+          <a:xfrm>
+            <a:off x="4437927" y="980306"/>
+            <a:ext cx="1328841" cy="0"/>
           </a:xfrm>
           <a:prstGeom prst="line">
             <a:avLst/>
@@ -8559,14 +9310,14 @@
       </p:cxnSp>
       <p:cxnSp>
         <p:nvCxnSpPr>
-          <p:cNvPr id="63" name="直線單箭頭接點 62"/>
+          <p:cNvPr id="206" name="直線單箭頭接點 205"/>
           <p:cNvCxnSpPr/>
           <p:nvPr/>
         </p:nvCxnSpPr>
         <p:spPr>
-          <a:xfrm flipH="1">
-            <a:off x="6429025" y="4292095"/>
-            <a:ext cx="1683086" cy="0"/>
+          <a:xfrm>
+            <a:off x="4437927" y="980306"/>
+            <a:ext cx="0" cy="976515"/>
           </a:xfrm>
           <a:prstGeom prst="straightConnector1">
             <a:avLst/>
@@ -8595,14 +9346,14 @@
       </p:cxnSp>
       <p:sp>
         <p:nvSpPr>
-          <p:cNvPr id="64" name="文字方塊 63"/>
+          <p:cNvPr id="210" name="文字方塊 209"/>
           <p:cNvSpPr txBox="1"/>
           <p:nvPr/>
         </p:nvSpPr>
         <p:spPr>
           <a:xfrm>
-            <a:off x="6398701" y="4754607"/>
-            <a:ext cx="1505862" cy="307777"/>
+            <a:off x="6787367" y="610814"/>
+            <a:ext cx="1505862" cy="276999"/>
           </a:xfrm>
           <a:prstGeom prst="rect">
             <a:avLst/>
@@ -8620,64 +9371,31 @@
           <a:p>
             <a:pPr algn="ctr"/>
             <a:r>
-              <a:rPr lang="zh-TW" altLang="en-US" sz="1400" dirty="0"/>
-              <a:t>否</a:t>
-            </a:r>
-          </a:p>
-        </p:txBody>
-      </p:sp>
-      <p:sp>
-        <p:nvSpPr>
-          <p:cNvPr id="65" name="文字方塊 64"/>
-          <p:cNvSpPr txBox="1"/>
-          <p:nvPr/>
-        </p:nvSpPr>
-        <p:spPr>
-          <a:xfrm>
-            <a:off x="5459398" y="5480833"/>
-            <a:ext cx="1505862" cy="307777"/>
-          </a:xfrm>
-          <a:prstGeom prst="rect">
-            <a:avLst/>
-          </a:prstGeom>
-          <a:noFill/>
-          <a:ln>
-            <a:noFill/>
-          </a:ln>
-        </p:spPr>
-        <p:txBody>
-          <a:bodyPr wrap="square" rtlCol="0">
-            <a:spAutoFit/>
-          </a:bodyPr>
-          <a:lstStyle/>
-          <a:p>
-            <a:pPr algn="ctr"/>
-            <a:r>
-              <a:rPr lang="zh-TW" altLang="en-US" sz="1400" dirty="0"/>
-              <a:t>是</a:t>
-            </a:r>
+              <a:rPr lang="zh-TW" altLang="en-US" sz="1200" dirty="0" smtClean="0"/>
+              <a:t>返回</a:t>
+            </a:r>
+            <a:endParaRPr lang="zh-TW" altLang="en-US" sz="1200" dirty="0"/>
           </a:p>
         </p:txBody>
       </p:sp>
       <p:cxnSp>
         <p:nvCxnSpPr>
-          <p:cNvPr id="66" name="直線單箭頭接點 65"/>
+          <p:cNvPr id="211" name="直線接點 210"/>
           <p:cNvCxnSpPr/>
           <p:nvPr/>
         </p:nvCxnSpPr>
         <p:spPr>
           <a:xfrm>
-            <a:off x="5926917" y="5452181"/>
-            <a:ext cx="0" cy="395859"/>
-          </a:xfrm>
-          <a:prstGeom prst="straightConnector1">
+            <a:off x="8912177" y="968583"/>
+            <a:ext cx="0" cy="1003846"/>
+          </a:xfrm>
+          <a:prstGeom prst="line">
             <a:avLst/>
           </a:prstGeom>
           <a:ln w="19050">
             <a:solidFill>
               <a:schemeClr val="tx1"/>
             </a:solidFill>
-            <a:tailEnd type="triangle"/>
           </a:ln>
         </p:spPr>
         <p:style>
@@ -8697,153 +9415,14 @@
       </p:cxnSp>
       <p:cxnSp>
         <p:nvCxnSpPr>
-          <p:cNvPr id="67" name="直線單箭頭接點 66"/>
+          <p:cNvPr id="212" name="直線接點 211"/>
           <p:cNvCxnSpPr/>
           <p:nvPr/>
         </p:nvCxnSpPr>
         <p:spPr>
           <a:xfrm>
-            <a:off x="6663160" y="6012486"/>
-            <a:ext cx="796703" cy="0"/>
-          </a:xfrm>
-          <a:prstGeom prst="straightConnector1">
-            <a:avLst/>
-          </a:prstGeom>
-          <a:ln w="19050">
-            <a:solidFill>
-              <a:schemeClr val="tx1"/>
-            </a:solidFill>
-            <a:tailEnd type="triangle"/>
-          </a:ln>
-        </p:spPr>
-        <p:style>
-          <a:lnRef idx="1">
-            <a:schemeClr val="accent1"/>
-          </a:lnRef>
-          <a:fillRef idx="0">
-            <a:schemeClr val="accent1"/>
-          </a:fillRef>
-          <a:effectRef idx="0">
-            <a:schemeClr val="accent1"/>
-          </a:effectRef>
-          <a:fontRef idx="minor">
-            <a:schemeClr val="tx1"/>
-          </a:fontRef>
-        </p:style>
-      </p:cxnSp>
-      <p:sp>
-        <p:nvSpPr>
-          <p:cNvPr id="70" name="文字方塊 69"/>
-          <p:cNvSpPr txBox="1"/>
-          <p:nvPr/>
-        </p:nvSpPr>
-        <p:spPr>
-          <a:xfrm>
-            <a:off x="6282925" y="5686232"/>
-            <a:ext cx="1505862" cy="307777"/>
-          </a:xfrm>
-          <a:prstGeom prst="rect">
-            <a:avLst/>
-          </a:prstGeom>
-          <a:noFill/>
-          <a:ln>
-            <a:noFill/>
-          </a:ln>
-        </p:spPr>
-        <p:txBody>
-          <a:bodyPr wrap="square" rtlCol="0">
-            <a:spAutoFit/>
-          </a:bodyPr>
-          <a:lstStyle/>
-          <a:p>
-            <a:pPr algn="ctr"/>
-            <a:r>
-              <a:rPr lang="zh-TW" altLang="en-US" sz="1400" dirty="0" smtClean="0"/>
-              <a:t>下一步</a:t>
-            </a:r>
-            <a:endParaRPr lang="zh-TW" altLang="en-US" sz="1400" dirty="0"/>
-          </a:p>
-        </p:txBody>
-      </p:sp>
-      <p:cxnSp>
-        <p:nvCxnSpPr>
-          <p:cNvPr id="71" name="直線單箭頭接點 70"/>
-          <p:cNvCxnSpPr/>
-          <p:nvPr/>
-        </p:nvCxnSpPr>
-        <p:spPr>
-          <a:xfrm>
-            <a:off x="9505573" y="6000564"/>
-            <a:ext cx="506046" cy="0"/>
-          </a:xfrm>
-          <a:prstGeom prst="straightConnector1">
-            <a:avLst/>
-          </a:prstGeom>
-          <a:ln w="19050">
-            <a:solidFill>
-              <a:schemeClr val="tx1"/>
-            </a:solidFill>
-            <a:tailEnd type="triangle"/>
-          </a:ln>
-        </p:spPr>
-        <p:style>
-          <a:lnRef idx="1">
-            <a:schemeClr val="accent1"/>
-          </a:lnRef>
-          <a:fillRef idx="0">
-            <a:schemeClr val="accent1"/>
-          </a:fillRef>
-          <a:effectRef idx="0">
-            <a:schemeClr val="accent1"/>
-          </a:effectRef>
-          <a:fontRef idx="minor">
-            <a:schemeClr val="tx1"/>
-          </a:fontRef>
-        </p:style>
-      </p:cxnSp>
-      <p:sp>
-        <p:nvSpPr>
-          <p:cNvPr id="72" name="文字方塊 71"/>
-          <p:cNvSpPr txBox="1"/>
-          <p:nvPr/>
-        </p:nvSpPr>
-        <p:spPr>
-          <a:xfrm>
-            <a:off x="8969402" y="5673245"/>
-            <a:ext cx="1505862" cy="307777"/>
-          </a:xfrm>
-          <a:prstGeom prst="rect">
-            <a:avLst/>
-          </a:prstGeom>
-          <a:noFill/>
-          <a:ln>
-            <a:noFill/>
-          </a:ln>
-        </p:spPr>
-        <p:txBody>
-          <a:bodyPr wrap="square" rtlCol="0">
-            <a:spAutoFit/>
-          </a:bodyPr>
-          <a:lstStyle/>
-          <a:p>
-            <a:pPr algn="ctr"/>
-            <a:r>
-              <a:rPr lang="zh-TW" altLang="en-US" sz="1400" dirty="0"/>
-              <a:t>是</a:t>
-            </a:r>
-          </a:p>
-        </p:txBody>
-      </p:sp>
-      <p:cxnSp>
-        <p:nvCxnSpPr>
-          <p:cNvPr id="73" name="直線接點 72"/>
-          <p:cNvCxnSpPr/>
-          <p:nvPr/>
-        </p:nvCxnSpPr>
-        <p:spPr>
-          <a:xfrm>
-            <a:off x="5910512" y="6697311"/>
-            <a:ext cx="2566896" cy="0"/>
+            <a:off x="6168420" y="979386"/>
+            <a:ext cx="2743757" cy="0"/>
           </a:xfrm>
           <a:prstGeom prst="line">
             <a:avLst/>
@@ -8871,82 +9450,14 @@
       </p:cxnSp>
       <p:cxnSp>
         <p:nvCxnSpPr>
-          <p:cNvPr id="74" name="直線接點 73"/>
+          <p:cNvPr id="213" name="直線單箭頭接點 212"/>
           <p:cNvCxnSpPr/>
           <p:nvPr/>
         </p:nvCxnSpPr>
         <p:spPr>
-          <a:xfrm flipV="1">
-            <a:off x="8477408" y="6349900"/>
-            <a:ext cx="0" cy="347411"/>
-          </a:xfrm>
-          <a:prstGeom prst="line">
-            <a:avLst/>
-          </a:prstGeom>
-          <a:ln w="19050">
-            <a:solidFill>
-              <a:schemeClr val="tx1"/>
-            </a:solidFill>
-          </a:ln>
-        </p:spPr>
-        <p:style>
-          <a:lnRef idx="1">
-            <a:schemeClr val="accent1"/>
-          </a:lnRef>
-          <a:fillRef idx="0">
-            <a:schemeClr val="accent1"/>
-          </a:fillRef>
-          <a:effectRef idx="0">
-            <a:schemeClr val="accent1"/>
-          </a:effectRef>
-          <a:fontRef idx="minor">
-            <a:schemeClr val="tx1"/>
-          </a:fontRef>
-        </p:style>
-      </p:cxnSp>
-      <p:sp>
-        <p:nvSpPr>
-          <p:cNvPr id="75" name="文字方塊 74"/>
-          <p:cNvSpPr txBox="1"/>
-          <p:nvPr/>
-        </p:nvSpPr>
-        <p:spPr>
-          <a:xfrm>
-            <a:off x="8410218" y="6337547"/>
-            <a:ext cx="559184" cy="307777"/>
-          </a:xfrm>
-          <a:prstGeom prst="rect">
-            <a:avLst/>
-          </a:prstGeom>
-          <a:noFill/>
-          <a:ln>
-            <a:noFill/>
-          </a:ln>
-        </p:spPr>
-        <p:txBody>
-          <a:bodyPr wrap="square" rtlCol="0">
-            <a:spAutoFit/>
-          </a:bodyPr>
-          <a:lstStyle/>
-          <a:p>
-            <a:pPr algn="ctr"/>
-            <a:r>
-              <a:rPr lang="zh-TW" altLang="en-US" sz="1400" dirty="0"/>
-              <a:t>否</a:t>
-            </a:r>
-          </a:p>
-        </p:txBody>
-      </p:sp>
-      <p:cxnSp>
-        <p:nvCxnSpPr>
-          <p:cNvPr id="78" name="直線單箭頭接點 77"/>
-          <p:cNvCxnSpPr/>
-          <p:nvPr/>
-        </p:nvCxnSpPr>
-        <p:spPr>
-          <a:xfrm flipV="1">
-            <a:off x="5927606" y="6182838"/>
-            <a:ext cx="0" cy="514473"/>
+          <a:xfrm>
+            <a:off x="6191866" y="995914"/>
+            <a:ext cx="0" cy="976515"/>
           </a:xfrm>
           <a:prstGeom prst="straightConnector1">
             <a:avLst/>
@@ -8975,23 +9486,22 @@
       </p:cxnSp>
       <p:cxnSp>
         <p:nvCxnSpPr>
-          <p:cNvPr id="83" name="直線單箭頭接點 82"/>
+          <p:cNvPr id="226" name="直線接點 225"/>
           <p:cNvCxnSpPr/>
           <p:nvPr/>
         </p:nvCxnSpPr>
         <p:spPr>
           <a:xfrm>
-            <a:off x="11008058" y="6011799"/>
-            <a:ext cx="311978" cy="0"/>
-          </a:xfrm>
-          <a:prstGeom prst="straightConnector1">
+            <a:off x="11369480" y="968583"/>
+            <a:ext cx="0" cy="287229"/>
+          </a:xfrm>
+          <a:prstGeom prst="line">
             <a:avLst/>
           </a:prstGeom>
           <a:ln w="19050">
             <a:solidFill>
               <a:schemeClr val="tx1"/>
             </a:solidFill>
-            <a:tailEnd type="triangle"/>
           </a:ln>
         </p:spPr>
         <p:style>
@@ -9011,14 +9521,14 @@
       </p:cxnSp>
       <p:cxnSp>
         <p:nvCxnSpPr>
-          <p:cNvPr id="95" name="直線接點 94"/>
+          <p:cNvPr id="227" name="直線接點 226"/>
           <p:cNvCxnSpPr/>
           <p:nvPr/>
         </p:nvCxnSpPr>
         <p:spPr>
-          <a:xfrm flipV="1">
-            <a:off x="4532771" y="1692627"/>
-            <a:ext cx="0" cy="4344572"/>
+          <a:xfrm>
+            <a:off x="9376092" y="968583"/>
+            <a:ext cx="1993388" cy="0"/>
           </a:xfrm>
           <a:prstGeom prst="line">
             <a:avLst/>
@@ -9046,24 +9556,23 @@
       </p:cxnSp>
       <p:cxnSp>
         <p:nvCxnSpPr>
-          <p:cNvPr id="97" name="直線接點 96"/>
-          <p:cNvCxnSpPr>
-            <a:endCxn id="4" idx="1"/>
-          </p:cNvCxnSpPr>
+          <p:cNvPr id="228" name="直線單箭頭接點 227"/>
+          <p:cNvCxnSpPr/>
           <p:nvPr/>
         </p:nvCxnSpPr>
         <p:spPr>
-          <a:xfrm flipV="1">
-            <a:off x="4532771" y="1674345"/>
-            <a:ext cx="911823" cy="18912"/>
-          </a:xfrm>
-          <a:prstGeom prst="line">
+          <a:xfrm>
+            <a:off x="9376092" y="968583"/>
+            <a:ext cx="0" cy="976515"/>
+          </a:xfrm>
+          <a:prstGeom prst="straightConnector1">
             <a:avLst/>
           </a:prstGeom>
           <a:ln w="19050">
             <a:solidFill>
               <a:schemeClr val="tx1"/>
             </a:solidFill>
+            <a:tailEnd type="triangle"/>
           </a:ln>
         </p:spPr>
         <p:style>
@@ -9083,22 +9592,23 @@
       </p:cxnSp>
       <p:cxnSp>
         <p:nvCxnSpPr>
-          <p:cNvPr id="99" name="直線接點 98"/>
+          <p:cNvPr id="230" name="直線單箭頭接點 229"/>
           <p:cNvCxnSpPr/>
           <p:nvPr/>
         </p:nvCxnSpPr>
         <p:spPr>
-          <a:xfrm flipV="1">
-            <a:off x="4532771" y="4288497"/>
-            <a:ext cx="860527" cy="3524"/>
-          </a:xfrm>
-          <a:prstGeom prst="line">
+          <a:xfrm>
+            <a:off x="9690146" y="2070397"/>
+            <a:ext cx="1114377" cy="0"/>
+          </a:xfrm>
+          <a:prstGeom prst="straightConnector1">
             <a:avLst/>
           </a:prstGeom>
           <a:ln w="19050">
             <a:solidFill>
               <a:schemeClr val="tx1"/>
             </a:solidFill>
+            <a:tailEnd type="triangle"/>
           </a:ln>
         </p:spPr>
         <p:style>
@@ -9118,22 +9628,23 @@
       </p:cxnSp>
       <p:cxnSp>
         <p:nvCxnSpPr>
-          <p:cNvPr id="100" name="直線接點 99"/>
+          <p:cNvPr id="234" name="直線單箭頭接點 233"/>
           <p:cNvCxnSpPr/>
           <p:nvPr/>
         </p:nvCxnSpPr>
         <p:spPr>
           <a:xfrm>
-            <a:off x="4524895" y="6040723"/>
-            <a:ext cx="708637" cy="0"/>
-          </a:xfrm>
-          <a:prstGeom prst="line">
+            <a:off x="11358436" y="2905583"/>
+            <a:ext cx="0" cy="833359"/>
+          </a:xfrm>
+          <a:prstGeom prst="straightConnector1">
             <a:avLst/>
           </a:prstGeom>
           <a:ln w="19050">
             <a:solidFill>
               <a:schemeClr val="tx1"/>
             </a:solidFill>
+            <a:tailEnd type="triangle"/>
           </a:ln>
         </p:spPr>
         <p:style>
@@ -9153,14 +9664,14 @@
       </p:cxnSp>
       <p:sp>
         <p:nvSpPr>
-          <p:cNvPr id="102" name="文字方塊 101"/>
+          <p:cNvPr id="235" name="文字方塊 234"/>
           <p:cNvSpPr txBox="1"/>
           <p:nvPr/>
         </p:nvSpPr>
         <p:spPr>
           <a:xfrm>
-            <a:off x="4104876" y="3956165"/>
-            <a:ext cx="1505862" cy="307777"/>
+            <a:off x="11336980" y="3334871"/>
+            <a:ext cx="522825" cy="276999"/>
           </a:xfrm>
           <a:prstGeom prst="rect">
             <a:avLst/>
@@ -9178,37 +9689,35 @@
           <a:p>
             <a:pPr algn="ctr"/>
             <a:r>
-              <a:rPr lang="zh-TW" altLang="en-US" sz="1400" dirty="0" smtClean="0"/>
-              <a:t>取</a:t>
-            </a:r>
-            <a:r>
-              <a:rPr lang="zh-TW" altLang="en-US" sz="1400" dirty="0"/>
-              <a:t>消</a:t>
-            </a:r>
-          </a:p>
-        </p:txBody>
-      </p:sp>
-      <p:sp>
-        <p:nvSpPr>
-          <p:cNvPr id="103" name="文字方塊 102"/>
+              <a:rPr lang="zh-TW" altLang="en-US" sz="1200" dirty="0"/>
+              <a:t>是</a:t>
+            </a:r>
+          </a:p>
+        </p:txBody>
+      </p:sp>
+      <p:sp>
+        <p:nvSpPr>
+          <p:cNvPr id="237" name="文字方塊 236"/>
           <p:cNvSpPr txBox="1"/>
           <p:nvPr/>
         </p:nvSpPr>
         <p:spPr>
           <a:xfrm>
-            <a:off x="4105960" y="5660348"/>
-            <a:ext cx="1505862" cy="307777"/>
+            <a:off x="10753483" y="3805663"/>
+            <a:ext cx="1262590" cy="307777"/>
           </a:xfrm>
           <a:prstGeom prst="rect">
             <a:avLst/>
           </a:prstGeom>
           <a:noFill/>
           <a:ln>
-            <a:noFill/>
-          </a:ln>
-        </p:spPr>
-        <p:txBody>
-          <a:bodyPr wrap="square" rtlCol="0">
+            <a:solidFill>
+              <a:schemeClr val="tx1"/>
+            </a:solidFill>
+          </a:ln>
+        </p:spPr>
+        <p:txBody>
+          <a:bodyPr wrap="none" rtlCol="0">
             <a:spAutoFit/>
           </a:bodyPr>
           <a:lstStyle/>
@@ -9216,33 +9725,47 @@
             <a:pPr algn="ctr"/>
             <a:r>
               <a:rPr lang="zh-TW" altLang="en-US" sz="1400" dirty="0" smtClean="0"/>
-              <a:t>取</a:t>
+              <a:t>回到</a:t>
+            </a:r>
+            <a:r>
+              <a:rPr lang="en-US" altLang="zh-TW" sz="1400" dirty="0" smtClean="0"/>
+              <a:t>App</a:t>
             </a:r>
             <a:r>
               <a:rPr lang="zh-TW" altLang="en-US" sz="1400" dirty="0"/>
-              <a:t>消</a:t>
-            </a:r>
+              <a:t> </a:t>
+            </a:r>
+            <a:r>
+              <a:rPr lang="en-US" altLang="zh-TW" sz="1400" dirty="0" smtClean="0"/>
+              <a:t>Stor</a:t>
+            </a:r>
+            <a:r>
+              <a:rPr lang="en-US" altLang="zh-TW" sz="1400" dirty="0"/>
+              <a:t>e</a:t>
+            </a:r>
+            <a:endParaRPr lang="zh-TW" altLang="en-US" sz="1400" dirty="0"/>
           </a:p>
         </p:txBody>
       </p:sp>
       <p:cxnSp>
         <p:nvCxnSpPr>
-          <p:cNvPr id="107" name="直線接點 106"/>
+          <p:cNvPr id="238" name="直線單箭頭接點 237"/>
           <p:cNvCxnSpPr/>
           <p:nvPr/>
         </p:nvCxnSpPr>
         <p:spPr>
-          <a:xfrm flipV="1">
-            <a:off x="3126064" y="397319"/>
-            <a:ext cx="0" cy="2620493"/>
-          </a:xfrm>
-          <a:prstGeom prst="line">
+          <a:xfrm flipH="1" flipV="1">
+            <a:off x="5796585" y="3979310"/>
+            <a:ext cx="2673476" cy="1"/>
+          </a:xfrm>
+          <a:prstGeom prst="straightConnector1">
             <a:avLst/>
           </a:prstGeom>
           <a:ln w="19050">
             <a:solidFill>
               <a:schemeClr val="tx1"/>
             </a:solidFill>
+            <a:tailEnd type="triangle"/>
           </a:ln>
         </p:spPr>
         <p:style>
@@ -9262,113 +9785,22 @@
       </p:cxnSp>
       <p:cxnSp>
         <p:nvCxnSpPr>
-          <p:cNvPr id="109" name="直線單箭頭接點 108"/>
-          <p:cNvCxnSpPr>
-            <a:endCxn id="3" idx="1"/>
-          </p:cNvCxnSpPr>
+          <p:cNvPr id="241" name="直線接點 240"/>
+          <p:cNvCxnSpPr/>
           <p:nvPr/>
         </p:nvCxnSpPr>
         <p:spPr>
-          <a:xfrm flipV="1">
-            <a:off x="3138420" y="367593"/>
-            <a:ext cx="2004649" cy="17025"/>
-          </a:xfrm>
-          <a:prstGeom prst="straightConnector1">
+          <a:xfrm>
+            <a:off x="10456275" y="2210427"/>
+            <a:ext cx="0" cy="903726"/>
+          </a:xfrm>
+          <a:prstGeom prst="line">
             <a:avLst/>
           </a:prstGeom>
           <a:ln w="19050">
             <a:solidFill>
               <a:schemeClr val="tx1"/>
             </a:solidFill>
-            <a:tailEnd type="triangle"/>
-          </a:ln>
-        </p:spPr>
-        <p:style>
-          <a:lnRef idx="1">
-            <a:schemeClr val="accent1"/>
-          </a:lnRef>
-          <a:fillRef idx="0">
-            <a:schemeClr val="accent1"/>
-          </a:fillRef>
-          <a:effectRef idx="0">
-            <a:schemeClr val="accent1"/>
-          </a:effectRef>
-          <a:fontRef idx="minor">
-            <a:schemeClr val="tx1"/>
-          </a:fontRef>
-        </p:style>
-      </p:cxnSp>
-      <p:sp>
-        <p:nvSpPr>
-          <p:cNvPr id="111" name="文字方塊 110"/>
-          <p:cNvSpPr txBox="1"/>
-          <p:nvPr/>
-        </p:nvSpPr>
-        <p:spPr>
-          <a:xfrm>
-            <a:off x="5313948" y="810385"/>
-            <a:ext cx="1164101" cy="307777"/>
-          </a:xfrm>
-          <a:prstGeom prst="rect">
-            <a:avLst/>
-          </a:prstGeom>
-          <a:noFill/>
-          <a:ln>
-            <a:solidFill>
-              <a:schemeClr val="tx1"/>
-            </a:solidFill>
-          </a:ln>
-        </p:spPr>
-        <p:txBody>
-          <a:bodyPr wrap="none" rtlCol="0">
-            <a:spAutoFit/>
-          </a:bodyPr>
-          <a:lstStyle/>
-          <a:p>
-            <a:pPr algn="ctr"/>
-            <a:r>
-              <a:rPr lang="zh-TW" altLang="en-US" sz="1400" dirty="0" smtClean="0"/>
-              <a:t>新增</a:t>
-            </a:r>
-            <a:r>
-              <a:rPr lang="en-US" altLang="zh-TW" sz="1400" dirty="0" smtClean="0"/>
-              <a:t>Apple</a:t>
-            </a:r>
-            <a:r>
-              <a:rPr lang="zh-TW" altLang="en-US" sz="1400" dirty="0"/>
-              <a:t> </a:t>
-            </a:r>
-            <a:r>
-              <a:rPr lang="en-US" altLang="zh-TW" sz="1400" dirty="0" smtClean="0"/>
-              <a:t>I</a:t>
-            </a:r>
-            <a:r>
-              <a:rPr lang="en-US" altLang="zh-TW" sz="1400" dirty="0"/>
-              <a:t>D</a:t>
-            </a:r>
-            <a:endParaRPr lang="zh-TW" altLang="en-US" sz="1400" dirty="0"/>
-          </a:p>
-        </p:txBody>
-      </p:sp>
-      <p:cxnSp>
-        <p:nvCxnSpPr>
-          <p:cNvPr id="114" name="直線單箭頭接點 113"/>
-          <p:cNvCxnSpPr/>
-          <p:nvPr/>
-        </p:nvCxnSpPr>
-        <p:spPr>
-          <a:xfrm>
-            <a:off x="5881441" y="1146036"/>
-            <a:ext cx="0" cy="395859"/>
-          </a:xfrm>
-          <a:prstGeom prst="straightConnector1">
-            <a:avLst/>
-          </a:prstGeom>
-          <a:ln w="19050">
-            <a:solidFill>
-              <a:schemeClr val="tx1"/>
-            </a:solidFill>
-            <a:tailEnd type="triangle"/>
           </a:ln>
         </p:spPr>
         <p:style>
@@ -9388,14 +9820,14 @@
       </p:cxnSp>
       <p:cxnSp>
         <p:nvCxnSpPr>
-          <p:cNvPr id="119" name="直線單箭頭接點 118"/>
+          <p:cNvPr id="243" name="直線單箭頭接點 242"/>
           <p:cNvCxnSpPr/>
           <p:nvPr/>
         </p:nvCxnSpPr>
         <p:spPr>
-          <a:xfrm>
-            <a:off x="3126063" y="3729266"/>
-            <a:ext cx="0" cy="395859"/>
+          <a:xfrm flipH="1">
+            <a:off x="9690146" y="2226637"/>
+            <a:ext cx="754406" cy="0"/>
           </a:xfrm>
           <a:prstGeom prst="straightConnector1">
             <a:avLst/>
@@ -9422,98 +9854,492 @@
           </a:fontRef>
         </p:style>
       </p:cxnSp>
-      <p:sp>
-        <p:nvSpPr>
-          <p:cNvPr id="120" name="文字方塊 119"/>
+      <p:cxnSp>
+        <p:nvCxnSpPr>
+          <p:cNvPr id="246" name="直線接點 245"/>
+          <p:cNvCxnSpPr/>
+          <p:nvPr/>
+        </p:nvCxnSpPr>
+        <p:spPr>
+          <a:xfrm>
+            <a:off x="10188691" y="3102542"/>
+            <a:ext cx="277945" cy="0"/>
+          </a:xfrm>
+          <a:prstGeom prst="line">
+            <a:avLst/>
+          </a:prstGeom>
+          <a:ln w="19050">
+            <a:solidFill>
+              <a:schemeClr val="tx1"/>
+            </a:solidFill>
+          </a:ln>
+        </p:spPr>
+        <p:style>
+          <a:lnRef idx="1">
+            <a:schemeClr val="accent1"/>
+          </a:lnRef>
+          <a:fillRef idx="0">
+            <a:schemeClr val="accent1"/>
+          </a:fillRef>
+          <a:effectRef idx="0">
+            <a:schemeClr val="accent1"/>
+          </a:effectRef>
+          <a:fontRef idx="minor">
+            <a:schemeClr val="tx1"/>
+          </a:fontRef>
+        </p:style>
+      </p:cxnSp>
+      <p:cxnSp>
+        <p:nvCxnSpPr>
+          <p:cNvPr id="252" name="直線接點 251"/>
+          <p:cNvCxnSpPr/>
+          <p:nvPr/>
+        </p:nvCxnSpPr>
+        <p:spPr>
+          <a:xfrm>
+            <a:off x="10456275" y="3947828"/>
+            <a:ext cx="0" cy="871608"/>
+          </a:xfrm>
+          <a:prstGeom prst="line">
+            <a:avLst/>
+          </a:prstGeom>
+          <a:ln w="19050">
+            <a:solidFill>
+              <a:schemeClr val="tx1"/>
+            </a:solidFill>
+          </a:ln>
+        </p:spPr>
+        <p:style>
+          <a:lnRef idx="1">
+            <a:schemeClr val="accent1"/>
+          </a:lnRef>
+          <a:fillRef idx="0">
+            <a:schemeClr val="accent1"/>
+          </a:fillRef>
+          <a:effectRef idx="0">
+            <a:schemeClr val="accent1"/>
+          </a:effectRef>
+          <a:fontRef idx="minor">
+            <a:schemeClr val="tx1"/>
+          </a:fontRef>
+        </p:style>
+      </p:cxnSp>
+      <p:cxnSp>
+        <p:nvCxnSpPr>
+          <p:cNvPr id="253" name="直線單箭頭接點 252"/>
+          <p:cNvCxnSpPr/>
+          <p:nvPr/>
+        </p:nvCxnSpPr>
+        <p:spPr>
+          <a:xfrm flipH="1">
+            <a:off x="9880037" y="3967291"/>
+            <a:ext cx="564515" cy="0"/>
+          </a:xfrm>
+          <a:prstGeom prst="straightConnector1">
+            <a:avLst/>
+          </a:prstGeom>
+          <a:ln w="19050">
+            <a:solidFill>
+              <a:schemeClr val="tx1"/>
+            </a:solidFill>
+            <a:tailEnd type="triangle"/>
+          </a:ln>
+        </p:spPr>
+        <p:style>
+          <a:lnRef idx="1">
+            <a:schemeClr val="accent1"/>
+          </a:lnRef>
+          <a:fillRef idx="0">
+            <a:schemeClr val="accent1"/>
+          </a:fillRef>
+          <a:effectRef idx="0">
+            <a:schemeClr val="accent1"/>
+          </a:effectRef>
+          <a:fontRef idx="minor">
+            <a:schemeClr val="tx1"/>
+          </a:fontRef>
+        </p:style>
+      </p:cxnSp>
+      <p:cxnSp>
+        <p:nvCxnSpPr>
+          <p:cNvPr id="254" name="直線接點 253"/>
+          <p:cNvCxnSpPr/>
+          <p:nvPr/>
+        </p:nvCxnSpPr>
+        <p:spPr>
+          <a:xfrm>
+            <a:off x="10188691" y="4819548"/>
+            <a:ext cx="277945" cy="0"/>
+          </a:xfrm>
+          <a:prstGeom prst="line">
+            <a:avLst/>
+          </a:prstGeom>
+          <a:ln w="19050">
+            <a:solidFill>
+              <a:schemeClr val="tx1"/>
+            </a:solidFill>
+          </a:ln>
+        </p:spPr>
+        <p:style>
+          <a:lnRef idx="1">
+            <a:schemeClr val="accent1"/>
+          </a:lnRef>
+          <a:fillRef idx="0">
+            <a:schemeClr val="accent1"/>
+          </a:fillRef>
+          <a:effectRef idx="0">
+            <a:schemeClr val="accent1"/>
+          </a:effectRef>
+          <a:fontRef idx="minor">
+            <a:schemeClr val="tx1"/>
+          </a:fontRef>
+        </p:style>
+      </p:cxnSp>
+      <p:sp>
+        <p:nvSpPr>
+          <p:cNvPr id="262" name="文字方塊 261"/>
           <p:cNvSpPr txBox="1"/>
           <p:nvPr/>
         </p:nvSpPr>
         <p:spPr>
           <a:xfrm>
-            <a:off x="2340727" y="4178844"/>
-            <a:ext cx="1505862" cy="307777"/>
-          </a:xfrm>
-          <a:prstGeom prst="rect">
-            <a:avLst/>
-          </a:prstGeom>
-          <a:noFill/>
-          <a:ln>
-            <a:noFill/>
-          </a:ln>
-        </p:spPr>
-        <p:txBody>
-          <a:bodyPr wrap="square" rtlCol="0">
-            <a:spAutoFit/>
-          </a:bodyPr>
-          <a:lstStyle/>
-          <a:p>
-            <a:pPr algn="ctr"/>
-            <a:r>
-              <a:rPr lang="zh-TW" altLang="en-US" sz="1400" dirty="0" smtClean="0"/>
-              <a:t>回原來</a:t>
-            </a:r>
-            <a:r>
-              <a:rPr lang="zh-TW" altLang="en-US" sz="1400" dirty="0"/>
-              <a:t>畫面</a:t>
-            </a:r>
-          </a:p>
-        </p:txBody>
-      </p:sp>
-      <p:sp>
-        <p:nvSpPr>
-          <p:cNvPr id="121" name="文字方塊 120"/>
-          <p:cNvSpPr txBox="1"/>
-          <p:nvPr/>
-        </p:nvSpPr>
-        <p:spPr>
-          <a:xfrm>
-            <a:off x="1109164" y="861089"/>
-            <a:ext cx="1470274" cy="523220"/>
-          </a:xfrm>
-          <a:prstGeom prst="rect">
-            <a:avLst/>
-          </a:prstGeom>
-          <a:noFill/>
-        </p:spPr>
-        <p:txBody>
-          <a:bodyPr wrap="none" rtlCol="0">
-            <a:spAutoFit/>
-          </a:bodyPr>
-          <a:lstStyle/>
-          <a:p>
-            <a:r>
-              <a:rPr lang="en-US" altLang="zh-TW" sz="2800" dirty="0" smtClean="0"/>
-              <a:t>3-1.</a:t>
-            </a:r>
-            <a:r>
-              <a:rPr lang="zh-TW" altLang="en-US" sz="2800" dirty="0"/>
-              <a:t>註冊</a:t>
-            </a:r>
-          </a:p>
-        </p:txBody>
-      </p:sp>
-      <p:sp>
-        <p:nvSpPr>
-          <p:cNvPr id="153" name="橢圓 152"/>
-          <p:cNvSpPr/>
-          <p:nvPr/>
-        </p:nvSpPr>
-        <p:spPr>
-          <a:xfrm>
-            <a:off x="6413215" y="987697"/>
-            <a:ext cx="291155" cy="291155"/>
-          </a:xfrm>
-          <a:prstGeom prst="ellipse">
+            <a:off x="2321968" y="2767083"/>
+            <a:ext cx="1107997" cy="276999"/>
+          </a:xfrm>
+          <a:prstGeom prst="rect">
             <a:avLst/>
           </a:prstGeom>
           <a:solidFill>
-            <a:schemeClr val="accent6">
-              <a:lumMod val="40000"/>
-              <a:lumOff val="60000"/>
+            <a:schemeClr val="accent1">
+              <a:lumMod val="20000"/>
+              <a:lumOff val="80000"/>
             </a:schemeClr>
           </a:solidFill>
           <a:ln>
             <a:noFill/>
+          </a:ln>
+        </p:spPr>
+        <p:txBody>
+          <a:bodyPr wrap="none" rtlCol="0">
+            <a:spAutoFit/>
+          </a:bodyPr>
+          <a:lstStyle/>
+          <a:p>
+            <a:pPr algn="ctr"/>
+            <a:r>
+              <a:rPr lang="zh-TW" altLang="en-US" sz="1200" dirty="0" smtClean="0"/>
+              <a:t>選擇登入方式</a:t>
+            </a:r>
+            <a:endParaRPr lang="zh-TW" altLang="en-US" sz="1200" dirty="0"/>
+          </a:p>
+        </p:txBody>
+      </p:sp>
+      <p:sp>
+        <p:nvSpPr>
+          <p:cNvPr id="263" name="文字方塊 262"/>
+          <p:cNvSpPr txBox="1"/>
+          <p:nvPr/>
+        </p:nvSpPr>
+        <p:spPr>
+          <a:xfrm>
+            <a:off x="7314482" y="2767083"/>
+            <a:ext cx="870751" cy="276999"/>
+          </a:xfrm>
+          <a:prstGeom prst="rect">
+            <a:avLst/>
+          </a:prstGeom>
+          <a:solidFill>
+            <a:schemeClr val="accent1">
+              <a:lumMod val="20000"/>
+              <a:lumOff val="80000"/>
+            </a:schemeClr>
+          </a:solidFill>
+          <a:ln>
+            <a:noFill/>
+          </a:ln>
+        </p:spPr>
+        <p:txBody>
+          <a:bodyPr wrap="none" rtlCol="0">
+            <a:spAutoFit/>
+          </a:bodyPr>
+          <a:lstStyle/>
+          <a:p>
+            <a:pPr algn="ctr"/>
+            <a:r>
+              <a:rPr lang="zh-TW" altLang="en-US" sz="1200" dirty="0"/>
+              <a:t>確</a:t>
+            </a:r>
+            <a:r>
+              <a:rPr lang="zh-TW" altLang="en-US" sz="1200" dirty="0" smtClean="0"/>
+              <a:t>定</a:t>
+            </a:r>
+            <a:r>
+              <a:rPr lang="zh-TW" altLang="en-US" sz="1200" dirty="0" smtClean="0"/>
+              <a:t>同意</a:t>
+            </a:r>
+            <a:r>
+              <a:rPr lang="en-US" altLang="zh-TW" sz="1200" dirty="0" smtClean="0"/>
+              <a:t>?</a:t>
+            </a:r>
+            <a:endParaRPr lang="zh-TW" altLang="en-US" sz="1200" dirty="0"/>
+          </a:p>
+        </p:txBody>
+      </p:sp>
+      <p:grpSp>
+        <p:nvGrpSpPr>
+          <p:cNvPr id="29" name="群組 28"/>
+          <p:cNvGrpSpPr/>
+          <p:nvPr/>
+        </p:nvGrpSpPr>
+        <p:grpSpPr>
+          <a:xfrm>
+            <a:off x="10836677" y="1204083"/>
+            <a:ext cx="1010381" cy="2004809"/>
+            <a:chOff x="10836677" y="1204083"/>
+            <a:chExt cx="1010381" cy="2004809"/>
+          </a:xfrm>
+        </p:grpSpPr>
+        <p:pic>
+          <p:nvPicPr>
+            <p:cNvPr id="85" name="圖片 84"/>
+            <p:cNvPicPr>
+              <a:picLocks noChangeAspect="1"/>
+            </p:cNvPicPr>
+            <p:nvPr/>
+          </p:nvPicPr>
+          <p:blipFill>
+            <a:blip r:embed="rId5" cstate="print">
+              <a:extLst>
+                <a:ext uri="{28A0092B-C50C-407E-A947-70E740481C1C}">
+                  <a14:useLocalDpi xmlns:a14="http://schemas.microsoft.com/office/drawing/2010/main" val="0"/>
+                </a:ext>
+              </a:extLst>
+            </a:blip>
+            <a:stretch>
+              <a:fillRect/>
+            </a:stretch>
+          </p:blipFill>
+          <p:spPr>
+            <a:xfrm>
+              <a:off x="10836677" y="1204083"/>
+              <a:ext cx="1010381" cy="2004809"/>
+            </a:xfrm>
+            <a:prstGeom prst="rect">
+              <a:avLst/>
+            </a:prstGeom>
+          </p:spPr>
+        </p:pic>
+        <p:pic>
+          <p:nvPicPr>
+            <p:cNvPr id="20" name="圖片 19"/>
+            <p:cNvPicPr>
+              <a:picLocks noChangeAspect="1"/>
+            </p:cNvPicPr>
+            <p:nvPr/>
+          </p:nvPicPr>
+          <p:blipFill>
+            <a:blip r:embed="rId6" cstate="print">
+              <a:extLst>
+                <a:ext uri="{28A0092B-C50C-407E-A947-70E740481C1C}">
+                  <a14:useLocalDpi xmlns:a14="http://schemas.microsoft.com/office/drawing/2010/main" val="0"/>
+                </a:ext>
+              </a:extLst>
+            </a:blip>
+            <a:stretch>
+              <a:fillRect/>
+            </a:stretch>
+          </p:blipFill>
+          <p:spPr>
+            <a:xfrm>
+              <a:off x="10952771" y="1972429"/>
+              <a:ext cx="779230" cy="420332"/>
+            </a:xfrm>
+            <a:prstGeom prst="rect">
+              <a:avLst/>
+            </a:prstGeom>
+          </p:spPr>
+        </p:pic>
+      </p:grpSp>
+      <p:sp>
+        <p:nvSpPr>
+          <p:cNvPr id="264" name="文字方塊 263"/>
+          <p:cNvSpPr txBox="1"/>
+          <p:nvPr/>
+        </p:nvSpPr>
+        <p:spPr>
+          <a:xfrm>
+            <a:off x="11124207" y="2797368"/>
+            <a:ext cx="870751" cy="276999"/>
+          </a:xfrm>
+          <a:prstGeom prst="rect">
+            <a:avLst/>
+          </a:prstGeom>
+          <a:solidFill>
+            <a:schemeClr val="accent1">
+              <a:lumMod val="20000"/>
+              <a:lumOff val="80000"/>
+            </a:schemeClr>
+          </a:solidFill>
+          <a:ln>
+            <a:noFill/>
+          </a:ln>
+        </p:spPr>
+        <p:txBody>
+          <a:bodyPr wrap="none" rtlCol="0">
+            <a:spAutoFit/>
+          </a:bodyPr>
+          <a:lstStyle/>
+          <a:p>
+            <a:pPr algn="ctr"/>
+            <a:r>
+              <a:rPr lang="zh-TW" altLang="en-US" sz="1200" dirty="0" smtClean="0"/>
+              <a:t>確定取消</a:t>
+            </a:r>
+            <a:r>
+              <a:rPr lang="en-US" altLang="zh-TW" sz="1200" dirty="0" smtClean="0"/>
+              <a:t>?</a:t>
+            </a:r>
+            <a:endParaRPr lang="zh-TW" altLang="en-US" sz="1200" dirty="0"/>
+          </a:p>
+        </p:txBody>
+      </p:sp>
+      <p:grpSp>
+        <p:nvGrpSpPr>
+          <p:cNvPr id="28" name="群組 27"/>
+          <p:cNvGrpSpPr/>
+          <p:nvPr/>
+        </p:nvGrpSpPr>
+        <p:grpSpPr>
+          <a:xfrm>
+            <a:off x="4683064" y="3698592"/>
+            <a:ext cx="1010381" cy="2004809"/>
+            <a:chOff x="4683064" y="3698592"/>
+            <a:chExt cx="1010381" cy="2004809"/>
+          </a:xfrm>
+        </p:grpSpPr>
+        <p:pic>
+          <p:nvPicPr>
+            <p:cNvPr id="97" name="圖片 96"/>
+            <p:cNvPicPr>
+              <a:picLocks noChangeAspect="1"/>
+            </p:cNvPicPr>
+            <p:nvPr/>
+          </p:nvPicPr>
+          <p:blipFill>
+            <a:blip r:embed="rId5" cstate="print">
+              <a:extLst>
+                <a:ext uri="{28A0092B-C50C-407E-A947-70E740481C1C}">
+                  <a14:useLocalDpi xmlns:a14="http://schemas.microsoft.com/office/drawing/2010/main" val="0"/>
+                </a:ext>
+              </a:extLst>
+            </a:blip>
+            <a:stretch>
+              <a:fillRect/>
+            </a:stretch>
+          </p:blipFill>
+          <p:spPr>
+            <a:xfrm>
+              <a:off x="4683064" y="3698592"/>
+              <a:ext cx="1010381" cy="2004809"/>
+            </a:xfrm>
+            <a:prstGeom prst="rect">
+              <a:avLst/>
+            </a:prstGeom>
+          </p:spPr>
+        </p:pic>
+        <p:pic>
+          <p:nvPicPr>
+            <p:cNvPr id="98" name="圖片 97"/>
+            <p:cNvPicPr>
+              <a:picLocks noChangeAspect="1"/>
+            </p:cNvPicPr>
+            <p:nvPr/>
+          </p:nvPicPr>
+          <p:blipFill>
+            <a:blip r:embed="rId6" cstate="print">
+              <a:extLst>
+                <a:ext uri="{28A0092B-C50C-407E-A947-70E740481C1C}">
+                  <a14:useLocalDpi xmlns:a14="http://schemas.microsoft.com/office/drawing/2010/main" val="0"/>
+                </a:ext>
+              </a:extLst>
+            </a:blip>
+            <a:stretch>
+              <a:fillRect/>
+            </a:stretch>
+          </p:blipFill>
+          <p:spPr>
+            <a:xfrm>
+              <a:off x="4799158" y="4466938"/>
+              <a:ext cx="779230" cy="420332"/>
+            </a:xfrm>
+            <a:prstGeom prst="rect">
+              <a:avLst/>
+            </a:prstGeom>
+          </p:spPr>
+        </p:pic>
+      </p:grpSp>
+      <p:sp>
+        <p:nvSpPr>
+          <p:cNvPr id="99" name="文字方塊 98"/>
+          <p:cNvSpPr txBox="1"/>
+          <p:nvPr/>
+        </p:nvSpPr>
+        <p:spPr>
+          <a:xfrm>
+            <a:off x="5034424" y="5292083"/>
+            <a:ext cx="870751" cy="276999"/>
+          </a:xfrm>
+          <a:prstGeom prst="rect">
+            <a:avLst/>
+          </a:prstGeom>
+          <a:solidFill>
+            <a:schemeClr val="accent1">
+              <a:lumMod val="20000"/>
+              <a:lumOff val="80000"/>
+            </a:schemeClr>
+          </a:solidFill>
+          <a:ln>
+            <a:noFill/>
+          </a:ln>
+        </p:spPr>
+        <p:txBody>
+          <a:bodyPr wrap="none" rtlCol="0">
+            <a:spAutoFit/>
+          </a:bodyPr>
+          <a:lstStyle/>
+          <a:p>
+            <a:pPr algn="ctr"/>
+            <a:r>
+              <a:rPr lang="zh-TW" altLang="en-US" sz="1200" dirty="0" smtClean="0"/>
+              <a:t>確定取消</a:t>
+            </a:r>
+            <a:r>
+              <a:rPr lang="en-US" altLang="zh-TW" sz="1200" dirty="0" smtClean="0"/>
+              <a:t>?</a:t>
+            </a:r>
+            <a:endParaRPr lang="zh-TW" altLang="en-US" sz="1200" dirty="0"/>
+          </a:p>
+        </p:txBody>
+      </p:sp>
+      <p:sp>
+        <p:nvSpPr>
+          <p:cNvPr id="26" name="橢圓 25"/>
+          <p:cNvSpPr/>
+          <p:nvPr/>
+        </p:nvSpPr>
+        <p:spPr>
+          <a:xfrm>
+            <a:off x="2196738" y="2095812"/>
+            <a:ext cx="742950" cy="197447"/>
+          </a:xfrm>
+          <a:prstGeom prst="ellipse">
+            <a:avLst/>
+          </a:prstGeom>
+          <a:noFill/>
+          <a:ln>
+            <a:solidFill>
+              <a:srgbClr val="FF0000"/>
+            </a:solidFill>
           </a:ln>
         </p:spPr>
         <p:style>
@@ -9543,63 +10369,23 @@
       </p:sp>
       <p:sp>
         <p:nvSpPr>
-          <p:cNvPr id="154" name="文字方塊 153"/>
-          <p:cNvSpPr txBox="1"/>
-          <p:nvPr/>
-        </p:nvSpPr>
-        <p:spPr>
-          <a:xfrm>
-            <a:off x="6408988" y="1015834"/>
-            <a:ext cx="510044" cy="246221"/>
-          </a:xfrm>
-          <a:prstGeom prst="rect">
+          <p:cNvPr id="105" name="橢圓 104"/>
+          <p:cNvSpPr/>
+          <p:nvPr/>
+        </p:nvSpPr>
+        <p:spPr>
+          <a:xfrm>
+            <a:off x="7579916" y="2148792"/>
+            <a:ext cx="339884" cy="176427"/>
+          </a:xfrm>
+          <a:prstGeom prst="ellipse">
             <a:avLst/>
           </a:prstGeom>
           <a:noFill/>
           <a:ln>
-            <a:noFill/>
-          </a:ln>
-        </p:spPr>
-        <p:txBody>
-          <a:bodyPr wrap="square" rtlCol="0">
-            <a:spAutoFit/>
-          </a:bodyPr>
-          <a:lstStyle/>
-          <a:p>
-            <a:r>
-              <a:rPr lang="zh-TW" altLang="en-US" sz="1000" dirty="0" smtClean="0"/>
-              <a:t>圖</a:t>
-            </a:r>
-            <a:r>
-              <a:rPr lang="en-US" altLang="zh-TW" sz="1000" dirty="0" smtClean="0"/>
-              <a:t>A</a:t>
-            </a:r>
-            <a:endParaRPr lang="zh-TW" altLang="en-US" sz="1000" dirty="0"/>
-          </a:p>
-        </p:txBody>
-      </p:sp>
-      <p:sp>
-        <p:nvSpPr>
-          <p:cNvPr id="155" name="橢圓 154"/>
-          <p:cNvSpPr/>
-          <p:nvPr/>
-        </p:nvSpPr>
-        <p:spPr>
-          <a:xfrm>
-            <a:off x="6427493" y="3374063"/>
-            <a:ext cx="291155" cy="291155"/>
-          </a:xfrm>
-          <a:prstGeom prst="ellipse">
-            <a:avLst/>
-          </a:prstGeom>
-          <a:solidFill>
-            <a:schemeClr val="accent6">
-              <a:lumMod val="40000"/>
-              <a:lumOff val="60000"/>
-            </a:schemeClr>
-          </a:solidFill>
-          <a:ln>
-            <a:noFill/>
+            <a:solidFill>
+              <a:srgbClr val="FF0000"/>
+            </a:solidFill>
           </a:ln>
         </p:spPr>
         <p:style>
@@ -9623,20 +10409,20 @@
           <a:lstStyle/>
           <a:p>
             <a:pPr algn="ctr"/>
-            <a:endParaRPr lang="zh-TW" altLang="en-US" sz="1400"/>
-          </a:p>
-        </p:txBody>
-      </p:sp>
-      <p:sp>
-        <p:nvSpPr>
-          <p:cNvPr id="156" name="文字方塊 155"/>
+            <a:endParaRPr lang="zh-TW" altLang="en-US"/>
+          </a:p>
+        </p:txBody>
+      </p:sp>
+      <p:sp>
+        <p:nvSpPr>
+          <p:cNvPr id="111" name="文字方塊 110"/>
           <p:cNvSpPr txBox="1"/>
           <p:nvPr/>
         </p:nvSpPr>
         <p:spPr>
           <a:xfrm>
-            <a:off x="6393281" y="3385955"/>
-            <a:ext cx="510044" cy="246221"/>
+            <a:off x="6577401" y="4012977"/>
+            <a:ext cx="1505862" cy="307777"/>
           </a:xfrm>
           <a:prstGeom prst="rect">
             <a:avLst/>
@@ -9652,74 +10438,71 @@
           </a:bodyPr>
           <a:lstStyle/>
           <a:p>
-            <a:r>
-              <a:rPr lang="zh-TW" altLang="en-US" sz="1000" dirty="0" smtClean="0"/>
-              <a:t>圖</a:t>
-            </a:r>
-            <a:r>
-              <a:rPr lang="en-US" altLang="zh-TW" sz="1000" dirty="0" smtClean="0"/>
-              <a:t>B</a:t>
-            </a:r>
-            <a:endParaRPr lang="zh-TW" altLang="en-US" sz="1000" dirty="0"/>
-          </a:p>
-        </p:txBody>
-      </p:sp>
-      <p:sp>
-        <p:nvSpPr>
-          <p:cNvPr id="76" name="文字方塊 75"/>
-          <p:cNvSpPr txBox="1"/>
-          <p:nvPr/>
-        </p:nvSpPr>
-        <p:spPr>
-          <a:xfrm>
-            <a:off x="255684" y="197333"/>
-            <a:ext cx="2254143" cy="523220"/>
-          </a:xfrm>
-          <a:prstGeom prst="rect">
-            <a:avLst/>
-          </a:prstGeom>
-          <a:noFill/>
-        </p:spPr>
-        <p:txBody>
-          <a:bodyPr wrap="none" rtlCol="0">
-            <a:spAutoFit/>
-          </a:bodyPr>
-          <a:lstStyle/>
-          <a:p>
-            <a:r>
-              <a:rPr lang="en-US" altLang="zh-TW" sz="2800" dirty="0" smtClean="0"/>
-              <a:t>3.</a:t>
-            </a:r>
-            <a:r>
-              <a:rPr lang="zh-TW" altLang="en-US" sz="2800" dirty="0" smtClean="0"/>
-              <a:t>功能流程</a:t>
-            </a:r>
-            <a:r>
-              <a:rPr lang="zh-TW" altLang="en-US" sz="2800" dirty="0"/>
-              <a:t>圖</a:t>
+            <a:pPr algn="ctr"/>
+            <a:r>
+              <a:rPr lang="zh-TW" altLang="en-US" sz="1400" dirty="0" smtClean="0"/>
+              <a:t>取</a:t>
+            </a:r>
+            <a:r>
+              <a:rPr lang="zh-TW" altLang="en-US" sz="1400" dirty="0"/>
+              <a:t>消</a:t>
             </a:r>
           </a:p>
         </p:txBody>
       </p:sp>
       <p:cxnSp>
         <p:nvCxnSpPr>
-          <p:cNvPr id="68" name="直線單箭頭接點 67"/>
+          <p:cNvPr id="112" name="直線接點 111"/>
           <p:cNvCxnSpPr/>
           <p:nvPr/>
         </p:nvCxnSpPr>
         <p:spPr>
-          <a:xfrm flipH="1">
-            <a:off x="4104876" y="3374063"/>
-            <a:ext cx="413742" cy="0"/>
-          </a:xfrm>
-          <a:prstGeom prst="straightConnector1">
+          <a:xfrm>
+            <a:off x="6235928" y="3479618"/>
+            <a:ext cx="1299489" cy="0"/>
+          </a:xfrm>
+          <a:prstGeom prst="line">
             <a:avLst/>
           </a:prstGeom>
           <a:ln w="19050">
             <a:solidFill>
               <a:schemeClr val="tx1"/>
             </a:solidFill>
-            <a:tailEnd type="triangle"/>
+          </a:ln>
+        </p:spPr>
+        <p:style>
+          <a:lnRef idx="1">
+            <a:schemeClr val="accent1"/>
+          </a:lnRef>
+          <a:fillRef idx="0">
+            <a:schemeClr val="accent1"/>
+          </a:fillRef>
+          <a:effectRef idx="0">
+            <a:schemeClr val="accent1"/>
+          </a:effectRef>
+          <a:fontRef idx="minor">
+            <a:schemeClr val="tx1"/>
+          </a:fontRef>
+        </p:style>
+      </p:cxnSp>
+      <p:cxnSp>
+        <p:nvCxnSpPr>
+          <p:cNvPr id="114" name="直線接點 113"/>
+          <p:cNvCxnSpPr/>
+          <p:nvPr/>
+        </p:nvCxnSpPr>
+        <p:spPr>
+          <a:xfrm>
+            <a:off x="7537608" y="3239833"/>
+            <a:ext cx="0" cy="233537"/>
+          </a:xfrm>
+          <a:prstGeom prst="line">
+            <a:avLst/>
+          </a:prstGeom>
+          <a:ln w="19050">
+            <a:solidFill>
+              <a:schemeClr val="tx1"/>
+            </a:solidFill>
           </a:ln>
         </p:spPr>
         <p:style>
@@ -9740,20 +10523,13 @@
     </p:spTree>
     <p:extLst>
       <p:ext uri="{BB962C8B-B14F-4D97-AF65-F5344CB8AC3E}">
-        <p14:creationId xmlns:p14="http://schemas.microsoft.com/office/powerpoint/2010/main" val="3226948950"/>
+        <p14:creationId xmlns:p14="http://schemas.microsoft.com/office/powerpoint/2010/main" val="1482721006"/>
       </p:ext>
     </p:extLst>
   </p:cSld>
   <p:clrMapOvr>
     <a:masterClrMapping/>
   </p:clrMapOvr>
-  <p:timing>
-    <p:tnLst>
-      <p:par>
-        <p:cTn id="1" dur="indefinite" restart="never" nodeType="tmRoot"/>
-      </p:par>
-    </p:tnLst>
-  </p:timing>
 </p:sld>
 </file>
 
@@ -9774,16 +10550,166 @@
           <a:chExt cx="0" cy="0"/>
         </a:xfrm>
       </p:grpSpPr>
-      <p:sp>
-        <p:nvSpPr>
-          <p:cNvPr id="2" name="文字方塊 1"/>
+      <p:pic>
+        <p:nvPicPr>
+          <p:cNvPr id="3" name="圖片 2"/>
+          <p:cNvPicPr>
+            <a:picLocks noChangeAspect="1"/>
+          </p:cNvPicPr>
+          <p:nvPr/>
+        </p:nvPicPr>
+        <p:blipFill>
+          <a:blip r:embed="rId3" cstate="print">
+            <a:extLst>
+              <a:ext uri="{28A0092B-C50C-407E-A947-70E740481C1C}">
+                <a14:useLocalDpi xmlns:a14="http://schemas.microsoft.com/office/drawing/2010/main" val="0"/>
+              </a:ext>
+            </a:extLst>
+          </a:blip>
+          <a:stretch>
+            <a:fillRect/>
+          </a:stretch>
+        </p:blipFill>
+        <p:spPr>
+          <a:xfrm>
+            <a:off x="6776763" y="2849879"/>
+            <a:ext cx="963477" cy="1911741"/>
+          </a:xfrm>
+          <a:prstGeom prst="rect">
+            <a:avLst/>
+          </a:prstGeom>
+        </p:spPr>
+      </p:pic>
+      <p:pic>
+        <p:nvPicPr>
+          <p:cNvPr id="4" name="圖片 3"/>
+          <p:cNvPicPr>
+            <a:picLocks noChangeAspect="1"/>
+          </p:cNvPicPr>
+          <p:nvPr/>
+        </p:nvPicPr>
+        <p:blipFill>
+          <a:blip r:embed="rId4" cstate="print">
+            <a:extLst>
+              <a:ext uri="{28A0092B-C50C-407E-A947-70E740481C1C}">
+                <a14:useLocalDpi xmlns:a14="http://schemas.microsoft.com/office/drawing/2010/main" val="0"/>
+              </a:ext>
+            </a:extLst>
+          </a:blip>
+          <a:stretch>
+            <a:fillRect/>
+          </a:stretch>
+        </p:blipFill>
+        <p:spPr>
+          <a:xfrm>
+            <a:off x="3230284" y="2388795"/>
+            <a:ext cx="998844" cy="1981917"/>
+          </a:xfrm>
+          <a:prstGeom prst="rect">
+            <a:avLst/>
+          </a:prstGeom>
+        </p:spPr>
+      </p:pic>
+      <p:pic>
+        <p:nvPicPr>
+          <p:cNvPr id="5" name="圖片 4"/>
+          <p:cNvPicPr>
+            <a:picLocks noChangeAspect="1"/>
+          </p:cNvPicPr>
+          <p:nvPr/>
+        </p:nvPicPr>
+        <p:blipFill>
+          <a:blip r:embed="rId5" cstate="print">
+            <a:extLst>
+              <a:ext uri="{28A0092B-C50C-407E-A947-70E740481C1C}">
+                <a14:useLocalDpi xmlns:a14="http://schemas.microsoft.com/office/drawing/2010/main" val="0"/>
+              </a:ext>
+            </a:extLst>
+          </a:blip>
+          <a:stretch>
+            <a:fillRect/>
+          </a:stretch>
+        </p:blipFill>
+        <p:spPr>
+          <a:xfrm>
+            <a:off x="5424631" y="4706873"/>
+            <a:ext cx="967907" cy="1920533"/>
+          </a:xfrm>
+          <a:prstGeom prst="rect">
+            <a:avLst/>
+          </a:prstGeom>
+        </p:spPr>
+      </p:pic>
+      <p:pic>
+        <p:nvPicPr>
+          <p:cNvPr id="6" name="圖片 5"/>
+          <p:cNvPicPr>
+            <a:picLocks noChangeAspect="1"/>
+          </p:cNvPicPr>
+          <p:nvPr/>
+        </p:nvPicPr>
+        <p:blipFill>
+          <a:blip r:embed="rId6" cstate="print">
+            <a:extLst>
+              <a:ext uri="{28A0092B-C50C-407E-A947-70E740481C1C}">
+                <a14:useLocalDpi xmlns:a14="http://schemas.microsoft.com/office/drawing/2010/main" val="0"/>
+              </a:ext>
+            </a:extLst>
+          </a:blip>
+          <a:stretch>
+            <a:fillRect/>
+          </a:stretch>
+        </p:blipFill>
+        <p:spPr>
+          <a:xfrm>
+            <a:off x="10408386" y="3704118"/>
+            <a:ext cx="950937" cy="1886860"/>
+          </a:xfrm>
+          <a:prstGeom prst="rect">
+            <a:avLst/>
+          </a:prstGeom>
+        </p:spPr>
+      </p:pic>
+      <p:pic>
+        <p:nvPicPr>
+          <p:cNvPr id="7" name="圖片 6"/>
+          <p:cNvPicPr>
+            <a:picLocks noChangeAspect="1"/>
+          </p:cNvPicPr>
+          <p:nvPr/>
+        </p:nvPicPr>
+        <p:blipFill>
+          <a:blip r:embed="rId7" cstate="print">
+            <a:extLst>
+              <a:ext uri="{28A0092B-C50C-407E-A947-70E740481C1C}">
+                <a14:useLocalDpi xmlns:a14="http://schemas.microsoft.com/office/drawing/2010/main" val="0"/>
+              </a:ext>
+            </a:extLst>
+          </a:blip>
+          <a:stretch>
+            <a:fillRect/>
+          </a:stretch>
+        </p:blipFill>
+        <p:spPr>
+          <a:xfrm>
+            <a:off x="6758455" y="517633"/>
+            <a:ext cx="998844" cy="1981917"/>
+          </a:xfrm>
+          <a:prstGeom prst="rect">
+            <a:avLst/>
+          </a:prstGeom>
+        </p:spPr>
+      </p:pic>
+      <p:sp>
+        <p:nvSpPr>
+          <p:cNvPr id="8" name="文字方塊 7"/>
           <p:cNvSpPr txBox="1"/>
           <p:nvPr/>
         </p:nvSpPr>
         <p:spPr>
           <a:xfrm>
-            <a:off x="4560449" y="1601079"/>
-            <a:ext cx="1505862" cy="307777"/>
+            <a:off x="1701283" y="1072191"/>
+            <a:ext cx="1505862" cy="276999"/>
           </a:xfrm>
           <a:prstGeom prst="rect">
             <a:avLst/>
@@ -9801,22 +10727,22 @@
           <a:p>
             <a:pPr algn="ctr"/>
             <a:r>
-              <a:rPr lang="zh-TW" altLang="en-US" sz="1400" dirty="0" smtClean="0"/>
+              <a:rPr lang="zh-TW" altLang="en-US" sz="1200" dirty="0" smtClean="0"/>
               <a:t>取得</a:t>
             </a:r>
-            <a:endParaRPr lang="zh-TW" altLang="en-US" sz="1400" dirty="0"/>
-          </a:p>
-        </p:txBody>
-      </p:sp>
-      <p:sp>
-        <p:nvSpPr>
-          <p:cNvPr id="3" name="文字方塊 2"/>
+            <a:endParaRPr lang="zh-TW" altLang="en-US" sz="1200" dirty="0"/>
+          </a:p>
+        </p:txBody>
+      </p:sp>
+      <p:sp>
+        <p:nvSpPr>
+          <p:cNvPr id="9" name="文字方塊 8"/>
           <p:cNvSpPr txBox="1"/>
           <p:nvPr/>
         </p:nvSpPr>
         <p:spPr>
           <a:xfrm>
-            <a:off x="3940394" y="2042439"/>
+            <a:off x="2814187" y="1119355"/>
             <a:ext cx="1793399" cy="611386"/>
           </a:xfrm>
           <a:prstGeom prst="flowChartDecision">
@@ -9846,16 +10772,49 @@
       </p:sp>
       <p:sp>
         <p:nvSpPr>
-          <p:cNvPr id="4" name="文字方塊 3"/>
+          <p:cNvPr id="11" name="文字方塊 10"/>
           <p:cNvSpPr txBox="1"/>
           <p:nvPr/>
         </p:nvSpPr>
         <p:spPr>
           <a:xfrm>
-            <a:off x="4400330" y="3397668"/>
-            <a:ext cx="902811" cy="307777"/>
-          </a:xfrm>
-          <a:prstGeom prst="rect">
+            <a:off x="3861449" y="4532142"/>
+            <a:ext cx="492443" cy="276999"/>
+          </a:xfrm>
+          <a:prstGeom prst="rect">
+            <a:avLst/>
+          </a:prstGeom>
+          <a:noFill/>
+          <a:ln>
+            <a:noFill/>
+          </a:ln>
+        </p:spPr>
+        <p:txBody>
+          <a:bodyPr wrap="none" rtlCol="0">
+            <a:spAutoFit/>
+          </a:bodyPr>
+          <a:lstStyle/>
+          <a:p>
+            <a:pPr algn="ctr"/>
+            <a:r>
+              <a:rPr lang="zh-TW" altLang="en-US" sz="1200" dirty="0"/>
+              <a:t>確定</a:t>
+            </a:r>
+          </a:p>
+        </p:txBody>
+      </p:sp>
+      <p:sp>
+        <p:nvSpPr>
+          <p:cNvPr id="12" name="文字方塊 11"/>
+          <p:cNvSpPr txBox="1"/>
+          <p:nvPr/>
+        </p:nvSpPr>
+        <p:spPr>
+          <a:xfrm>
+            <a:off x="2750215" y="5136547"/>
+            <a:ext cx="1958982" cy="611386"/>
+          </a:xfrm>
+          <a:prstGeom prst="flowChartDecision">
             <a:avLst/>
           </a:prstGeom>
           <a:noFill/>
@@ -9874,7 +10833,11 @@
             <a:pPr algn="ctr"/>
             <a:r>
               <a:rPr lang="zh-TW" altLang="en-US" sz="1400" dirty="0" smtClean="0"/>
-              <a:t>填寫密碼</a:t>
+              <a:t>密碼正確</a:t>
+            </a:r>
+            <a:r>
+              <a:rPr lang="en-US" altLang="zh-TW" sz="1400" dirty="0" smtClean="0"/>
+              <a:t>?</a:t>
             </a:r>
             <a:endParaRPr lang="zh-TW" altLang="en-US" sz="1400" dirty="0"/>
           </a:p>
@@ -9882,47 +10845,14 @@
       </p:sp>
       <p:sp>
         <p:nvSpPr>
-          <p:cNvPr id="5" name="文字方塊 4"/>
+          <p:cNvPr id="16" name="文字方塊 15"/>
           <p:cNvSpPr txBox="1"/>
           <p:nvPr/>
         </p:nvSpPr>
         <p:spPr>
           <a:xfrm>
-            <a:off x="5087322" y="3906821"/>
-            <a:ext cx="543739" cy="307777"/>
-          </a:xfrm>
-          <a:prstGeom prst="rect">
-            <a:avLst/>
-          </a:prstGeom>
-          <a:noFill/>
-          <a:ln>
-            <a:noFill/>
-          </a:ln>
-        </p:spPr>
-        <p:txBody>
-          <a:bodyPr wrap="none" rtlCol="0">
-            <a:spAutoFit/>
-          </a:bodyPr>
-          <a:lstStyle/>
-          <a:p>
-            <a:pPr algn="ctr"/>
-            <a:r>
-              <a:rPr lang="zh-TW" altLang="en-US" sz="1400" dirty="0"/>
-              <a:t>確定</a:t>
-            </a:r>
-          </a:p>
-        </p:txBody>
-      </p:sp>
-      <p:sp>
-        <p:nvSpPr>
-          <p:cNvPr id="6" name="文字方塊 5"/>
-          <p:cNvSpPr txBox="1"/>
-          <p:nvPr/>
-        </p:nvSpPr>
-        <p:spPr>
-          <a:xfrm>
-            <a:off x="3879650" y="4393584"/>
-            <a:ext cx="1958982" cy="611386"/>
+            <a:off x="8379622" y="4048575"/>
+            <a:ext cx="1245699" cy="611386"/>
           </a:xfrm>
           <a:prstGeom prst="flowChartDecision">
             <a:avLst/>
@@ -9943,28 +10873,27 @@
             <a:pPr algn="ctr"/>
             <a:r>
               <a:rPr lang="zh-TW" altLang="en-US" sz="1400" dirty="0" smtClean="0"/>
-              <a:t>密碼正確</a:t>
+              <a:t>成功</a:t>
             </a:r>
             <a:r>
               <a:rPr lang="en-US" altLang="zh-TW" sz="1400" dirty="0" smtClean="0"/>
               <a:t>?</a:t>
             </a:r>
-            <a:endParaRPr lang="zh-TW" altLang="en-US" sz="1400" dirty="0"/>
-          </a:p>
-        </p:txBody>
-      </p:sp>
-      <p:sp>
-        <p:nvSpPr>
-          <p:cNvPr id="7" name="文字方塊 6"/>
+          </a:p>
+        </p:txBody>
+      </p:sp>
+      <p:sp>
+        <p:nvSpPr>
+          <p:cNvPr id="17" name="文字方塊 16"/>
           <p:cNvSpPr txBox="1"/>
           <p:nvPr/>
         </p:nvSpPr>
         <p:spPr>
           <a:xfrm>
-            <a:off x="4385687" y="5750615"/>
-            <a:ext cx="902811" cy="307777"/>
-          </a:xfrm>
-          <a:prstGeom prst="rect">
+            <a:off x="816923" y="4303552"/>
+            <a:ext cx="1793399" cy="611386"/>
+          </a:xfrm>
+          <a:prstGeom prst="flowChartDecision">
             <a:avLst/>
           </a:prstGeom>
           <a:noFill/>
@@ -9983,153 +10912,6 @@
             <a:pPr algn="ctr"/>
             <a:r>
               <a:rPr lang="zh-TW" altLang="en-US" sz="1400" dirty="0" smtClean="0"/>
-              <a:t>下載成功</a:t>
-            </a:r>
-            <a:endParaRPr lang="zh-TW" altLang="en-US" sz="1400" dirty="0"/>
-          </a:p>
-        </p:txBody>
-      </p:sp>
-      <p:sp>
-        <p:nvSpPr>
-          <p:cNvPr id="8" name="文字方塊 7"/>
-          <p:cNvSpPr txBox="1"/>
-          <p:nvPr/>
-        </p:nvSpPr>
-        <p:spPr>
-          <a:xfrm>
-            <a:off x="6437503" y="2048616"/>
-            <a:ext cx="1793399" cy="611386"/>
-          </a:xfrm>
-          <a:prstGeom prst="flowChartDecision">
-            <a:avLst/>
-          </a:prstGeom>
-          <a:noFill/>
-          <a:ln>
-            <a:solidFill>
-              <a:schemeClr val="tx1"/>
-            </a:solidFill>
-          </a:ln>
-        </p:spPr>
-        <p:txBody>
-          <a:bodyPr wrap="none" rtlCol="0">
-            <a:spAutoFit/>
-          </a:bodyPr>
-          <a:lstStyle/>
-          <a:p>
-            <a:pPr algn="ctr"/>
-            <a:r>
-              <a:rPr lang="zh-TW" altLang="en-US" sz="1400" dirty="0" smtClean="0"/>
-              <a:t>登錄方式</a:t>
-            </a:r>
-            <a:endParaRPr lang="zh-TW" altLang="en-US" sz="1400" dirty="0"/>
-          </a:p>
-        </p:txBody>
-      </p:sp>
-      <p:sp>
-        <p:nvSpPr>
-          <p:cNvPr id="9" name="文字方塊 8"/>
-          <p:cNvSpPr txBox="1"/>
-          <p:nvPr/>
-        </p:nvSpPr>
-        <p:spPr>
-          <a:xfrm>
-            <a:off x="6808422" y="3448573"/>
-            <a:ext cx="1051560" cy="307777"/>
-          </a:xfrm>
-          <a:prstGeom prst="rect">
-            <a:avLst/>
-          </a:prstGeom>
-          <a:noFill/>
-          <a:ln>
-            <a:solidFill>
-              <a:schemeClr val="tx1"/>
-            </a:solidFill>
-          </a:ln>
-        </p:spPr>
-        <p:txBody>
-          <a:bodyPr wrap="square" rtlCol="0">
-            <a:spAutoFit/>
-          </a:bodyPr>
-          <a:lstStyle/>
-          <a:p>
-            <a:pPr algn="ctr"/>
-            <a:r>
-              <a:rPr lang="zh-TW" altLang="en-US" sz="1400" dirty="0" smtClean="0"/>
-              <a:t>登陸</a:t>
-            </a:r>
-            <a:endParaRPr lang="zh-TW" altLang="en-US" sz="1400" dirty="0"/>
-          </a:p>
-        </p:txBody>
-      </p:sp>
-      <p:sp>
-        <p:nvSpPr>
-          <p:cNvPr id="10" name="文字方塊 9"/>
-          <p:cNvSpPr txBox="1"/>
-          <p:nvPr/>
-        </p:nvSpPr>
-        <p:spPr>
-          <a:xfrm>
-            <a:off x="6718758" y="4461655"/>
-            <a:ext cx="1245699" cy="611386"/>
-          </a:xfrm>
-          <a:prstGeom prst="flowChartDecision">
-            <a:avLst/>
-          </a:prstGeom>
-          <a:noFill/>
-          <a:ln>
-            <a:solidFill>
-              <a:schemeClr val="tx1"/>
-            </a:solidFill>
-          </a:ln>
-        </p:spPr>
-        <p:txBody>
-          <a:bodyPr wrap="none" rtlCol="0">
-            <a:spAutoFit/>
-          </a:bodyPr>
-          <a:lstStyle/>
-          <a:p>
-            <a:pPr algn="ctr"/>
-            <a:r>
-              <a:rPr lang="zh-TW" altLang="en-US" sz="1400" dirty="0" smtClean="0"/>
-              <a:t>成功</a:t>
-            </a:r>
-            <a:r>
-              <a:rPr lang="en-US" altLang="zh-TW" sz="1400" dirty="0" smtClean="0"/>
-              <a:t>?</a:t>
-            </a:r>
-          </a:p>
-        </p:txBody>
-      </p:sp>
-      <p:sp>
-        <p:nvSpPr>
-          <p:cNvPr id="11" name="文字方塊 10"/>
-          <p:cNvSpPr txBox="1"/>
-          <p:nvPr/>
-        </p:nvSpPr>
-        <p:spPr>
-          <a:xfrm>
-            <a:off x="1541934" y="4403892"/>
-            <a:ext cx="1793399" cy="611386"/>
-          </a:xfrm>
-          <a:prstGeom prst="flowChartDecision">
-            <a:avLst/>
-          </a:prstGeom>
-          <a:noFill/>
-          <a:ln>
-            <a:solidFill>
-              <a:schemeClr val="tx1"/>
-            </a:solidFill>
-          </a:ln>
-        </p:spPr>
-        <p:txBody>
-          <a:bodyPr wrap="none" rtlCol="0">
-            <a:spAutoFit/>
-          </a:bodyPr>
-          <a:lstStyle/>
-          <a:p>
-            <a:pPr algn="ctr"/>
-            <a:r>
-              <a:rPr lang="zh-TW" altLang="en-US" sz="1400" dirty="0" smtClean="0"/>
               <a:t>再試一</a:t>
             </a:r>
             <a:r>
@@ -10139,64 +10921,23 @@
           </a:p>
         </p:txBody>
       </p:sp>
-      <p:sp>
-        <p:nvSpPr>
-          <p:cNvPr id="12" name="文字方塊 11"/>
-          <p:cNvSpPr txBox="1"/>
-          <p:nvPr/>
-        </p:nvSpPr>
-        <p:spPr>
-          <a:xfrm>
-            <a:off x="8624542" y="4446629"/>
-            <a:ext cx="1793399" cy="611386"/>
-          </a:xfrm>
-          <a:prstGeom prst="flowChartDecision">
-            <a:avLst/>
-          </a:prstGeom>
-          <a:noFill/>
-          <a:ln>
-            <a:solidFill>
-              <a:schemeClr val="tx1"/>
-            </a:solidFill>
-          </a:ln>
-        </p:spPr>
-        <p:txBody>
-          <a:bodyPr wrap="none" rtlCol="0">
-            <a:spAutoFit/>
-          </a:bodyPr>
-          <a:lstStyle/>
-          <a:p>
-            <a:pPr algn="ctr"/>
-            <a:r>
-              <a:rPr lang="zh-TW" altLang="en-US" sz="1400" dirty="0" smtClean="0"/>
-              <a:t>再試一</a:t>
-            </a:r>
-            <a:r>
-              <a:rPr lang="zh-TW" altLang="en-US" sz="1400" dirty="0"/>
-              <a:t>次</a:t>
-            </a:r>
-          </a:p>
-        </p:txBody>
-      </p:sp>
       <p:cxnSp>
         <p:nvCxnSpPr>
-          <p:cNvPr id="13" name="直線單箭頭接點 12"/>
-          <p:cNvCxnSpPr>
-            <a:endCxn id="4" idx="0"/>
-          </p:cNvCxnSpPr>
+          <p:cNvPr id="19" name="直線單箭頭接點 18"/>
+          <p:cNvCxnSpPr/>
           <p:nvPr/>
         </p:nvCxnSpPr>
         <p:spPr>
           <a:xfrm>
-            <a:off x="4844330" y="2756418"/>
-            <a:ext cx="7406" cy="641250"/>
+            <a:off x="3720054" y="1803070"/>
+            <a:ext cx="0" cy="524484"/>
           </a:xfrm>
           <a:prstGeom prst="straightConnector1">
             <a:avLst/>
           </a:prstGeom>
           <a:ln w="19050">
             <a:solidFill>
-              <a:schemeClr val="tx1"/>
+              <a:srgbClr val="FF0000"/>
             </a:solidFill>
             <a:tailEnd type="triangle"/>
           </a:ln>
@@ -10218,21 +10959,21 @@
       </p:cxnSp>
       <p:cxnSp>
         <p:nvCxnSpPr>
-          <p:cNvPr id="14" name="直線單箭頭接點 13"/>
+          <p:cNvPr id="20" name="直線單箭頭接點 19"/>
           <p:cNvCxnSpPr/>
           <p:nvPr/>
         </p:nvCxnSpPr>
         <p:spPr>
           <a:xfrm>
-            <a:off x="4851736" y="3770862"/>
-            <a:ext cx="7406" cy="641250"/>
+            <a:off x="3737300" y="4373406"/>
+            <a:ext cx="0" cy="683221"/>
           </a:xfrm>
           <a:prstGeom prst="straightConnector1">
             <a:avLst/>
           </a:prstGeom>
           <a:ln w="19050">
             <a:solidFill>
-              <a:schemeClr val="tx1"/>
+              <a:srgbClr val="FF0000"/>
             </a:solidFill>
             <a:tailEnd type="triangle"/>
           </a:ln>
@@ -10252,16 +10993,361 @@
           </a:fontRef>
         </p:style>
       </p:cxnSp>
+      <p:sp>
+        <p:nvSpPr>
+          <p:cNvPr id="22" name="文字方塊 21"/>
+          <p:cNvSpPr txBox="1"/>
+          <p:nvPr/>
+        </p:nvSpPr>
+        <p:spPr>
+          <a:xfrm>
+            <a:off x="3330307" y="1880871"/>
+            <a:ext cx="338554" cy="276999"/>
+          </a:xfrm>
+          <a:prstGeom prst="rect">
+            <a:avLst/>
+          </a:prstGeom>
+          <a:noFill/>
+          <a:ln>
+            <a:noFill/>
+          </a:ln>
+        </p:spPr>
+        <p:txBody>
+          <a:bodyPr wrap="none" rtlCol="0">
+            <a:spAutoFit/>
+          </a:bodyPr>
+          <a:lstStyle/>
+          <a:p>
+            <a:pPr algn="ctr"/>
+            <a:r>
+              <a:rPr lang="zh-TW" altLang="en-US" sz="1200" dirty="0" smtClean="0"/>
+              <a:t>是</a:t>
+            </a:r>
+            <a:endParaRPr lang="zh-TW" altLang="en-US" sz="1200" dirty="0"/>
+          </a:p>
+        </p:txBody>
+      </p:sp>
+      <p:sp>
+        <p:nvSpPr>
+          <p:cNvPr id="23" name="文字方塊 22"/>
+          <p:cNvSpPr txBox="1"/>
+          <p:nvPr/>
+        </p:nvSpPr>
+        <p:spPr>
+          <a:xfrm>
+            <a:off x="4844533" y="5090787"/>
+            <a:ext cx="338554" cy="276999"/>
+          </a:xfrm>
+          <a:prstGeom prst="rect">
+            <a:avLst/>
+          </a:prstGeom>
+          <a:noFill/>
+          <a:ln>
+            <a:noFill/>
+          </a:ln>
+        </p:spPr>
+        <p:txBody>
+          <a:bodyPr wrap="none" rtlCol="0">
+            <a:spAutoFit/>
+          </a:bodyPr>
+          <a:lstStyle/>
+          <a:p>
+            <a:pPr algn="ctr"/>
+            <a:r>
+              <a:rPr lang="zh-TW" altLang="en-US" sz="1200" dirty="0" smtClean="0"/>
+              <a:t>是</a:t>
+            </a:r>
+            <a:endParaRPr lang="zh-TW" altLang="en-US" sz="1200" dirty="0"/>
+          </a:p>
+        </p:txBody>
+      </p:sp>
+      <p:sp>
+        <p:nvSpPr>
+          <p:cNvPr id="24" name="文字方塊 23"/>
+          <p:cNvSpPr txBox="1"/>
+          <p:nvPr/>
+        </p:nvSpPr>
+        <p:spPr>
+          <a:xfrm>
+            <a:off x="5957761" y="3406586"/>
+            <a:ext cx="492443" cy="276999"/>
+          </a:xfrm>
+          <a:prstGeom prst="rect">
+            <a:avLst/>
+          </a:prstGeom>
+          <a:noFill/>
+          <a:ln>
+            <a:noFill/>
+          </a:ln>
+        </p:spPr>
+        <p:txBody>
+          <a:bodyPr wrap="none" rtlCol="0">
+            <a:spAutoFit/>
+          </a:bodyPr>
+          <a:lstStyle/>
+          <a:p>
+            <a:pPr algn="ctr"/>
+            <a:r>
+              <a:rPr lang="zh-TW" altLang="en-US" sz="1200" dirty="0" smtClean="0"/>
+              <a:t>取</a:t>
+            </a:r>
+            <a:r>
+              <a:rPr lang="zh-TW" altLang="en-US" sz="1200" dirty="0"/>
+              <a:t>消</a:t>
+            </a:r>
+            <a:endParaRPr lang="zh-TW" altLang="en-US" sz="1200" dirty="0"/>
+          </a:p>
+        </p:txBody>
+      </p:sp>
+      <p:sp>
+        <p:nvSpPr>
+          <p:cNvPr id="29" name="文字方塊 28"/>
+          <p:cNvSpPr txBox="1"/>
+          <p:nvPr/>
+        </p:nvSpPr>
+        <p:spPr>
+          <a:xfrm>
+            <a:off x="649879" y="1237159"/>
+            <a:ext cx="1505862" cy="340519"/>
+          </a:xfrm>
+          <a:prstGeom prst="roundRect">
+            <a:avLst/>
+          </a:prstGeom>
+          <a:solidFill>
+            <a:schemeClr val="accent1">
+              <a:lumMod val="60000"/>
+              <a:lumOff val="40000"/>
+            </a:schemeClr>
+          </a:solidFill>
+          <a:ln>
+            <a:solidFill>
+              <a:schemeClr val="tx1"/>
+            </a:solidFill>
+          </a:ln>
+        </p:spPr>
+        <p:txBody>
+          <a:bodyPr wrap="square" rtlCol="0">
+            <a:spAutoFit/>
+          </a:bodyPr>
+          <a:lstStyle/>
+          <a:p>
+            <a:pPr algn="ctr"/>
+            <a:r>
+              <a:rPr lang="en-US" altLang="zh-TW" sz="1400" dirty="0" smtClean="0"/>
+              <a:t>APP</a:t>
+            </a:r>
+            <a:endParaRPr lang="zh-TW" altLang="en-US" sz="1400" dirty="0"/>
+          </a:p>
+        </p:txBody>
+      </p:sp>
+      <p:sp>
+        <p:nvSpPr>
+          <p:cNvPr id="32" name="文字方塊 31"/>
+          <p:cNvSpPr txBox="1"/>
+          <p:nvPr/>
+        </p:nvSpPr>
+        <p:spPr>
+          <a:xfrm>
+            <a:off x="1332977" y="3796644"/>
+            <a:ext cx="338554" cy="276999"/>
+          </a:xfrm>
+          <a:prstGeom prst="rect">
+            <a:avLst/>
+          </a:prstGeom>
+          <a:noFill/>
+          <a:ln>
+            <a:noFill/>
+          </a:ln>
+        </p:spPr>
+        <p:txBody>
+          <a:bodyPr wrap="none" rtlCol="0">
+            <a:spAutoFit/>
+          </a:bodyPr>
+          <a:lstStyle/>
+          <a:p>
+            <a:pPr algn="ctr"/>
+            <a:r>
+              <a:rPr lang="zh-TW" altLang="en-US" sz="1200" dirty="0" smtClean="0"/>
+              <a:t>是</a:t>
+            </a:r>
+            <a:endParaRPr lang="zh-TW" altLang="en-US" sz="1200" dirty="0"/>
+          </a:p>
+        </p:txBody>
+      </p:sp>
+      <p:sp>
+        <p:nvSpPr>
+          <p:cNvPr id="33" name="文字方塊 32"/>
+          <p:cNvSpPr txBox="1"/>
+          <p:nvPr/>
+        </p:nvSpPr>
+        <p:spPr>
+          <a:xfrm>
+            <a:off x="442063" y="4292337"/>
+            <a:ext cx="338554" cy="276999"/>
+          </a:xfrm>
+          <a:prstGeom prst="rect">
+            <a:avLst/>
+          </a:prstGeom>
+          <a:noFill/>
+          <a:ln>
+            <a:noFill/>
+          </a:ln>
+        </p:spPr>
+        <p:txBody>
+          <a:bodyPr wrap="none" rtlCol="0">
+            <a:spAutoFit/>
+          </a:bodyPr>
+          <a:lstStyle/>
+          <a:p>
+            <a:pPr algn="ctr"/>
+            <a:r>
+              <a:rPr lang="zh-TW" altLang="en-US" sz="1200" dirty="0" smtClean="0"/>
+              <a:t>否</a:t>
+            </a:r>
+            <a:endParaRPr lang="zh-TW" altLang="en-US" sz="1200" dirty="0"/>
+          </a:p>
+        </p:txBody>
+      </p:sp>
+      <p:sp>
+        <p:nvSpPr>
+          <p:cNvPr id="35" name="文字方塊 34"/>
+          <p:cNvSpPr txBox="1"/>
+          <p:nvPr/>
+        </p:nvSpPr>
+        <p:spPr>
+          <a:xfrm>
+            <a:off x="7447508" y="2539487"/>
+            <a:ext cx="1023036" cy="276999"/>
+          </a:xfrm>
+          <a:prstGeom prst="rect">
+            <a:avLst/>
+          </a:prstGeom>
+          <a:noFill/>
+          <a:ln>
+            <a:noFill/>
+          </a:ln>
+        </p:spPr>
+        <p:txBody>
+          <a:bodyPr wrap="none" rtlCol="0">
+            <a:spAutoFit/>
+          </a:bodyPr>
+          <a:lstStyle/>
+          <a:p>
+            <a:pPr algn="ctr"/>
+            <a:r>
+              <a:rPr lang="zh-TW" altLang="en-US" sz="1200" dirty="0" smtClean="0"/>
+              <a:t>現有</a:t>
+            </a:r>
+            <a:r>
+              <a:rPr lang="en-US" altLang="zh-TW" sz="1200" dirty="0" smtClean="0"/>
+              <a:t>Apple</a:t>
+            </a:r>
+            <a:r>
+              <a:rPr lang="zh-TW" altLang="en-US" sz="1200" dirty="0" smtClean="0"/>
+              <a:t> </a:t>
+            </a:r>
+            <a:r>
+              <a:rPr lang="en-US" altLang="zh-TW" sz="1200" dirty="0" smtClean="0"/>
+              <a:t>ID</a:t>
+            </a:r>
+            <a:endParaRPr lang="zh-TW" altLang="en-US" sz="1200" dirty="0"/>
+          </a:p>
+        </p:txBody>
+      </p:sp>
+      <p:sp>
+        <p:nvSpPr>
+          <p:cNvPr id="36" name="文字方塊 35"/>
+          <p:cNvSpPr txBox="1"/>
+          <p:nvPr/>
+        </p:nvSpPr>
+        <p:spPr>
+          <a:xfrm>
+            <a:off x="8141786" y="1625568"/>
+            <a:ext cx="1023036" cy="276999"/>
+          </a:xfrm>
+          <a:prstGeom prst="rect">
+            <a:avLst/>
+          </a:prstGeom>
+          <a:noFill/>
+          <a:ln>
+            <a:noFill/>
+          </a:ln>
+        </p:spPr>
+        <p:txBody>
+          <a:bodyPr wrap="none" rtlCol="0">
+            <a:spAutoFit/>
+          </a:bodyPr>
+          <a:lstStyle/>
+          <a:p>
+            <a:pPr algn="ctr"/>
+            <a:r>
+              <a:rPr lang="zh-TW" altLang="en-US" sz="1200" dirty="0" smtClean="0"/>
+              <a:t>新</a:t>
+            </a:r>
+            <a:r>
+              <a:rPr lang="zh-TW" altLang="en-US" sz="1200" dirty="0"/>
+              <a:t>增</a:t>
+            </a:r>
+            <a:r>
+              <a:rPr lang="en-US" altLang="zh-TW" sz="1200" dirty="0" smtClean="0"/>
+              <a:t>Apple</a:t>
+            </a:r>
+            <a:r>
+              <a:rPr lang="zh-TW" altLang="en-US" sz="1200" dirty="0" smtClean="0"/>
+              <a:t> </a:t>
+            </a:r>
+            <a:r>
+              <a:rPr lang="en-US" altLang="zh-TW" sz="1200" dirty="0" smtClean="0"/>
+              <a:t>ID</a:t>
+            </a:r>
+            <a:endParaRPr lang="zh-TW" altLang="en-US" sz="1200" dirty="0"/>
+          </a:p>
+        </p:txBody>
+      </p:sp>
+      <p:sp>
+        <p:nvSpPr>
+          <p:cNvPr id="37" name="文字方塊 36"/>
+          <p:cNvSpPr txBox="1"/>
+          <p:nvPr/>
+        </p:nvSpPr>
+        <p:spPr>
+          <a:xfrm>
+            <a:off x="8762846" y="429737"/>
+            <a:ext cx="492443" cy="276999"/>
+          </a:xfrm>
+          <a:prstGeom prst="rect">
+            <a:avLst/>
+          </a:prstGeom>
+          <a:noFill/>
+          <a:ln>
+            <a:noFill/>
+          </a:ln>
+        </p:spPr>
+        <p:txBody>
+          <a:bodyPr wrap="none" rtlCol="0">
+            <a:spAutoFit/>
+          </a:bodyPr>
+          <a:lstStyle/>
+          <a:p>
+            <a:pPr algn="ctr"/>
+            <a:r>
+              <a:rPr lang="zh-TW" altLang="en-US" sz="1200" dirty="0" smtClean="0"/>
+              <a:t>取消</a:t>
+            </a:r>
+            <a:endParaRPr lang="zh-TW" altLang="en-US" sz="1200" dirty="0"/>
+          </a:p>
+        </p:txBody>
+      </p:sp>
       <p:cxnSp>
         <p:nvCxnSpPr>
-          <p:cNvPr id="15" name="直線單箭頭接點 14"/>
+          <p:cNvPr id="39" name="直線單箭頭接點 38"/>
           <p:cNvCxnSpPr/>
           <p:nvPr/>
         </p:nvCxnSpPr>
         <p:spPr>
           <a:xfrm>
-            <a:off x="4859141" y="5125029"/>
-            <a:ext cx="7406" cy="641250"/>
+            <a:off x="7912758" y="1997011"/>
+            <a:ext cx="1578576" cy="0"/>
           </a:xfrm>
           <a:prstGeom prst="straightConnector1">
             <a:avLst/>
@@ -10290,151 +11376,49 @@
       </p:cxnSp>
       <p:sp>
         <p:nvSpPr>
-          <p:cNvPr id="16" name="文字方塊 15"/>
+          <p:cNvPr id="40" name="文字方塊 39"/>
           <p:cNvSpPr txBox="1"/>
           <p:nvPr/>
         </p:nvSpPr>
         <p:spPr>
           <a:xfrm>
-            <a:off x="5061674" y="2835716"/>
-            <a:ext cx="364202" cy="307777"/>
+            <a:off x="9504969" y="1801510"/>
+            <a:ext cx="1051560" cy="307777"/>
           </a:xfrm>
           <a:prstGeom prst="rect">
             <a:avLst/>
           </a:prstGeom>
           <a:noFill/>
           <a:ln>
-            <a:noFill/>
-          </a:ln>
-        </p:spPr>
-        <p:txBody>
-          <a:bodyPr wrap="none" rtlCol="0">
-            <a:spAutoFit/>
-          </a:bodyPr>
-          <a:lstStyle/>
-          <a:p>
-            <a:pPr algn="ctr"/>
-            <a:r>
-              <a:rPr lang="zh-TW" altLang="en-US" sz="1400" dirty="0" smtClean="0"/>
-              <a:t>是</a:t>
-            </a:r>
-            <a:endParaRPr lang="zh-TW" altLang="en-US" sz="1400" dirty="0"/>
-          </a:p>
-        </p:txBody>
-      </p:sp>
-      <p:sp>
-        <p:nvSpPr>
-          <p:cNvPr id="17" name="文字方塊 16"/>
-          <p:cNvSpPr txBox="1"/>
-          <p:nvPr/>
-        </p:nvSpPr>
-        <p:spPr>
-          <a:xfrm>
-            <a:off x="5034269" y="5254265"/>
-            <a:ext cx="364202" cy="307777"/>
-          </a:xfrm>
-          <a:prstGeom prst="rect">
-            <a:avLst/>
-          </a:prstGeom>
-          <a:noFill/>
-          <a:ln>
-            <a:noFill/>
-          </a:ln>
-        </p:spPr>
-        <p:txBody>
-          <a:bodyPr wrap="none" rtlCol="0">
-            <a:spAutoFit/>
-          </a:bodyPr>
-          <a:lstStyle/>
-          <a:p>
-            <a:pPr algn="ctr"/>
-            <a:r>
-              <a:rPr lang="zh-TW" altLang="en-US" sz="1400" dirty="0" smtClean="0"/>
-              <a:t>是</a:t>
-            </a:r>
-            <a:endParaRPr lang="zh-TW" altLang="en-US" sz="1400" dirty="0"/>
-          </a:p>
-        </p:txBody>
-      </p:sp>
-      <p:sp>
-        <p:nvSpPr>
-          <p:cNvPr id="18" name="文字方塊 17"/>
-          <p:cNvSpPr txBox="1"/>
-          <p:nvPr/>
-        </p:nvSpPr>
-        <p:spPr>
-          <a:xfrm>
-            <a:off x="3522438" y="4344580"/>
-            <a:ext cx="364202" cy="307777"/>
-          </a:xfrm>
-          <a:prstGeom prst="rect">
-            <a:avLst/>
-          </a:prstGeom>
-          <a:noFill/>
-          <a:ln>
-            <a:noFill/>
-          </a:ln>
-        </p:spPr>
-        <p:txBody>
-          <a:bodyPr wrap="none" rtlCol="0">
-            <a:spAutoFit/>
-          </a:bodyPr>
-          <a:lstStyle/>
-          <a:p>
-            <a:pPr algn="ctr"/>
-            <a:r>
-              <a:rPr lang="zh-TW" altLang="en-US" sz="1400" dirty="0" smtClean="0"/>
-              <a:t>否</a:t>
-            </a:r>
-            <a:endParaRPr lang="zh-TW" altLang="en-US" sz="1400" dirty="0"/>
-          </a:p>
-        </p:txBody>
-      </p:sp>
-      <p:cxnSp>
-        <p:nvCxnSpPr>
-          <p:cNvPr id="20" name="直線接點 19"/>
-          <p:cNvCxnSpPr/>
-          <p:nvPr/>
-        </p:nvCxnSpPr>
-        <p:spPr>
-          <a:xfrm flipV="1">
-            <a:off x="2438634" y="3551556"/>
-            <a:ext cx="0" cy="864863"/>
-          </a:xfrm>
-          <a:prstGeom prst="line">
-            <a:avLst/>
-          </a:prstGeom>
-          <a:ln w="19050">
             <a:solidFill>
               <a:schemeClr val="tx1"/>
             </a:solidFill>
           </a:ln>
         </p:spPr>
-        <p:style>
-          <a:lnRef idx="1">
-            <a:schemeClr val="accent1"/>
-          </a:lnRef>
-          <a:fillRef idx="0">
-            <a:schemeClr val="accent1"/>
-          </a:fillRef>
-          <a:effectRef idx="0">
-            <a:schemeClr val="accent1"/>
-          </a:effectRef>
-          <a:fontRef idx="minor">
-            <a:schemeClr val="tx1"/>
-          </a:fontRef>
-        </p:style>
-      </p:cxnSp>
+        <p:txBody>
+          <a:bodyPr wrap="square" rtlCol="0">
+            <a:spAutoFit/>
+          </a:bodyPr>
+          <a:lstStyle/>
+          <a:p>
+            <a:pPr algn="ctr"/>
+            <a:r>
+              <a:rPr lang="zh-TW" altLang="en-US" sz="1400" dirty="0"/>
+              <a:t>註冊</a:t>
+            </a:r>
+          </a:p>
+        </p:txBody>
+      </p:sp>
       <p:cxnSp>
         <p:nvCxnSpPr>
-          <p:cNvPr id="21" name="直線單箭頭接點 20"/>
+          <p:cNvPr id="42" name="直線單箭頭接點 41"/>
           <p:cNvCxnSpPr/>
           <p:nvPr/>
         </p:nvCxnSpPr>
         <p:spPr>
           <a:xfrm>
-            <a:off x="2438633" y="3557620"/>
-            <a:ext cx="1947054" cy="0"/>
+            <a:off x="9681477" y="4369576"/>
+            <a:ext cx="624157" cy="0"/>
           </a:xfrm>
           <a:prstGeom prst="straightConnector1">
             <a:avLst/>
@@ -10444,775 +11428,6 @@
               <a:schemeClr val="tx1"/>
             </a:solidFill>
             <a:tailEnd type="triangle"/>
-          </a:ln>
-        </p:spPr>
-        <p:style>
-          <a:lnRef idx="1">
-            <a:schemeClr val="accent1"/>
-          </a:lnRef>
-          <a:fillRef idx="0">
-            <a:schemeClr val="accent1"/>
-          </a:fillRef>
-          <a:effectRef idx="0">
-            <a:schemeClr val="accent1"/>
-          </a:effectRef>
-          <a:fontRef idx="minor">
-            <a:schemeClr val="tx1"/>
-          </a:fontRef>
-        </p:style>
-      </p:cxnSp>
-      <p:cxnSp>
-        <p:nvCxnSpPr>
-          <p:cNvPr id="22" name="直線接點 21"/>
-          <p:cNvCxnSpPr/>
-          <p:nvPr/>
-        </p:nvCxnSpPr>
-        <p:spPr>
-          <a:xfrm flipV="1">
-            <a:off x="992803" y="1203349"/>
-            <a:ext cx="0" cy="3529973"/>
-          </a:xfrm>
-          <a:prstGeom prst="line">
-            <a:avLst/>
-          </a:prstGeom>
-          <a:ln w="19050">
-            <a:solidFill>
-              <a:schemeClr val="tx1"/>
-            </a:solidFill>
-          </a:ln>
-        </p:spPr>
-        <p:style>
-          <a:lnRef idx="1">
-            <a:schemeClr val="accent1"/>
-          </a:lnRef>
-          <a:fillRef idx="0">
-            <a:schemeClr val="accent1"/>
-          </a:fillRef>
-          <a:effectRef idx="0">
-            <a:schemeClr val="accent1"/>
-          </a:effectRef>
-          <a:fontRef idx="minor">
-            <a:schemeClr val="tx1"/>
-          </a:fontRef>
-        </p:style>
-      </p:cxnSp>
-      <p:cxnSp>
-        <p:nvCxnSpPr>
-          <p:cNvPr id="23" name="直線單箭頭接點 22"/>
-          <p:cNvCxnSpPr/>
-          <p:nvPr/>
-        </p:nvCxnSpPr>
-        <p:spPr>
-          <a:xfrm>
-            <a:off x="992803" y="1200740"/>
-            <a:ext cx="3062439" cy="0"/>
-          </a:xfrm>
-          <a:prstGeom prst="straightConnector1">
-            <a:avLst/>
-          </a:prstGeom>
-          <a:ln w="19050">
-            <a:solidFill>
-              <a:schemeClr val="tx1"/>
-            </a:solidFill>
-            <a:tailEnd type="triangle"/>
-          </a:ln>
-        </p:spPr>
-        <p:style>
-          <a:lnRef idx="1">
-            <a:schemeClr val="accent1"/>
-          </a:lnRef>
-          <a:fillRef idx="0">
-            <a:schemeClr val="accent1"/>
-          </a:fillRef>
-          <a:effectRef idx="0">
-            <a:schemeClr val="accent1"/>
-          </a:effectRef>
-          <a:fontRef idx="minor">
-            <a:schemeClr val="tx1"/>
-          </a:fontRef>
-        </p:style>
-      </p:cxnSp>
-      <p:sp>
-        <p:nvSpPr>
-          <p:cNvPr id="24" name="文字方塊 23"/>
-          <p:cNvSpPr txBox="1"/>
-          <p:nvPr/>
-        </p:nvSpPr>
-        <p:spPr>
-          <a:xfrm>
-            <a:off x="4091569" y="996429"/>
-            <a:ext cx="1505862" cy="340519"/>
-          </a:xfrm>
-          <a:prstGeom prst="roundRect">
-            <a:avLst/>
-          </a:prstGeom>
-          <a:noFill/>
-          <a:ln>
-            <a:solidFill>
-              <a:schemeClr val="tx1"/>
-            </a:solidFill>
-          </a:ln>
-        </p:spPr>
-        <p:txBody>
-          <a:bodyPr wrap="square" rtlCol="0">
-            <a:spAutoFit/>
-          </a:bodyPr>
-          <a:lstStyle/>
-          <a:p>
-            <a:pPr algn="ctr"/>
-            <a:r>
-              <a:rPr lang="en-US" altLang="zh-TW" sz="1400" dirty="0" smtClean="0"/>
-              <a:t>APP</a:t>
-            </a:r>
-            <a:endParaRPr lang="zh-TW" altLang="en-US" sz="1400" dirty="0"/>
-          </a:p>
-        </p:txBody>
-      </p:sp>
-      <p:cxnSp>
-        <p:nvCxnSpPr>
-          <p:cNvPr id="25" name="直線單箭頭接點 24"/>
-          <p:cNvCxnSpPr/>
-          <p:nvPr/>
-        </p:nvCxnSpPr>
-        <p:spPr>
-          <a:xfrm>
-            <a:off x="4837094" y="1401189"/>
-            <a:ext cx="7406" cy="641250"/>
-          </a:xfrm>
-          <a:prstGeom prst="straightConnector1">
-            <a:avLst/>
-          </a:prstGeom>
-          <a:ln w="19050">
-            <a:solidFill>
-              <a:schemeClr val="tx1"/>
-            </a:solidFill>
-            <a:tailEnd type="triangle"/>
-          </a:ln>
-        </p:spPr>
-        <p:style>
-          <a:lnRef idx="1">
-            <a:schemeClr val="accent1"/>
-          </a:lnRef>
-          <a:fillRef idx="0">
-            <a:schemeClr val="accent1"/>
-          </a:fillRef>
-          <a:effectRef idx="0">
-            <a:schemeClr val="accent1"/>
-          </a:effectRef>
-          <a:fontRef idx="minor">
-            <a:schemeClr val="tx1"/>
-          </a:fontRef>
-        </p:style>
-      </p:cxnSp>
-      <p:cxnSp>
-        <p:nvCxnSpPr>
-          <p:cNvPr id="26" name="直線單箭頭接點 25"/>
-          <p:cNvCxnSpPr/>
-          <p:nvPr/>
-        </p:nvCxnSpPr>
-        <p:spPr>
-          <a:xfrm flipV="1">
-            <a:off x="7334202" y="1228401"/>
-            <a:ext cx="0" cy="814038"/>
-          </a:xfrm>
-          <a:prstGeom prst="straightConnector1">
-            <a:avLst/>
-          </a:prstGeom>
-          <a:ln w="19050">
-            <a:solidFill>
-              <a:schemeClr val="tx1"/>
-            </a:solidFill>
-            <a:tailEnd type="triangle"/>
-          </a:ln>
-        </p:spPr>
-        <p:style>
-          <a:lnRef idx="1">
-            <a:schemeClr val="accent1"/>
-          </a:lnRef>
-          <a:fillRef idx="0">
-            <a:schemeClr val="accent1"/>
-          </a:fillRef>
-          <a:effectRef idx="0">
-            <a:schemeClr val="accent1"/>
-          </a:effectRef>
-          <a:fontRef idx="minor">
-            <a:schemeClr val="tx1"/>
-          </a:fontRef>
-        </p:style>
-      </p:cxnSp>
-      <p:sp>
-        <p:nvSpPr>
-          <p:cNvPr id="27" name="文字方塊 26"/>
-          <p:cNvSpPr txBox="1"/>
-          <p:nvPr/>
-        </p:nvSpPr>
-        <p:spPr>
-          <a:xfrm>
-            <a:off x="2048783" y="3931873"/>
-            <a:ext cx="364202" cy="307777"/>
-          </a:xfrm>
-          <a:prstGeom prst="rect">
-            <a:avLst/>
-          </a:prstGeom>
-          <a:noFill/>
-          <a:ln>
-            <a:noFill/>
-          </a:ln>
-        </p:spPr>
-        <p:txBody>
-          <a:bodyPr wrap="none" rtlCol="0">
-            <a:spAutoFit/>
-          </a:bodyPr>
-          <a:lstStyle/>
-          <a:p>
-            <a:pPr algn="ctr"/>
-            <a:r>
-              <a:rPr lang="zh-TW" altLang="en-US" sz="1400" dirty="0" smtClean="0"/>
-              <a:t>是</a:t>
-            </a:r>
-            <a:endParaRPr lang="zh-TW" altLang="en-US" sz="1400" dirty="0"/>
-          </a:p>
-        </p:txBody>
-      </p:sp>
-      <p:sp>
-        <p:nvSpPr>
-          <p:cNvPr id="28" name="文字方塊 27"/>
-          <p:cNvSpPr txBox="1"/>
-          <p:nvPr/>
-        </p:nvSpPr>
-        <p:spPr>
-          <a:xfrm>
-            <a:off x="1095022" y="4322295"/>
-            <a:ext cx="364202" cy="307777"/>
-          </a:xfrm>
-          <a:prstGeom prst="rect">
-            <a:avLst/>
-          </a:prstGeom>
-          <a:noFill/>
-          <a:ln>
-            <a:noFill/>
-          </a:ln>
-        </p:spPr>
-        <p:txBody>
-          <a:bodyPr wrap="none" rtlCol="0">
-            <a:spAutoFit/>
-          </a:bodyPr>
-          <a:lstStyle/>
-          <a:p>
-            <a:pPr algn="ctr"/>
-            <a:r>
-              <a:rPr lang="zh-TW" altLang="en-US" sz="1400" dirty="0" smtClean="0"/>
-              <a:t>否</a:t>
-            </a:r>
-            <a:endParaRPr lang="zh-TW" altLang="en-US" sz="1400" dirty="0"/>
-          </a:p>
-        </p:txBody>
-      </p:sp>
-      <p:cxnSp>
-        <p:nvCxnSpPr>
-          <p:cNvPr id="29" name="直線單箭頭接點 28"/>
-          <p:cNvCxnSpPr/>
-          <p:nvPr/>
-        </p:nvCxnSpPr>
-        <p:spPr>
-          <a:xfrm>
-            <a:off x="5759863" y="2359166"/>
-            <a:ext cx="624157" cy="0"/>
-          </a:xfrm>
-          <a:prstGeom prst="straightConnector1">
-            <a:avLst/>
-          </a:prstGeom>
-          <a:ln w="19050">
-            <a:solidFill>
-              <a:schemeClr val="tx1"/>
-            </a:solidFill>
-            <a:tailEnd type="triangle"/>
-          </a:ln>
-        </p:spPr>
-        <p:style>
-          <a:lnRef idx="1">
-            <a:schemeClr val="accent1"/>
-          </a:lnRef>
-          <a:fillRef idx="0">
-            <a:schemeClr val="accent1"/>
-          </a:fillRef>
-          <a:effectRef idx="0">
-            <a:schemeClr val="accent1"/>
-          </a:effectRef>
-          <a:fontRef idx="minor">
-            <a:schemeClr val="tx1"/>
-          </a:fontRef>
-        </p:style>
-      </p:cxnSp>
-      <p:sp>
-        <p:nvSpPr>
-          <p:cNvPr id="30" name="文字方塊 29"/>
-          <p:cNvSpPr txBox="1"/>
-          <p:nvPr/>
-        </p:nvSpPr>
-        <p:spPr>
-          <a:xfrm>
-            <a:off x="7459745" y="2878213"/>
-            <a:ext cx="1164100" cy="307777"/>
-          </a:xfrm>
-          <a:prstGeom prst="rect">
-            <a:avLst/>
-          </a:prstGeom>
-          <a:noFill/>
-          <a:ln>
-            <a:noFill/>
-          </a:ln>
-        </p:spPr>
-        <p:txBody>
-          <a:bodyPr wrap="none" rtlCol="0">
-            <a:spAutoFit/>
-          </a:bodyPr>
-          <a:lstStyle/>
-          <a:p>
-            <a:pPr algn="ctr"/>
-            <a:r>
-              <a:rPr lang="zh-TW" altLang="en-US" sz="1400" dirty="0" smtClean="0"/>
-              <a:t>現有</a:t>
-            </a:r>
-            <a:r>
-              <a:rPr lang="en-US" altLang="zh-TW" sz="1400" dirty="0" smtClean="0"/>
-              <a:t>Apple</a:t>
-            </a:r>
-            <a:r>
-              <a:rPr lang="zh-TW" altLang="en-US" sz="1400" dirty="0" smtClean="0"/>
-              <a:t> </a:t>
-            </a:r>
-            <a:r>
-              <a:rPr lang="en-US" altLang="zh-TW" sz="1400" dirty="0" smtClean="0"/>
-              <a:t>ID</a:t>
-            </a:r>
-            <a:endParaRPr lang="zh-TW" altLang="en-US" sz="1400" dirty="0"/>
-          </a:p>
-        </p:txBody>
-      </p:sp>
-      <p:sp>
-        <p:nvSpPr>
-          <p:cNvPr id="31" name="文字方塊 30"/>
-          <p:cNvSpPr txBox="1"/>
-          <p:nvPr/>
-        </p:nvSpPr>
-        <p:spPr>
-          <a:xfrm>
-            <a:off x="8391965" y="1912378"/>
-            <a:ext cx="1164100" cy="307777"/>
-          </a:xfrm>
-          <a:prstGeom prst="rect">
-            <a:avLst/>
-          </a:prstGeom>
-          <a:noFill/>
-          <a:ln>
-            <a:noFill/>
-          </a:ln>
-        </p:spPr>
-        <p:txBody>
-          <a:bodyPr wrap="none" rtlCol="0">
-            <a:spAutoFit/>
-          </a:bodyPr>
-          <a:lstStyle/>
-          <a:p>
-            <a:pPr algn="ctr"/>
-            <a:r>
-              <a:rPr lang="zh-TW" altLang="en-US" sz="1400" dirty="0" smtClean="0"/>
-              <a:t>新</a:t>
-            </a:r>
-            <a:r>
-              <a:rPr lang="zh-TW" altLang="en-US" sz="1400" dirty="0"/>
-              <a:t>增</a:t>
-            </a:r>
-            <a:r>
-              <a:rPr lang="en-US" altLang="zh-TW" sz="1400" dirty="0" smtClean="0"/>
-              <a:t>Apple</a:t>
-            </a:r>
-            <a:r>
-              <a:rPr lang="zh-TW" altLang="en-US" sz="1400" dirty="0" smtClean="0"/>
-              <a:t> </a:t>
-            </a:r>
-            <a:r>
-              <a:rPr lang="en-US" altLang="zh-TW" sz="1400" dirty="0" smtClean="0"/>
-              <a:t>ID</a:t>
-            </a:r>
-            <a:endParaRPr lang="zh-TW" altLang="en-US" sz="1400" dirty="0"/>
-          </a:p>
-        </p:txBody>
-      </p:sp>
-      <p:sp>
-        <p:nvSpPr>
-          <p:cNvPr id="32" name="文字方塊 31"/>
-          <p:cNvSpPr txBox="1"/>
-          <p:nvPr/>
-        </p:nvSpPr>
-        <p:spPr>
-          <a:xfrm>
-            <a:off x="7441589" y="1523776"/>
-            <a:ext cx="543739" cy="307777"/>
-          </a:xfrm>
-          <a:prstGeom prst="rect">
-            <a:avLst/>
-          </a:prstGeom>
-          <a:noFill/>
-          <a:ln>
-            <a:noFill/>
-          </a:ln>
-        </p:spPr>
-        <p:txBody>
-          <a:bodyPr wrap="none" rtlCol="0">
-            <a:spAutoFit/>
-          </a:bodyPr>
-          <a:lstStyle/>
-          <a:p>
-            <a:pPr algn="ctr"/>
-            <a:r>
-              <a:rPr lang="zh-TW" altLang="en-US" sz="1400" dirty="0" smtClean="0"/>
-              <a:t>取消</a:t>
-            </a:r>
-            <a:endParaRPr lang="zh-TW" altLang="en-US" sz="1400" dirty="0"/>
-          </a:p>
-        </p:txBody>
-      </p:sp>
-      <p:cxnSp>
-        <p:nvCxnSpPr>
-          <p:cNvPr id="33" name="直線單箭頭接點 32"/>
-          <p:cNvCxnSpPr/>
-          <p:nvPr/>
-        </p:nvCxnSpPr>
-        <p:spPr>
-          <a:xfrm>
-            <a:off x="7334202" y="2794801"/>
-            <a:ext cx="7406" cy="641250"/>
-          </a:xfrm>
-          <a:prstGeom prst="straightConnector1">
-            <a:avLst/>
-          </a:prstGeom>
-          <a:ln w="19050">
-            <a:solidFill>
-              <a:schemeClr val="tx1"/>
-            </a:solidFill>
-            <a:tailEnd type="triangle"/>
-          </a:ln>
-        </p:spPr>
-        <p:style>
-          <a:lnRef idx="1">
-            <a:schemeClr val="accent1"/>
-          </a:lnRef>
-          <a:fillRef idx="0">
-            <a:schemeClr val="accent1"/>
-          </a:fillRef>
-          <a:effectRef idx="0">
-            <a:schemeClr val="accent1"/>
-          </a:effectRef>
-          <a:fontRef idx="minor">
-            <a:schemeClr val="tx1"/>
-          </a:fontRef>
-        </p:style>
-      </p:cxnSp>
-      <p:cxnSp>
-        <p:nvCxnSpPr>
-          <p:cNvPr id="34" name="直線單箭頭接點 33"/>
-          <p:cNvCxnSpPr/>
-          <p:nvPr/>
-        </p:nvCxnSpPr>
-        <p:spPr>
-          <a:xfrm>
-            <a:off x="8260442" y="2357475"/>
-            <a:ext cx="1578576" cy="0"/>
-          </a:xfrm>
-          <a:prstGeom prst="straightConnector1">
-            <a:avLst/>
-          </a:prstGeom>
-          <a:ln w="19050">
-            <a:solidFill>
-              <a:schemeClr val="tx1"/>
-            </a:solidFill>
-            <a:tailEnd type="triangle"/>
-          </a:ln>
-        </p:spPr>
-        <p:style>
-          <a:lnRef idx="1">
-            <a:schemeClr val="accent1"/>
-          </a:lnRef>
-          <a:fillRef idx="0">
-            <a:schemeClr val="accent1"/>
-          </a:fillRef>
-          <a:effectRef idx="0">
-            <a:schemeClr val="accent1"/>
-          </a:effectRef>
-          <a:fontRef idx="minor">
-            <a:schemeClr val="tx1"/>
-          </a:fontRef>
-        </p:style>
-      </p:cxnSp>
-      <p:sp>
-        <p:nvSpPr>
-          <p:cNvPr id="35" name="文字方塊 34"/>
-          <p:cNvSpPr txBox="1"/>
-          <p:nvPr/>
-        </p:nvSpPr>
-        <p:spPr>
-          <a:xfrm>
-            <a:off x="9852653" y="2161974"/>
-            <a:ext cx="1051560" cy="307777"/>
-          </a:xfrm>
-          <a:prstGeom prst="rect">
-            <a:avLst/>
-          </a:prstGeom>
-          <a:noFill/>
-          <a:ln>
-            <a:solidFill>
-              <a:schemeClr val="tx1"/>
-            </a:solidFill>
-          </a:ln>
-        </p:spPr>
-        <p:txBody>
-          <a:bodyPr wrap="square" rtlCol="0">
-            <a:spAutoFit/>
-          </a:bodyPr>
-          <a:lstStyle/>
-          <a:p>
-            <a:pPr algn="ctr"/>
-            <a:r>
-              <a:rPr lang="zh-TW" altLang="en-US" sz="1400" dirty="0"/>
-              <a:t>註冊</a:t>
-            </a:r>
-          </a:p>
-        </p:txBody>
-      </p:sp>
-      <p:cxnSp>
-        <p:nvCxnSpPr>
-          <p:cNvPr id="36" name="直線單箭頭接點 35"/>
-          <p:cNvCxnSpPr/>
-          <p:nvPr/>
-        </p:nvCxnSpPr>
-        <p:spPr>
-          <a:xfrm>
-            <a:off x="7341608" y="3817905"/>
-            <a:ext cx="7406" cy="641250"/>
-          </a:xfrm>
-          <a:prstGeom prst="straightConnector1">
-            <a:avLst/>
-          </a:prstGeom>
-          <a:ln w="19050">
-            <a:solidFill>
-              <a:schemeClr val="tx1"/>
-            </a:solidFill>
-            <a:tailEnd type="triangle"/>
-          </a:ln>
-        </p:spPr>
-        <p:style>
-          <a:lnRef idx="1">
-            <a:schemeClr val="accent1"/>
-          </a:lnRef>
-          <a:fillRef idx="0">
-            <a:schemeClr val="accent1"/>
-          </a:fillRef>
-          <a:effectRef idx="0">
-            <a:schemeClr val="accent1"/>
-          </a:effectRef>
-          <a:fontRef idx="minor">
-            <a:schemeClr val="tx1"/>
-          </a:fontRef>
-        </p:style>
-      </p:cxnSp>
-      <p:cxnSp>
-        <p:nvCxnSpPr>
-          <p:cNvPr id="37" name="直線單箭頭接點 36"/>
-          <p:cNvCxnSpPr/>
-          <p:nvPr/>
-        </p:nvCxnSpPr>
-        <p:spPr>
-          <a:xfrm>
-            <a:off x="7997005" y="4778029"/>
-            <a:ext cx="624157" cy="0"/>
-          </a:xfrm>
-          <a:prstGeom prst="straightConnector1">
-            <a:avLst/>
-          </a:prstGeom>
-          <a:ln w="19050">
-            <a:solidFill>
-              <a:schemeClr val="tx1"/>
-            </a:solidFill>
-            <a:tailEnd type="triangle"/>
-          </a:ln>
-        </p:spPr>
-        <p:style>
-          <a:lnRef idx="1">
-            <a:schemeClr val="accent1"/>
-          </a:lnRef>
-          <a:fillRef idx="0">
-            <a:schemeClr val="accent1"/>
-          </a:fillRef>
-          <a:effectRef idx="0">
-            <a:schemeClr val="accent1"/>
-          </a:effectRef>
-          <a:fontRef idx="minor">
-            <a:schemeClr val="tx1"/>
-          </a:fontRef>
-        </p:style>
-      </p:cxnSp>
-      <p:cxnSp>
-        <p:nvCxnSpPr>
-          <p:cNvPr id="38" name="直線接點 37"/>
-          <p:cNvCxnSpPr/>
-          <p:nvPr/>
-        </p:nvCxnSpPr>
-        <p:spPr>
-          <a:xfrm flipV="1">
-            <a:off x="9521241" y="3620713"/>
-            <a:ext cx="0" cy="821628"/>
-          </a:xfrm>
-          <a:prstGeom prst="line">
-            <a:avLst/>
-          </a:prstGeom>
-          <a:ln w="19050">
-            <a:solidFill>
-              <a:schemeClr val="tx1"/>
-            </a:solidFill>
-          </a:ln>
-        </p:spPr>
-        <p:style>
-          <a:lnRef idx="1">
-            <a:schemeClr val="accent1"/>
-          </a:lnRef>
-          <a:fillRef idx="0">
-            <a:schemeClr val="accent1"/>
-          </a:fillRef>
-          <a:effectRef idx="0">
-            <a:schemeClr val="accent1"/>
-          </a:effectRef>
-          <a:fontRef idx="minor">
-            <a:schemeClr val="tx1"/>
-          </a:fontRef>
-        </p:style>
-      </p:cxnSp>
-      <p:cxnSp>
-        <p:nvCxnSpPr>
-          <p:cNvPr id="39" name="直線單箭頭接點 38"/>
-          <p:cNvCxnSpPr/>
-          <p:nvPr/>
-        </p:nvCxnSpPr>
-        <p:spPr>
-          <a:xfrm flipH="1">
-            <a:off x="7859982" y="3620430"/>
-            <a:ext cx="1661259" cy="0"/>
-          </a:xfrm>
-          <a:prstGeom prst="straightConnector1">
-            <a:avLst/>
-          </a:prstGeom>
-          <a:ln w="19050">
-            <a:solidFill>
-              <a:schemeClr val="tx1"/>
-            </a:solidFill>
-            <a:tailEnd type="triangle"/>
-          </a:ln>
-        </p:spPr>
-        <p:style>
-          <a:lnRef idx="1">
-            <a:schemeClr val="accent1"/>
-          </a:lnRef>
-          <a:fillRef idx="0">
-            <a:schemeClr val="accent1"/>
-          </a:fillRef>
-          <a:effectRef idx="0">
-            <a:schemeClr val="accent1"/>
-          </a:effectRef>
-          <a:fontRef idx="minor">
-            <a:schemeClr val="tx1"/>
-          </a:fontRef>
-        </p:style>
-      </p:cxnSp>
-      <p:cxnSp>
-        <p:nvCxnSpPr>
-          <p:cNvPr id="40" name="直線接點 39"/>
-          <p:cNvCxnSpPr/>
-          <p:nvPr/>
-        </p:nvCxnSpPr>
-        <p:spPr>
-          <a:xfrm flipV="1">
-            <a:off x="11253065" y="1200740"/>
-            <a:ext cx="0" cy="3562616"/>
-          </a:xfrm>
-          <a:prstGeom prst="line">
-            <a:avLst/>
-          </a:prstGeom>
-          <a:ln w="19050">
-            <a:solidFill>
-              <a:schemeClr val="tx1"/>
-            </a:solidFill>
-          </a:ln>
-        </p:spPr>
-        <p:style>
-          <a:lnRef idx="1">
-            <a:schemeClr val="accent1"/>
-          </a:lnRef>
-          <a:fillRef idx="0">
-            <a:schemeClr val="accent1"/>
-          </a:fillRef>
-          <a:effectRef idx="0">
-            <a:schemeClr val="accent1"/>
-          </a:effectRef>
-          <a:fontRef idx="minor">
-            <a:schemeClr val="tx1"/>
-          </a:fontRef>
-        </p:style>
-      </p:cxnSp>
-      <p:cxnSp>
-        <p:nvCxnSpPr>
-          <p:cNvPr id="41" name="直線單箭頭接點 40"/>
-          <p:cNvCxnSpPr/>
-          <p:nvPr/>
-        </p:nvCxnSpPr>
-        <p:spPr>
-          <a:xfrm flipH="1">
-            <a:off x="5620513" y="1200740"/>
-            <a:ext cx="5632552" cy="0"/>
-          </a:xfrm>
-          <a:prstGeom prst="straightConnector1">
-            <a:avLst/>
-          </a:prstGeom>
-          <a:ln w="19050">
-            <a:solidFill>
-              <a:schemeClr val="tx1"/>
-            </a:solidFill>
-            <a:tailEnd type="triangle"/>
-          </a:ln>
-        </p:spPr>
-        <p:style>
-          <a:lnRef idx="1">
-            <a:schemeClr val="accent1"/>
-          </a:lnRef>
-          <a:fillRef idx="0">
-            <a:schemeClr val="accent1"/>
-          </a:fillRef>
-          <a:effectRef idx="0">
-            <a:schemeClr val="accent1"/>
-          </a:effectRef>
-          <a:fontRef idx="minor">
-            <a:schemeClr val="tx1"/>
-          </a:fontRef>
-        </p:style>
-      </p:cxnSp>
-      <p:cxnSp>
-        <p:nvCxnSpPr>
-          <p:cNvPr id="42" name="直線接點 41"/>
-          <p:cNvCxnSpPr/>
-          <p:nvPr/>
-        </p:nvCxnSpPr>
-        <p:spPr>
-          <a:xfrm flipV="1">
-            <a:off x="10464070" y="4750831"/>
-            <a:ext cx="788995" cy="1"/>
-          </a:xfrm>
-          <a:prstGeom prst="line">
-            <a:avLst/>
-          </a:prstGeom>
-          <a:ln w="19050">
-            <a:solidFill>
-              <a:schemeClr val="tx1"/>
-            </a:solidFill>
           </a:ln>
         </p:spPr>
         <p:style>
@@ -11237,9 +11452,9 @@
           <p:nvPr/>
         </p:nvCxnSpPr>
         <p:spPr>
-          <a:xfrm>
-            <a:off x="992803" y="4710330"/>
-            <a:ext cx="534868" cy="0"/>
+          <a:xfrm flipV="1">
+            <a:off x="10856955" y="3203396"/>
+            <a:ext cx="0" cy="337418"/>
           </a:xfrm>
           <a:prstGeom prst="line">
             <a:avLst/>
@@ -11248,144 +11463,6 @@
             <a:solidFill>
               <a:schemeClr val="tx1"/>
             </a:solidFill>
-          </a:ln>
-        </p:spPr>
-        <p:style>
-          <a:lnRef idx="1">
-            <a:schemeClr val="accent1"/>
-          </a:lnRef>
-          <a:fillRef idx="0">
-            <a:schemeClr val="accent1"/>
-          </a:fillRef>
-          <a:effectRef idx="0">
-            <a:schemeClr val="accent1"/>
-          </a:effectRef>
-          <a:fontRef idx="minor">
-            <a:schemeClr val="tx1"/>
-          </a:fontRef>
-        </p:style>
-      </p:cxnSp>
-      <p:sp>
-        <p:nvSpPr>
-          <p:cNvPr id="44" name="文字方塊 43"/>
-          <p:cNvSpPr txBox="1"/>
-          <p:nvPr/>
-        </p:nvSpPr>
-        <p:spPr>
-          <a:xfrm>
-            <a:off x="10481926" y="4344581"/>
-            <a:ext cx="364202" cy="307777"/>
-          </a:xfrm>
-          <a:prstGeom prst="rect">
-            <a:avLst/>
-          </a:prstGeom>
-          <a:noFill/>
-          <a:ln>
-            <a:noFill/>
-          </a:ln>
-        </p:spPr>
-        <p:txBody>
-          <a:bodyPr wrap="none" rtlCol="0">
-            <a:spAutoFit/>
-          </a:bodyPr>
-          <a:lstStyle/>
-          <a:p>
-            <a:pPr algn="ctr"/>
-            <a:r>
-              <a:rPr lang="zh-TW" altLang="en-US" sz="1400" dirty="0" smtClean="0"/>
-              <a:t>否</a:t>
-            </a:r>
-            <a:endParaRPr lang="zh-TW" altLang="en-US" sz="1400" dirty="0"/>
-          </a:p>
-        </p:txBody>
-      </p:sp>
-      <p:sp>
-        <p:nvSpPr>
-          <p:cNvPr id="45" name="文字方塊 44"/>
-          <p:cNvSpPr txBox="1"/>
-          <p:nvPr/>
-        </p:nvSpPr>
-        <p:spPr>
-          <a:xfrm>
-            <a:off x="9575520" y="3841410"/>
-            <a:ext cx="364202" cy="307777"/>
-          </a:xfrm>
-          <a:prstGeom prst="rect">
-            <a:avLst/>
-          </a:prstGeom>
-          <a:noFill/>
-          <a:ln>
-            <a:noFill/>
-          </a:ln>
-        </p:spPr>
-        <p:txBody>
-          <a:bodyPr wrap="none" rtlCol="0">
-            <a:spAutoFit/>
-          </a:bodyPr>
-          <a:lstStyle/>
-          <a:p>
-            <a:pPr algn="ctr"/>
-            <a:r>
-              <a:rPr lang="zh-TW" altLang="en-US" sz="1400" dirty="0" smtClean="0"/>
-              <a:t>是</a:t>
-            </a:r>
-            <a:endParaRPr lang="zh-TW" altLang="en-US" sz="1400" dirty="0"/>
-          </a:p>
-        </p:txBody>
-      </p:sp>
-      <p:sp>
-        <p:nvSpPr>
-          <p:cNvPr id="46" name="文字方塊 45"/>
-          <p:cNvSpPr txBox="1"/>
-          <p:nvPr/>
-        </p:nvSpPr>
-        <p:spPr>
-          <a:xfrm>
-            <a:off x="7900321" y="4290875"/>
-            <a:ext cx="364202" cy="307777"/>
-          </a:xfrm>
-          <a:prstGeom prst="rect">
-            <a:avLst/>
-          </a:prstGeom>
-          <a:noFill/>
-          <a:ln>
-            <a:noFill/>
-          </a:ln>
-        </p:spPr>
-        <p:txBody>
-          <a:bodyPr wrap="none" rtlCol="0">
-            <a:spAutoFit/>
-          </a:bodyPr>
-          <a:lstStyle/>
-          <a:p>
-            <a:pPr algn="ctr"/>
-            <a:r>
-              <a:rPr lang="zh-TW" altLang="en-US" sz="1400" dirty="0" smtClean="0"/>
-              <a:t>否</a:t>
-            </a:r>
-            <a:endParaRPr lang="zh-TW" altLang="en-US" sz="1400" dirty="0"/>
-          </a:p>
-        </p:txBody>
-      </p:sp>
-      <p:cxnSp>
-        <p:nvCxnSpPr>
-          <p:cNvPr id="47" name="直線單箭頭接點 46"/>
-          <p:cNvCxnSpPr/>
-          <p:nvPr/>
-        </p:nvCxnSpPr>
-        <p:spPr>
-          <a:xfrm flipH="1">
-            <a:off x="5405734" y="5931122"/>
-            <a:ext cx="1935873" cy="0"/>
-          </a:xfrm>
-          <a:prstGeom prst="straightConnector1">
-            <a:avLst/>
-          </a:prstGeom>
-          <a:ln w="19050">
-            <a:solidFill>
-              <a:schemeClr val="tx1"/>
-            </a:solidFill>
-            <a:tailEnd type="triangle"/>
           </a:ln>
         </p:spPr>
         <p:style>
@@ -11405,24 +11482,23 @@
       </p:cxnSp>
       <p:cxnSp>
         <p:nvCxnSpPr>
-          <p:cNvPr id="48" name="直線接點 47"/>
-          <p:cNvCxnSpPr>
-            <a:endCxn id="10" idx="2"/>
-          </p:cNvCxnSpPr>
+          <p:cNvPr id="44" name="直線單箭頭接點 43"/>
+          <p:cNvCxnSpPr/>
           <p:nvPr/>
         </p:nvCxnSpPr>
         <p:spPr>
-          <a:xfrm flipV="1">
-            <a:off x="7341608" y="5073041"/>
-            <a:ext cx="0" cy="878113"/>
-          </a:xfrm>
-          <a:prstGeom prst="line">
+          <a:xfrm flipH="1">
+            <a:off x="7828862" y="3203396"/>
+            <a:ext cx="3041400" cy="0"/>
+          </a:xfrm>
+          <a:prstGeom prst="straightConnector1">
             <a:avLst/>
           </a:prstGeom>
           <a:ln w="19050">
             <a:solidFill>
               <a:schemeClr val="tx1"/>
             </a:solidFill>
+            <a:tailEnd type="triangle"/>
           </a:ln>
         </p:spPr>
         <p:style>
@@ -11440,557 +11516,24 @@
           </a:fontRef>
         </p:style>
       </p:cxnSp>
-      <p:sp>
-        <p:nvSpPr>
-          <p:cNvPr id="49" name="文字方塊 48"/>
-          <p:cNvSpPr txBox="1"/>
-          <p:nvPr/>
-        </p:nvSpPr>
-        <p:spPr>
-          <a:xfrm>
-            <a:off x="7374662" y="5241165"/>
-            <a:ext cx="364202" cy="307777"/>
-          </a:xfrm>
-          <a:prstGeom prst="rect">
-            <a:avLst/>
-          </a:prstGeom>
-          <a:noFill/>
-          <a:ln>
-            <a:noFill/>
-          </a:ln>
-        </p:spPr>
-        <p:txBody>
-          <a:bodyPr wrap="none" rtlCol="0">
-            <a:spAutoFit/>
-          </a:bodyPr>
-          <a:lstStyle/>
-          <a:p>
-            <a:pPr algn="ctr"/>
-            <a:r>
-              <a:rPr lang="zh-TW" altLang="en-US" sz="1400" dirty="0" smtClean="0"/>
-              <a:t>是</a:t>
-            </a:r>
-            <a:endParaRPr lang="zh-TW" altLang="en-US" sz="1400" dirty="0"/>
-          </a:p>
-        </p:txBody>
-      </p:sp>
-      <p:sp>
-        <p:nvSpPr>
-          <p:cNvPr id="50" name="文字方塊 49"/>
-          <p:cNvSpPr txBox="1"/>
-          <p:nvPr/>
-        </p:nvSpPr>
-        <p:spPr>
-          <a:xfrm>
-            <a:off x="5847228" y="1966974"/>
-            <a:ext cx="364202" cy="307777"/>
-          </a:xfrm>
-          <a:prstGeom prst="rect">
-            <a:avLst/>
-          </a:prstGeom>
-          <a:noFill/>
-          <a:ln>
-            <a:noFill/>
-          </a:ln>
-        </p:spPr>
-        <p:txBody>
-          <a:bodyPr wrap="none" rtlCol="0">
-            <a:spAutoFit/>
-          </a:bodyPr>
-          <a:lstStyle/>
-          <a:p>
-            <a:pPr algn="ctr"/>
-            <a:r>
-              <a:rPr lang="zh-TW" altLang="en-US" sz="1400" dirty="0" smtClean="0"/>
-              <a:t>否</a:t>
-            </a:r>
-            <a:endParaRPr lang="zh-TW" altLang="en-US" sz="1400" dirty="0"/>
-          </a:p>
-        </p:txBody>
-      </p:sp>
-      <p:sp>
-        <p:nvSpPr>
-          <p:cNvPr id="51" name="文字方塊 50"/>
-          <p:cNvSpPr txBox="1"/>
-          <p:nvPr/>
-        </p:nvSpPr>
-        <p:spPr>
-          <a:xfrm>
-            <a:off x="270933" y="333215"/>
-            <a:ext cx="1470274" cy="523220"/>
-          </a:xfrm>
-          <a:prstGeom prst="rect">
-            <a:avLst/>
-          </a:prstGeom>
-          <a:noFill/>
-        </p:spPr>
-        <p:txBody>
-          <a:bodyPr wrap="none" rtlCol="0">
-            <a:spAutoFit/>
-          </a:bodyPr>
-          <a:lstStyle/>
-          <a:p>
-            <a:r>
-              <a:rPr lang="en-US" altLang="zh-TW" sz="2800" dirty="0" smtClean="0"/>
-              <a:t>3-2.</a:t>
-            </a:r>
-            <a:r>
-              <a:rPr lang="zh-TW" altLang="en-US" sz="2800" dirty="0" smtClean="0"/>
-              <a:t>下載</a:t>
-            </a:r>
-            <a:endParaRPr lang="zh-TW" altLang="en-US" sz="2800" dirty="0"/>
-          </a:p>
-        </p:txBody>
-      </p:sp>
-      <p:sp>
-        <p:nvSpPr>
-          <p:cNvPr id="60" name="橢圓 59"/>
-          <p:cNvSpPr/>
-          <p:nvPr/>
-        </p:nvSpPr>
-        <p:spPr>
-          <a:xfrm>
-            <a:off x="7747604" y="2370453"/>
-            <a:ext cx="291155" cy="291155"/>
-          </a:xfrm>
-          <a:prstGeom prst="ellipse">
-            <a:avLst/>
-          </a:prstGeom>
-          <a:solidFill>
-            <a:schemeClr val="accent6">
-              <a:lumMod val="40000"/>
-              <a:lumOff val="60000"/>
-            </a:schemeClr>
-          </a:solidFill>
-          <a:ln>
-            <a:noFill/>
-          </a:ln>
-        </p:spPr>
-        <p:style>
-          <a:lnRef idx="2">
-            <a:schemeClr val="accent1">
-              <a:shade val="50000"/>
-            </a:schemeClr>
-          </a:lnRef>
-          <a:fillRef idx="1">
-            <a:schemeClr val="accent1"/>
-          </a:fillRef>
-          <a:effectRef idx="0">
-            <a:schemeClr val="accent1"/>
-          </a:effectRef>
-          <a:fontRef idx="minor">
-            <a:schemeClr val="lt1"/>
-          </a:fontRef>
-        </p:style>
-        <p:txBody>
-          <a:bodyPr rtlCol="0" anchor="ctr"/>
-          <a:lstStyle/>
-          <a:p>
-            <a:pPr algn="ctr"/>
-            <a:endParaRPr lang="zh-TW" altLang="en-US" sz="1000"/>
-          </a:p>
-        </p:txBody>
-      </p:sp>
-      <p:sp>
-        <p:nvSpPr>
-          <p:cNvPr id="61" name="文字方塊 60"/>
-          <p:cNvSpPr txBox="1"/>
-          <p:nvPr/>
-        </p:nvSpPr>
-        <p:spPr>
-          <a:xfrm>
-            <a:off x="7713392" y="2382345"/>
-            <a:ext cx="510044" cy="246221"/>
-          </a:xfrm>
-          <a:prstGeom prst="rect">
-            <a:avLst/>
-          </a:prstGeom>
-          <a:noFill/>
-          <a:ln>
-            <a:noFill/>
-          </a:ln>
-        </p:spPr>
-        <p:txBody>
-          <a:bodyPr wrap="square" rtlCol="0">
-            <a:spAutoFit/>
-          </a:bodyPr>
-          <a:lstStyle/>
-          <a:p>
-            <a:r>
-              <a:rPr lang="zh-TW" altLang="en-US" sz="1000" dirty="0" smtClean="0"/>
-              <a:t>圖</a:t>
-            </a:r>
-            <a:r>
-              <a:rPr lang="en-US" altLang="zh-TW" sz="1000" dirty="0" smtClean="0"/>
-              <a:t>A</a:t>
-            </a:r>
-            <a:endParaRPr lang="zh-TW" altLang="en-US" sz="1000" dirty="0"/>
-          </a:p>
-        </p:txBody>
-      </p:sp>
-      <p:sp>
-        <p:nvSpPr>
-          <p:cNvPr id="64" name="橢圓 63"/>
-          <p:cNvSpPr/>
-          <p:nvPr/>
-        </p:nvSpPr>
-        <p:spPr>
-          <a:xfrm>
-            <a:off x="7570251" y="3670843"/>
-            <a:ext cx="291155" cy="291155"/>
-          </a:xfrm>
-          <a:prstGeom prst="ellipse">
-            <a:avLst/>
-          </a:prstGeom>
-          <a:solidFill>
-            <a:schemeClr val="accent6">
-              <a:lumMod val="40000"/>
-              <a:lumOff val="60000"/>
-            </a:schemeClr>
-          </a:solidFill>
-          <a:ln>
-            <a:noFill/>
-          </a:ln>
-        </p:spPr>
-        <p:style>
-          <a:lnRef idx="2">
-            <a:schemeClr val="accent1">
-              <a:shade val="50000"/>
-            </a:schemeClr>
-          </a:lnRef>
-          <a:fillRef idx="1">
-            <a:schemeClr val="accent1"/>
-          </a:fillRef>
-          <a:effectRef idx="0">
-            <a:schemeClr val="accent1"/>
-          </a:effectRef>
-          <a:fontRef idx="minor">
-            <a:schemeClr val="lt1"/>
-          </a:fontRef>
-        </p:style>
-        <p:txBody>
-          <a:bodyPr rtlCol="0" anchor="ctr"/>
-          <a:lstStyle/>
-          <a:p>
-            <a:pPr algn="ctr"/>
-            <a:endParaRPr lang="zh-TW" altLang="en-US" sz="1000"/>
-          </a:p>
-        </p:txBody>
-      </p:sp>
-      <p:sp>
-        <p:nvSpPr>
-          <p:cNvPr id="65" name="文字方塊 64"/>
-          <p:cNvSpPr txBox="1"/>
-          <p:nvPr/>
-        </p:nvSpPr>
-        <p:spPr>
-          <a:xfrm>
-            <a:off x="7536039" y="3682735"/>
-            <a:ext cx="510044" cy="246221"/>
-          </a:xfrm>
-          <a:prstGeom prst="rect">
-            <a:avLst/>
-          </a:prstGeom>
-          <a:noFill/>
-          <a:ln>
-            <a:noFill/>
-          </a:ln>
-        </p:spPr>
-        <p:txBody>
-          <a:bodyPr wrap="square" rtlCol="0">
-            <a:spAutoFit/>
-          </a:bodyPr>
-          <a:lstStyle/>
-          <a:p>
-            <a:r>
-              <a:rPr lang="zh-TW" altLang="en-US" sz="1000" dirty="0" smtClean="0"/>
-              <a:t>圖</a:t>
-            </a:r>
-            <a:r>
-              <a:rPr lang="en-US" altLang="zh-TW" sz="1000" dirty="0" smtClean="0"/>
-              <a:t>C</a:t>
-            </a:r>
-            <a:endParaRPr lang="zh-TW" altLang="en-US" sz="1000" dirty="0"/>
-          </a:p>
-        </p:txBody>
-      </p:sp>
-      <p:sp>
-        <p:nvSpPr>
-          <p:cNvPr id="66" name="橢圓 65"/>
-          <p:cNvSpPr/>
-          <p:nvPr/>
-        </p:nvSpPr>
-        <p:spPr>
-          <a:xfrm>
-            <a:off x="5202652" y="3547266"/>
-            <a:ext cx="291155" cy="291155"/>
-          </a:xfrm>
-          <a:prstGeom prst="ellipse">
-            <a:avLst/>
-          </a:prstGeom>
-          <a:solidFill>
-            <a:schemeClr val="accent6">
-              <a:lumMod val="40000"/>
-              <a:lumOff val="60000"/>
-            </a:schemeClr>
-          </a:solidFill>
-          <a:ln>
-            <a:noFill/>
-          </a:ln>
-        </p:spPr>
-        <p:style>
-          <a:lnRef idx="2">
-            <a:schemeClr val="accent1">
-              <a:shade val="50000"/>
-            </a:schemeClr>
-          </a:lnRef>
-          <a:fillRef idx="1">
-            <a:schemeClr val="accent1"/>
-          </a:fillRef>
-          <a:effectRef idx="0">
-            <a:schemeClr val="accent1"/>
-          </a:effectRef>
-          <a:fontRef idx="minor">
-            <a:schemeClr val="lt1"/>
-          </a:fontRef>
-        </p:style>
-        <p:txBody>
-          <a:bodyPr rtlCol="0" anchor="ctr"/>
-          <a:lstStyle/>
-          <a:p>
-            <a:pPr algn="ctr"/>
-            <a:endParaRPr lang="zh-TW" altLang="en-US" sz="1000"/>
-          </a:p>
-        </p:txBody>
-      </p:sp>
-      <p:sp>
-        <p:nvSpPr>
-          <p:cNvPr id="67" name="文字方塊 66"/>
-          <p:cNvSpPr txBox="1"/>
-          <p:nvPr/>
-        </p:nvSpPr>
-        <p:spPr>
-          <a:xfrm>
-            <a:off x="5173035" y="3559158"/>
-            <a:ext cx="510044" cy="246221"/>
-          </a:xfrm>
-          <a:prstGeom prst="rect">
-            <a:avLst/>
-          </a:prstGeom>
-          <a:noFill/>
-          <a:ln>
-            <a:noFill/>
-          </a:ln>
-        </p:spPr>
-        <p:txBody>
-          <a:bodyPr wrap="square" rtlCol="0">
-            <a:spAutoFit/>
-          </a:bodyPr>
-          <a:lstStyle/>
-          <a:p>
-            <a:r>
-              <a:rPr lang="zh-TW" altLang="en-US" sz="1000" dirty="0" smtClean="0"/>
-              <a:t>圖</a:t>
-            </a:r>
-            <a:r>
-              <a:rPr lang="en-US" altLang="zh-TW" sz="1000" dirty="0"/>
-              <a:t>D</a:t>
-            </a:r>
-            <a:endParaRPr lang="zh-TW" altLang="en-US" sz="1000" dirty="0"/>
-          </a:p>
-        </p:txBody>
-      </p:sp>
-      <p:sp>
-        <p:nvSpPr>
-          <p:cNvPr id="68" name="橢圓 67"/>
-          <p:cNvSpPr/>
-          <p:nvPr/>
-        </p:nvSpPr>
-        <p:spPr>
-          <a:xfrm>
-            <a:off x="5172474" y="5931361"/>
-            <a:ext cx="291155" cy="291155"/>
-          </a:xfrm>
-          <a:prstGeom prst="ellipse">
-            <a:avLst/>
-          </a:prstGeom>
-          <a:solidFill>
-            <a:schemeClr val="accent6">
-              <a:lumMod val="40000"/>
-              <a:lumOff val="60000"/>
-            </a:schemeClr>
-          </a:solidFill>
-          <a:ln>
-            <a:noFill/>
-          </a:ln>
-        </p:spPr>
-        <p:style>
-          <a:lnRef idx="2">
-            <a:schemeClr val="accent1">
-              <a:shade val="50000"/>
-            </a:schemeClr>
-          </a:lnRef>
-          <a:fillRef idx="1">
-            <a:schemeClr val="accent1"/>
-          </a:fillRef>
-          <a:effectRef idx="0">
-            <a:schemeClr val="accent1"/>
-          </a:effectRef>
-          <a:fontRef idx="minor">
-            <a:schemeClr val="lt1"/>
-          </a:fontRef>
-        </p:style>
-        <p:txBody>
-          <a:bodyPr rtlCol="0" anchor="ctr"/>
-          <a:lstStyle/>
-          <a:p>
-            <a:pPr algn="ctr"/>
-            <a:endParaRPr lang="zh-TW" altLang="en-US" sz="1000"/>
-          </a:p>
-        </p:txBody>
-      </p:sp>
-      <p:sp>
-        <p:nvSpPr>
-          <p:cNvPr id="69" name="文字方塊 68"/>
-          <p:cNvSpPr txBox="1"/>
-          <p:nvPr/>
-        </p:nvSpPr>
-        <p:spPr>
-          <a:xfrm>
-            <a:off x="5142857" y="5943253"/>
-            <a:ext cx="510044" cy="246221"/>
-          </a:xfrm>
-          <a:prstGeom prst="rect">
-            <a:avLst/>
-          </a:prstGeom>
-          <a:noFill/>
-          <a:ln>
-            <a:noFill/>
-          </a:ln>
-        </p:spPr>
-        <p:txBody>
-          <a:bodyPr wrap="square" rtlCol="0">
-            <a:spAutoFit/>
-          </a:bodyPr>
-          <a:lstStyle/>
-          <a:p>
-            <a:r>
-              <a:rPr lang="zh-TW" altLang="en-US" sz="1000" dirty="0" smtClean="0"/>
-              <a:t>圖</a:t>
-            </a:r>
-            <a:r>
-              <a:rPr lang="en-US" altLang="zh-TW" sz="1000" dirty="0"/>
-              <a:t>F</a:t>
-            </a:r>
-            <a:endParaRPr lang="zh-TW" altLang="en-US" sz="1000" dirty="0"/>
-          </a:p>
-        </p:txBody>
-      </p:sp>
-      <p:sp>
-        <p:nvSpPr>
-          <p:cNvPr id="70" name="橢圓 69"/>
-          <p:cNvSpPr/>
-          <p:nvPr/>
-        </p:nvSpPr>
-        <p:spPr>
-          <a:xfrm>
-            <a:off x="9975851" y="4739529"/>
-            <a:ext cx="291155" cy="291155"/>
-          </a:xfrm>
-          <a:prstGeom prst="ellipse">
-            <a:avLst/>
-          </a:prstGeom>
-          <a:solidFill>
-            <a:schemeClr val="accent6">
-              <a:lumMod val="40000"/>
-              <a:lumOff val="60000"/>
-            </a:schemeClr>
-          </a:solidFill>
-          <a:ln>
-            <a:noFill/>
-          </a:ln>
-        </p:spPr>
-        <p:style>
-          <a:lnRef idx="2">
-            <a:schemeClr val="accent1">
-              <a:shade val="50000"/>
-            </a:schemeClr>
-          </a:lnRef>
-          <a:fillRef idx="1">
-            <a:schemeClr val="accent1"/>
-          </a:fillRef>
-          <a:effectRef idx="0">
-            <a:schemeClr val="accent1"/>
-          </a:effectRef>
-          <a:fontRef idx="minor">
-            <a:schemeClr val="lt1"/>
-          </a:fontRef>
-        </p:style>
-        <p:txBody>
-          <a:bodyPr rtlCol="0" anchor="ctr"/>
-          <a:lstStyle/>
-          <a:p>
-            <a:pPr algn="ctr"/>
-            <a:endParaRPr lang="zh-TW" altLang="en-US" sz="1000"/>
-          </a:p>
-        </p:txBody>
-      </p:sp>
-      <p:sp>
-        <p:nvSpPr>
-          <p:cNvPr id="71" name="文字方塊 70"/>
-          <p:cNvSpPr txBox="1"/>
-          <p:nvPr/>
-        </p:nvSpPr>
-        <p:spPr>
-          <a:xfrm>
-            <a:off x="9971286" y="4763947"/>
-            <a:ext cx="510044" cy="246221"/>
-          </a:xfrm>
-          <a:prstGeom prst="rect">
-            <a:avLst/>
-          </a:prstGeom>
-          <a:noFill/>
-          <a:ln>
-            <a:noFill/>
-          </a:ln>
-        </p:spPr>
-        <p:txBody>
-          <a:bodyPr wrap="square" rtlCol="0">
-            <a:spAutoFit/>
-          </a:bodyPr>
-          <a:lstStyle/>
-          <a:p>
-            <a:r>
-              <a:rPr lang="zh-TW" altLang="en-US" sz="1000" dirty="0" smtClean="0"/>
-              <a:t>圖</a:t>
-            </a:r>
-            <a:r>
-              <a:rPr lang="en-US" altLang="zh-TW" sz="1000" dirty="0"/>
-              <a:t>E</a:t>
-            </a:r>
-            <a:endParaRPr lang="zh-TW" altLang="en-US" sz="1000" dirty="0"/>
-          </a:p>
-        </p:txBody>
-      </p:sp>
       <p:cxnSp>
         <p:nvCxnSpPr>
-          <p:cNvPr id="72" name="直線單箭頭接點 71"/>
+          <p:cNvPr id="47" name="直線接點 46"/>
           <p:cNvCxnSpPr/>
           <p:nvPr/>
         </p:nvCxnSpPr>
         <p:spPr>
-          <a:xfrm flipH="1">
-            <a:off x="3387041" y="4710154"/>
-            <a:ext cx="492609" cy="0"/>
-          </a:xfrm>
-          <a:prstGeom prst="straightConnector1">
+          <a:xfrm flipV="1">
+            <a:off x="11433160" y="4289973"/>
+            <a:ext cx="276939" cy="1"/>
+          </a:xfrm>
+          <a:prstGeom prst="line">
             <a:avLst/>
           </a:prstGeom>
           <a:ln w="19050">
             <a:solidFill>
               <a:schemeClr val="tx1"/>
             </a:solidFill>
-            <a:tailEnd type="triangle"/>
           </a:ln>
         </p:spPr>
         <p:style>
@@ -12008,23 +11551,1356 @@
           </a:fontRef>
         </p:style>
       </p:cxnSp>
+      <p:sp>
+        <p:nvSpPr>
+          <p:cNvPr id="49" name="文字方塊 48"/>
+          <p:cNvSpPr txBox="1"/>
+          <p:nvPr/>
+        </p:nvSpPr>
+        <p:spPr>
+          <a:xfrm>
+            <a:off x="11433160" y="4382962"/>
+            <a:ext cx="338554" cy="276999"/>
+          </a:xfrm>
+          <a:prstGeom prst="rect">
+            <a:avLst/>
+          </a:prstGeom>
+          <a:noFill/>
+          <a:ln>
+            <a:noFill/>
+          </a:ln>
+        </p:spPr>
+        <p:txBody>
+          <a:bodyPr wrap="none" rtlCol="0">
+            <a:spAutoFit/>
+          </a:bodyPr>
+          <a:lstStyle/>
+          <a:p>
+            <a:pPr algn="ctr"/>
+            <a:r>
+              <a:rPr lang="zh-TW" altLang="en-US" sz="1200" dirty="0" smtClean="0"/>
+              <a:t>否</a:t>
+            </a:r>
+            <a:endParaRPr lang="zh-TW" altLang="en-US" sz="1200" dirty="0"/>
+          </a:p>
+        </p:txBody>
+      </p:sp>
+      <p:sp>
+        <p:nvSpPr>
+          <p:cNvPr id="50" name="文字方塊 49"/>
+          <p:cNvSpPr txBox="1"/>
+          <p:nvPr/>
+        </p:nvSpPr>
+        <p:spPr>
+          <a:xfrm>
+            <a:off x="9453509" y="2849468"/>
+            <a:ext cx="800219" cy="276999"/>
+          </a:xfrm>
+          <a:prstGeom prst="rect">
+            <a:avLst/>
+          </a:prstGeom>
+          <a:noFill/>
+          <a:ln>
+            <a:noFill/>
+          </a:ln>
+        </p:spPr>
+        <p:txBody>
+          <a:bodyPr wrap="none" rtlCol="0">
+            <a:spAutoFit/>
+          </a:bodyPr>
+          <a:lstStyle/>
+          <a:p>
+            <a:pPr algn="ctr"/>
+            <a:r>
+              <a:rPr lang="zh-TW" altLang="en-US" sz="1200" dirty="0"/>
+              <a:t>再</a:t>
+            </a:r>
+            <a:r>
+              <a:rPr lang="zh-TW" altLang="en-US" sz="1200" dirty="0" smtClean="0"/>
+              <a:t>試一</a:t>
+            </a:r>
+            <a:r>
+              <a:rPr lang="zh-TW" altLang="en-US" sz="1200" dirty="0"/>
+              <a:t>次</a:t>
+            </a:r>
+            <a:endParaRPr lang="zh-TW" altLang="en-US" sz="1200" dirty="0"/>
+          </a:p>
+        </p:txBody>
+      </p:sp>
+      <p:sp>
+        <p:nvSpPr>
+          <p:cNvPr id="51" name="文字方塊 50"/>
+          <p:cNvSpPr txBox="1"/>
+          <p:nvPr/>
+        </p:nvSpPr>
+        <p:spPr>
+          <a:xfrm>
+            <a:off x="9724390" y="4043513"/>
+            <a:ext cx="338554" cy="276999"/>
+          </a:xfrm>
+          <a:prstGeom prst="rect">
+            <a:avLst/>
+          </a:prstGeom>
+          <a:noFill/>
+          <a:ln>
+            <a:noFill/>
+          </a:ln>
+        </p:spPr>
+        <p:txBody>
+          <a:bodyPr wrap="none" rtlCol="0">
+            <a:spAutoFit/>
+          </a:bodyPr>
+          <a:lstStyle/>
+          <a:p>
+            <a:pPr algn="ctr"/>
+            <a:r>
+              <a:rPr lang="zh-TW" altLang="en-US" sz="1200" dirty="0" smtClean="0"/>
+              <a:t>否</a:t>
+            </a:r>
+            <a:endParaRPr lang="zh-TW" altLang="en-US" sz="1200" dirty="0"/>
+          </a:p>
+        </p:txBody>
+      </p:sp>
+      <p:cxnSp>
+        <p:nvCxnSpPr>
+          <p:cNvPr id="52" name="直線單箭頭接點 51"/>
+          <p:cNvCxnSpPr/>
+          <p:nvPr/>
+        </p:nvCxnSpPr>
+        <p:spPr>
+          <a:xfrm flipH="1">
+            <a:off x="6524533" y="5442240"/>
+            <a:ext cx="2467800" cy="0"/>
+          </a:xfrm>
+          <a:prstGeom prst="straightConnector1">
+            <a:avLst/>
+          </a:prstGeom>
+          <a:ln w="19050">
+            <a:solidFill>
+              <a:srgbClr val="FF0000"/>
+            </a:solidFill>
+            <a:tailEnd type="triangle"/>
+          </a:ln>
+        </p:spPr>
+        <p:style>
+          <a:lnRef idx="1">
+            <a:schemeClr val="accent1"/>
+          </a:lnRef>
+          <a:fillRef idx="0">
+            <a:schemeClr val="accent1"/>
+          </a:fillRef>
+          <a:effectRef idx="0">
+            <a:schemeClr val="accent1"/>
+          </a:effectRef>
+          <a:fontRef idx="minor">
+            <a:schemeClr val="tx1"/>
+          </a:fontRef>
+        </p:style>
+      </p:cxnSp>
+      <p:cxnSp>
+        <p:nvCxnSpPr>
+          <p:cNvPr id="53" name="直線接點 52"/>
+          <p:cNvCxnSpPr>
+            <a:endCxn id="16" idx="2"/>
+          </p:cNvCxnSpPr>
+          <p:nvPr/>
+        </p:nvCxnSpPr>
+        <p:spPr>
+          <a:xfrm flipV="1">
+            <a:off x="9002472" y="4659961"/>
+            <a:ext cx="0" cy="782279"/>
+          </a:xfrm>
+          <a:prstGeom prst="line">
+            <a:avLst/>
+          </a:prstGeom>
+          <a:ln w="19050">
+            <a:solidFill>
+              <a:srgbClr val="FF0000"/>
+            </a:solidFill>
+          </a:ln>
+        </p:spPr>
+        <p:style>
+          <a:lnRef idx="1">
+            <a:schemeClr val="accent1"/>
+          </a:lnRef>
+          <a:fillRef idx="0">
+            <a:schemeClr val="accent1"/>
+          </a:fillRef>
+          <a:effectRef idx="0">
+            <a:schemeClr val="accent1"/>
+          </a:effectRef>
+          <a:fontRef idx="minor">
+            <a:schemeClr val="tx1"/>
+          </a:fontRef>
+        </p:style>
+      </p:cxnSp>
+      <p:sp>
+        <p:nvSpPr>
+          <p:cNvPr id="54" name="文字方塊 53"/>
+          <p:cNvSpPr txBox="1"/>
+          <p:nvPr/>
+        </p:nvSpPr>
+        <p:spPr>
+          <a:xfrm>
+            <a:off x="9128783" y="4894397"/>
+            <a:ext cx="338554" cy="276999"/>
+          </a:xfrm>
+          <a:prstGeom prst="rect">
+            <a:avLst/>
+          </a:prstGeom>
+          <a:noFill/>
+          <a:ln>
+            <a:noFill/>
+          </a:ln>
+        </p:spPr>
+        <p:txBody>
+          <a:bodyPr wrap="none" rtlCol="0">
+            <a:spAutoFit/>
+          </a:bodyPr>
+          <a:lstStyle/>
+          <a:p>
+            <a:pPr algn="ctr"/>
+            <a:r>
+              <a:rPr lang="zh-TW" altLang="en-US" sz="1200" dirty="0" smtClean="0"/>
+              <a:t>是</a:t>
+            </a:r>
+            <a:endParaRPr lang="zh-TW" altLang="en-US" sz="1200" dirty="0"/>
+          </a:p>
+        </p:txBody>
+      </p:sp>
+      <p:sp>
+        <p:nvSpPr>
+          <p:cNvPr id="55" name="文字方塊 54"/>
+          <p:cNvSpPr txBox="1"/>
+          <p:nvPr/>
+        </p:nvSpPr>
+        <p:spPr>
+          <a:xfrm>
+            <a:off x="5430711" y="1127976"/>
+            <a:ext cx="338554" cy="276999"/>
+          </a:xfrm>
+          <a:prstGeom prst="rect">
+            <a:avLst/>
+          </a:prstGeom>
+          <a:noFill/>
+          <a:ln>
+            <a:noFill/>
+          </a:ln>
+        </p:spPr>
+        <p:txBody>
+          <a:bodyPr wrap="none" rtlCol="0">
+            <a:spAutoFit/>
+          </a:bodyPr>
+          <a:lstStyle/>
+          <a:p>
+            <a:pPr algn="ctr"/>
+            <a:r>
+              <a:rPr lang="zh-TW" altLang="en-US" sz="1200" dirty="0" smtClean="0"/>
+              <a:t>否</a:t>
+            </a:r>
+            <a:endParaRPr lang="zh-TW" altLang="en-US" sz="1200" dirty="0"/>
+          </a:p>
+        </p:txBody>
+      </p:sp>
+      <p:sp>
+        <p:nvSpPr>
+          <p:cNvPr id="67" name="文字方塊 66"/>
+          <p:cNvSpPr txBox="1"/>
+          <p:nvPr/>
+        </p:nvSpPr>
+        <p:spPr>
+          <a:xfrm>
+            <a:off x="270933" y="333215"/>
+            <a:ext cx="1470274" cy="523220"/>
+          </a:xfrm>
+          <a:prstGeom prst="rect">
+            <a:avLst/>
+          </a:prstGeom>
+          <a:noFill/>
+        </p:spPr>
+        <p:txBody>
+          <a:bodyPr wrap="none" rtlCol="0">
+            <a:spAutoFit/>
+          </a:bodyPr>
+          <a:lstStyle/>
+          <a:p>
+            <a:r>
+              <a:rPr lang="en-US" altLang="zh-TW" sz="2800" dirty="0" smtClean="0"/>
+              <a:t>3-2.</a:t>
+            </a:r>
+            <a:r>
+              <a:rPr lang="zh-TW" altLang="en-US" sz="2800" dirty="0" smtClean="0"/>
+              <a:t>下載</a:t>
+            </a:r>
+            <a:endParaRPr lang="zh-TW" altLang="en-US" sz="2800" dirty="0"/>
+          </a:p>
+        </p:txBody>
+      </p:sp>
+      <p:sp>
+        <p:nvSpPr>
+          <p:cNvPr id="68" name="文字方塊 67"/>
+          <p:cNvSpPr txBox="1"/>
+          <p:nvPr/>
+        </p:nvSpPr>
+        <p:spPr>
+          <a:xfrm>
+            <a:off x="10806879" y="599455"/>
+            <a:ext cx="1262590" cy="307777"/>
+          </a:xfrm>
+          <a:prstGeom prst="rect">
+            <a:avLst/>
+          </a:prstGeom>
+          <a:noFill/>
+          <a:ln>
+            <a:solidFill>
+              <a:schemeClr val="tx1"/>
+            </a:solidFill>
+          </a:ln>
+        </p:spPr>
+        <p:txBody>
+          <a:bodyPr wrap="none" rtlCol="0">
+            <a:spAutoFit/>
+          </a:bodyPr>
+          <a:lstStyle/>
+          <a:p>
+            <a:pPr algn="ctr"/>
+            <a:r>
+              <a:rPr lang="zh-TW" altLang="en-US" sz="1400" dirty="0" smtClean="0"/>
+              <a:t>回到</a:t>
+            </a:r>
+            <a:r>
+              <a:rPr lang="en-US" altLang="zh-TW" sz="1400" dirty="0" smtClean="0"/>
+              <a:t>App</a:t>
+            </a:r>
+            <a:r>
+              <a:rPr lang="zh-TW" altLang="en-US" sz="1400" dirty="0"/>
+              <a:t> </a:t>
+            </a:r>
+            <a:r>
+              <a:rPr lang="en-US" altLang="zh-TW" sz="1400" dirty="0" smtClean="0"/>
+              <a:t>Stor</a:t>
+            </a:r>
+            <a:r>
+              <a:rPr lang="en-US" altLang="zh-TW" sz="1400" dirty="0"/>
+              <a:t>e</a:t>
+            </a:r>
+            <a:endParaRPr lang="zh-TW" altLang="en-US" sz="1400" dirty="0"/>
+          </a:p>
+        </p:txBody>
+      </p:sp>
+      <p:cxnSp>
+        <p:nvCxnSpPr>
+          <p:cNvPr id="69" name="直線單箭頭接點 68"/>
+          <p:cNvCxnSpPr/>
+          <p:nvPr/>
+        </p:nvCxnSpPr>
+        <p:spPr>
+          <a:xfrm>
+            <a:off x="2155741" y="1404975"/>
+            <a:ext cx="624157" cy="0"/>
+          </a:xfrm>
+          <a:prstGeom prst="straightConnector1">
+            <a:avLst/>
+          </a:prstGeom>
+          <a:ln w="19050">
+            <a:solidFill>
+              <a:srgbClr val="FF0000"/>
+            </a:solidFill>
+            <a:tailEnd type="triangle"/>
+          </a:ln>
+        </p:spPr>
+        <p:style>
+          <a:lnRef idx="1">
+            <a:schemeClr val="accent1"/>
+          </a:lnRef>
+          <a:fillRef idx="0">
+            <a:schemeClr val="accent1"/>
+          </a:fillRef>
+          <a:effectRef idx="0">
+            <a:schemeClr val="accent1"/>
+          </a:effectRef>
+          <a:fontRef idx="minor">
+            <a:schemeClr val="tx1"/>
+          </a:fontRef>
+        </p:style>
+      </p:cxnSp>
+      <p:cxnSp>
+        <p:nvCxnSpPr>
+          <p:cNvPr id="72" name="直線單箭頭接點 71"/>
+          <p:cNvCxnSpPr/>
+          <p:nvPr/>
+        </p:nvCxnSpPr>
+        <p:spPr>
+          <a:xfrm>
+            <a:off x="4781880" y="5442240"/>
+            <a:ext cx="581371" cy="0"/>
+          </a:xfrm>
+          <a:prstGeom prst="straightConnector1">
+            <a:avLst/>
+          </a:prstGeom>
+          <a:ln w="19050">
+            <a:solidFill>
+              <a:srgbClr val="FF0000"/>
+            </a:solidFill>
+            <a:tailEnd type="triangle"/>
+          </a:ln>
+        </p:spPr>
+        <p:style>
+          <a:lnRef idx="1">
+            <a:schemeClr val="accent1"/>
+          </a:lnRef>
+          <a:fillRef idx="0">
+            <a:schemeClr val="accent1"/>
+          </a:fillRef>
+          <a:effectRef idx="0">
+            <a:schemeClr val="accent1"/>
+          </a:effectRef>
+          <a:fontRef idx="minor">
+            <a:schemeClr val="tx1"/>
+          </a:fontRef>
+        </p:style>
+      </p:cxnSp>
+      <p:cxnSp>
+        <p:nvCxnSpPr>
+          <p:cNvPr id="74" name="直線單箭頭接點 73"/>
+          <p:cNvCxnSpPr/>
+          <p:nvPr/>
+        </p:nvCxnSpPr>
+        <p:spPr>
+          <a:xfrm>
+            <a:off x="4672476" y="1434987"/>
+            <a:ext cx="1971397" cy="0"/>
+          </a:xfrm>
+          <a:prstGeom prst="straightConnector1">
+            <a:avLst/>
+          </a:prstGeom>
+          <a:ln w="19050">
+            <a:solidFill>
+              <a:srgbClr val="FF0000"/>
+            </a:solidFill>
+            <a:tailEnd type="triangle"/>
+          </a:ln>
+        </p:spPr>
+        <p:style>
+          <a:lnRef idx="1">
+            <a:schemeClr val="accent1"/>
+          </a:lnRef>
+          <a:fillRef idx="0">
+            <a:schemeClr val="accent1"/>
+          </a:fillRef>
+          <a:effectRef idx="0">
+            <a:schemeClr val="accent1"/>
+          </a:effectRef>
+          <a:fontRef idx="minor">
+            <a:schemeClr val="tx1"/>
+          </a:fontRef>
+        </p:style>
+      </p:cxnSp>
+      <p:sp>
+        <p:nvSpPr>
+          <p:cNvPr id="78" name="文字方塊 77"/>
+          <p:cNvSpPr txBox="1"/>
+          <p:nvPr/>
+        </p:nvSpPr>
+        <p:spPr>
+          <a:xfrm>
+            <a:off x="2234931" y="5090751"/>
+            <a:ext cx="338554" cy="276999"/>
+          </a:xfrm>
+          <a:prstGeom prst="rect">
+            <a:avLst/>
+          </a:prstGeom>
+          <a:noFill/>
+          <a:ln>
+            <a:noFill/>
+          </a:ln>
+        </p:spPr>
+        <p:txBody>
+          <a:bodyPr wrap="none" rtlCol="0">
+            <a:spAutoFit/>
+          </a:bodyPr>
+          <a:lstStyle/>
+          <a:p>
+            <a:pPr algn="ctr"/>
+            <a:r>
+              <a:rPr lang="zh-TW" altLang="en-US" sz="1200" dirty="0" smtClean="0"/>
+              <a:t>否</a:t>
+            </a:r>
+            <a:endParaRPr lang="zh-TW" altLang="en-US" sz="1200" dirty="0"/>
+          </a:p>
+        </p:txBody>
+      </p:sp>
+      <p:cxnSp>
+        <p:nvCxnSpPr>
+          <p:cNvPr id="80" name="直線接點 79"/>
+          <p:cNvCxnSpPr/>
+          <p:nvPr/>
+        </p:nvCxnSpPr>
+        <p:spPr>
+          <a:xfrm>
+            <a:off x="1708773" y="5448022"/>
+            <a:ext cx="1010143" cy="0"/>
+          </a:xfrm>
+          <a:prstGeom prst="line">
+            <a:avLst/>
+          </a:prstGeom>
+          <a:ln w="19050">
+            <a:solidFill>
+              <a:schemeClr val="tx1"/>
+            </a:solidFill>
+          </a:ln>
+        </p:spPr>
+        <p:style>
+          <a:lnRef idx="1">
+            <a:schemeClr val="accent1"/>
+          </a:lnRef>
+          <a:fillRef idx="0">
+            <a:schemeClr val="accent1"/>
+          </a:fillRef>
+          <a:effectRef idx="0">
+            <a:schemeClr val="accent1"/>
+          </a:effectRef>
+          <a:fontRef idx="minor">
+            <a:schemeClr val="tx1"/>
+          </a:fontRef>
+        </p:style>
+      </p:cxnSp>
+      <p:cxnSp>
+        <p:nvCxnSpPr>
+          <p:cNvPr id="81" name="直線單箭頭接點 80"/>
+          <p:cNvCxnSpPr/>
+          <p:nvPr/>
+        </p:nvCxnSpPr>
+        <p:spPr>
+          <a:xfrm flipV="1">
+            <a:off x="1708773" y="4958581"/>
+            <a:ext cx="0" cy="483659"/>
+          </a:xfrm>
+          <a:prstGeom prst="straightConnector1">
+            <a:avLst/>
+          </a:prstGeom>
+          <a:ln w="19050">
+            <a:solidFill>
+              <a:schemeClr val="tx1"/>
+            </a:solidFill>
+            <a:tailEnd type="triangle"/>
+          </a:ln>
+        </p:spPr>
+        <p:style>
+          <a:lnRef idx="1">
+            <a:schemeClr val="accent1"/>
+          </a:lnRef>
+          <a:fillRef idx="0">
+            <a:schemeClr val="accent1"/>
+          </a:fillRef>
+          <a:effectRef idx="0">
+            <a:schemeClr val="accent1"/>
+          </a:effectRef>
+          <a:fontRef idx="minor">
+            <a:schemeClr val="tx1"/>
+          </a:fontRef>
+        </p:style>
+      </p:cxnSp>
+      <p:cxnSp>
+        <p:nvCxnSpPr>
+          <p:cNvPr id="85" name="直線單箭頭接點 84"/>
+          <p:cNvCxnSpPr/>
+          <p:nvPr/>
+        </p:nvCxnSpPr>
+        <p:spPr>
+          <a:xfrm>
+            <a:off x="1718865" y="3369785"/>
+            <a:ext cx="1490410" cy="0"/>
+          </a:xfrm>
+          <a:prstGeom prst="straightConnector1">
+            <a:avLst/>
+          </a:prstGeom>
+          <a:ln w="19050">
+            <a:solidFill>
+              <a:schemeClr val="tx1"/>
+            </a:solidFill>
+            <a:tailEnd type="triangle"/>
+          </a:ln>
+        </p:spPr>
+        <p:style>
+          <a:lnRef idx="1">
+            <a:schemeClr val="accent1"/>
+          </a:lnRef>
+          <a:fillRef idx="0">
+            <a:schemeClr val="accent1"/>
+          </a:fillRef>
+          <a:effectRef idx="0">
+            <a:schemeClr val="accent1"/>
+          </a:effectRef>
+          <a:fontRef idx="minor">
+            <a:schemeClr val="tx1"/>
+          </a:fontRef>
+        </p:style>
+      </p:cxnSp>
+      <p:cxnSp>
+        <p:nvCxnSpPr>
+          <p:cNvPr id="87" name="直線接點 86"/>
+          <p:cNvCxnSpPr/>
+          <p:nvPr/>
+        </p:nvCxnSpPr>
+        <p:spPr>
+          <a:xfrm flipV="1">
+            <a:off x="1718865" y="3369785"/>
+            <a:ext cx="0" cy="878115"/>
+          </a:xfrm>
+          <a:prstGeom prst="line">
+            <a:avLst/>
+          </a:prstGeom>
+          <a:ln w="19050">
+            <a:solidFill>
+              <a:schemeClr val="tx1"/>
+            </a:solidFill>
+          </a:ln>
+        </p:spPr>
+        <p:style>
+          <a:lnRef idx="1">
+            <a:schemeClr val="accent1"/>
+          </a:lnRef>
+          <a:fillRef idx="0">
+            <a:schemeClr val="accent1"/>
+          </a:fillRef>
+          <a:effectRef idx="0">
+            <a:schemeClr val="accent1"/>
+          </a:effectRef>
+          <a:fontRef idx="minor">
+            <a:schemeClr val="tx1"/>
+          </a:fontRef>
+        </p:style>
+      </p:cxnSp>
+      <p:cxnSp>
+        <p:nvCxnSpPr>
+          <p:cNvPr id="89" name="直線接點 88"/>
+          <p:cNvCxnSpPr/>
+          <p:nvPr/>
+        </p:nvCxnSpPr>
+        <p:spPr>
+          <a:xfrm flipV="1">
+            <a:off x="361524" y="1413017"/>
+            <a:ext cx="0" cy="3226548"/>
+          </a:xfrm>
+          <a:prstGeom prst="line">
+            <a:avLst/>
+          </a:prstGeom>
+          <a:ln w="19050">
+            <a:solidFill>
+              <a:schemeClr val="tx1"/>
+            </a:solidFill>
+          </a:ln>
+        </p:spPr>
+        <p:style>
+          <a:lnRef idx="1">
+            <a:schemeClr val="accent1"/>
+          </a:lnRef>
+          <a:fillRef idx="0">
+            <a:schemeClr val="accent1"/>
+          </a:fillRef>
+          <a:effectRef idx="0">
+            <a:schemeClr val="accent1"/>
+          </a:effectRef>
+          <a:fontRef idx="minor">
+            <a:schemeClr val="tx1"/>
+          </a:fontRef>
+        </p:style>
+      </p:cxnSp>
+      <p:cxnSp>
+        <p:nvCxnSpPr>
+          <p:cNvPr id="91" name="直線接點 90"/>
+          <p:cNvCxnSpPr/>
+          <p:nvPr/>
+        </p:nvCxnSpPr>
+        <p:spPr>
+          <a:xfrm>
+            <a:off x="376630" y="4621277"/>
+            <a:ext cx="419533" cy="0"/>
+          </a:xfrm>
+          <a:prstGeom prst="line">
+            <a:avLst/>
+          </a:prstGeom>
+          <a:ln w="19050">
+            <a:solidFill>
+              <a:schemeClr val="tx1"/>
+            </a:solidFill>
+          </a:ln>
+        </p:spPr>
+        <p:style>
+          <a:lnRef idx="1">
+            <a:schemeClr val="accent1"/>
+          </a:lnRef>
+          <a:fillRef idx="0">
+            <a:schemeClr val="accent1"/>
+          </a:fillRef>
+          <a:effectRef idx="0">
+            <a:schemeClr val="accent1"/>
+          </a:effectRef>
+          <a:fontRef idx="minor">
+            <a:schemeClr val="tx1"/>
+          </a:fontRef>
+        </p:style>
+      </p:cxnSp>
+      <p:cxnSp>
+        <p:nvCxnSpPr>
+          <p:cNvPr id="95" name="直線單箭頭接點 94"/>
+          <p:cNvCxnSpPr/>
+          <p:nvPr/>
+        </p:nvCxnSpPr>
+        <p:spPr>
+          <a:xfrm>
+            <a:off x="347134" y="1415936"/>
+            <a:ext cx="253316" cy="0"/>
+          </a:xfrm>
+          <a:prstGeom prst="straightConnector1">
+            <a:avLst/>
+          </a:prstGeom>
+          <a:ln w="19050">
+            <a:solidFill>
+              <a:schemeClr val="tx1"/>
+            </a:solidFill>
+            <a:tailEnd type="triangle"/>
+          </a:ln>
+        </p:spPr>
+        <p:style>
+          <a:lnRef idx="1">
+            <a:schemeClr val="accent1"/>
+          </a:lnRef>
+          <a:fillRef idx="0">
+            <a:schemeClr val="accent1"/>
+          </a:fillRef>
+          <a:effectRef idx="0">
+            <a:schemeClr val="accent1"/>
+          </a:effectRef>
+          <a:fontRef idx="minor">
+            <a:schemeClr val="tx1"/>
+          </a:fontRef>
+        </p:style>
+      </p:cxnSp>
+      <p:cxnSp>
+        <p:nvCxnSpPr>
+          <p:cNvPr id="97" name="直線接點 96"/>
+          <p:cNvCxnSpPr/>
+          <p:nvPr/>
+        </p:nvCxnSpPr>
+        <p:spPr>
+          <a:xfrm>
+            <a:off x="1411854" y="2954899"/>
+            <a:ext cx="1785033" cy="0"/>
+          </a:xfrm>
+          <a:prstGeom prst="line">
+            <a:avLst/>
+          </a:prstGeom>
+          <a:ln w="19050">
+            <a:solidFill>
+              <a:schemeClr val="tx1"/>
+            </a:solidFill>
+          </a:ln>
+        </p:spPr>
+        <p:style>
+          <a:lnRef idx="1">
+            <a:schemeClr val="accent1"/>
+          </a:lnRef>
+          <a:fillRef idx="0">
+            <a:schemeClr val="accent1"/>
+          </a:fillRef>
+          <a:effectRef idx="0">
+            <a:schemeClr val="accent1"/>
+          </a:effectRef>
+          <a:fontRef idx="minor">
+            <a:schemeClr val="tx1"/>
+          </a:fontRef>
+        </p:style>
+      </p:cxnSp>
+      <p:cxnSp>
+        <p:nvCxnSpPr>
+          <p:cNvPr id="99" name="直線單箭頭接點 98"/>
+          <p:cNvCxnSpPr/>
+          <p:nvPr/>
+        </p:nvCxnSpPr>
+        <p:spPr>
+          <a:xfrm flipV="1">
+            <a:off x="1402810" y="1641887"/>
+            <a:ext cx="0" cy="1313012"/>
+          </a:xfrm>
+          <a:prstGeom prst="straightConnector1">
+            <a:avLst/>
+          </a:prstGeom>
+          <a:ln w="19050">
+            <a:solidFill>
+              <a:schemeClr val="tx1"/>
+            </a:solidFill>
+            <a:tailEnd type="triangle"/>
+          </a:ln>
+        </p:spPr>
+        <p:style>
+          <a:lnRef idx="1">
+            <a:schemeClr val="accent1"/>
+          </a:lnRef>
+          <a:fillRef idx="0">
+            <a:schemeClr val="accent1"/>
+          </a:fillRef>
+          <a:effectRef idx="0">
+            <a:schemeClr val="accent1"/>
+          </a:effectRef>
+          <a:fontRef idx="minor">
+            <a:schemeClr val="tx1"/>
+          </a:fontRef>
+        </p:style>
+      </p:cxnSp>
+      <p:sp>
+        <p:nvSpPr>
+          <p:cNvPr id="114" name="文字方塊 113"/>
+          <p:cNvSpPr txBox="1"/>
+          <p:nvPr/>
+        </p:nvSpPr>
+        <p:spPr>
+          <a:xfrm>
+            <a:off x="5037719" y="2715920"/>
+            <a:ext cx="1262590" cy="307777"/>
+          </a:xfrm>
+          <a:prstGeom prst="rect">
+            <a:avLst/>
+          </a:prstGeom>
+          <a:noFill/>
+          <a:ln>
+            <a:solidFill>
+              <a:schemeClr val="tx1"/>
+            </a:solidFill>
+          </a:ln>
+        </p:spPr>
+        <p:txBody>
+          <a:bodyPr wrap="none" rtlCol="0">
+            <a:spAutoFit/>
+          </a:bodyPr>
+          <a:lstStyle/>
+          <a:p>
+            <a:pPr algn="ctr"/>
+            <a:r>
+              <a:rPr lang="zh-TW" altLang="en-US" sz="1400" dirty="0" smtClean="0"/>
+              <a:t>回到</a:t>
+            </a:r>
+            <a:r>
+              <a:rPr lang="en-US" altLang="zh-TW" sz="1400" dirty="0" smtClean="0"/>
+              <a:t>App</a:t>
+            </a:r>
+            <a:r>
+              <a:rPr lang="zh-TW" altLang="en-US" sz="1400" dirty="0"/>
+              <a:t> </a:t>
+            </a:r>
+            <a:r>
+              <a:rPr lang="en-US" altLang="zh-TW" sz="1400" dirty="0" smtClean="0"/>
+              <a:t>Stor</a:t>
+            </a:r>
+            <a:r>
+              <a:rPr lang="en-US" altLang="zh-TW" sz="1400" dirty="0"/>
+              <a:t>e</a:t>
+            </a:r>
+            <a:endParaRPr lang="zh-TW" altLang="en-US" sz="1400" dirty="0"/>
+          </a:p>
+        </p:txBody>
+      </p:sp>
+      <p:cxnSp>
+        <p:nvCxnSpPr>
+          <p:cNvPr id="115" name="直線接點 114"/>
+          <p:cNvCxnSpPr/>
+          <p:nvPr/>
+        </p:nvCxnSpPr>
+        <p:spPr>
+          <a:xfrm>
+            <a:off x="5658174" y="3704118"/>
+            <a:ext cx="1038996" cy="0"/>
+          </a:xfrm>
+          <a:prstGeom prst="line">
+            <a:avLst/>
+          </a:prstGeom>
+          <a:ln w="19050">
+            <a:solidFill>
+              <a:schemeClr val="tx1"/>
+            </a:solidFill>
+          </a:ln>
+        </p:spPr>
+        <p:style>
+          <a:lnRef idx="1">
+            <a:schemeClr val="accent1"/>
+          </a:lnRef>
+          <a:fillRef idx="0">
+            <a:schemeClr val="accent1"/>
+          </a:fillRef>
+          <a:effectRef idx="0">
+            <a:schemeClr val="accent1"/>
+          </a:effectRef>
+          <a:fontRef idx="minor">
+            <a:schemeClr val="tx1"/>
+          </a:fontRef>
+        </p:style>
+      </p:cxnSp>
+      <p:cxnSp>
+        <p:nvCxnSpPr>
+          <p:cNvPr id="117" name="直線單箭頭接點 116"/>
+          <p:cNvCxnSpPr/>
+          <p:nvPr/>
+        </p:nvCxnSpPr>
+        <p:spPr>
+          <a:xfrm flipV="1">
+            <a:off x="5669014" y="3098151"/>
+            <a:ext cx="0" cy="611332"/>
+          </a:xfrm>
+          <a:prstGeom prst="straightConnector1">
+            <a:avLst/>
+          </a:prstGeom>
+          <a:ln w="19050">
+            <a:solidFill>
+              <a:schemeClr val="tx1"/>
+            </a:solidFill>
+            <a:tailEnd type="triangle"/>
+          </a:ln>
+        </p:spPr>
+        <p:style>
+          <a:lnRef idx="1">
+            <a:schemeClr val="accent1"/>
+          </a:lnRef>
+          <a:fillRef idx="0">
+            <a:schemeClr val="accent1"/>
+          </a:fillRef>
+          <a:effectRef idx="0">
+            <a:schemeClr val="accent1"/>
+          </a:effectRef>
+          <a:fontRef idx="minor">
+            <a:schemeClr val="tx1"/>
+          </a:fontRef>
+        </p:style>
+      </p:cxnSp>
+      <p:sp>
+        <p:nvSpPr>
+          <p:cNvPr id="120" name="文字方塊 119"/>
+          <p:cNvSpPr txBox="1"/>
+          <p:nvPr/>
+        </p:nvSpPr>
+        <p:spPr>
+          <a:xfrm>
+            <a:off x="2234931" y="2677900"/>
+            <a:ext cx="492443" cy="276999"/>
+          </a:xfrm>
+          <a:prstGeom prst="rect">
+            <a:avLst/>
+          </a:prstGeom>
+          <a:noFill/>
+          <a:ln>
+            <a:noFill/>
+          </a:ln>
+        </p:spPr>
+        <p:txBody>
+          <a:bodyPr wrap="none" rtlCol="0">
+            <a:spAutoFit/>
+          </a:bodyPr>
+          <a:lstStyle/>
+          <a:p>
+            <a:pPr algn="ctr"/>
+            <a:r>
+              <a:rPr lang="zh-TW" altLang="en-US" sz="1200" dirty="0" smtClean="0"/>
+              <a:t>取</a:t>
+            </a:r>
+            <a:r>
+              <a:rPr lang="zh-TW" altLang="en-US" sz="1200" dirty="0"/>
+              <a:t>消</a:t>
+            </a:r>
+            <a:endParaRPr lang="zh-TW" altLang="en-US" sz="1200" dirty="0"/>
+          </a:p>
+        </p:txBody>
+      </p:sp>
+      <p:cxnSp>
+        <p:nvCxnSpPr>
+          <p:cNvPr id="121" name="直線單箭頭接點 120"/>
+          <p:cNvCxnSpPr/>
+          <p:nvPr/>
+        </p:nvCxnSpPr>
+        <p:spPr>
+          <a:xfrm>
+            <a:off x="7257876" y="2539487"/>
+            <a:ext cx="0" cy="280673"/>
+          </a:xfrm>
+          <a:prstGeom prst="straightConnector1">
+            <a:avLst/>
+          </a:prstGeom>
+          <a:ln w="19050">
+            <a:solidFill>
+              <a:srgbClr val="FF0000"/>
+            </a:solidFill>
+            <a:tailEnd type="triangle"/>
+          </a:ln>
+        </p:spPr>
+        <p:style>
+          <a:lnRef idx="1">
+            <a:schemeClr val="accent1"/>
+          </a:lnRef>
+          <a:fillRef idx="0">
+            <a:schemeClr val="accent1"/>
+          </a:fillRef>
+          <a:effectRef idx="0">
+            <a:schemeClr val="accent1"/>
+          </a:effectRef>
+          <a:fontRef idx="minor">
+            <a:schemeClr val="tx1"/>
+          </a:fontRef>
+        </p:style>
+      </p:cxnSp>
+      <p:cxnSp>
+        <p:nvCxnSpPr>
+          <p:cNvPr id="128" name="直線單箭頭接點 127"/>
+          <p:cNvCxnSpPr/>
+          <p:nvPr/>
+        </p:nvCxnSpPr>
+        <p:spPr>
+          <a:xfrm flipH="1" flipV="1">
+            <a:off x="11699430" y="979606"/>
+            <a:ext cx="10669" cy="3330916"/>
+          </a:xfrm>
+          <a:prstGeom prst="straightConnector1">
+            <a:avLst/>
+          </a:prstGeom>
+          <a:ln w="19050">
+            <a:solidFill>
+              <a:schemeClr val="tx1"/>
+            </a:solidFill>
+            <a:tailEnd type="triangle"/>
+          </a:ln>
+        </p:spPr>
+        <p:style>
+          <a:lnRef idx="1">
+            <a:schemeClr val="accent1"/>
+          </a:lnRef>
+          <a:fillRef idx="0">
+            <a:schemeClr val="accent1"/>
+          </a:fillRef>
+          <a:effectRef idx="0">
+            <a:schemeClr val="accent1"/>
+          </a:effectRef>
+          <a:fontRef idx="minor">
+            <a:schemeClr val="tx1"/>
+          </a:fontRef>
+        </p:style>
+      </p:cxnSp>
+      <p:cxnSp>
+        <p:nvCxnSpPr>
+          <p:cNvPr id="133" name="直線單箭頭接點 132"/>
+          <p:cNvCxnSpPr/>
+          <p:nvPr/>
+        </p:nvCxnSpPr>
+        <p:spPr>
+          <a:xfrm>
+            <a:off x="7849857" y="4366742"/>
+            <a:ext cx="505701" cy="0"/>
+          </a:xfrm>
+          <a:prstGeom prst="straightConnector1">
+            <a:avLst/>
+          </a:prstGeom>
+          <a:ln w="19050">
+            <a:solidFill>
+              <a:srgbClr val="FF0000"/>
+            </a:solidFill>
+            <a:tailEnd type="triangle"/>
+          </a:ln>
+        </p:spPr>
+        <p:style>
+          <a:lnRef idx="1">
+            <a:schemeClr val="accent1"/>
+          </a:lnRef>
+          <a:fillRef idx="0">
+            <a:schemeClr val="accent1"/>
+          </a:fillRef>
+          <a:effectRef idx="0">
+            <a:schemeClr val="accent1"/>
+          </a:effectRef>
+          <a:fontRef idx="minor">
+            <a:schemeClr val="tx1"/>
+          </a:fontRef>
+        </p:style>
+      </p:cxnSp>
+      <p:sp>
+        <p:nvSpPr>
+          <p:cNvPr id="137" name="文字方塊 136"/>
+          <p:cNvSpPr txBox="1"/>
+          <p:nvPr/>
+        </p:nvSpPr>
+        <p:spPr>
+          <a:xfrm>
+            <a:off x="7912758" y="4055854"/>
+            <a:ext cx="338554" cy="276999"/>
+          </a:xfrm>
+          <a:prstGeom prst="rect">
+            <a:avLst/>
+          </a:prstGeom>
+          <a:noFill/>
+          <a:ln>
+            <a:noFill/>
+          </a:ln>
+        </p:spPr>
+        <p:txBody>
+          <a:bodyPr wrap="none" rtlCol="0">
+            <a:spAutoFit/>
+          </a:bodyPr>
+          <a:lstStyle/>
+          <a:p>
+            <a:pPr algn="ctr"/>
+            <a:r>
+              <a:rPr lang="zh-TW" altLang="en-US" sz="1200" dirty="0" smtClean="0"/>
+              <a:t>好</a:t>
+            </a:r>
+            <a:endParaRPr lang="zh-TW" altLang="en-US" sz="1200" dirty="0"/>
+          </a:p>
+        </p:txBody>
+      </p:sp>
+      <p:cxnSp>
+        <p:nvCxnSpPr>
+          <p:cNvPr id="139" name="直線單箭頭接點 138"/>
+          <p:cNvCxnSpPr/>
+          <p:nvPr/>
+        </p:nvCxnSpPr>
+        <p:spPr>
+          <a:xfrm>
+            <a:off x="7895555" y="787330"/>
+            <a:ext cx="2660974" cy="0"/>
+          </a:xfrm>
+          <a:prstGeom prst="straightConnector1">
+            <a:avLst/>
+          </a:prstGeom>
+          <a:ln w="19050">
+            <a:solidFill>
+              <a:schemeClr val="tx1"/>
+            </a:solidFill>
+            <a:tailEnd type="triangle"/>
+          </a:ln>
+        </p:spPr>
+        <p:style>
+          <a:lnRef idx="1">
+            <a:schemeClr val="accent1"/>
+          </a:lnRef>
+          <a:fillRef idx="0">
+            <a:schemeClr val="accent1"/>
+          </a:fillRef>
+          <a:effectRef idx="0">
+            <a:schemeClr val="accent1"/>
+          </a:effectRef>
+          <a:fontRef idx="minor">
+            <a:schemeClr val="tx1"/>
+          </a:fontRef>
+        </p:style>
+      </p:cxnSp>
+      <p:sp>
+        <p:nvSpPr>
+          <p:cNvPr id="144" name="文字方塊 143"/>
+          <p:cNvSpPr txBox="1"/>
+          <p:nvPr/>
+        </p:nvSpPr>
+        <p:spPr>
+          <a:xfrm>
+            <a:off x="3108635" y="4019758"/>
+            <a:ext cx="800219" cy="276999"/>
+          </a:xfrm>
+          <a:prstGeom prst="rect">
+            <a:avLst/>
+          </a:prstGeom>
+          <a:solidFill>
+            <a:schemeClr val="accent1">
+              <a:lumMod val="20000"/>
+              <a:lumOff val="80000"/>
+            </a:schemeClr>
+          </a:solidFill>
+          <a:ln>
+            <a:noFill/>
+          </a:ln>
+        </p:spPr>
+        <p:txBody>
+          <a:bodyPr wrap="none" rtlCol="0">
+            <a:spAutoFit/>
+          </a:bodyPr>
+          <a:lstStyle/>
+          <a:p>
+            <a:pPr algn="ctr"/>
+            <a:r>
+              <a:rPr lang="zh-TW" altLang="en-US" sz="1200" dirty="0" smtClean="0"/>
+              <a:t>填寫密</a:t>
+            </a:r>
+            <a:r>
+              <a:rPr lang="zh-TW" altLang="en-US" sz="1200" dirty="0"/>
+              <a:t>碼</a:t>
+            </a:r>
+            <a:endParaRPr lang="zh-TW" altLang="en-US" sz="1200" dirty="0"/>
+          </a:p>
+        </p:txBody>
+      </p:sp>
+      <p:sp>
+        <p:nvSpPr>
+          <p:cNvPr id="146" name="文字方塊 145"/>
+          <p:cNvSpPr txBox="1"/>
+          <p:nvPr/>
+        </p:nvSpPr>
+        <p:spPr>
+          <a:xfrm>
+            <a:off x="6516102" y="2152577"/>
+            <a:ext cx="1107997" cy="276999"/>
+          </a:xfrm>
+          <a:prstGeom prst="rect">
+            <a:avLst/>
+          </a:prstGeom>
+          <a:solidFill>
+            <a:schemeClr val="accent1">
+              <a:lumMod val="20000"/>
+              <a:lumOff val="80000"/>
+            </a:schemeClr>
+          </a:solidFill>
+          <a:ln>
+            <a:noFill/>
+          </a:ln>
+        </p:spPr>
+        <p:txBody>
+          <a:bodyPr wrap="none" rtlCol="0">
+            <a:spAutoFit/>
+          </a:bodyPr>
+          <a:lstStyle/>
+          <a:p>
+            <a:pPr algn="ctr"/>
+            <a:r>
+              <a:rPr lang="zh-TW" altLang="en-US" sz="1200" dirty="0" smtClean="0"/>
+              <a:t>選擇登入方式</a:t>
+            </a:r>
+            <a:endParaRPr lang="zh-TW" altLang="en-US" sz="1200" dirty="0"/>
+          </a:p>
+        </p:txBody>
+      </p:sp>
+      <p:sp>
+        <p:nvSpPr>
+          <p:cNvPr id="147" name="文字方塊 146"/>
+          <p:cNvSpPr txBox="1"/>
+          <p:nvPr/>
+        </p:nvSpPr>
+        <p:spPr>
+          <a:xfrm>
+            <a:off x="6592414" y="4398391"/>
+            <a:ext cx="800219" cy="276999"/>
+          </a:xfrm>
+          <a:prstGeom prst="rect">
+            <a:avLst/>
+          </a:prstGeom>
+          <a:solidFill>
+            <a:schemeClr val="accent1">
+              <a:lumMod val="20000"/>
+              <a:lumOff val="80000"/>
+            </a:schemeClr>
+          </a:solidFill>
+          <a:ln>
+            <a:noFill/>
+          </a:ln>
+        </p:spPr>
+        <p:txBody>
+          <a:bodyPr wrap="none" rtlCol="0">
+            <a:spAutoFit/>
+          </a:bodyPr>
+          <a:lstStyle/>
+          <a:p>
+            <a:pPr algn="ctr"/>
+            <a:r>
+              <a:rPr lang="zh-TW" altLang="en-US" sz="1200" dirty="0" smtClean="0"/>
+              <a:t>登入帳戶</a:t>
+            </a:r>
+            <a:endParaRPr lang="zh-TW" altLang="en-US" sz="1200" dirty="0"/>
+          </a:p>
+        </p:txBody>
+      </p:sp>
+      <p:sp>
+        <p:nvSpPr>
+          <p:cNvPr id="148" name="文字方塊 147"/>
+          <p:cNvSpPr txBox="1"/>
+          <p:nvPr/>
+        </p:nvSpPr>
+        <p:spPr>
+          <a:xfrm>
+            <a:off x="5236787" y="6256161"/>
+            <a:ext cx="800219" cy="276999"/>
+          </a:xfrm>
+          <a:prstGeom prst="rect">
+            <a:avLst/>
+          </a:prstGeom>
+          <a:solidFill>
+            <a:schemeClr val="accent1">
+              <a:lumMod val="60000"/>
+              <a:lumOff val="40000"/>
+            </a:schemeClr>
+          </a:solidFill>
+          <a:ln>
+            <a:noFill/>
+          </a:ln>
+        </p:spPr>
+        <p:txBody>
+          <a:bodyPr wrap="none" rtlCol="0">
+            <a:spAutoFit/>
+          </a:bodyPr>
+          <a:lstStyle/>
+          <a:p>
+            <a:pPr algn="ctr"/>
+            <a:r>
+              <a:rPr lang="zh-TW" altLang="en-US" sz="1200" dirty="0" smtClean="0"/>
+              <a:t>下載完成</a:t>
+            </a:r>
+            <a:endParaRPr lang="zh-TW" altLang="en-US" sz="1200" dirty="0"/>
+          </a:p>
+        </p:txBody>
+      </p:sp>
+      <p:sp>
+        <p:nvSpPr>
+          <p:cNvPr id="149" name="文字方塊 148"/>
+          <p:cNvSpPr txBox="1"/>
+          <p:nvPr/>
+        </p:nvSpPr>
+        <p:spPr>
+          <a:xfrm>
+            <a:off x="10253728" y="5235953"/>
+            <a:ext cx="870751" cy="276999"/>
+          </a:xfrm>
+          <a:prstGeom prst="rect">
+            <a:avLst/>
+          </a:prstGeom>
+          <a:solidFill>
+            <a:schemeClr val="accent1">
+              <a:lumMod val="20000"/>
+              <a:lumOff val="80000"/>
+            </a:schemeClr>
+          </a:solidFill>
+          <a:ln>
+            <a:noFill/>
+          </a:ln>
+        </p:spPr>
+        <p:txBody>
+          <a:bodyPr wrap="none" rtlCol="0">
+            <a:spAutoFit/>
+          </a:bodyPr>
+          <a:lstStyle/>
+          <a:p>
+            <a:pPr algn="ctr"/>
+            <a:r>
+              <a:rPr lang="zh-TW" altLang="en-US" sz="1200" dirty="0" smtClean="0"/>
+              <a:t>再試一次</a:t>
+            </a:r>
+            <a:r>
+              <a:rPr lang="en-US" altLang="zh-TW" sz="1200" dirty="0" smtClean="0"/>
+              <a:t>?</a:t>
+            </a:r>
+            <a:endParaRPr lang="zh-TW" altLang="en-US" sz="1200" dirty="0"/>
+          </a:p>
+        </p:txBody>
+      </p:sp>
     </p:spTree>
     <p:extLst>
       <p:ext uri="{BB962C8B-B14F-4D97-AF65-F5344CB8AC3E}">
-        <p14:creationId xmlns:p14="http://schemas.microsoft.com/office/powerpoint/2010/main" val="1954146999"/>
+        <p14:creationId xmlns:p14="http://schemas.microsoft.com/office/powerpoint/2010/main" val="871322479"/>
       </p:ext>
     </p:extLst>
   </p:cSld>
   <p:clrMapOvr>
     <a:masterClrMapping/>
   </p:clrMapOvr>
-  <p:timing>
-    <p:tnLst>
-      <p:par>
-        <p:cTn id="1" dur="indefinite" restart="never" nodeType="tmRoot"/>
-      </p:par>
-    </p:tnLst>
-  </p:timing>
 </p:sld>
 </file>
 
@@ -12287,4 +13163,265 @@
     </a:ext>
   </a:extLst>
 </a:theme>
+</file>
+
+<file path=ppt/theme/theme2.xml><?xml version="1.0" encoding="utf-8"?>
+<a:theme xmlns:a="http://schemas.openxmlformats.org/drawingml/2006/main" name="Office 佈景主題">
+  <a:themeElements>
+    <a:clrScheme name="Office">
+      <a:dk1>
+        <a:sysClr val="windowText" lastClr="000000"/>
+      </a:dk1>
+      <a:lt1>
+        <a:sysClr val="window" lastClr="FFFFFF"/>
+      </a:lt1>
+      <a:dk2>
+        <a:srgbClr val="44546A"/>
+      </a:dk2>
+      <a:lt2>
+        <a:srgbClr val="E7E6E6"/>
+      </a:lt2>
+      <a:accent1>
+        <a:srgbClr val="5B9BD5"/>
+      </a:accent1>
+      <a:accent2>
+        <a:srgbClr val="ED7D31"/>
+      </a:accent2>
+      <a:accent3>
+        <a:srgbClr val="A5A5A5"/>
+      </a:accent3>
+      <a:accent4>
+        <a:srgbClr val="FFC000"/>
+      </a:accent4>
+      <a:accent5>
+        <a:srgbClr val="4472C4"/>
+      </a:accent5>
+      <a:accent6>
+        <a:srgbClr val="70AD47"/>
+      </a:accent6>
+      <a:hlink>
+        <a:srgbClr val="0563C1"/>
+      </a:hlink>
+      <a:folHlink>
+        <a:srgbClr val="954F72"/>
+      </a:folHlink>
+    </a:clrScheme>
+    <a:fontScheme name="Office">
+      <a:majorFont>
+        <a:latin typeface="Calibri Light" panose="020F0302020204030204"/>
+        <a:ea typeface=""/>
+        <a:cs typeface=""/>
+        <a:font script="Jpan" typeface="ＭＳ Ｐゴシック"/>
+        <a:font script="Hang" typeface="맑은 고딕"/>
+        <a:font script="Hans" typeface="宋体"/>
+        <a:font script="Hant" typeface="新細明體"/>
+        <a:font script="Arab" typeface="Times New Roman"/>
+        <a:font script="Hebr" typeface="Times New Roman"/>
+        <a:font script="Thai" typeface="Angsana New"/>
+        <a:font script="Ethi" typeface="Nyala"/>
+        <a:font script="Beng" typeface="Vrinda"/>
+        <a:font script="Gujr" typeface="Shruti"/>
+        <a:font script="Khmr" typeface="MoolBoran"/>
+        <a:font script="Knda" typeface="Tunga"/>
+        <a:font script="Guru" typeface="Raavi"/>
+        <a:font script="Cans" typeface="Euphemia"/>
+        <a:font script="Cher" typeface="Plantagenet Cherokee"/>
+        <a:font script="Yiii" typeface="Microsoft Yi Baiti"/>
+        <a:font script="Tibt" typeface="Microsoft Himalaya"/>
+        <a:font script="Thaa" typeface="MV Boli"/>
+        <a:font script="Deva" typeface="Mangal"/>
+        <a:font script="Telu" typeface="Gautami"/>
+        <a:font script="Taml" typeface="Latha"/>
+        <a:font script="Syrc" typeface="Estrangelo Edessa"/>
+        <a:font script="Orya" typeface="Kalinga"/>
+        <a:font script="Mlym" typeface="Kartika"/>
+        <a:font script="Laoo" typeface="DokChampa"/>
+        <a:font script="Sinh" typeface="Iskoola Pota"/>
+        <a:font script="Mong" typeface="Mongolian Baiti"/>
+        <a:font script="Viet" typeface="Times New Roman"/>
+        <a:font script="Uigh" typeface="Microsoft Uighur"/>
+        <a:font script="Geor" typeface="Sylfaen"/>
+      </a:majorFont>
+      <a:minorFont>
+        <a:latin typeface="Calibri" panose="020F0502020204030204"/>
+        <a:ea typeface=""/>
+        <a:cs typeface=""/>
+        <a:font script="Jpan" typeface="ＭＳ Ｐゴシック"/>
+        <a:font script="Hang" typeface="맑은 고딕"/>
+        <a:font script="Hans" typeface="宋体"/>
+        <a:font script="Hant" typeface="新細明體"/>
+        <a:font script="Arab" typeface="Arial"/>
+        <a:font script="Hebr" typeface="Arial"/>
+        <a:font script="Thai" typeface="Cordia New"/>
+        <a:font script="Ethi" typeface="Nyala"/>
+        <a:font script="Beng" typeface="Vrinda"/>
+        <a:font script="Gujr" typeface="Shruti"/>
+        <a:font script="Khmr" typeface="DaunPenh"/>
+        <a:font script="Knda" typeface="Tunga"/>
+        <a:font script="Guru" typeface="Raavi"/>
+        <a:font script="Cans" typeface="Euphemia"/>
+        <a:font script="Cher" typeface="Plantagenet Cherokee"/>
+        <a:font script="Yiii" typeface="Microsoft Yi Baiti"/>
+        <a:font script="Tibt" typeface="Microsoft Himalaya"/>
+        <a:font script="Thaa" typeface="MV Boli"/>
+        <a:font script="Deva" typeface="Mangal"/>
+        <a:font script="Telu" typeface="Gautami"/>
+        <a:font script="Taml" typeface="Latha"/>
+        <a:font script="Syrc" typeface="Estrangelo Edessa"/>
+        <a:font script="Orya" typeface="Kalinga"/>
+        <a:font script="Mlym" typeface="Kartika"/>
+        <a:font script="Laoo" typeface="DokChampa"/>
+        <a:font script="Sinh" typeface="Iskoola Pota"/>
+        <a:font script="Mong" typeface="Mongolian Baiti"/>
+        <a:font script="Viet" typeface="Arial"/>
+        <a:font script="Uigh" typeface="Microsoft Uighur"/>
+        <a:font script="Geor" typeface="Sylfaen"/>
+      </a:minorFont>
+    </a:fontScheme>
+    <a:fmtScheme name="Office">
+      <a:fillStyleLst>
+        <a:solidFill>
+          <a:schemeClr val="phClr"/>
+        </a:solidFill>
+        <a:gradFill rotWithShape="1">
+          <a:gsLst>
+            <a:gs pos="0">
+              <a:schemeClr val="phClr">
+                <a:lumMod val="110000"/>
+                <a:satMod val="105000"/>
+                <a:tint val="67000"/>
+              </a:schemeClr>
+            </a:gs>
+            <a:gs pos="50000">
+              <a:schemeClr val="phClr">
+                <a:lumMod val="105000"/>
+                <a:satMod val="103000"/>
+                <a:tint val="73000"/>
+              </a:schemeClr>
+            </a:gs>
+            <a:gs pos="100000">
+              <a:schemeClr val="phClr">
+                <a:lumMod val="105000"/>
+                <a:satMod val="109000"/>
+                <a:tint val="81000"/>
+              </a:schemeClr>
+            </a:gs>
+          </a:gsLst>
+          <a:lin ang="5400000" scaled="0"/>
+        </a:gradFill>
+        <a:gradFill rotWithShape="1">
+          <a:gsLst>
+            <a:gs pos="0">
+              <a:schemeClr val="phClr">
+                <a:satMod val="103000"/>
+                <a:lumMod val="102000"/>
+                <a:tint val="94000"/>
+              </a:schemeClr>
+            </a:gs>
+            <a:gs pos="50000">
+              <a:schemeClr val="phClr">
+                <a:satMod val="110000"/>
+                <a:lumMod val="100000"/>
+                <a:shade val="100000"/>
+              </a:schemeClr>
+            </a:gs>
+            <a:gs pos="100000">
+              <a:schemeClr val="phClr">
+                <a:lumMod val="99000"/>
+                <a:satMod val="120000"/>
+                <a:shade val="78000"/>
+              </a:schemeClr>
+            </a:gs>
+          </a:gsLst>
+          <a:lin ang="5400000" scaled="0"/>
+        </a:gradFill>
+      </a:fillStyleLst>
+      <a:lnStyleLst>
+        <a:ln w="6350" cap="flat" cmpd="sng" algn="ctr">
+          <a:solidFill>
+            <a:schemeClr val="phClr"/>
+          </a:solidFill>
+          <a:prstDash val="solid"/>
+          <a:miter lim="800000"/>
+        </a:ln>
+        <a:ln w="12700" cap="flat" cmpd="sng" algn="ctr">
+          <a:solidFill>
+            <a:schemeClr val="phClr"/>
+          </a:solidFill>
+          <a:prstDash val="solid"/>
+          <a:miter lim="800000"/>
+        </a:ln>
+        <a:ln w="19050" cap="flat" cmpd="sng" algn="ctr">
+          <a:solidFill>
+            <a:schemeClr val="phClr"/>
+          </a:solidFill>
+          <a:prstDash val="solid"/>
+          <a:miter lim="800000"/>
+        </a:ln>
+      </a:lnStyleLst>
+      <a:effectStyleLst>
+        <a:effectStyle>
+          <a:effectLst/>
+        </a:effectStyle>
+        <a:effectStyle>
+          <a:effectLst/>
+        </a:effectStyle>
+        <a:effectStyle>
+          <a:effectLst>
+            <a:outerShdw blurRad="57150" dist="19050" dir="5400000" algn="ctr" rotWithShape="0">
+              <a:srgbClr val="000000">
+                <a:alpha val="63000"/>
+              </a:srgbClr>
+            </a:outerShdw>
+          </a:effectLst>
+        </a:effectStyle>
+      </a:effectStyleLst>
+      <a:bgFillStyleLst>
+        <a:solidFill>
+          <a:schemeClr val="phClr"/>
+        </a:solidFill>
+        <a:solidFill>
+          <a:schemeClr val="phClr">
+            <a:tint val="95000"/>
+            <a:satMod val="170000"/>
+          </a:schemeClr>
+        </a:solidFill>
+        <a:gradFill rotWithShape="1">
+          <a:gsLst>
+            <a:gs pos="0">
+              <a:schemeClr val="phClr">
+                <a:tint val="93000"/>
+                <a:satMod val="150000"/>
+                <a:shade val="98000"/>
+                <a:lumMod val="102000"/>
+              </a:schemeClr>
+            </a:gs>
+            <a:gs pos="50000">
+              <a:schemeClr val="phClr">
+                <a:tint val="98000"/>
+                <a:satMod val="130000"/>
+                <a:shade val="90000"/>
+                <a:lumMod val="103000"/>
+              </a:schemeClr>
+            </a:gs>
+            <a:gs pos="100000">
+              <a:schemeClr val="phClr">
+                <a:shade val="63000"/>
+                <a:satMod val="120000"/>
+              </a:schemeClr>
+            </a:gs>
+          </a:gsLst>
+          <a:lin ang="5400000" scaled="0"/>
+        </a:gradFill>
+      </a:bgFillStyleLst>
+    </a:fmtScheme>
+  </a:themeElements>
+  <a:objectDefaults/>
+  <a:extraClrSchemeLst/>
+  <a:extLst>
+    <a:ext uri="{05A4C25C-085E-4340-85A3-A5531E510DB2}">
+      <thm15:themeFamily xmlns:thm15="http://schemas.microsoft.com/office/thememl/2012/main" name="Office Theme" id="{62F939B6-93AF-4DB8-9C6B-D6C7DFDC589F}" vid="{4A3C46E8-61CC-4603-A589-7422A47A8E4A}"/>
+    </a:ext>
+  </a:extLst>
+</a:theme>
 </file>
--- a/wk6/ios設計.pptx
+++ b/wk6/ios設計.pptx
@@ -7469,7 +7469,7 @@
         </p:blipFill>
         <p:spPr>
           <a:xfrm>
-            <a:off x="7030227" y="1187127"/>
+            <a:off x="7149643" y="1120676"/>
             <a:ext cx="1010381" cy="2004809"/>
           </a:xfrm>
           <a:prstGeom prst="rect">
@@ -7485,8 +7485,8 @@
         </p:nvCxnSpPr>
         <p:spPr>
           <a:xfrm>
-            <a:off x="2992078" y="2211957"/>
-            <a:ext cx="988248" cy="0"/>
+            <a:off x="3191954" y="2145506"/>
+            <a:ext cx="872419" cy="0"/>
           </a:xfrm>
           <a:prstGeom prst="straightConnector1">
             <a:avLst/>
@@ -7521,8 +7521,8 @@
         </p:nvCxnSpPr>
         <p:spPr>
           <a:xfrm>
-            <a:off x="7853311" y="2198704"/>
-            <a:ext cx="829521" cy="0"/>
+            <a:off x="8209995" y="2094677"/>
+            <a:ext cx="549942" cy="0"/>
           </a:xfrm>
           <a:prstGeom prst="straightConnector1">
             <a:avLst/>
@@ -7571,7 +7571,7 @@
         </p:blipFill>
         <p:spPr>
           <a:xfrm>
-            <a:off x="2061410" y="1208995"/>
+            <a:off x="2157451" y="1040512"/>
             <a:ext cx="999360" cy="1982941"/>
           </a:xfrm>
           <a:prstGeom prst="rect">
@@ -7587,7 +7587,7 @@
         </p:nvSpPr>
         <p:spPr>
           <a:xfrm>
-            <a:off x="179519" y="2036229"/>
+            <a:off x="151885" y="2008845"/>
             <a:ext cx="1505862" cy="340519"/>
           </a:xfrm>
           <a:prstGeom prst="roundRect">
@@ -7628,7 +7628,7 @@
         </p:nvSpPr>
         <p:spPr>
           <a:xfrm>
-            <a:off x="3986522" y="2033546"/>
+            <a:off x="4105938" y="1967095"/>
             <a:ext cx="902811" cy="307777"/>
           </a:xfrm>
           <a:prstGeom prst="rect">
@@ -7664,7 +7664,7 @@
         </p:nvSpPr>
         <p:spPr>
           <a:xfrm>
-            <a:off x="4408801" y="1854342"/>
+            <a:off x="4528217" y="1787891"/>
             <a:ext cx="1505862" cy="276999"/>
           </a:xfrm>
           <a:prstGeom prst="rect">
@@ -7698,7 +7698,7 @@
         </p:nvSpPr>
         <p:spPr>
           <a:xfrm>
-            <a:off x="5497248" y="2031044"/>
+            <a:off x="5616664" y="1964593"/>
             <a:ext cx="902811" cy="307777"/>
           </a:xfrm>
           <a:prstGeom prst="rect">
@@ -7734,7 +7734,7 @@
         </p:nvSpPr>
         <p:spPr>
           <a:xfrm>
-            <a:off x="5927487" y="1864534"/>
+            <a:off x="6046903" y="1798083"/>
             <a:ext cx="1505862" cy="276999"/>
           </a:xfrm>
           <a:prstGeom prst="rect">
@@ -7768,7 +7768,7 @@
         </p:nvSpPr>
         <p:spPr>
           <a:xfrm>
-            <a:off x="4349416" y="646199"/>
+            <a:off x="4468832" y="579748"/>
             <a:ext cx="1505862" cy="276999"/>
           </a:xfrm>
           <a:prstGeom prst="rect">
@@ -7802,7 +7802,7 @@
         </p:nvSpPr>
         <p:spPr>
           <a:xfrm>
-            <a:off x="7540298" y="1858389"/>
+            <a:off x="7756902" y="1751278"/>
             <a:ext cx="1505862" cy="276999"/>
           </a:xfrm>
           <a:prstGeom prst="rect">
@@ -7836,8 +7836,8 @@
         </p:nvSpPr>
         <p:spPr>
           <a:xfrm>
-            <a:off x="3390271" y="2659349"/>
-            <a:ext cx="1505862" cy="307777"/>
+            <a:off x="3540504" y="2458720"/>
+            <a:ext cx="1505862" cy="276999"/>
           </a:xfrm>
           <a:prstGeom prst="rect">
             <a:avLst/>
@@ -7855,43 +7855,6 @@
           <a:p>
             <a:pPr algn="ctr"/>
             <a:r>
-              <a:rPr lang="zh-TW" altLang="en-US" sz="1400" dirty="0" smtClean="0"/>
-              <a:t>取</a:t>
-            </a:r>
-            <a:r>
-              <a:rPr lang="zh-TW" altLang="en-US" sz="1400" dirty="0"/>
-              <a:t>消</a:t>
-            </a:r>
-          </a:p>
-        </p:txBody>
-      </p:sp>
-      <p:sp>
-        <p:nvSpPr>
-          <p:cNvPr id="12" name="文字方塊 11"/>
-          <p:cNvSpPr txBox="1"/>
-          <p:nvPr/>
-        </p:nvSpPr>
-        <p:spPr>
-          <a:xfrm>
-            <a:off x="9530529" y="1760094"/>
-            <a:ext cx="1505862" cy="276999"/>
-          </a:xfrm>
-          <a:prstGeom prst="rect">
-            <a:avLst/>
-          </a:prstGeom>
-          <a:noFill/>
-          <a:ln>
-            <a:noFill/>
-          </a:ln>
-        </p:spPr>
-        <p:txBody>
-          <a:bodyPr wrap="square" rtlCol="0">
-            <a:spAutoFit/>
-          </a:bodyPr>
-          <a:lstStyle/>
-          <a:p>
-            <a:pPr algn="ctr"/>
-            <a:r>
               <a:rPr lang="zh-TW" altLang="en-US" sz="1200" dirty="0" smtClean="0"/>
               <a:t>取</a:t>
             </a:r>
@@ -7910,7 +7873,7 @@
         </p:nvSpPr>
         <p:spPr>
           <a:xfrm>
-            <a:off x="8705963" y="1992841"/>
+            <a:off x="8825379" y="1926390"/>
             <a:ext cx="902811" cy="307777"/>
           </a:xfrm>
           <a:prstGeom prst="rect">
@@ -7938,16 +7901,52 @@
           </a:p>
         </p:txBody>
       </p:sp>
-      <p:sp>
-        <p:nvSpPr>
-          <p:cNvPr id="14" name="文字方塊 13"/>
+      <p:cxnSp>
+        <p:nvCxnSpPr>
+          <p:cNvPr id="30" name="直線單箭頭接點 29"/>
+          <p:cNvCxnSpPr/>
+          <p:nvPr/>
+        </p:nvCxnSpPr>
+        <p:spPr>
+          <a:xfrm flipV="1">
+            <a:off x="6299924" y="2326312"/>
+            <a:ext cx="0" cy="1120287"/>
+          </a:xfrm>
+          <a:prstGeom prst="straightConnector1">
+            <a:avLst/>
+          </a:prstGeom>
+          <a:ln w="19050">
+            <a:solidFill>
+              <a:schemeClr val="tx1"/>
+            </a:solidFill>
+            <a:tailEnd type="triangle"/>
+          </a:ln>
+        </p:spPr>
+        <p:style>
+          <a:lnRef idx="1">
+            <a:schemeClr val="accent1"/>
+          </a:lnRef>
+          <a:fillRef idx="0">
+            <a:schemeClr val="accent1"/>
+          </a:fillRef>
+          <a:effectRef idx="0">
+            <a:schemeClr val="accent1"/>
+          </a:effectRef>
+          <a:fontRef idx="minor">
+            <a:schemeClr val="tx1"/>
+          </a:fontRef>
+        </p:style>
+      </p:cxnSp>
+      <p:sp>
+        <p:nvSpPr>
+          <p:cNvPr id="51" name="文字方塊 50"/>
           <p:cNvSpPr txBox="1"/>
           <p:nvPr/>
         </p:nvSpPr>
         <p:spPr>
           <a:xfrm>
-            <a:off x="9043835" y="2420139"/>
-            <a:ext cx="973387" cy="276999"/>
+            <a:off x="4946053" y="2494800"/>
+            <a:ext cx="1505862" cy="276999"/>
           </a:xfrm>
           <a:prstGeom prst="rect">
             <a:avLst/>
@@ -7966,24 +7965,27 @@
             <a:pPr algn="ctr"/>
             <a:r>
               <a:rPr lang="zh-TW" altLang="en-US" sz="1200" dirty="0" smtClean="0"/>
-              <a:t>下一步 </a:t>
-            </a:r>
-            <a:endParaRPr lang="zh-TW" altLang="en-US" sz="1200" dirty="0"/>
-          </a:p>
-        </p:txBody>
-      </p:sp>
-      <p:sp>
-        <p:nvSpPr>
-          <p:cNvPr id="15" name="文字方塊 14"/>
+              <a:t>取</a:t>
+            </a:r>
+            <a:r>
+              <a:rPr lang="zh-TW" altLang="en-US" sz="1200" dirty="0"/>
+              <a:t>消</a:t>
+            </a:r>
+          </a:p>
+        </p:txBody>
+      </p:sp>
+      <p:sp>
+        <p:nvSpPr>
+          <p:cNvPr id="57" name="文字方塊 56"/>
           <p:cNvSpPr txBox="1"/>
           <p:nvPr/>
         </p:nvSpPr>
         <p:spPr>
           <a:xfrm>
-            <a:off x="8230167" y="2796849"/>
-            <a:ext cx="1958982" cy="611386"/>
-          </a:xfrm>
-          <a:prstGeom prst="flowChartDecision">
+            <a:off x="4707295" y="6370667"/>
+            <a:ext cx="1237111" cy="307777"/>
+          </a:xfrm>
+          <a:prstGeom prst="rect">
             <a:avLst/>
           </a:prstGeom>
           <a:noFill/>
@@ -7994,36 +7996,930 @@
           </a:ln>
         </p:spPr>
         <p:txBody>
+          <a:bodyPr wrap="square" rtlCol="0">
+            <a:spAutoFit/>
+          </a:bodyPr>
+          <a:lstStyle/>
+          <a:p>
+            <a:pPr algn="ctr"/>
+            <a:r>
+              <a:rPr lang="zh-TW" altLang="en-US" sz="1400" dirty="0" smtClean="0"/>
+              <a:t>回原來</a:t>
+            </a:r>
+            <a:r>
+              <a:rPr lang="zh-TW" altLang="en-US" sz="1400" dirty="0"/>
+              <a:t>畫面</a:t>
+            </a:r>
+          </a:p>
+        </p:txBody>
+      </p:sp>
+      <p:sp>
+        <p:nvSpPr>
+          <p:cNvPr id="58" name="文字方塊 57"/>
+          <p:cNvSpPr txBox="1"/>
+          <p:nvPr/>
+        </p:nvSpPr>
+        <p:spPr>
+          <a:xfrm>
+            <a:off x="261635" y="796326"/>
+            <a:ext cx="1470274" cy="523220"/>
+          </a:xfrm>
+          <a:prstGeom prst="rect">
+            <a:avLst/>
+          </a:prstGeom>
+          <a:noFill/>
+        </p:spPr>
+        <p:txBody>
           <a:bodyPr wrap="none" rtlCol="0">
             <a:spAutoFit/>
           </a:bodyPr>
           <a:lstStyle/>
           <a:p>
+            <a:r>
+              <a:rPr lang="en-US" altLang="zh-TW" sz="2800" dirty="0" smtClean="0"/>
+              <a:t>3-1.</a:t>
+            </a:r>
+            <a:r>
+              <a:rPr lang="zh-TW" altLang="en-US" sz="2800" dirty="0"/>
+              <a:t>註冊</a:t>
+            </a:r>
+          </a:p>
+        </p:txBody>
+      </p:sp>
+      <p:sp>
+        <p:nvSpPr>
+          <p:cNvPr id="63" name="文字方塊 62"/>
+          <p:cNvSpPr txBox="1"/>
+          <p:nvPr/>
+        </p:nvSpPr>
+        <p:spPr>
+          <a:xfrm>
+            <a:off x="255684" y="197333"/>
+            <a:ext cx="2254143" cy="523220"/>
+          </a:xfrm>
+          <a:prstGeom prst="rect">
+            <a:avLst/>
+          </a:prstGeom>
+          <a:noFill/>
+        </p:spPr>
+        <p:txBody>
+          <a:bodyPr wrap="none" rtlCol="0">
+            <a:spAutoFit/>
+          </a:bodyPr>
+          <a:lstStyle/>
+          <a:p>
+            <a:r>
+              <a:rPr lang="en-US" altLang="zh-TW" sz="2800" dirty="0" smtClean="0"/>
+              <a:t>3.</a:t>
+            </a:r>
+            <a:r>
+              <a:rPr lang="zh-TW" altLang="en-US" sz="2800" dirty="0" smtClean="0"/>
+              <a:t>功能流程</a:t>
+            </a:r>
+            <a:r>
+              <a:rPr lang="zh-TW" altLang="en-US" sz="2800" dirty="0"/>
+              <a:t>圖</a:t>
+            </a:r>
+          </a:p>
+        </p:txBody>
+      </p:sp>
+      <p:sp>
+        <p:nvSpPr>
+          <p:cNvPr id="54" name="文字方塊 53"/>
+          <p:cNvSpPr txBox="1"/>
+          <p:nvPr/>
+        </p:nvSpPr>
+        <p:spPr>
+          <a:xfrm>
+            <a:off x="3160401" y="1758185"/>
+            <a:ext cx="1023036" cy="276999"/>
+          </a:xfrm>
+          <a:prstGeom prst="rect">
+            <a:avLst/>
+          </a:prstGeom>
+          <a:noFill/>
+          <a:ln>
+            <a:noFill/>
+          </a:ln>
+        </p:spPr>
+        <p:txBody>
+          <a:bodyPr wrap="none" rtlCol="0">
+            <a:spAutoFit/>
+          </a:bodyPr>
+          <a:lstStyle/>
+          <a:p>
             <a:pPr algn="ctr"/>
             <a:r>
-              <a:rPr lang="zh-TW" altLang="en-US" sz="1400" dirty="0" smtClean="0"/>
-              <a:t>填寫完成</a:t>
-            </a:r>
-            <a:r>
-              <a:rPr lang="en-US" altLang="zh-TW" sz="1400" dirty="0" smtClean="0"/>
-              <a:t>?</a:t>
-            </a:r>
-            <a:endParaRPr lang="zh-TW" altLang="en-US" sz="1400" dirty="0"/>
-          </a:p>
-        </p:txBody>
-      </p:sp>
-      <p:sp>
-        <p:nvSpPr>
-          <p:cNvPr id="16" name="文字方塊 15"/>
+              <a:rPr lang="zh-TW" altLang="en-US" sz="1200" dirty="0" smtClean="0"/>
+              <a:t>新增</a:t>
+            </a:r>
+            <a:r>
+              <a:rPr lang="en-US" altLang="zh-TW" sz="1200" dirty="0" smtClean="0"/>
+              <a:t>Apple</a:t>
+            </a:r>
+            <a:r>
+              <a:rPr lang="zh-TW" altLang="en-US" sz="1200" dirty="0"/>
+              <a:t> </a:t>
+            </a:r>
+            <a:r>
+              <a:rPr lang="en-US" altLang="zh-TW" sz="1200" dirty="0" smtClean="0"/>
+              <a:t>I</a:t>
+            </a:r>
+            <a:r>
+              <a:rPr lang="en-US" altLang="zh-TW" sz="1200" dirty="0"/>
+              <a:t>D</a:t>
+            </a:r>
+            <a:endParaRPr lang="zh-TW" altLang="en-US" sz="1200" dirty="0"/>
+          </a:p>
+        </p:txBody>
+      </p:sp>
+      <p:cxnSp>
+        <p:nvCxnSpPr>
+          <p:cNvPr id="128" name="直線單箭頭接點 127"/>
+          <p:cNvCxnSpPr/>
+          <p:nvPr/>
+        </p:nvCxnSpPr>
+        <p:spPr>
+          <a:xfrm>
+            <a:off x="1731909" y="2131517"/>
+            <a:ext cx="382228" cy="0"/>
+          </a:xfrm>
+          <a:prstGeom prst="straightConnector1">
+            <a:avLst/>
+          </a:prstGeom>
+          <a:ln w="19050">
+            <a:solidFill>
+              <a:srgbClr val="FF0000"/>
+            </a:solidFill>
+            <a:tailEnd type="triangle"/>
+          </a:ln>
+        </p:spPr>
+        <p:style>
+          <a:lnRef idx="1">
+            <a:schemeClr val="accent1"/>
+          </a:lnRef>
+          <a:fillRef idx="0">
+            <a:schemeClr val="accent1"/>
+          </a:fillRef>
+          <a:effectRef idx="0">
+            <a:schemeClr val="accent1"/>
+          </a:effectRef>
+          <a:fontRef idx="minor">
+            <a:schemeClr val="tx1"/>
+          </a:fontRef>
+        </p:style>
+      </p:cxnSp>
+      <p:cxnSp>
+        <p:nvCxnSpPr>
+          <p:cNvPr id="133" name="直線單箭頭接點 132"/>
+          <p:cNvCxnSpPr/>
+          <p:nvPr/>
+        </p:nvCxnSpPr>
+        <p:spPr>
+          <a:xfrm>
+            <a:off x="5060221" y="2145506"/>
+            <a:ext cx="528828" cy="0"/>
+          </a:xfrm>
+          <a:prstGeom prst="straightConnector1">
+            <a:avLst/>
+          </a:prstGeom>
+          <a:ln w="19050">
+            <a:solidFill>
+              <a:srgbClr val="FF0000"/>
+            </a:solidFill>
+            <a:tailEnd type="triangle"/>
+          </a:ln>
+        </p:spPr>
+        <p:style>
+          <a:lnRef idx="1">
+            <a:schemeClr val="accent1"/>
+          </a:lnRef>
+          <a:fillRef idx="0">
+            <a:schemeClr val="accent1"/>
+          </a:fillRef>
+          <a:effectRef idx="0">
+            <a:schemeClr val="accent1"/>
+          </a:effectRef>
+          <a:fontRef idx="minor">
+            <a:schemeClr val="tx1"/>
+          </a:fontRef>
+        </p:style>
+      </p:cxnSp>
+      <p:cxnSp>
+        <p:nvCxnSpPr>
+          <p:cNvPr id="138" name="直線單箭頭接點 137"/>
+          <p:cNvCxnSpPr/>
+          <p:nvPr/>
+        </p:nvCxnSpPr>
+        <p:spPr>
+          <a:xfrm>
+            <a:off x="6593612" y="2145506"/>
+            <a:ext cx="485613" cy="0"/>
+          </a:xfrm>
+          <a:prstGeom prst="straightConnector1">
+            <a:avLst/>
+          </a:prstGeom>
+          <a:ln w="19050">
+            <a:solidFill>
+              <a:srgbClr val="FF0000"/>
+            </a:solidFill>
+            <a:tailEnd type="triangle"/>
+          </a:ln>
+        </p:spPr>
+        <p:style>
+          <a:lnRef idx="1">
+            <a:schemeClr val="accent1"/>
+          </a:lnRef>
+          <a:fillRef idx="0">
+            <a:schemeClr val="accent1"/>
+          </a:fillRef>
+          <a:effectRef idx="0">
+            <a:schemeClr val="accent1"/>
+          </a:effectRef>
+          <a:fontRef idx="minor">
+            <a:schemeClr val="tx1"/>
+          </a:fontRef>
+        </p:style>
+      </p:cxnSp>
+      <p:sp>
+        <p:nvSpPr>
+          <p:cNvPr id="155" name="文字方塊 154"/>
           <p:cNvSpPr txBox="1"/>
           <p:nvPr/>
         </p:nvSpPr>
         <p:spPr>
           <a:xfrm>
-            <a:off x="8583877" y="3805663"/>
-            <a:ext cx="1261884" cy="307777"/>
-          </a:xfrm>
-          <a:prstGeom prst="rect">
+            <a:off x="7711062" y="3194725"/>
+            <a:ext cx="541244" cy="276999"/>
+          </a:xfrm>
+          <a:prstGeom prst="rect">
+            <a:avLst/>
+          </a:prstGeom>
+          <a:noFill/>
+          <a:ln>
+            <a:noFill/>
+          </a:ln>
+        </p:spPr>
+        <p:txBody>
+          <a:bodyPr wrap="square" rtlCol="0">
+            <a:spAutoFit/>
+          </a:bodyPr>
+          <a:lstStyle/>
+          <a:p>
+            <a:pPr algn="ctr"/>
+            <a:r>
+              <a:rPr lang="zh-TW" altLang="en-US" sz="1200" dirty="0" smtClean="0"/>
+              <a:t>取</a:t>
+            </a:r>
+            <a:r>
+              <a:rPr lang="zh-TW" altLang="en-US" sz="1200" dirty="0"/>
+              <a:t>消</a:t>
+            </a:r>
+          </a:p>
+        </p:txBody>
+      </p:sp>
+      <p:cxnSp>
+        <p:nvCxnSpPr>
+          <p:cNvPr id="164" name="直線單箭頭接點 163"/>
+          <p:cNvCxnSpPr/>
+          <p:nvPr/>
+        </p:nvCxnSpPr>
+        <p:spPr>
+          <a:xfrm>
+            <a:off x="5267896" y="3454505"/>
+            <a:ext cx="0" cy="351051"/>
+          </a:xfrm>
+          <a:prstGeom prst="straightConnector1">
+            <a:avLst/>
+          </a:prstGeom>
+          <a:ln w="19050">
+            <a:solidFill>
+              <a:schemeClr val="tx1"/>
+            </a:solidFill>
+            <a:tailEnd type="triangle"/>
+          </a:ln>
+        </p:spPr>
+        <p:style>
+          <a:lnRef idx="1">
+            <a:schemeClr val="accent1"/>
+          </a:lnRef>
+          <a:fillRef idx="0">
+            <a:schemeClr val="accent1"/>
+          </a:fillRef>
+          <a:effectRef idx="0">
+            <a:schemeClr val="accent1"/>
+          </a:effectRef>
+          <a:fontRef idx="minor">
+            <a:schemeClr val="tx1"/>
+          </a:fontRef>
+        </p:style>
+      </p:cxnSp>
+      <p:cxnSp>
+        <p:nvCxnSpPr>
+          <p:cNvPr id="165" name="直線單箭頭接點 164"/>
+          <p:cNvCxnSpPr/>
+          <p:nvPr/>
+        </p:nvCxnSpPr>
+        <p:spPr>
+          <a:xfrm>
+            <a:off x="5320474" y="5914974"/>
+            <a:ext cx="0" cy="395859"/>
+          </a:xfrm>
+          <a:prstGeom prst="straightConnector1">
+            <a:avLst/>
+          </a:prstGeom>
+          <a:ln w="19050">
+            <a:solidFill>
+              <a:schemeClr val="tx1"/>
+            </a:solidFill>
+            <a:tailEnd type="triangle"/>
+          </a:ln>
+        </p:spPr>
+        <p:style>
+          <a:lnRef idx="1">
+            <a:schemeClr val="accent1"/>
+          </a:lnRef>
+          <a:fillRef idx="0">
+            <a:schemeClr val="accent1"/>
+          </a:fillRef>
+          <a:effectRef idx="0">
+            <a:schemeClr val="accent1"/>
+          </a:effectRef>
+          <a:fontRef idx="minor">
+            <a:schemeClr val="tx1"/>
+          </a:fontRef>
+        </p:style>
+      </p:cxnSp>
+      <p:sp>
+        <p:nvSpPr>
+          <p:cNvPr id="166" name="文字方塊 165"/>
+          <p:cNvSpPr txBox="1"/>
+          <p:nvPr/>
+        </p:nvSpPr>
+        <p:spPr>
+          <a:xfrm>
+            <a:off x="5351057" y="5992847"/>
+            <a:ext cx="484180" cy="276999"/>
+          </a:xfrm>
+          <a:prstGeom prst="rect">
+            <a:avLst/>
+          </a:prstGeom>
+          <a:noFill/>
+          <a:ln>
+            <a:noFill/>
+          </a:ln>
+        </p:spPr>
+        <p:txBody>
+          <a:bodyPr wrap="square" rtlCol="0">
+            <a:spAutoFit/>
+          </a:bodyPr>
+          <a:lstStyle/>
+          <a:p>
+            <a:pPr algn="ctr"/>
+            <a:r>
+              <a:rPr lang="zh-TW" altLang="en-US" sz="1200" dirty="0"/>
+              <a:t>否</a:t>
+            </a:r>
+          </a:p>
+        </p:txBody>
+      </p:sp>
+      <p:sp>
+        <p:nvSpPr>
+          <p:cNvPr id="167" name="文字方塊 166"/>
+          <p:cNvSpPr txBox="1"/>
+          <p:nvPr/>
+        </p:nvSpPr>
+        <p:spPr>
+          <a:xfrm>
+            <a:off x="3972002" y="4596944"/>
+            <a:ext cx="522825" cy="276999"/>
+          </a:xfrm>
+          <a:prstGeom prst="rect">
+            <a:avLst/>
+          </a:prstGeom>
+          <a:noFill/>
+          <a:ln>
+            <a:noFill/>
+          </a:ln>
+        </p:spPr>
+        <p:txBody>
+          <a:bodyPr wrap="square" rtlCol="0">
+            <a:spAutoFit/>
+          </a:bodyPr>
+          <a:lstStyle/>
+          <a:p>
+            <a:pPr algn="ctr"/>
+            <a:r>
+              <a:rPr lang="zh-TW" altLang="en-US" sz="1200" dirty="0"/>
+              <a:t>是</a:t>
+            </a:r>
+          </a:p>
+        </p:txBody>
+      </p:sp>
+      <p:cxnSp>
+        <p:nvCxnSpPr>
+          <p:cNvPr id="172" name="直線單箭頭接點 171"/>
+          <p:cNvCxnSpPr/>
+          <p:nvPr/>
+        </p:nvCxnSpPr>
+        <p:spPr>
+          <a:xfrm flipV="1">
+            <a:off x="840263" y="2412489"/>
+            <a:ext cx="0" cy="2516350"/>
+          </a:xfrm>
+          <a:prstGeom prst="straightConnector1">
+            <a:avLst/>
+          </a:prstGeom>
+          <a:ln w="19050">
+            <a:solidFill>
+              <a:schemeClr val="tx1"/>
+            </a:solidFill>
+            <a:tailEnd type="triangle"/>
+          </a:ln>
+        </p:spPr>
+        <p:style>
+          <a:lnRef idx="1">
+            <a:schemeClr val="accent1"/>
+          </a:lnRef>
+          <a:fillRef idx="0">
+            <a:schemeClr val="accent1"/>
+          </a:fillRef>
+          <a:effectRef idx="0">
+            <a:schemeClr val="accent1"/>
+          </a:effectRef>
+          <a:fontRef idx="minor">
+            <a:schemeClr val="tx1"/>
+          </a:fontRef>
+        </p:style>
+      </p:cxnSp>
+      <p:cxnSp>
+        <p:nvCxnSpPr>
+          <p:cNvPr id="176" name="直線接點 175"/>
+          <p:cNvCxnSpPr/>
+          <p:nvPr/>
+        </p:nvCxnSpPr>
+        <p:spPr>
+          <a:xfrm>
+            <a:off x="861584" y="4917688"/>
+            <a:ext cx="3695759" cy="0"/>
+          </a:xfrm>
+          <a:prstGeom prst="line">
+            <a:avLst/>
+          </a:prstGeom>
+          <a:ln w="19050">
+            <a:solidFill>
+              <a:schemeClr val="tx1"/>
+            </a:solidFill>
+          </a:ln>
+        </p:spPr>
+        <p:style>
+          <a:lnRef idx="1">
+            <a:schemeClr val="accent1"/>
+          </a:lnRef>
+          <a:fillRef idx="0">
+            <a:schemeClr val="accent1"/>
+          </a:fillRef>
+          <a:effectRef idx="0">
+            <a:schemeClr val="accent1"/>
+          </a:effectRef>
+          <a:fontRef idx="minor">
+            <a:schemeClr val="tx1"/>
+          </a:fontRef>
+        </p:style>
+      </p:cxnSp>
+      <p:cxnSp>
+        <p:nvCxnSpPr>
+          <p:cNvPr id="177" name="直線接點 176"/>
+          <p:cNvCxnSpPr/>
+          <p:nvPr/>
+        </p:nvCxnSpPr>
+        <p:spPr>
+          <a:xfrm>
+            <a:off x="4557343" y="3446599"/>
+            <a:ext cx="1387063" cy="0"/>
+          </a:xfrm>
+          <a:prstGeom prst="line">
+            <a:avLst/>
+          </a:prstGeom>
+          <a:ln w="19050">
+            <a:solidFill>
+              <a:schemeClr val="tx1"/>
+            </a:solidFill>
+          </a:ln>
+        </p:spPr>
+        <p:style>
+          <a:lnRef idx="1">
+            <a:schemeClr val="accent1"/>
+          </a:lnRef>
+          <a:fillRef idx="0">
+            <a:schemeClr val="accent1"/>
+          </a:fillRef>
+          <a:effectRef idx="0">
+            <a:schemeClr val="accent1"/>
+          </a:effectRef>
+          <a:fontRef idx="minor">
+            <a:schemeClr val="tx1"/>
+          </a:fontRef>
+        </p:style>
+      </p:cxnSp>
+      <p:cxnSp>
+        <p:nvCxnSpPr>
+          <p:cNvPr id="196" name="直線接點 195"/>
+          <p:cNvCxnSpPr/>
+          <p:nvPr/>
+        </p:nvCxnSpPr>
+        <p:spPr>
+          <a:xfrm>
+            <a:off x="4562360" y="2341731"/>
+            <a:ext cx="0" cy="1129993"/>
+          </a:xfrm>
+          <a:prstGeom prst="line">
+            <a:avLst/>
+          </a:prstGeom>
+          <a:ln w="19050">
+            <a:solidFill>
+              <a:schemeClr val="tx1"/>
+            </a:solidFill>
+          </a:ln>
+        </p:spPr>
+        <p:style>
+          <a:lnRef idx="1">
+            <a:schemeClr val="accent1"/>
+          </a:lnRef>
+          <a:fillRef idx="0">
+            <a:schemeClr val="accent1"/>
+          </a:fillRef>
+          <a:effectRef idx="0">
+            <a:schemeClr val="accent1"/>
+          </a:effectRef>
+          <a:fontRef idx="minor">
+            <a:schemeClr val="tx1"/>
+          </a:fontRef>
+        </p:style>
+      </p:cxnSp>
+      <p:cxnSp>
+        <p:nvCxnSpPr>
+          <p:cNvPr id="198" name="直線接點 197"/>
+          <p:cNvCxnSpPr/>
+          <p:nvPr/>
+        </p:nvCxnSpPr>
+        <p:spPr>
+          <a:xfrm>
+            <a:off x="5944406" y="2294136"/>
+            <a:ext cx="0" cy="1136260"/>
+          </a:xfrm>
+          <a:prstGeom prst="line">
+            <a:avLst/>
+          </a:prstGeom>
+          <a:ln w="19050">
+            <a:solidFill>
+              <a:schemeClr val="tx1"/>
+            </a:solidFill>
+          </a:ln>
+        </p:spPr>
+        <p:style>
+          <a:lnRef idx="1">
+            <a:schemeClr val="accent1"/>
+          </a:lnRef>
+          <a:fillRef idx="0">
+            <a:schemeClr val="accent1"/>
+          </a:fillRef>
+          <a:effectRef idx="0">
+            <a:schemeClr val="accent1"/>
+          </a:effectRef>
+          <a:fontRef idx="minor">
+            <a:schemeClr val="tx1"/>
+          </a:fontRef>
+        </p:style>
+      </p:cxnSp>
+      <p:cxnSp>
+        <p:nvCxnSpPr>
+          <p:cNvPr id="201" name="直線接點 200"/>
+          <p:cNvCxnSpPr/>
+          <p:nvPr/>
+        </p:nvCxnSpPr>
+        <p:spPr>
+          <a:xfrm>
+            <a:off x="5944406" y="912935"/>
+            <a:ext cx="0" cy="1003846"/>
+          </a:xfrm>
+          <a:prstGeom prst="line">
+            <a:avLst/>
+          </a:prstGeom>
+          <a:ln w="19050">
+            <a:solidFill>
+              <a:schemeClr val="tx1"/>
+            </a:solidFill>
+          </a:ln>
+        </p:spPr>
+        <p:style>
+          <a:lnRef idx="1">
+            <a:schemeClr val="accent1"/>
+          </a:lnRef>
+          <a:fillRef idx="0">
+            <a:schemeClr val="accent1"/>
+          </a:fillRef>
+          <a:effectRef idx="0">
+            <a:schemeClr val="accent1"/>
+          </a:effectRef>
+          <a:fontRef idx="minor">
+            <a:schemeClr val="tx1"/>
+          </a:fontRef>
+        </p:style>
+      </p:cxnSp>
+      <p:cxnSp>
+        <p:nvCxnSpPr>
+          <p:cNvPr id="203" name="直線接點 202"/>
+          <p:cNvCxnSpPr/>
+          <p:nvPr/>
+        </p:nvCxnSpPr>
+        <p:spPr>
+          <a:xfrm>
+            <a:off x="4557343" y="913855"/>
+            <a:ext cx="1387063" cy="0"/>
+          </a:xfrm>
+          <a:prstGeom prst="line">
+            <a:avLst/>
+          </a:prstGeom>
+          <a:ln w="19050">
+            <a:solidFill>
+              <a:schemeClr val="tx1"/>
+            </a:solidFill>
+          </a:ln>
+        </p:spPr>
+        <p:style>
+          <a:lnRef idx="1">
+            <a:schemeClr val="accent1"/>
+          </a:lnRef>
+          <a:fillRef idx="0">
+            <a:schemeClr val="accent1"/>
+          </a:fillRef>
+          <a:effectRef idx="0">
+            <a:schemeClr val="accent1"/>
+          </a:effectRef>
+          <a:fontRef idx="minor">
+            <a:schemeClr val="tx1"/>
+          </a:fontRef>
+        </p:style>
+      </p:cxnSp>
+      <p:cxnSp>
+        <p:nvCxnSpPr>
+          <p:cNvPr id="206" name="直線單箭頭接點 205"/>
+          <p:cNvCxnSpPr/>
+          <p:nvPr/>
+        </p:nvCxnSpPr>
+        <p:spPr>
+          <a:xfrm>
+            <a:off x="4557343" y="913855"/>
+            <a:ext cx="0" cy="976515"/>
+          </a:xfrm>
+          <a:prstGeom prst="straightConnector1">
+            <a:avLst/>
+          </a:prstGeom>
+          <a:ln w="19050">
+            <a:solidFill>
+              <a:schemeClr val="tx1"/>
+            </a:solidFill>
+            <a:tailEnd type="triangle"/>
+          </a:ln>
+        </p:spPr>
+        <p:style>
+          <a:lnRef idx="1">
+            <a:schemeClr val="accent1"/>
+          </a:lnRef>
+          <a:fillRef idx="0">
+            <a:schemeClr val="accent1"/>
+          </a:fillRef>
+          <a:effectRef idx="0">
+            <a:schemeClr val="accent1"/>
+          </a:effectRef>
+          <a:fontRef idx="minor">
+            <a:schemeClr val="tx1"/>
+          </a:fontRef>
+        </p:style>
+      </p:cxnSp>
+      <p:sp>
+        <p:nvSpPr>
+          <p:cNvPr id="210" name="文字方塊 209"/>
+          <p:cNvSpPr txBox="1"/>
+          <p:nvPr/>
+        </p:nvSpPr>
+        <p:spPr>
+          <a:xfrm>
+            <a:off x="8550176" y="1278397"/>
+            <a:ext cx="1505862" cy="276999"/>
+          </a:xfrm>
+          <a:prstGeom prst="rect">
+            <a:avLst/>
+          </a:prstGeom>
+          <a:noFill/>
+          <a:ln>
+            <a:noFill/>
+          </a:ln>
+        </p:spPr>
+        <p:txBody>
+          <a:bodyPr wrap="square" rtlCol="0">
+            <a:spAutoFit/>
+          </a:bodyPr>
+          <a:lstStyle/>
+          <a:p>
+            <a:pPr algn="ctr"/>
+            <a:r>
+              <a:rPr lang="zh-TW" altLang="en-US" sz="1200" dirty="0" smtClean="0"/>
+              <a:t>返回</a:t>
+            </a:r>
+            <a:endParaRPr lang="zh-TW" altLang="en-US" sz="1200" dirty="0"/>
+          </a:p>
+        </p:txBody>
+      </p:sp>
+      <p:cxnSp>
+        <p:nvCxnSpPr>
+          <p:cNvPr id="211" name="直線接點 210"/>
+          <p:cNvCxnSpPr/>
+          <p:nvPr/>
+        </p:nvCxnSpPr>
+        <p:spPr>
+          <a:xfrm>
+            <a:off x="9031593" y="902132"/>
+            <a:ext cx="0" cy="1003846"/>
+          </a:xfrm>
+          <a:prstGeom prst="line">
+            <a:avLst/>
+          </a:prstGeom>
+          <a:ln w="19050">
+            <a:solidFill>
+              <a:schemeClr val="tx1"/>
+            </a:solidFill>
+          </a:ln>
+        </p:spPr>
+        <p:style>
+          <a:lnRef idx="1">
+            <a:schemeClr val="accent1"/>
+          </a:lnRef>
+          <a:fillRef idx="0">
+            <a:schemeClr val="accent1"/>
+          </a:fillRef>
+          <a:effectRef idx="0">
+            <a:schemeClr val="accent1"/>
+          </a:effectRef>
+          <a:fontRef idx="minor">
+            <a:schemeClr val="tx1"/>
+          </a:fontRef>
+        </p:style>
+      </p:cxnSp>
+      <p:cxnSp>
+        <p:nvCxnSpPr>
+          <p:cNvPr id="212" name="直線接點 211"/>
+          <p:cNvCxnSpPr/>
+          <p:nvPr/>
+        </p:nvCxnSpPr>
+        <p:spPr>
+          <a:xfrm>
+            <a:off x="6311282" y="912935"/>
+            <a:ext cx="2720311" cy="0"/>
+          </a:xfrm>
+          <a:prstGeom prst="line">
+            <a:avLst/>
+          </a:prstGeom>
+          <a:ln w="19050">
+            <a:solidFill>
+              <a:schemeClr val="tx1"/>
+            </a:solidFill>
+          </a:ln>
+        </p:spPr>
+        <p:style>
+          <a:lnRef idx="1">
+            <a:schemeClr val="accent1"/>
+          </a:lnRef>
+          <a:fillRef idx="0">
+            <a:schemeClr val="accent1"/>
+          </a:fillRef>
+          <a:effectRef idx="0">
+            <a:schemeClr val="accent1"/>
+          </a:effectRef>
+          <a:fontRef idx="minor">
+            <a:schemeClr val="tx1"/>
+          </a:fontRef>
+        </p:style>
+      </p:cxnSp>
+      <p:cxnSp>
+        <p:nvCxnSpPr>
+          <p:cNvPr id="213" name="直線單箭頭接點 212"/>
+          <p:cNvCxnSpPr/>
+          <p:nvPr/>
+        </p:nvCxnSpPr>
+        <p:spPr>
+          <a:xfrm>
+            <a:off x="6311282" y="929463"/>
+            <a:ext cx="0" cy="976515"/>
+          </a:xfrm>
+          <a:prstGeom prst="straightConnector1">
+            <a:avLst/>
+          </a:prstGeom>
+          <a:ln w="19050">
+            <a:solidFill>
+              <a:schemeClr val="tx1"/>
+            </a:solidFill>
+            <a:tailEnd type="triangle"/>
+          </a:ln>
+        </p:spPr>
+        <p:style>
+          <a:lnRef idx="1">
+            <a:schemeClr val="accent1"/>
+          </a:lnRef>
+          <a:fillRef idx="0">
+            <a:schemeClr val="accent1"/>
+          </a:fillRef>
+          <a:effectRef idx="0">
+            <a:schemeClr val="accent1"/>
+          </a:effectRef>
+          <a:fontRef idx="minor">
+            <a:schemeClr val="tx1"/>
+          </a:fontRef>
+        </p:style>
+      </p:cxnSp>
+      <p:cxnSp>
+        <p:nvCxnSpPr>
+          <p:cNvPr id="238" name="直線單箭頭接點 237"/>
+          <p:cNvCxnSpPr/>
+          <p:nvPr/>
+        </p:nvCxnSpPr>
+        <p:spPr>
+          <a:xfrm flipH="1">
+            <a:off x="5944407" y="4933758"/>
+            <a:ext cx="3087186" cy="0"/>
+          </a:xfrm>
+          <a:prstGeom prst="straightConnector1">
+            <a:avLst/>
+          </a:prstGeom>
+          <a:ln w="19050">
+            <a:solidFill>
+              <a:schemeClr val="tx1"/>
+            </a:solidFill>
+            <a:tailEnd type="triangle"/>
+          </a:ln>
+        </p:spPr>
+        <p:style>
+          <a:lnRef idx="1">
+            <a:schemeClr val="accent1"/>
+          </a:lnRef>
+          <a:fillRef idx="0">
+            <a:schemeClr val="accent1"/>
+          </a:fillRef>
+          <a:effectRef idx="0">
+            <a:schemeClr val="accent1"/>
+          </a:effectRef>
+          <a:fontRef idx="minor">
+            <a:schemeClr val="tx1"/>
+          </a:fontRef>
+        </p:style>
+      </p:cxnSp>
+      <p:sp>
+        <p:nvSpPr>
+          <p:cNvPr id="14" name="文字方塊 13"/>
+          <p:cNvSpPr txBox="1"/>
+          <p:nvPr/>
+        </p:nvSpPr>
+        <p:spPr>
+          <a:xfrm>
+            <a:off x="9728190" y="1753556"/>
+            <a:ext cx="973387" cy="276999"/>
+          </a:xfrm>
+          <a:prstGeom prst="rect">
+            <a:avLst/>
+          </a:prstGeom>
+          <a:noFill/>
+          <a:ln>
+            <a:noFill/>
+          </a:ln>
+        </p:spPr>
+        <p:txBody>
+          <a:bodyPr wrap="square" rtlCol="0">
+            <a:spAutoFit/>
+          </a:bodyPr>
+          <a:lstStyle/>
+          <a:p>
+            <a:pPr algn="ctr"/>
+            <a:r>
+              <a:rPr lang="zh-TW" altLang="en-US" sz="1200" dirty="0" smtClean="0"/>
+              <a:t>下一步 </a:t>
+            </a:r>
+            <a:endParaRPr lang="zh-TW" altLang="en-US" sz="1200" dirty="0"/>
+          </a:p>
+        </p:txBody>
+      </p:sp>
+      <p:sp>
+        <p:nvSpPr>
+          <p:cNvPr id="15" name="文字方塊 14"/>
+          <p:cNvSpPr txBox="1"/>
+          <p:nvPr/>
+        </p:nvSpPr>
+        <p:spPr>
+          <a:xfrm>
+            <a:off x="10069080" y="2600327"/>
+            <a:ext cx="1958982" cy="611386"/>
+          </a:xfrm>
+          <a:prstGeom prst="flowChartDecision">
             <a:avLst/>
           </a:prstGeom>
           <a:noFill/>
@@ -8042,27 +8938,28 @@
             <a:pPr algn="ctr"/>
             <a:r>
               <a:rPr lang="zh-TW" altLang="en-US" sz="1400" dirty="0" smtClean="0"/>
-              <a:t>填寫付款方</a:t>
-            </a:r>
-            <a:r>
-              <a:rPr lang="zh-TW" altLang="en-US" sz="1400" dirty="0"/>
-              <a:t>式</a:t>
-            </a:r>
-          </a:p>
-        </p:txBody>
-      </p:sp>
-      <p:sp>
-        <p:nvSpPr>
-          <p:cNvPr id="17" name="文字方塊 16"/>
+              <a:t>填寫完成</a:t>
+            </a:r>
+            <a:r>
+              <a:rPr lang="en-US" altLang="zh-TW" sz="1400" dirty="0" smtClean="0"/>
+              <a:t>?</a:t>
+            </a:r>
+            <a:endParaRPr lang="zh-TW" altLang="en-US" sz="1400" dirty="0"/>
+          </a:p>
+        </p:txBody>
+      </p:sp>
+      <p:sp>
+        <p:nvSpPr>
+          <p:cNvPr id="16" name="文字方塊 15"/>
           <p:cNvSpPr txBox="1"/>
           <p:nvPr/>
         </p:nvSpPr>
         <p:spPr>
           <a:xfrm>
-            <a:off x="8230167" y="4502020"/>
-            <a:ext cx="1958982" cy="611386"/>
-          </a:xfrm>
-          <a:prstGeom prst="flowChartDecision">
+            <a:off x="10422790" y="3609141"/>
+            <a:ext cx="1261884" cy="307777"/>
+          </a:xfrm>
+          <a:prstGeom prst="rect">
             <a:avLst/>
           </a:prstGeom>
           <a:noFill/>
@@ -8081,11 +8978,11 @@
             <a:pPr algn="ctr"/>
             <a:r>
               <a:rPr lang="zh-TW" altLang="en-US" sz="1400" dirty="0" smtClean="0"/>
-              <a:t>填寫完成</a:t>
-            </a:r>
-            <a:r>
-              <a:rPr lang="en-US" altLang="zh-TW" sz="1400" dirty="0" smtClean="0"/>
-              <a:t>?</a:t>
+              <a:t>填寫付款</a:t>
+            </a:r>
+            <a:r>
+              <a:rPr lang="zh-TW" altLang="en-US" sz="1400" dirty="0" smtClean="0"/>
+              <a:t>方式</a:t>
             </a:r>
             <a:endParaRPr lang="zh-TW" altLang="en-US" sz="1400" dirty="0"/>
           </a:p>
@@ -8093,16 +8990,16 @@
       </p:sp>
       <p:sp>
         <p:nvSpPr>
-          <p:cNvPr id="18" name="文字方塊 17"/>
+          <p:cNvPr id="17" name="文字方塊 16"/>
           <p:cNvSpPr txBox="1"/>
           <p:nvPr/>
         </p:nvSpPr>
         <p:spPr>
           <a:xfrm>
-            <a:off x="8770889" y="5535096"/>
-            <a:ext cx="902811" cy="307777"/>
-          </a:xfrm>
-          <a:prstGeom prst="rect">
+            <a:off x="10069080" y="4305498"/>
+            <a:ext cx="1958982" cy="611386"/>
+          </a:xfrm>
+          <a:prstGeom prst="flowChartDecision">
             <a:avLst/>
           </a:prstGeom>
           <a:noFill/>
@@ -8121,6 +9018,46 @@
             <a:pPr algn="ctr"/>
             <a:r>
               <a:rPr lang="zh-TW" altLang="en-US" sz="1400" dirty="0" smtClean="0"/>
+              <a:t>填寫完成</a:t>
+            </a:r>
+            <a:r>
+              <a:rPr lang="en-US" altLang="zh-TW" sz="1400" dirty="0" smtClean="0"/>
+              <a:t>?</a:t>
+            </a:r>
+            <a:endParaRPr lang="zh-TW" altLang="en-US" sz="1400" dirty="0"/>
+          </a:p>
+        </p:txBody>
+      </p:sp>
+      <p:sp>
+        <p:nvSpPr>
+          <p:cNvPr id="18" name="文字方塊 17"/>
+          <p:cNvSpPr txBox="1"/>
+          <p:nvPr/>
+        </p:nvSpPr>
+        <p:spPr>
+          <a:xfrm>
+            <a:off x="10609802" y="5338574"/>
+            <a:ext cx="902811" cy="307777"/>
+          </a:xfrm>
+          <a:prstGeom prst="rect">
+            <a:avLst/>
+          </a:prstGeom>
+          <a:noFill/>
+          <a:ln>
+            <a:solidFill>
+              <a:schemeClr val="tx1"/>
+            </a:solidFill>
+          </a:ln>
+        </p:spPr>
+        <p:txBody>
+          <a:bodyPr wrap="none" rtlCol="0">
+            <a:spAutoFit/>
+          </a:bodyPr>
+          <a:lstStyle/>
+          <a:p>
+            <a:pPr algn="ctr"/>
+            <a:r>
+              <a:rPr lang="zh-TW" altLang="en-US" sz="1400" dirty="0" smtClean="0"/>
               <a:t>驗證帳號</a:t>
             </a:r>
             <a:endParaRPr lang="zh-TW" altLang="en-US" sz="1400" dirty="0"/>
@@ -8135,7 +9072,7 @@
         </p:nvSpPr>
         <p:spPr>
           <a:xfrm>
-            <a:off x="8959526" y="6259412"/>
+            <a:off x="10798439" y="6062890"/>
             <a:ext cx="543739" cy="307777"/>
           </a:xfrm>
           <a:prstGeom prst="rect">
@@ -8168,23 +9105,89 @@
           </a:p>
         </p:txBody>
       </p:sp>
+      <p:sp>
+        <p:nvSpPr>
+          <p:cNvPr id="34" name="文字方塊 33"/>
+          <p:cNvSpPr txBox="1"/>
+          <p:nvPr/>
+        </p:nvSpPr>
+        <p:spPr>
+          <a:xfrm>
+            <a:off x="9503499" y="2610043"/>
+            <a:ext cx="633572" cy="276999"/>
+          </a:xfrm>
+          <a:prstGeom prst="rect">
+            <a:avLst/>
+          </a:prstGeom>
+          <a:noFill/>
+          <a:ln>
+            <a:noFill/>
+          </a:ln>
+        </p:spPr>
+        <p:txBody>
+          <a:bodyPr wrap="square" rtlCol="0">
+            <a:spAutoFit/>
+          </a:bodyPr>
+          <a:lstStyle/>
+          <a:p>
+            <a:pPr algn="ctr"/>
+            <a:r>
+              <a:rPr lang="zh-TW" altLang="en-US" sz="1200" dirty="0"/>
+              <a:t>否</a:t>
+            </a:r>
+          </a:p>
+        </p:txBody>
+      </p:sp>
+      <p:sp>
+        <p:nvSpPr>
+          <p:cNvPr id="35" name="文字方塊 34"/>
+          <p:cNvSpPr txBox="1"/>
+          <p:nvPr/>
+        </p:nvSpPr>
+        <p:spPr>
+          <a:xfrm>
+            <a:off x="10546446" y="3265421"/>
+            <a:ext cx="1505862" cy="276999"/>
+          </a:xfrm>
+          <a:prstGeom prst="rect">
+            <a:avLst/>
+          </a:prstGeom>
+          <a:noFill/>
+          <a:ln>
+            <a:noFill/>
+          </a:ln>
+        </p:spPr>
+        <p:txBody>
+          <a:bodyPr wrap="square" rtlCol="0">
+            <a:spAutoFit/>
+          </a:bodyPr>
+          <a:lstStyle/>
+          <a:p>
+            <a:pPr algn="ctr"/>
+            <a:r>
+              <a:rPr lang="zh-TW" altLang="en-US" sz="1200" dirty="0"/>
+              <a:t>是</a:t>
+            </a:r>
+          </a:p>
+        </p:txBody>
+      </p:sp>
       <p:cxnSp>
         <p:nvCxnSpPr>
-          <p:cNvPr id="30" name="直線單箭頭接點 29"/>
+          <p:cNvPr id="36" name="直線單箭頭接點 35"/>
           <p:cNvCxnSpPr/>
           <p:nvPr/>
         </p:nvCxnSpPr>
         <p:spPr>
-          <a:xfrm flipV="1">
-            <a:off x="6235928" y="2392761"/>
-            <a:ext cx="0" cy="1099557"/>
+          <a:xfrm>
+            <a:off x="11061208" y="3213765"/>
+            <a:ext cx="0" cy="395859"/>
           </a:xfrm>
           <a:prstGeom prst="straightConnector1">
             <a:avLst/>
           </a:prstGeom>
           <a:ln w="19050">
             <a:solidFill>
-              <a:schemeClr val="tx1"/>
+              <a:srgbClr val="FF0000"/>
             </a:solidFill>
             <a:tailEnd type="triangle"/>
           </a:ln>
@@ -8206,13 +9209,13 @@
       </p:cxnSp>
       <p:sp>
         <p:nvSpPr>
-          <p:cNvPr id="34" name="文字方塊 33"/>
+          <p:cNvPr id="38" name="文字方塊 37"/>
           <p:cNvSpPr txBox="1"/>
           <p:nvPr/>
         </p:nvSpPr>
         <p:spPr>
           <a:xfrm>
-            <a:off x="9845761" y="2541359"/>
+            <a:off x="10693334" y="3957214"/>
             <a:ext cx="1505862" cy="276999"/>
           </a:xfrm>
           <a:prstGeom prst="rect">
@@ -8231,54 +9234,22 @@
           <a:p>
             <a:pPr algn="ctr"/>
             <a:r>
-              <a:rPr lang="zh-TW" altLang="en-US" sz="1200" dirty="0"/>
-              <a:t>否</a:t>
-            </a:r>
-          </a:p>
-        </p:txBody>
-      </p:sp>
-      <p:sp>
-        <p:nvSpPr>
-          <p:cNvPr id="35" name="文字方塊 34"/>
-          <p:cNvSpPr txBox="1"/>
-          <p:nvPr/>
-        </p:nvSpPr>
-        <p:spPr>
-          <a:xfrm>
-            <a:off x="8707533" y="3461943"/>
-            <a:ext cx="1505862" cy="276999"/>
-          </a:xfrm>
-          <a:prstGeom prst="rect">
-            <a:avLst/>
-          </a:prstGeom>
-          <a:noFill/>
-          <a:ln>
-            <a:noFill/>
-          </a:ln>
-        </p:spPr>
-        <p:txBody>
-          <a:bodyPr wrap="square" rtlCol="0">
-            <a:spAutoFit/>
-          </a:bodyPr>
-          <a:lstStyle/>
-          <a:p>
-            <a:pPr algn="ctr"/>
-            <a:r>
-              <a:rPr lang="zh-TW" altLang="en-US" sz="1200" dirty="0"/>
-              <a:t>是</a:t>
-            </a:r>
+              <a:rPr lang="zh-TW" altLang="en-US" sz="1200" dirty="0" smtClean="0"/>
+              <a:t>下一步</a:t>
+            </a:r>
+            <a:endParaRPr lang="zh-TW" altLang="en-US" sz="1200" dirty="0"/>
           </a:p>
         </p:txBody>
       </p:sp>
       <p:cxnSp>
         <p:nvCxnSpPr>
-          <p:cNvPr id="36" name="直線單箭頭接點 35"/>
+          <p:cNvPr id="148" name="直線單箭頭接點 147"/>
           <p:cNvCxnSpPr/>
           <p:nvPr/>
         </p:nvCxnSpPr>
         <p:spPr>
           <a:xfrm>
-            <a:off x="9222295" y="3410287"/>
+            <a:off x="11070309" y="3916918"/>
             <a:ext cx="0" cy="395859"/>
           </a:xfrm>
           <a:prstGeom prst="straightConnector1">
@@ -8308,387 +9279,13 @@
       </p:cxnSp>
       <p:sp>
         <p:nvSpPr>
-          <p:cNvPr id="38" name="文字方塊 37"/>
-          <p:cNvSpPr txBox="1"/>
-          <p:nvPr/>
-        </p:nvSpPr>
-        <p:spPr>
-          <a:xfrm>
-            <a:off x="8854421" y="4153736"/>
-            <a:ext cx="1505862" cy="276999"/>
-          </a:xfrm>
-          <a:prstGeom prst="rect">
-            <a:avLst/>
-          </a:prstGeom>
-          <a:noFill/>
-          <a:ln>
-            <a:noFill/>
-          </a:ln>
-        </p:spPr>
-        <p:txBody>
-          <a:bodyPr wrap="square" rtlCol="0">
-            <a:spAutoFit/>
-          </a:bodyPr>
-          <a:lstStyle/>
-          <a:p>
-            <a:pPr algn="ctr"/>
-            <a:r>
-              <a:rPr lang="zh-TW" altLang="en-US" sz="1200" dirty="0" smtClean="0"/>
-              <a:t>下一步</a:t>
-            </a:r>
-            <a:endParaRPr lang="zh-TW" altLang="en-US" sz="1200" dirty="0"/>
-          </a:p>
-        </p:txBody>
-      </p:sp>
-      <p:sp>
-        <p:nvSpPr>
-          <p:cNvPr id="51" name="文字方塊 50"/>
-          <p:cNvSpPr txBox="1"/>
-          <p:nvPr/>
-        </p:nvSpPr>
-        <p:spPr>
-          <a:xfrm>
-            <a:off x="4954225" y="2643312"/>
-            <a:ext cx="1505862" cy="307777"/>
-          </a:xfrm>
-          <a:prstGeom prst="rect">
-            <a:avLst/>
-          </a:prstGeom>
-          <a:noFill/>
-          <a:ln>
-            <a:noFill/>
-          </a:ln>
-        </p:spPr>
-        <p:txBody>
-          <a:bodyPr wrap="square" rtlCol="0">
-            <a:spAutoFit/>
-          </a:bodyPr>
-          <a:lstStyle/>
-          <a:p>
-            <a:pPr algn="ctr"/>
-            <a:r>
-              <a:rPr lang="zh-TW" altLang="en-US" sz="1400" dirty="0" smtClean="0"/>
-              <a:t>取</a:t>
-            </a:r>
-            <a:r>
-              <a:rPr lang="zh-TW" altLang="en-US" sz="1400" dirty="0"/>
-              <a:t>消</a:t>
-            </a:r>
-          </a:p>
-        </p:txBody>
-      </p:sp>
-      <p:sp>
-        <p:nvSpPr>
-          <p:cNvPr id="57" name="文字方塊 56"/>
-          <p:cNvSpPr txBox="1"/>
-          <p:nvPr/>
-        </p:nvSpPr>
-        <p:spPr>
-          <a:xfrm>
-            <a:off x="4626579" y="6197720"/>
-            <a:ext cx="1237111" cy="307777"/>
-          </a:xfrm>
-          <a:prstGeom prst="rect">
-            <a:avLst/>
-          </a:prstGeom>
-          <a:noFill/>
-          <a:ln>
-            <a:solidFill>
-              <a:schemeClr val="tx1"/>
-            </a:solidFill>
-          </a:ln>
-        </p:spPr>
-        <p:txBody>
-          <a:bodyPr wrap="square" rtlCol="0">
-            <a:spAutoFit/>
-          </a:bodyPr>
-          <a:lstStyle/>
-          <a:p>
-            <a:pPr algn="ctr"/>
-            <a:r>
-              <a:rPr lang="zh-TW" altLang="en-US" sz="1400" dirty="0" smtClean="0"/>
-              <a:t>回原來</a:t>
-            </a:r>
-            <a:r>
-              <a:rPr lang="zh-TW" altLang="en-US" sz="1400" dirty="0"/>
-              <a:t>畫面</a:t>
-            </a:r>
-          </a:p>
-        </p:txBody>
-      </p:sp>
-      <p:sp>
-        <p:nvSpPr>
-          <p:cNvPr id="58" name="文字方塊 57"/>
-          <p:cNvSpPr txBox="1"/>
-          <p:nvPr/>
-        </p:nvSpPr>
-        <p:spPr>
-          <a:xfrm>
-            <a:off x="261635" y="796326"/>
-            <a:ext cx="1470274" cy="523220"/>
-          </a:xfrm>
-          <a:prstGeom prst="rect">
-            <a:avLst/>
-          </a:prstGeom>
-          <a:noFill/>
-        </p:spPr>
-        <p:txBody>
-          <a:bodyPr wrap="none" rtlCol="0">
-            <a:spAutoFit/>
-          </a:bodyPr>
-          <a:lstStyle/>
-          <a:p>
-            <a:r>
-              <a:rPr lang="en-US" altLang="zh-TW" sz="2800" dirty="0" smtClean="0"/>
-              <a:t>3-1.</a:t>
-            </a:r>
-            <a:r>
-              <a:rPr lang="zh-TW" altLang="en-US" sz="2800" dirty="0"/>
-              <a:t>註冊</a:t>
-            </a:r>
-          </a:p>
-        </p:txBody>
-      </p:sp>
-      <p:sp>
-        <p:nvSpPr>
-          <p:cNvPr id="63" name="文字方塊 62"/>
-          <p:cNvSpPr txBox="1"/>
-          <p:nvPr/>
-        </p:nvSpPr>
-        <p:spPr>
-          <a:xfrm>
-            <a:off x="255684" y="197333"/>
-            <a:ext cx="2254143" cy="523220"/>
-          </a:xfrm>
-          <a:prstGeom prst="rect">
-            <a:avLst/>
-          </a:prstGeom>
-          <a:noFill/>
-        </p:spPr>
-        <p:txBody>
-          <a:bodyPr wrap="none" rtlCol="0">
-            <a:spAutoFit/>
-          </a:bodyPr>
-          <a:lstStyle/>
-          <a:p>
-            <a:r>
-              <a:rPr lang="en-US" altLang="zh-TW" sz="2800" dirty="0" smtClean="0"/>
-              <a:t>3.</a:t>
-            </a:r>
-            <a:r>
-              <a:rPr lang="zh-TW" altLang="en-US" sz="2800" dirty="0" smtClean="0"/>
-              <a:t>功能流程</a:t>
-            </a:r>
-            <a:r>
-              <a:rPr lang="zh-TW" altLang="en-US" sz="2800" dirty="0"/>
-              <a:t>圖</a:t>
-            </a:r>
-          </a:p>
-        </p:txBody>
-      </p:sp>
-      <p:sp>
-        <p:nvSpPr>
-          <p:cNvPr id="54" name="文字方塊 53"/>
-          <p:cNvSpPr txBox="1"/>
-          <p:nvPr/>
-        </p:nvSpPr>
-        <p:spPr>
-          <a:xfrm>
-            <a:off x="3012334" y="1793915"/>
-            <a:ext cx="1023036" cy="276999"/>
-          </a:xfrm>
-          <a:prstGeom prst="rect">
-            <a:avLst/>
-          </a:prstGeom>
-          <a:noFill/>
-          <a:ln>
-            <a:noFill/>
-          </a:ln>
-        </p:spPr>
-        <p:txBody>
-          <a:bodyPr wrap="none" rtlCol="0">
-            <a:spAutoFit/>
-          </a:bodyPr>
-          <a:lstStyle/>
-          <a:p>
-            <a:pPr algn="ctr"/>
-            <a:r>
-              <a:rPr lang="zh-TW" altLang="en-US" sz="1200" dirty="0" smtClean="0"/>
-              <a:t>新增</a:t>
-            </a:r>
-            <a:r>
-              <a:rPr lang="en-US" altLang="zh-TW" sz="1200" dirty="0" smtClean="0"/>
-              <a:t>Apple</a:t>
-            </a:r>
-            <a:r>
-              <a:rPr lang="zh-TW" altLang="en-US" sz="1200" dirty="0"/>
-              <a:t> </a:t>
-            </a:r>
-            <a:r>
-              <a:rPr lang="en-US" altLang="zh-TW" sz="1200" dirty="0" smtClean="0"/>
-              <a:t>I</a:t>
-            </a:r>
-            <a:r>
-              <a:rPr lang="en-US" altLang="zh-TW" sz="1200" dirty="0"/>
-              <a:t>D</a:t>
-            </a:r>
-            <a:endParaRPr lang="zh-TW" altLang="en-US" sz="1200" dirty="0"/>
-          </a:p>
-        </p:txBody>
-      </p:sp>
-      <p:cxnSp>
-        <p:nvCxnSpPr>
-          <p:cNvPr id="128" name="直線單箭頭接點 127"/>
-          <p:cNvCxnSpPr/>
-          <p:nvPr/>
-        </p:nvCxnSpPr>
-        <p:spPr>
-          <a:xfrm>
-            <a:off x="1697315" y="2188200"/>
-            <a:ext cx="382228" cy="0"/>
-          </a:xfrm>
-          <a:prstGeom prst="straightConnector1">
-            <a:avLst/>
-          </a:prstGeom>
-          <a:ln w="19050">
-            <a:solidFill>
-              <a:srgbClr val="FF0000"/>
-            </a:solidFill>
-            <a:tailEnd type="triangle"/>
-          </a:ln>
-        </p:spPr>
-        <p:style>
-          <a:lnRef idx="1">
-            <a:schemeClr val="accent1"/>
-          </a:lnRef>
-          <a:fillRef idx="0">
-            <a:schemeClr val="accent1"/>
-          </a:fillRef>
-          <a:effectRef idx="0">
-            <a:schemeClr val="accent1"/>
-          </a:effectRef>
-          <a:fontRef idx="minor">
-            <a:schemeClr val="tx1"/>
-          </a:fontRef>
-        </p:style>
-      </p:cxnSp>
-      <p:cxnSp>
-        <p:nvCxnSpPr>
-          <p:cNvPr id="133" name="直線單箭頭接點 132"/>
-          <p:cNvCxnSpPr/>
-          <p:nvPr/>
-        </p:nvCxnSpPr>
-        <p:spPr>
-          <a:xfrm>
-            <a:off x="4901267" y="2189532"/>
-            <a:ext cx="597574" cy="0"/>
-          </a:xfrm>
-          <a:prstGeom prst="straightConnector1">
-            <a:avLst/>
-          </a:prstGeom>
-          <a:ln w="19050">
-            <a:solidFill>
-              <a:srgbClr val="FF0000"/>
-            </a:solidFill>
-            <a:tailEnd type="triangle"/>
-          </a:ln>
-        </p:spPr>
-        <p:style>
-          <a:lnRef idx="1">
-            <a:schemeClr val="accent1"/>
-          </a:lnRef>
-          <a:fillRef idx="0">
-            <a:schemeClr val="accent1"/>
-          </a:fillRef>
-          <a:effectRef idx="0">
-            <a:schemeClr val="accent1"/>
-          </a:effectRef>
-          <a:fontRef idx="minor">
-            <a:schemeClr val="tx1"/>
-          </a:fontRef>
-        </p:style>
-      </p:cxnSp>
-      <p:cxnSp>
-        <p:nvCxnSpPr>
-          <p:cNvPr id="138" name="直線單箭頭接點 137"/>
-          <p:cNvCxnSpPr/>
-          <p:nvPr/>
-        </p:nvCxnSpPr>
-        <p:spPr>
-          <a:xfrm>
-            <a:off x="6400059" y="2175433"/>
-            <a:ext cx="641511" cy="0"/>
-          </a:xfrm>
-          <a:prstGeom prst="straightConnector1">
-            <a:avLst/>
-          </a:prstGeom>
-          <a:ln w="19050">
-            <a:solidFill>
-              <a:srgbClr val="FF0000"/>
-            </a:solidFill>
-            <a:tailEnd type="triangle"/>
-          </a:ln>
-        </p:spPr>
-        <p:style>
-          <a:lnRef idx="1">
-            <a:schemeClr val="accent1"/>
-          </a:lnRef>
-          <a:fillRef idx="0">
-            <a:schemeClr val="accent1"/>
-          </a:fillRef>
-          <a:effectRef idx="0">
-            <a:schemeClr val="accent1"/>
-          </a:effectRef>
-          <a:fontRef idx="minor">
-            <a:schemeClr val="tx1"/>
-          </a:fontRef>
-        </p:style>
-      </p:cxnSp>
-      <p:cxnSp>
-        <p:nvCxnSpPr>
-          <p:cNvPr id="148" name="直線單箭頭接點 147"/>
-          <p:cNvCxnSpPr/>
-          <p:nvPr/>
-        </p:nvCxnSpPr>
-        <p:spPr>
-          <a:xfrm>
-            <a:off x="9231396" y="4113440"/>
-            <a:ext cx="0" cy="395859"/>
-          </a:xfrm>
-          <a:prstGeom prst="straightConnector1">
-            <a:avLst/>
-          </a:prstGeom>
-          <a:ln w="19050">
-            <a:solidFill>
-              <a:srgbClr val="FF0000"/>
-            </a:solidFill>
-            <a:tailEnd type="triangle"/>
-          </a:ln>
-        </p:spPr>
-        <p:style>
-          <a:lnRef idx="1">
-            <a:schemeClr val="accent1"/>
-          </a:lnRef>
-          <a:fillRef idx="0">
-            <a:schemeClr val="accent1"/>
-          </a:fillRef>
-          <a:effectRef idx="0">
-            <a:schemeClr val="accent1"/>
-          </a:effectRef>
-          <a:fontRef idx="minor">
-            <a:schemeClr val="tx1"/>
-          </a:fontRef>
-        </p:style>
-      </p:cxnSp>
-      <p:sp>
-        <p:nvSpPr>
           <p:cNvPr id="149" name="文字方塊 148"/>
           <p:cNvSpPr txBox="1"/>
           <p:nvPr/>
         </p:nvSpPr>
         <p:spPr>
           <a:xfrm>
-            <a:off x="8707533" y="5172972"/>
+            <a:off x="10546446" y="4976450"/>
             <a:ext cx="1505862" cy="276999"/>
           </a:xfrm>
           <a:prstGeom prst="rect">
@@ -8721,7 +9318,7 @@
         </p:nvCxnSpPr>
         <p:spPr>
           <a:xfrm>
-            <a:off x="9222295" y="5121316"/>
+            <a:off x="11061208" y="4924794"/>
             <a:ext cx="0" cy="395859"/>
           </a:xfrm>
           <a:prstGeom prst="straightConnector1">
@@ -8757,7 +9354,7 @@
         </p:nvCxnSpPr>
         <p:spPr>
           <a:xfrm>
-            <a:off x="9242843" y="5856918"/>
+            <a:off x="11081756" y="5660396"/>
             <a:ext cx="0" cy="395859"/>
           </a:xfrm>
           <a:prstGeom prst="straightConnector1">
@@ -8766,181 +9363,6 @@
           <a:ln w="19050">
             <a:solidFill>
               <a:srgbClr val="FF0000"/>
-            </a:solidFill>
-            <a:tailEnd type="triangle"/>
-          </a:ln>
-        </p:spPr>
-        <p:style>
-          <a:lnRef idx="1">
-            <a:schemeClr val="accent1"/>
-          </a:lnRef>
-          <a:fillRef idx="0">
-            <a:schemeClr val="accent1"/>
-          </a:fillRef>
-          <a:effectRef idx="0">
-            <a:schemeClr val="accent1"/>
-          </a:effectRef>
-          <a:fontRef idx="minor">
-            <a:schemeClr val="tx1"/>
-          </a:fontRef>
-        </p:style>
-      </p:cxnSp>
-      <p:sp>
-        <p:nvSpPr>
-          <p:cNvPr id="155" name="文字方塊 154"/>
-          <p:cNvSpPr txBox="1"/>
-          <p:nvPr/>
-        </p:nvSpPr>
-        <p:spPr>
-          <a:xfrm>
-            <a:off x="6566367" y="3455234"/>
-            <a:ext cx="541244" cy="307777"/>
-          </a:xfrm>
-          <a:prstGeom prst="rect">
-            <a:avLst/>
-          </a:prstGeom>
-          <a:noFill/>
-          <a:ln>
-            <a:noFill/>
-          </a:ln>
-        </p:spPr>
-        <p:txBody>
-          <a:bodyPr wrap="square" rtlCol="0">
-            <a:spAutoFit/>
-          </a:bodyPr>
-          <a:lstStyle/>
-          <a:p>
-            <a:pPr algn="ctr"/>
-            <a:r>
-              <a:rPr lang="zh-TW" altLang="en-US" sz="1400" dirty="0" smtClean="0"/>
-              <a:t>取</a:t>
-            </a:r>
-            <a:r>
-              <a:rPr lang="zh-TW" altLang="en-US" sz="1400" dirty="0"/>
-              <a:t>消</a:t>
-            </a:r>
-          </a:p>
-        </p:txBody>
-      </p:sp>
-      <p:sp>
-        <p:nvSpPr>
-          <p:cNvPr id="156" name="文字方塊 155"/>
-          <p:cNvSpPr txBox="1"/>
-          <p:nvPr/>
-        </p:nvSpPr>
-        <p:spPr>
-          <a:xfrm>
-            <a:off x="10189149" y="577099"/>
-            <a:ext cx="463915" cy="307777"/>
-          </a:xfrm>
-          <a:prstGeom prst="rect">
-            <a:avLst/>
-          </a:prstGeom>
-          <a:noFill/>
-          <a:ln>
-            <a:noFill/>
-          </a:ln>
-        </p:spPr>
-        <p:txBody>
-          <a:bodyPr wrap="square" rtlCol="0">
-            <a:spAutoFit/>
-          </a:bodyPr>
-          <a:lstStyle/>
-          <a:p>
-            <a:pPr algn="ctr"/>
-            <a:r>
-              <a:rPr lang="zh-TW" altLang="en-US" sz="1400" dirty="0"/>
-              <a:t>否</a:t>
-            </a:r>
-          </a:p>
-        </p:txBody>
-      </p:sp>
-      <p:cxnSp>
-        <p:nvCxnSpPr>
-          <p:cNvPr id="159" name="直線單箭頭接點 158"/>
-          <p:cNvCxnSpPr/>
-          <p:nvPr/>
-        </p:nvCxnSpPr>
-        <p:spPr>
-          <a:xfrm>
-            <a:off x="9189904" y="2338821"/>
-            <a:ext cx="0" cy="395859"/>
-          </a:xfrm>
-          <a:prstGeom prst="straightConnector1">
-            <a:avLst/>
-          </a:prstGeom>
-          <a:ln w="19050">
-            <a:solidFill>
-              <a:srgbClr val="FF0000"/>
-            </a:solidFill>
-            <a:tailEnd type="triangle"/>
-          </a:ln>
-        </p:spPr>
-        <p:style>
-          <a:lnRef idx="1">
-            <a:schemeClr val="accent1"/>
-          </a:lnRef>
-          <a:fillRef idx="0">
-            <a:schemeClr val="accent1"/>
-          </a:fillRef>
-          <a:effectRef idx="0">
-            <a:schemeClr val="accent1"/>
-          </a:effectRef>
-          <a:fontRef idx="minor">
-            <a:schemeClr val="tx1"/>
-          </a:fontRef>
-        </p:style>
-      </p:cxnSp>
-      <p:sp>
-        <p:nvSpPr>
-          <p:cNvPr id="160" name="文字方塊 159"/>
-          <p:cNvSpPr txBox="1"/>
-          <p:nvPr/>
-        </p:nvSpPr>
-        <p:spPr>
-          <a:xfrm>
-            <a:off x="9878916" y="4296316"/>
-            <a:ext cx="1505862" cy="276999"/>
-          </a:xfrm>
-          <a:prstGeom prst="rect">
-            <a:avLst/>
-          </a:prstGeom>
-          <a:noFill/>
-          <a:ln>
-            <a:noFill/>
-          </a:ln>
-        </p:spPr>
-        <p:txBody>
-          <a:bodyPr wrap="square" rtlCol="0">
-            <a:spAutoFit/>
-          </a:bodyPr>
-          <a:lstStyle/>
-          <a:p>
-            <a:pPr algn="ctr"/>
-            <a:r>
-              <a:rPr lang="zh-TW" altLang="en-US" sz="1200" dirty="0"/>
-              <a:t>否</a:t>
-            </a:r>
-          </a:p>
-        </p:txBody>
-      </p:sp>
-      <p:cxnSp>
-        <p:nvCxnSpPr>
-          <p:cNvPr id="164" name="直線單箭頭接點 163"/>
-          <p:cNvCxnSpPr/>
-          <p:nvPr/>
-        </p:nvCxnSpPr>
-        <p:spPr>
-          <a:xfrm>
-            <a:off x="5245135" y="3257165"/>
-            <a:ext cx="0" cy="351051"/>
-          </a:xfrm>
-          <a:prstGeom prst="straightConnector1">
-            <a:avLst/>
-          </a:prstGeom>
-          <a:ln w="19050">
-            <a:solidFill>
-              <a:schemeClr val="tx1"/>
             </a:solidFill>
             <a:tailEnd type="triangle"/>
           </a:ln>
@@ -8962,845 +9384,23 @@
       </p:cxnSp>
       <p:cxnSp>
         <p:nvCxnSpPr>
-          <p:cNvPr id="165" name="直線單箭頭接點 164"/>
+          <p:cNvPr id="159" name="直線單箭頭接點 158"/>
           <p:cNvCxnSpPr/>
           <p:nvPr/>
         </p:nvCxnSpPr>
         <p:spPr>
           <a:xfrm>
-            <a:off x="5239758" y="5742027"/>
-            <a:ext cx="0" cy="395859"/>
+            <a:off x="11042672" y="2096024"/>
+            <a:ext cx="0" cy="442134"/>
           </a:xfrm>
           <a:prstGeom prst="straightConnector1">
             <a:avLst/>
           </a:prstGeom>
           <a:ln w="19050">
             <a:solidFill>
-              <a:schemeClr val="tx1"/>
+              <a:srgbClr val="FF0000"/>
             </a:solidFill>
             <a:tailEnd type="triangle"/>
-          </a:ln>
-        </p:spPr>
-        <p:style>
-          <a:lnRef idx="1">
-            <a:schemeClr val="accent1"/>
-          </a:lnRef>
-          <a:fillRef idx="0">
-            <a:schemeClr val="accent1"/>
-          </a:fillRef>
-          <a:effectRef idx="0">
-            <a:schemeClr val="accent1"/>
-          </a:effectRef>
-          <a:fontRef idx="minor">
-            <a:schemeClr val="tx1"/>
-          </a:fontRef>
-        </p:style>
-      </p:cxnSp>
-      <p:sp>
-        <p:nvSpPr>
-          <p:cNvPr id="166" name="文字方塊 165"/>
-          <p:cNvSpPr txBox="1"/>
-          <p:nvPr/>
-        </p:nvSpPr>
-        <p:spPr>
-          <a:xfrm>
-            <a:off x="5270341" y="5819900"/>
-            <a:ext cx="484180" cy="276999"/>
-          </a:xfrm>
-          <a:prstGeom prst="rect">
-            <a:avLst/>
-          </a:prstGeom>
-          <a:noFill/>
-          <a:ln>
-            <a:noFill/>
-          </a:ln>
-        </p:spPr>
-        <p:txBody>
-          <a:bodyPr wrap="square" rtlCol="0">
-            <a:spAutoFit/>
-          </a:bodyPr>
-          <a:lstStyle/>
-          <a:p>
-            <a:pPr algn="ctr"/>
-            <a:r>
-              <a:rPr lang="zh-TW" altLang="en-US" sz="1200" dirty="0"/>
-              <a:t>否</a:t>
-            </a:r>
-          </a:p>
-        </p:txBody>
-      </p:sp>
-      <p:sp>
-        <p:nvSpPr>
-          <p:cNvPr id="167" name="文字方塊 166"/>
-          <p:cNvSpPr txBox="1"/>
-          <p:nvPr/>
-        </p:nvSpPr>
-        <p:spPr>
-          <a:xfrm>
-            <a:off x="3620377" y="4539558"/>
-            <a:ext cx="522825" cy="276999"/>
-          </a:xfrm>
-          <a:prstGeom prst="rect">
-            <a:avLst/>
-          </a:prstGeom>
-          <a:noFill/>
-          <a:ln>
-            <a:noFill/>
-          </a:ln>
-        </p:spPr>
-        <p:txBody>
-          <a:bodyPr wrap="square" rtlCol="0">
-            <a:spAutoFit/>
-          </a:bodyPr>
-          <a:lstStyle/>
-          <a:p>
-            <a:pPr algn="ctr"/>
-            <a:r>
-              <a:rPr lang="zh-TW" altLang="en-US" sz="1200" dirty="0"/>
-              <a:t>是</a:t>
-            </a:r>
-          </a:p>
-        </p:txBody>
-      </p:sp>
-      <p:cxnSp>
-        <p:nvCxnSpPr>
-          <p:cNvPr id="172" name="直線單箭頭接點 171"/>
-          <p:cNvCxnSpPr/>
-          <p:nvPr/>
-        </p:nvCxnSpPr>
-        <p:spPr>
-          <a:xfrm flipV="1">
-            <a:off x="840263" y="2412489"/>
-            <a:ext cx="0" cy="2516350"/>
-          </a:xfrm>
-          <a:prstGeom prst="straightConnector1">
-            <a:avLst/>
-          </a:prstGeom>
-          <a:ln w="19050">
-            <a:solidFill>
-              <a:schemeClr val="tx1"/>
-            </a:solidFill>
-            <a:tailEnd type="triangle"/>
-          </a:ln>
-        </p:spPr>
-        <p:style>
-          <a:lnRef idx="1">
-            <a:schemeClr val="accent1"/>
-          </a:lnRef>
-          <a:fillRef idx="0">
-            <a:schemeClr val="accent1"/>
-          </a:fillRef>
-          <a:effectRef idx="0">
-            <a:schemeClr val="accent1"/>
-          </a:effectRef>
-          <a:fontRef idx="minor">
-            <a:schemeClr val="tx1"/>
-          </a:fontRef>
-        </p:style>
-      </p:cxnSp>
-      <p:cxnSp>
-        <p:nvCxnSpPr>
-          <p:cNvPr id="176" name="直線接點 175"/>
-          <p:cNvCxnSpPr/>
-          <p:nvPr/>
-        </p:nvCxnSpPr>
-        <p:spPr>
-          <a:xfrm>
-            <a:off x="861584" y="4917688"/>
-            <a:ext cx="4027749" cy="0"/>
-          </a:xfrm>
-          <a:prstGeom prst="line">
-            <a:avLst/>
-          </a:prstGeom>
-          <a:ln w="19050">
-            <a:solidFill>
-              <a:schemeClr val="tx1"/>
-            </a:solidFill>
-          </a:ln>
-        </p:spPr>
-        <p:style>
-          <a:lnRef idx="1">
-            <a:schemeClr val="accent1"/>
-          </a:lnRef>
-          <a:fillRef idx="0">
-            <a:schemeClr val="accent1"/>
-          </a:fillRef>
-          <a:effectRef idx="0">
-            <a:schemeClr val="accent1"/>
-          </a:effectRef>
-          <a:fontRef idx="minor">
-            <a:schemeClr val="tx1"/>
-          </a:fontRef>
-        </p:style>
-      </p:cxnSp>
-      <p:cxnSp>
-        <p:nvCxnSpPr>
-          <p:cNvPr id="177" name="直線接點 176"/>
-          <p:cNvCxnSpPr/>
-          <p:nvPr/>
-        </p:nvCxnSpPr>
-        <p:spPr>
-          <a:xfrm>
-            <a:off x="4453710" y="3255581"/>
-            <a:ext cx="1510726" cy="0"/>
-          </a:xfrm>
-          <a:prstGeom prst="line">
-            <a:avLst/>
-          </a:prstGeom>
-          <a:ln w="19050">
-            <a:solidFill>
-              <a:schemeClr val="tx1"/>
-            </a:solidFill>
-          </a:ln>
-        </p:spPr>
-        <p:style>
-          <a:lnRef idx="1">
-            <a:schemeClr val="accent1"/>
-          </a:lnRef>
-          <a:fillRef idx="0">
-            <a:schemeClr val="accent1"/>
-          </a:fillRef>
-          <a:effectRef idx="0">
-            <a:schemeClr val="accent1"/>
-          </a:effectRef>
-          <a:fontRef idx="minor">
-            <a:schemeClr val="tx1"/>
-          </a:fontRef>
-        </p:style>
-      </p:cxnSp>
-      <p:cxnSp>
-        <p:nvCxnSpPr>
-          <p:cNvPr id="196" name="直線接點 195"/>
-          <p:cNvCxnSpPr/>
-          <p:nvPr/>
-        </p:nvCxnSpPr>
-        <p:spPr>
-          <a:xfrm>
-            <a:off x="4442944" y="2408182"/>
-            <a:ext cx="0" cy="868543"/>
-          </a:xfrm>
-          <a:prstGeom prst="line">
-            <a:avLst/>
-          </a:prstGeom>
-          <a:ln w="19050">
-            <a:solidFill>
-              <a:schemeClr val="tx1"/>
-            </a:solidFill>
-          </a:ln>
-        </p:spPr>
-        <p:style>
-          <a:lnRef idx="1">
-            <a:schemeClr val="accent1"/>
-          </a:lnRef>
-          <a:fillRef idx="0">
-            <a:schemeClr val="accent1"/>
-          </a:fillRef>
-          <a:effectRef idx="0">
-            <a:schemeClr val="accent1"/>
-          </a:effectRef>
-          <a:fontRef idx="minor">
-            <a:schemeClr val="tx1"/>
-          </a:fontRef>
-        </p:style>
-      </p:cxnSp>
-      <p:cxnSp>
-        <p:nvCxnSpPr>
-          <p:cNvPr id="198" name="直線接點 197"/>
-          <p:cNvCxnSpPr/>
-          <p:nvPr/>
-        </p:nvCxnSpPr>
-        <p:spPr>
-          <a:xfrm>
-            <a:off x="5964436" y="2332877"/>
-            <a:ext cx="0" cy="922704"/>
-          </a:xfrm>
-          <a:prstGeom prst="line">
-            <a:avLst/>
-          </a:prstGeom>
-          <a:ln w="19050">
-            <a:solidFill>
-              <a:schemeClr val="tx1"/>
-            </a:solidFill>
-          </a:ln>
-        </p:spPr>
-        <p:style>
-          <a:lnRef idx="1">
-            <a:schemeClr val="accent1"/>
-          </a:lnRef>
-          <a:fillRef idx="0">
-            <a:schemeClr val="accent1"/>
-          </a:fillRef>
-          <a:effectRef idx="0">
-            <a:schemeClr val="accent1"/>
-          </a:effectRef>
-          <a:fontRef idx="minor">
-            <a:schemeClr val="tx1"/>
-          </a:fontRef>
-        </p:style>
-      </p:cxnSp>
-      <p:cxnSp>
-        <p:nvCxnSpPr>
-          <p:cNvPr id="201" name="直線接點 200"/>
-          <p:cNvCxnSpPr/>
-          <p:nvPr/>
-        </p:nvCxnSpPr>
-        <p:spPr>
-          <a:xfrm>
-            <a:off x="5766768" y="980306"/>
-            <a:ext cx="0" cy="1003846"/>
-          </a:xfrm>
-          <a:prstGeom prst="line">
-            <a:avLst/>
-          </a:prstGeom>
-          <a:ln w="19050">
-            <a:solidFill>
-              <a:schemeClr val="tx1"/>
-            </a:solidFill>
-          </a:ln>
-        </p:spPr>
-        <p:style>
-          <a:lnRef idx="1">
-            <a:schemeClr val="accent1"/>
-          </a:lnRef>
-          <a:fillRef idx="0">
-            <a:schemeClr val="accent1"/>
-          </a:fillRef>
-          <a:effectRef idx="0">
-            <a:schemeClr val="accent1"/>
-          </a:effectRef>
-          <a:fontRef idx="minor">
-            <a:schemeClr val="tx1"/>
-          </a:fontRef>
-        </p:style>
-      </p:cxnSp>
-      <p:cxnSp>
-        <p:nvCxnSpPr>
-          <p:cNvPr id="203" name="直線接點 202"/>
-          <p:cNvCxnSpPr/>
-          <p:nvPr/>
-        </p:nvCxnSpPr>
-        <p:spPr>
-          <a:xfrm>
-            <a:off x="4437927" y="980306"/>
-            <a:ext cx="1328841" cy="0"/>
-          </a:xfrm>
-          <a:prstGeom prst="line">
-            <a:avLst/>
-          </a:prstGeom>
-          <a:ln w="19050">
-            <a:solidFill>
-              <a:schemeClr val="tx1"/>
-            </a:solidFill>
-          </a:ln>
-        </p:spPr>
-        <p:style>
-          <a:lnRef idx="1">
-            <a:schemeClr val="accent1"/>
-          </a:lnRef>
-          <a:fillRef idx="0">
-            <a:schemeClr val="accent1"/>
-          </a:fillRef>
-          <a:effectRef idx="0">
-            <a:schemeClr val="accent1"/>
-          </a:effectRef>
-          <a:fontRef idx="minor">
-            <a:schemeClr val="tx1"/>
-          </a:fontRef>
-        </p:style>
-      </p:cxnSp>
-      <p:cxnSp>
-        <p:nvCxnSpPr>
-          <p:cNvPr id="206" name="直線單箭頭接點 205"/>
-          <p:cNvCxnSpPr/>
-          <p:nvPr/>
-        </p:nvCxnSpPr>
-        <p:spPr>
-          <a:xfrm>
-            <a:off x="4437927" y="980306"/>
-            <a:ext cx="0" cy="976515"/>
-          </a:xfrm>
-          <a:prstGeom prst="straightConnector1">
-            <a:avLst/>
-          </a:prstGeom>
-          <a:ln w="19050">
-            <a:solidFill>
-              <a:schemeClr val="tx1"/>
-            </a:solidFill>
-            <a:tailEnd type="triangle"/>
-          </a:ln>
-        </p:spPr>
-        <p:style>
-          <a:lnRef idx="1">
-            <a:schemeClr val="accent1"/>
-          </a:lnRef>
-          <a:fillRef idx="0">
-            <a:schemeClr val="accent1"/>
-          </a:fillRef>
-          <a:effectRef idx="0">
-            <a:schemeClr val="accent1"/>
-          </a:effectRef>
-          <a:fontRef idx="minor">
-            <a:schemeClr val="tx1"/>
-          </a:fontRef>
-        </p:style>
-      </p:cxnSp>
-      <p:sp>
-        <p:nvSpPr>
-          <p:cNvPr id="210" name="文字方塊 209"/>
-          <p:cNvSpPr txBox="1"/>
-          <p:nvPr/>
-        </p:nvSpPr>
-        <p:spPr>
-          <a:xfrm>
-            <a:off x="6787367" y="610814"/>
-            <a:ext cx="1505862" cy="276999"/>
-          </a:xfrm>
-          <a:prstGeom prst="rect">
-            <a:avLst/>
-          </a:prstGeom>
-          <a:noFill/>
-          <a:ln>
-            <a:noFill/>
-          </a:ln>
-        </p:spPr>
-        <p:txBody>
-          <a:bodyPr wrap="square" rtlCol="0">
-            <a:spAutoFit/>
-          </a:bodyPr>
-          <a:lstStyle/>
-          <a:p>
-            <a:pPr algn="ctr"/>
-            <a:r>
-              <a:rPr lang="zh-TW" altLang="en-US" sz="1200" dirty="0" smtClean="0"/>
-              <a:t>返回</a:t>
-            </a:r>
-            <a:endParaRPr lang="zh-TW" altLang="en-US" sz="1200" dirty="0"/>
-          </a:p>
-        </p:txBody>
-      </p:sp>
-      <p:cxnSp>
-        <p:nvCxnSpPr>
-          <p:cNvPr id="211" name="直線接點 210"/>
-          <p:cNvCxnSpPr/>
-          <p:nvPr/>
-        </p:nvCxnSpPr>
-        <p:spPr>
-          <a:xfrm>
-            <a:off x="8912177" y="968583"/>
-            <a:ext cx="0" cy="1003846"/>
-          </a:xfrm>
-          <a:prstGeom prst="line">
-            <a:avLst/>
-          </a:prstGeom>
-          <a:ln w="19050">
-            <a:solidFill>
-              <a:schemeClr val="tx1"/>
-            </a:solidFill>
-          </a:ln>
-        </p:spPr>
-        <p:style>
-          <a:lnRef idx="1">
-            <a:schemeClr val="accent1"/>
-          </a:lnRef>
-          <a:fillRef idx="0">
-            <a:schemeClr val="accent1"/>
-          </a:fillRef>
-          <a:effectRef idx="0">
-            <a:schemeClr val="accent1"/>
-          </a:effectRef>
-          <a:fontRef idx="minor">
-            <a:schemeClr val="tx1"/>
-          </a:fontRef>
-        </p:style>
-      </p:cxnSp>
-      <p:cxnSp>
-        <p:nvCxnSpPr>
-          <p:cNvPr id="212" name="直線接點 211"/>
-          <p:cNvCxnSpPr/>
-          <p:nvPr/>
-        </p:nvCxnSpPr>
-        <p:spPr>
-          <a:xfrm>
-            <a:off x="6168420" y="979386"/>
-            <a:ext cx="2743757" cy="0"/>
-          </a:xfrm>
-          <a:prstGeom prst="line">
-            <a:avLst/>
-          </a:prstGeom>
-          <a:ln w="19050">
-            <a:solidFill>
-              <a:schemeClr val="tx1"/>
-            </a:solidFill>
-          </a:ln>
-        </p:spPr>
-        <p:style>
-          <a:lnRef idx="1">
-            <a:schemeClr val="accent1"/>
-          </a:lnRef>
-          <a:fillRef idx="0">
-            <a:schemeClr val="accent1"/>
-          </a:fillRef>
-          <a:effectRef idx="0">
-            <a:schemeClr val="accent1"/>
-          </a:effectRef>
-          <a:fontRef idx="minor">
-            <a:schemeClr val="tx1"/>
-          </a:fontRef>
-        </p:style>
-      </p:cxnSp>
-      <p:cxnSp>
-        <p:nvCxnSpPr>
-          <p:cNvPr id="213" name="直線單箭頭接點 212"/>
-          <p:cNvCxnSpPr/>
-          <p:nvPr/>
-        </p:nvCxnSpPr>
-        <p:spPr>
-          <a:xfrm>
-            <a:off x="6191866" y="995914"/>
-            <a:ext cx="0" cy="976515"/>
-          </a:xfrm>
-          <a:prstGeom prst="straightConnector1">
-            <a:avLst/>
-          </a:prstGeom>
-          <a:ln w="19050">
-            <a:solidFill>
-              <a:schemeClr val="tx1"/>
-            </a:solidFill>
-            <a:tailEnd type="triangle"/>
-          </a:ln>
-        </p:spPr>
-        <p:style>
-          <a:lnRef idx="1">
-            <a:schemeClr val="accent1"/>
-          </a:lnRef>
-          <a:fillRef idx="0">
-            <a:schemeClr val="accent1"/>
-          </a:fillRef>
-          <a:effectRef idx="0">
-            <a:schemeClr val="accent1"/>
-          </a:effectRef>
-          <a:fontRef idx="minor">
-            <a:schemeClr val="tx1"/>
-          </a:fontRef>
-        </p:style>
-      </p:cxnSp>
-      <p:cxnSp>
-        <p:nvCxnSpPr>
-          <p:cNvPr id="226" name="直線接點 225"/>
-          <p:cNvCxnSpPr/>
-          <p:nvPr/>
-        </p:nvCxnSpPr>
-        <p:spPr>
-          <a:xfrm>
-            <a:off x="11369480" y="968583"/>
-            <a:ext cx="0" cy="287229"/>
-          </a:xfrm>
-          <a:prstGeom prst="line">
-            <a:avLst/>
-          </a:prstGeom>
-          <a:ln w="19050">
-            <a:solidFill>
-              <a:schemeClr val="tx1"/>
-            </a:solidFill>
-          </a:ln>
-        </p:spPr>
-        <p:style>
-          <a:lnRef idx="1">
-            <a:schemeClr val="accent1"/>
-          </a:lnRef>
-          <a:fillRef idx="0">
-            <a:schemeClr val="accent1"/>
-          </a:fillRef>
-          <a:effectRef idx="0">
-            <a:schemeClr val="accent1"/>
-          </a:effectRef>
-          <a:fontRef idx="minor">
-            <a:schemeClr val="tx1"/>
-          </a:fontRef>
-        </p:style>
-      </p:cxnSp>
-      <p:cxnSp>
-        <p:nvCxnSpPr>
-          <p:cNvPr id="227" name="直線接點 226"/>
-          <p:cNvCxnSpPr/>
-          <p:nvPr/>
-        </p:nvCxnSpPr>
-        <p:spPr>
-          <a:xfrm>
-            <a:off x="9376092" y="968583"/>
-            <a:ext cx="1993388" cy="0"/>
-          </a:xfrm>
-          <a:prstGeom prst="line">
-            <a:avLst/>
-          </a:prstGeom>
-          <a:ln w="19050">
-            <a:solidFill>
-              <a:schemeClr val="tx1"/>
-            </a:solidFill>
-          </a:ln>
-        </p:spPr>
-        <p:style>
-          <a:lnRef idx="1">
-            <a:schemeClr val="accent1"/>
-          </a:lnRef>
-          <a:fillRef idx="0">
-            <a:schemeClr val="accent1"/>
-          </a:fillRef>
-          <a:effectRef idx="0">
-            <a:schemeClr val="accent1"/>
-          </a:effectRef>
-          <a:fontRef idx="minor">
-            <a:schemeClr val="tx1"/>
-          </a:fontRef>
-        </p:style>
-      </p:cxnSp>
-      <p:cxnSp>
-        <p:nvCxnSpPr>
-          <p:cNvPr id="228" name="直線單箭頭接點 227"/>
-          <p:cNvCxnSpPr/>
-          <p:nvPr/>
-        </p:nvCxnSpPr>
-        <p:spPr>
-          <a:xfrm>
-            <a:off x="9376092" y="968583"/>
-            <a:ext cx="0" cy="976515"/>
-          </a:xfrm>
-          <a:prstGeom prst="straightConnector1">
-            <a:avLst/>
-          </a:prstGeom>
-          <a:ln w="19050">
-            <a:solidFill>
-              <a:schemeClr val="tx1"/>
-            </a:solidFill>
-            <a:tailEnd type="triangle"/>
-          </a:ln>
-        </p:spPr>
-        <p:style>
-          <a:lnRef idx="1">
-            <a:schemeClr val="accent1"/>
-          </a:lnRef>
-          <a:fillRef idx="0">
-            <a:schemeClr val="accent1"/>
-          </a:fillRef>
-          <a:effectRef idx="0">
-            <a:schemeClr val="accent1"/>
-          </a:effectRef>
-          <a:fontRef idx="minor">
-            <a:schemeClr val="tx1"/>
-          </a:fontRef>
-        </p:style>
-      </p:cxnSp>
-      <p:cxnSp>
-        <p:nvCxnSpPr>
-          <p:cNvPr id="230" name="直線單箭頭接點 229"/>
-          <p:cNvCxnSpPr/>
-          <p:nvPr/>
-        </p:nvCxnSpPr>
-        <p:spPr>
-          <a:xfrm>
-            <a:off x="9690146" y="2070397"/>
-            <a:ext cx="1114377" cy="0"/>
-          </a:xfrm>
-          <a:prstGeom prst="straightConnector1">
-            <a:avLst/>
-          </a:prstGeom>
-          <a:ln w="19050">
-            <a:solidFill>
-              <a:schemeClr val="tx1"/>
-            </a:solidFill>
-            <a:tailEnd type="triangle"/>
-          </a:ln>
-        </p:spPr>
-        <p:style>
-          <a:lnRef idx="1">
-            <a:schemeClr val="accent1"/>
-          </a:lnRef>
-          <a:fillRef idx="0">
-            <a:schemeClr val="accent1"/>
-          </a:fillRef>
-          <a:effectRef idx="0">
-            <a:schemeClr val="accent1"/>
-          </a:effectRef>
-          <a:fontRef idx="minor">
-            <a:schemeClr val="tx1"/>
-          </a:fontRef>
-        </p:style>
-      </p:cxnSp>
-      <p:cxnSp>
-        <p:nvCxnSpPr>
-          <p:cNvPr id="234" name="直線單箭頭接點 233"/>
-          <p:cNvCxnSpPr/>
-          <p:nvPr/>
-        </p:nvCxnSpPr>
-        <p:spPr>
-          <a:xfrm>
-            <a:off x="11358436" y="2905583"/>
-            <a:ext cx="0" cy="833359"/>
-          </a:xfrm>
-          <a:prstGeom prst="straightConnector1">
-            <a:avLst/>
-          </a:prstGeom>
-          <a:ln w="19050">
-            <a:solidFill>
-              <a:schemeClr val="tx1"/>
-            </a:solidFill>
-            <a:tailEnd type="triangle"/>
-          </a:ln>
-        </p:spPr>
-        <p:style>
-          <a:lnRef idx="1">
-            <a:schemeClr val="accent1"/>
-          </a:lnRef>
-          <a:fillRef idx="0">
-            <a:schemeClr val="accent1"/>
-          </a:fillRef>
-          <a:effectRef idx="0">
-            <a:schemeClr val="accent1"/>
-          </a:effectRef>
-          <a:fontRef idx="minor">
-            <a:schemeClr val="tx1"/>
-          </a:fontRef>
-        </p:style>
-      </p:cxnSp>
-      <p:sp>
-        <p:nvSpPr>
-          <p:cNvPr id="235" name="文字方塊 234"/>
-          <p:cNvSpPr txBox="1"/>
-          <p:nvPr/>
-        </p:nvSpPr>
-        <p:spPr>
-          <a:xfrm>
-            <a:off x="11336980" y="3334871"/>
-            <a:ext cx="522825" cy="276999"/>
-          </a:xfrm>
-          <a:prstGeom prst="rect">
-            <a:avLst/>
-          </a:prstGeom>
-          <a:noFill/>
-          <a:ln>
-            <a:noFill/>
-          </a:ln>
-        </p:spPr>
-        <p:txBody>
-          <a:bodyPr wrap="square" rtlCol="0">
-            <a:spAutoFit/>
-          </a:bodyPr>
-          <a:lstStyle/>
-          <a:p>
-            <a:pPr algn="ctr"/>
-            <a:r>
-              <a:rPr lang="zh-TW" altLang="en-US" sz="1200" dirty="0"/>
-              <a:t>是</a:t>
-            </a:r>
-          </a:p>
-        </p:txBody>
-      </p:sp>
-      <p:sp>
-        <p:nvSpPr>
-          <p:cNvPr id="237" name="文字方塊 236"/>
-          <p:cNvSpPr txBox="1"/>
-          <p:nvPr/>
-        </p:nvSpPr>
-        <p:spPr>
-          <a:xfrm>
-            <a:off x="10753483" y="3805663"/>
-            <a:ext cx="1262590" cy="307777"/>
-          </a:xfrm>
-          <a:prstGeom prst="rect">
-            <a:avLst/>
-          </a:prstGeom>
-          <a:noFill/>
-          <a:ln>
-            <a:solidFill>
-              <a:schemeClr val="tx1"/>
-            </a:solidFill>
-          </a:ln>
-        </p:spPr>
-        <p:txBody>
-          <a:bodyPr wrap="none" rtlCol="0">
-            <a:spAutoFit/>
-          </a:bodyPr>
-          <a:lstStyle/>
-          <a:p>
-            <a:pPr algn="ctr"/>
-            <a:r>
-              <a:rPr lang="zh-TW" altLang="en-US" sz="1400" dirty="0" smtClean="0"/>
-              <a:t>回到</a:t>
-            </a:r>
-            <a:r>
-              <a:rPr lang="en-US" altLang="zh-TW" sz="1400" dirty="0" smtClean="0"/>
-              <a:t>App</a:t>
-            </a:r>
-            <a:r>
-              <a:rPr lang="zh-TW" altLang="en-US" sz="1400" dirty="0"/>
-              <a:t> </a:t>
-            </a:r>
-            <a:r>
-              <a:rPr lang="en-US" altLang="zh-TW" sz="1400" dirty="0" smtClean="0"/>
-              <a:t>Stor</a:t>
-            </a:r>
-            <a:r>
-              <a:rPr lang="en-US" altLang="zh-TW" sz="1400" dirty="0"/>
-              <a:t>e</a:t>
-            </a:r>
-            <a:endParaRPr lang="zh-TW" altLang="en-US" sz="1400" dirty="0"/>
-          </a:p>
-        </p:txBody>
-      </p:sp>
-      <p:cxnSp>
-        <p:nvCxnSpPr>
-          <p:cNvPr id="238" name="直線單箭頭接點 237"/>
-          <p:cNvCxnSpPr/>
-          <p:nvPr/>
-        </p:nvCxnSpPr>
-        <p:spPr>
-          <a:xfrm flipH="1" flipV="1">
-            <a:off x="5796585" y="3979310"/>
-            <a:ext cx="2673476" cy="1"/>
-          </a:xfrm>
-          <a:prstGeom prst="straightConnector1">
-            <a:avLst/>
-          </a:prstGeom>
-          <a:ln w="19050">
-            <a:solidFill>
-              <a:schemeClr val="tx1"/>
-            </a:solidFill>
-            <a:tailEnd type="triangle"/>
-          </a:ln>
-        </p:spPr>
-        <p:style>
-          <a:lnRef idx="1">
-            <a:schemeClr val="accent1"/>
-          </a:lnRef>
-          <a:fillRef idx="0">
-            <a:schemeClr val="accent1"/>
-          </a:fillRef>
-          <a:effectRef idx="0">
-            <a:schemeClr val="accent1"/>
-          </a:effectRef>
-          <a:fontRef idx="minor">
-            <a:schemeClr val="tx1"/>
-          </a:fontRef>
-        </p:style>
-      </p:cxnSp>
-      <p:cxnSp>
-        <p:nvCxnSpPr>
-          <p:cNvPr id="241" name="直線接點 240"/>
-          <p:cNvCxnSpPr/>
-          <p:nvPr/>
-        </p:nvCxnSpPr>
-        <p:spPr>
-          <a:xfrm>
-            <a:off x="10456275" y="2210427"/>
-            <a:ext cx="0" cy="903726"/>
-          </a:xfrm>
-          <a:prstGeom prst="line">
-            <a:avLst/>
-          </a:prstGeom>
-          <a:ln w="19050">
-            <a:solidFill>
-              <a:schemeClr val="tx1"/>
-            </a:solidFill>
           </a:ln>
         </p:spPr>
         <p:style>
@@ -9825,9 +9425,9 @@
           <p:nvPr/>
         </p:nvCxnSpPr>
         <p:spPr>
-          <a:xfrm flipH="1">
-            <a:off x="9690146" y="2226637"/>
-            <a:ext cx="754406" cy="0"/>
+          <a:xfrm>
+            <a:off x="9597499" y="3858240"/>
+            <a:ext cx="746240" cy="0"/>
           </a:xfrm>
           <a:prstGeom prst="straightConnector1">
             <a:avLst/>
@@ -9862,8 +9462,8 @@
         </p:nvCxnSpPr>
         <p:spPr>
           <a:xfrm>
-            <a:off x="10188691" y="3102542"/>
-            <a:ext cx="277945" cy="0"/>
+            <a:off x="9571489" y="2914530"/>
+            <a:ext cx="434646" cy="0"/>
           </a:xfrm>
           <a:prstGeom prst="line">
             <a:avLst/>
@@ -9889,112 +9489,6 @@
           </a:fontRef>
         </p:style>
       </p:cxnSp>
-      <p:cxnSp>
-        <p:nvCxnSpPr>
-          <p:cNvPr id="252" name="直線接點 251"/>
-          <p:cNvCxnSpPr/>
-          <p:nvPr/>
-        </p:nvCxnSpPr>
-        <p:spPr>
-          <a:xfrm>
-            <a:off x="10456275" y="3947828"/>
-            <a:ext cx="0" cy="871608"/>
-          </a:xfrm>
-          <a:prstGeom prst="line">
-            <a:avLst/>
-          </a:prstGeom>
-          <a:ln w="19050">
-            <a:solidFill>
-              <a:schemeClr val="tx1"/>
-            </a:solidFill>
-          </a:ln>
-        </p:spPr>
-        <p:style>
-          <a:lnRef idx="1">
-            <a:schemeClr val="accent1"/>
-          </a:lnRef>
-          <a:fillRef idx="0">
-            <a:schemeClr val="accent1"/>
-          </a:fillRef>
-          <a:effectRef idx="0">
-            <a:schemeClr val="accent1"/>
-          </a:effectRef>
-          <a:fontRef idx="minor">
-            <a:schemeClr val="tx1"/>
-          </a:fontRef>
-        </p:style>
-      </p:cxnSp>
-      <p:cxnSp>
-        <p:nvCxnSpPr>
-          <p:cNvPr id="253" name="直線單箭頭接點 252"/>
-          <p:cNvCxnSpPr/>
-          <p:nvPr/>
-        </p:nvCxnSpPr>
-        <p:spPr>
-          <a:xfrm flipH="1">
-            <a:off x="9880037" y="3967291"/>
-            <a:ext cx="564515" cy="0"/>
-          </a:xfrm>
-          <a:prstGeom prst="straightConnector1">
-            <a:avLst/>
-          </a:prstGeom>
-          <a:ln w="19050">
-            <a:solidFill>
-              <a:schemeClr val="tx1"/>
-            </a:solidFill>
-            <a:tailEnd type="triangle"/>
-          </a:ln>
-        </p:spPr>
-        <p:style>
-          <a:lnRef idx="1">
-            <a:schemeClr val="accent1"/>
-          </a:lnRef>
-          <a:fillRef idx="0">
-            <a:schemeClr val="accent1"/>
-          </a:fillRef>
-          <a:effectRef idx="0">
-            <a:schemeClr val="accent1"/>
-          </a:effectRef>
-          <a:fontRef idx="minor">
-            <a:schemeClr val="tx1"/>
-          </a:fontRef>
-        </p:style>
-      </p:cxnSp>
-      <p:cxnSp>
-        <p:nvCxnSpPr>
-          <p:cNvPr id="254" name="直線接點 253"/>
-          <p:cNvCxnSpPr/>
-          <p:nvPr/>
-        </p:nvCxnSpPr>
-        <p:spPr>
-          <a:xfrm>
-            <a:off x="10188691" y="4819548"/>
-            <a:ext cx="277945" cy="0"/>
-          </a:xfrm>
-          <a:prstGeom prst="line">
-            <a:avLst/>
-          </a:prstGeom>
-          <a:ln w="19050">
-            <a:solidFill>
-              <a:schemeClr val="tx1"/>
-            </a:solidFill>
-          </a:ln>
-        </p:spPr>
-        <p:style>
-          <a:lnRef idx="1">
-            <a:schemeClr val="accent1"/>
-          </a:lnRef>
-          <a:fillRef idx="0">
-            <a:schemeClr val="accent1"/>
-          </a:fillRef>
-          <a:effectRef idx="0">
-            <a:schemeClr val="accent1"/>
-          </a:effectRef>
-          <a:fontRef idx="minor">
-            <a:schemeClr val="tx1"/>
-          </a:fontRef>
-        </p:style>
-      </p:cxnSp>
       <p:sp>
         <p:nvSpPr>
           <p:cNvPr id="262" name="文字方塊 261"/>
@@ -10003,7 +9497,7 @@
         </p:nvSpPr>
         <p:spPr>
           <a:xfrm>
-            <a:off x="2321968" y="2767083"/>
+            <a:off x="2418009" y="2598600"/>
             <a:ext cx="1107997" cy="276999"/>
           </a:xfrm>
           <a:prstGeom prst="rect">
@@ -10042,7 +9536,7 @@
         </p:nvSpPr>
         <p:spPr>
           <a:xfrm>
-            <a:off x="7314482" y="2767083"/>
+            <a:off x="7433898" y="2700632"/>
             <a:ext cx="870751" cy="276999"/>
           </a:xfrm>
           <a:prstGeom prst="rect">
@@ -10071,129 +9565,7 @@
             </a:r>
             <a:r>
               <a:rPr lang="zh-TW" altLang="en-US" sz="1200" dirty="0" smtClean="0"/>
-              <a:t>定</a:t>
-            </a:r>
-            <a:r>
-              <a:rPr lang="zh-TW" altLang="en-US" sz="1200" dirty="0" smtClean="0"/>
-              <a:t>同意</a:t>
-            </a:r>
-            <a:r>
-              <a:rPr lang="en-US" altLang="zh-TW" sz="1200" dirty="0" smtClean="0"/>
-              <a:t>?</a:t>
-            </a:r>
-            <a:endParaRPr lang="zh-TW" altLang="en-US" sz="1200" dirty="0"/>
-          </a:p>
-        </p:txBody>
-      </p:sp>
-      <p:grpSp>
-        <p:nvGrpSpPr>
-          <p:cNvPr id="29" name="群組 28"/>
-          <p:cNvGrpSpPr/>
-          <p:nvPr/>
-        </p:nvGrpSpPr>
-        <p:grpSpPr>
-          <a:xfrm>
-            <a:off x="10836677" y="1204083"/>
-            <a:ext cx="1010381" cy="2004809"/>
-            <a:chOff x="10836677" y="1204083"/>
-            <a:chExt cx="1010381" cy="2004809"/>
-          </a:xfrm>
-        </p:grpSpPr>
-        <p:pic>
-          <p:nvPicPr>
-            <p:cNvPr id="85" name="圖片 84"/>
-            <p:cNvPicPr>
-              <a:picLocks noChangeAspect="1"/>
-            </p:cNvPicPr>
-            <p:nvPr/>
-          </p:nvPicPr>
-          <p:blipFill>
-            <a:blip r:embed="rId5" cstate="print">
-              <a:extLst>
-                <a:ext uri="{28A0092B-C50C-407E-A947-70E740481C1C}">
-                  <a14:useLocalDpi xmlns:a14="http://schemas.microsoft.com/office/drawing/2010/main" val="0"/>
-                </a:ext>
-              </a:extLst>
-            </a:blip>
-            <a:stretch>
-              <a:fillRect/>
-            </a:stretch>
-          </p:blipFill>
-          <p:spPr>
-            <a:xfrm>
-              <a:off x="10836677" y="1204083"/>
-              <a:ext cx="1010381" cy="2004809"/>
-            </a:xfrm>
-            <a:prstGeom prst="rect">
-              <a:avLst/>
-            </a:prstGeom>
-          </p:spPr>
-        </p:pic>
-        <p:pic>
-          <p:nvPicPr>
-            <p:cNvPr id="20" name="圖片 19"/>
-            <p:cNvPicPr>
-              <a:picLocks noChangeAspect="1"/>
-            </p:cNvPicPr>
-            <p:nvPr/>
-          </p:nvPicPr>
-          <p:blipFill>
-            <a:blip r:embed="rId6" cstate="print">
-              <a:extLst>
-                <a:ext uri="{28A0092B-C50C-407E-A947-70E740481C1C}">
-                  <a14:useLocalDpi xmlns:a14="http://schemas.microsoft.com/office/drawing/2010/main" val="0"/>
-                </a:ext>
-              </a:extLst>
-            </a:blip>
-            <a:stretch>
-              <a:fillRect/>
-            </a:stretch>
-          </p:blipFill>
-          <p:spPr>
-            <a:xfrm>
-              <a:off x="10952771" y="1972429"/>
-              <a:ext cx="779230" cy="420332"/>
-            </a:xfrm>
-            <a:prstGeom prst="rect">
-              <a:avLst/>
-            </a:prstGeom>
-          </p:spPr>
-        </p:pic>
-      </p:grpSp>
-      <p:sp>
-        <p:nvSpPr>
-          <p:cNvPr id="264" name="文字方塊 263"/>
-          <p:cNvSpPr txBox="1"/>
-          <p:nvPr/>
-        </p:nvSpPr>
-        <p:spPr>
-          <a:xfrm>
-            <a:off x="11124207" y="2797368"/>
-            <a:ext cx="870751" cy="276999"/>
-          </a:xfrm>
-          <a:prstGeom prst="rect">
-            <a:avLst/>
-          </a:prstGeom>
-          <a:solidFill>
-            <a:schemeClr val="accent1">
-              <a:lumMod val="20000"/>
-              <a:lumOff val="80000"/>
-            </a:schemeClr>
-          </a:solidFill>
-          <a:ln>
-            <a:noFill/>
-          </a:ln>
-        </p:spPr>
-        <p:txBody>
-          <a:bodyPr wrap="none" rtlCol="0">
-            <a:spAutoFit/>
-          </a:bodyPr>
-          <a:lstStyle/>
-          <a:p>
-            <a:pPr algn="ctr"/>
-            <a:r>
-              <a:rPr lang="zh-TW" altLang="en-US" sz="1200" dirty="0" smtClean="0"/>
-              <a:t>確定取消</a:t>
+              <a:t>定同意</a:t>
             </a:r>
             <a:r>
               <a:rPr lang="en-US" altLang="zh-TW" sz="1200" dirty="0" smtClean="0"/>
@@ -10211,7 +9583,7 @@
         </p:nvGrpSpPr>
         <p:grpSpPr>
           <a:xfrm>
-            <a:off x="4683064" y="3698592"/>
+            <a:off x="4763780" y="3871539"/>
             <a:ext cx="1010381" cy="2004809"/>
             <a:chOff x="4683064" y="3698592"/>
             <a:chExt cx="1010381" cy="2004809"/>
@@ -10286,7 +9658,7 @@
         </p:nvSpPr>
         <p:spPr>
           <a:xfrm>
-            <a:off x="5034424" y="5292083"/>
+            <a:off x="5115140" y="5465030"/>
             <a:ext cx="870751" cy="276999"/>
           </a:xfrm>
           <a:prstGeom prst="rect">
@@ -10329,7 +9701,7 @@
         </p:nvSpPr>
         <p:spPr>
           <a:xfrm>
-            <a:off x="2196738" y="2095812"/>
+            <a:off x="2292779" y="1927329"/>
             <a:ext cx="742950" cy="197447"/>
           </a:xfrm>
           <a:prstGeom prst="ellipse">
@@ -10375,7 +9747,7 @@
         </p:nvSpPr>
         <p:spPr>
           <a:xfrm>
-            <a:off x="7579916" y="2148792"/>
+            <a:off x="7699332" y="2082341"/>
             <a:ext cx="339884" cy="176427"/>
           </a:xfrm>
           <a:prstGeom prst="ellipse">
@@ -10421,8 +9793,8 @@
         </p:nvSpPr>
         <p:spPr>
           <a:xfrm>
-            <a:off x="6577401" y="4012977"/>
-            <a:ext cx="1505862" cy="307777"/>
+            <a:off x="9643502" y="3430396"/>
+            <a:ext cx="610451" cy="276999"/>
           </a:xfrm>
           <a:prstGeom prst="rect">
             <a:avLst/>
@@ -10440,11 +9812,11 @@
           <a:p>
             <a:pPr algn="ctr"/>
             <a:r>
-              <a:rPr lang="zh-TW" altLang="en-US" sz="1400" dirty="0" smtClean="0"/>
+              <a:rPr lang="zh-TW" altLang="en-US" sz="1200" dirty="0" smtClean="0"/>
               <a:t>取</a:t>
             </a:r>
             <a:r>
-              <a:rPr lang="zh-TW" altLang="en-US" sz="1400" dirty="0"/>
+              <a:rPr lang="zh-TW" altLang="en-US" sz="1200" dirty="0"/>
               <a:t>消</a:t>
             </a:r>
           </a:p>
@@ -10452,14 +9824,83 @@
       </p:sp>
       <p:cxnSp>
         <p:nvCxnSpPr>
-          <p:cNvPr id="112" name="直線接點 111"/>
+          <p:cNvPr id="92" name="直線單箭頭接點 91"/>
           <p:cNvCxnSpPr/>
           <p:nvPr/>
         </p:nvCxnSpPr>
         <p:spPr>
-          <a:xfrm>
-            <a:off x="6235928" y="3479618"/>
-            <a:ext cx="1299489" cy="0"/>
+          <a:xfrm flipV="1">
+            <a:off x="9571489" y="2262819"/>
+            <a:ext cx="0" cy="651711"/>
+          </a:xfrm>
+          <a:prstGeom prst="straightConnector1">
+            <a:avLst/>
+          </a:prstGeom>
+          <a:ln w="19050">
+            <a:solidFill>
+              <a:schemeClr val="tx1"/>
+            </a:solidFill>
+            <a:tailEnd type="triangle"/>
+          </a:ln>
+        </p:spPr>
+        <p:style>
+          <a:lnRef idx="1">
+            <a:schemeClr val="accent1"/>
+          </a:lnRef>
+          <a:fillRef idx="0">
+            <a:schemeClr val="accent1"/>
+          </a:fillRef>
+          <a:effectRef idx="0">
+            <a:schemeClr val="accent1"/>
+          </a:effectRef>
+          <a:fontRef idx="minor">
+            <a:schemeClr val="tx1"/>
+          </a:fontRef>
+        </p:style>
+      </p:cxnSp>
+      <p:sp>
+        <p:nvSpPr>
+          <p:cNvPr id="93" name="文字方塊 92"/>
+          <p:cNvSpPr txBox="1"/>
+          <p:nvPr/>
+        </p:nvSpPr>
+        <p:spPr>
+          <a:xfrm>
+            <a:off x="9080359" y="4343088"/>
+            <a:ext cx="1505862" cy="276999"/>
+          </a:xfrm>
+          <a:prstGeom prst="rect">
+            <a:avLst/>
+          </a:prstGeom>
+          <a:noFill/>
+          <a:ln>
+            <a:noFill/>
+          </a:ln>
+        </p:spPr>
+        <p:txBody>
+          <a:bodyPr wrap="square" rtlCol="0">
+            <a:spAutoFit/>
+          </a:bodyPr>
+          <a:lstStyle/>
+          <a:p>
+            <a:pPr algn="ctr"/>
+            <a:r>
+              <a:rPr lang="zh-TW" altLang="en-US" sz="1200" dirty="0"/>
+              <a:t>否</a:t>
+            </a:r>
+          </a:p>
+        </p:txBody>
+      </p:sp>
+      <p:cxnSp>
+        <p:nvCxnSpPr>
+          <p:cNvPr id="94" name="直線接點 93"/>
+          <p:cNvCxnSpPr/>
+          <p:nvPr/>
+        </p:nvCxnSpPr>
+        <p:spPr>
+          <a:xfrm>
+            <a:off x="9597499" y="4624219"/>
+            <a:ext cx="419505" cy="0"/>
           </a:xfrm>
           <a:prstGeom prst="line">
             <a:avLst/>
@@ -10487,14 +9928,226 @@
       </p:cxnSp>
       <p:cxnSp>
         <p:nvCxnSpPr>
-          <p:cNvPr id="114" name="直線接點 113"/>
+          <p:cNvPr id="96" name="直線接點 95"/>
           <p:cNvCxnSpPr/>
           <p:nvPr/>
         </p:nvCxnSpPr>
         <p:spPr>
           <a:xfrm>
-            <a:off x="7537608" y="3239833"/>
-            <a:ext cx="0" cy="233537"/>
+            <a:off x="9773609" y="2096024"/>
+            <a:ext cx="1273744" cy="0"/>
+          </a:xfrm>
+          <a:prstGeom prst="line">
+            <a:avLst/>
+          </a:prstGeom>
+          <a:ln w="19050">
+            <a:solidFill>
+              <a:srgbClr val="FF0000"/>
+            </a:solidFill>
+          </a:ln>
+        </p:spPr>
+        <p:style>
+          <a:lnRef idx="1">
+            <a:schemeClr val="accent1"/>
+          </a:lnRef>
+          <a:fillRef idx="0">
+            <a:schemeClr val="accent1"/>
+          </a:fillRef>
+          <a:effectRef idx="0">
+            <a:schemeClr val="accent1"/>
+          </a:effectRef>
+          <a:fontRef idx="minor">
+            <a:schemeClr val="tx1"/>
+          </a:fontRef>
+        </p:style>
+      </p:cxnSp>
+      <p:cxnSp>
+        <p:nvCxnSpPr>
+          <p:cNvPr id="103" name="直線接點 102"/>
+          <p:cNvCxnSpPr/>
+          <p:nvPr/>
+        </p:nvCxnSpPr>
+        <p:spPr>
+          <a:xfrm>
+            <a:off x="9031593" y="2302582"/>
+            <a:ext cx="0" cy="2642012"/>
+          </a:xfrm>
+          <a:prstGeom prst="line">
+            <a:avLst/>
+          </a:prstGeom>
+          <a:ln w="19050">
+            <a:solidFill>
+              <a:schemeClr val="tx1"/>
+            </a:solidFill>
+          </a:ln>
+        </p:spPr>
+        <p:style>
+          <a:lnRef idx="1">
+            <a:schemeClr val="accent1"/>
+          </a:lnRef>
+          <a:fillRef idx="0">
+            <a:schemeClr val="accent1"/>
+          </a:fillRef>
+          <a:effectRef idx="0">
+            <a:schemeClr val="accent1"/>
+          </a:effectRef>
+          <a:fontRef idx="minor">
+            <a:schemeClr val="tx1"/>
+          </a:fontRef>
+        </p:style>
+      </p:cxnSp>
+      <p:cxnSp>
+        <p:nvCxnSpPr>
+          <p:cNvPr id="106" name="直線接點 105"/>
+          <p:cNvCxnSpPr/>
+          <p:nvPr/>
+        </p:nvCxnSpPr>
+        <p:spPr>
+          <a:xfrm>
+            <a:off x="9031593" y="3696560"/>
+            <a:ext cx="1296822" cy="0"/>
+          </a:xfrm>
+          <a:prstGeom prst="line">
+            <a:avLst/>
+          </a:prstGeom>
+          <a:ln w="19050">
+            <a:solidFill>
+              <a:schemeClr val="tx1"/>
+            </a:solidFill>
+          </a:ln>
+        </p:spPr>
+        <p:style>
+          <a:lnRef idx="1">
+            <a:schemeClr val="accent1"/>
+          </a:lnRef>
+          <a:fillRef idx="0">
+            <a:schemeClr val="accent1"/>
+          </a:fillRef>
+          <a:effectRef idx="0">
+            <a:schemeClr val="accent1"/>
+          </a:effectRef>
+          <a:fontRef idx="minor">
+            <a:schemeClr val="tx1"/>
+          </a:fontRef>
+        </p:style>
+      </p:cxnSp>
+      <p:cxnSp>
+        <p:nvCxnSpPr>
+          <p:cNvPr id="115" name="直線接點 114"/>
+          <p:cNvCxnSpPr/>
+          <p:nvPr/>
+        </p:nvCxnSpPr>
+        <p:spPr>
+          <a:xfrm>
+            <a:off x="9597499" y="3853007"/>
+            <a:ext cx="0" cy="779834"/>
+          </a:xfrm>
+          <a:prstGeom prst="line">
+            <a:avLst/>
+          </a:prstGeom>
+          <a:ln w="19050">
+            <a:solidFill>
+              <a:schemeClr val="tx1"/>
+            </a:solidFill>
+          </a:ln>
+        </p:spPr>
+        <p:style>
+          <a:lnRef idx="1">
+            <a:schemeClr val="accent1"/>
+          </a:lnRef>
+          <a:fillRef idx="0">
+            <a:schemeClr val="accent1"/>
+          </a:fillRef>
+          <a:effectRef idx="0">
+            <a:schemeClr val="accent1"/>
+          </a:effectRef>
+          <a:fontRef idx="minor">
+            <a:schemeClr val="tx1"/>
+          </a:fontRef>
+        </p:style>
+      </p:cxnSp>
+      <p:sp>
+        <p:nvSpPr>
+          <p:cNvPr id="118" name="文字方塊 117"/>
+          <p:cNvSpPr txBox="1"/>
+          <p:nvPr/>
+        </p:nvSpPr>
+        <p:spPr>
+          <a:xfrm>
+            <a:off x="8526393" y="2404859"/>
+            <a:ext cx="610451" cy="276999"/>
+          </a:xfrm>
+          <a:prstGeom prst="rect">
+            <a:avLst/>
+          </a:prstGeom>
+          <a:noFill/>
+          <a:ln>
+            <a:noFill/>
+          </a:ln>
+        </p:spPr>
+        <p:txBody>
+          <a:bodyPr wrap="square" rtlCol="0">
+            <a:spAutoFit/>
+          </a:bodyPr>
+          <a:lstStyle/>
+          <a:p>
+            <a:pPr algn="ctr"/>
+            <a:r>
+              <a:rPr lang="zh-TW" altLang="en-US" sz="1200" dirty="0" smtClean="0"/>
+              <a:t>取</a:t>
+            </a:r>
+            <a:r>
+              <a:rPr lang="zh-TW" altLang="en-US" sz="1200" dirty="0"/>
+              <a:t>消</a:t>
+            </a:r>
+          </a:p>
+        </p:txBody>
+      </p:sp>
+      <p:cxnSp>
+        <p:nvCxnSpPr>
+          <p:cNvPr id="119" name="直線接點 118"/>
+          <p:cNvCxnSpPr/>
+          <p:nvPr/>
+        </p:nvCxnSpPr>
+        <p:spPr>
+          <a:xfrm>
+            <a:off x="6311282" y="3453536"/>
+            <a:ext cx="1343551" cy="0"/>
+          </a:xfrm>
+          <a:prstGeom prst="line">
+            <a:avLst/>
+          </a:prstGeom>
+          <a:ln w="19050">
+            <a:solidFill>
+              <a:schemeClr val="tx1"/>
+            </a:solidFill>
+          </a:ln>
+        </p:spPr>
+        <p:style>
+          <a:lnRef idx="1">
+            <a:schemeClr val="accent1"/>
+          </a:lnRef>
+          <a:fillRef idx="0">
+            <a:schemeClr val="accent1"/>
+          </a:fillRef>
+          <a:effectRef idx="0">
+            <a:schemeClr val="accent1"/>
+          </a:effectRef>
+          <a:fontRef idx="minor">
+            <a:schemeClr val="tx1"/>
+          </a:fontRef>
+        </p:style>
+      </p:cxnSp>
+      <p:cxnSp>
+        <p:nvCxnSpPr>
+          <p:cNvPr id="124" name="直線接點 123"/>
+          <p:cNvCxnSpPr/>
+          <p:nvPr/>
+        </p:nvCxnSpPr>
+        <p:spPr>
+          <a:xfrm>
+            <a:off x="7654833" y="3157692"/>
+            <a:ext cx="0" cy="295844"/>
           </a:xfrm>
           <a:prstGeom prst="line">
             <a:avLst/>
@@ -10552,7 +10205,7 @@
       </p:grpSpPr>
       <p:pic>
         <p:nvPicPr>
-          <p:cNvPr id="3" name="圖片 2"/>
+          <p:cNvPr id="6" name="圖片 5"/>
           <p:cNvPicPr>
             <a:picLocks noChangeAspect="1"/>
           </p:cNvPicPr>
@@ -10572,17 +10225,1662 @@
         </p:blipFill>
         <p:spPr>
           <a:xfrm>
-            <a:off x="6776763" y="2849879"/>
-            <a:ext cx="963477" cy="1911741"/>
+            <a:off x="8576160" y="2748680"/>
+            <a:ext cx="950937" cy="1886860"/>
           </a:xfrm>
           <a:prstGeom prst="rect">
             <a:avLst/>
           </a:prstGeom>
         </p:spPr>
       </p:pic>
+      <p:sp>
+        <p:nvSpPr>
+          <p:cNvPr id="8" name="文字方塊 7"/>
+          <p:cNvSpPr txBox="1"/>
+          <p:nvPr/>
+        </p:nvSpPr>
+        <p:spPr>
+          <a:xfrm>
+            <a:off x="1322337" y="982600"/>
+            <a:ext cx="1505862" cy="276999"/>
+          </a:xfrm>
+          <a:prstGeom prst="rect">
+            <a:avLst/>
+          </a:prstGeom>
+          <a:noFill/>
+          <a:ln>
+            <a:noFill/>
+          </a:ln>
+        </p:spPr>
+        <p:txBody>
+          <a:bodyPr wrap="square" rtlCol="0">
+            <a:spAutoFit/>
+          </a:bodyPr>
+          <a:lstStyle/>
+          <a:p>
+            <a:pPr algn="ctr"/>
+            <a:r>
+              <a:rPr lang="zh-TW" altLang="en-US" sz="1200" dirty="0" smtClean="0"/>
+              <a:t>取得</a:t>
+            </a:r>
+            <a:endParaRPr lang="zh-TW" altLang="en-US" sz="1200" dirty="0"/>
+          </a:p>
+        </p:txBody>
+      </p:sp>
+      <p:sp>
+        <p:nvSpPr>
+          <p:cNvPr id="9" name="文字方塊 8"/>
+          <p:cNvSpPr txBox="1"/>
+          <p:nvPr/>
+        </p:nvSpPr>
+        <p:spPr>
+          <a:xfrm>
+            <a:off x="2435241" y="1029764"/>
+            <a:ext cx="1793399" cy="611386"/>
+          </a:xfrm>
+          <a:prstGeom prst="flowChartDecision">
+            <a:avLst/>
+          </a:prstGeom>
+          <a:noFill/>
+          <a:ln>
+            <a:solidFill>
+              <a:schemeClr val="tx1"/>
+            </a:solidFill>
+          </a:ln>
+        </p:spPr>
+        <p:txBody>
+          <a:bodyPr wrap="none" rtlCol="0">
+            <a:spAutoFit/>
+          </a:bodyPr>
+          <a:lstStyle/>
+          <a:p>
+            <a:pPr algn="ctr"/>
+            <a:r>
+              <a:rPr lang="zh-TW" altLang="en-US" sz="1400" dirty="0" smtClean="0"/>
+              <a:t>是否登陸</a:t>
+            </a:r>
+            <a:endParaRPr lang="zh-TW" altLang="en-US" sz="1400" dirty="0"/>
+          </a:p>
+        </p:txBody>
+      </p:sp>
+      <p:sp>
+        <p:nvSpPr>
+          <p:cNvPr id="11" name="文字方塊 10"/>
+          <p:cNvSpPr txBox="1"/>
+          <p:nvPr/>
+        </p:nvSpPr>
+        <p:spPr>
+          <a:xfrm>
+            <a:off x="3400094" y="4974104"/>
+            <a:ext cx="492443" cy="276999"/>
+          </a:xfrm>
+          <a:prstGeom prst="rect">
+            <a:avLst/>
+          </a:prstGeom>
+          <a:noFill/>
+          <a:ln>
+            <a:noFill/>
+          </a:ln>
+        </p:spPr>
+        <p:txBody>
+          <a:bodyPr wrap="none" rtlCol="0">
+            <a:spAutoFit/>
+          </a:bodyPr>
+          <a:lstStyle/>
+          <a:p>
+            <a:pPr algn="ctr"/>
+            <a:r>
+              <a:rPr lang="zh-TW" altLang="en-US" sz="1200" dirty="0"/>
+              <a:t>確定</a:t>
+            </a:r>
+          </a:p>
+        </p:txBody>
+      </p:sp>
+      <p:sp>
+        <p:nvSpPr>
+          <p:cNvPr id="12" name="文字方塊 11"/>
+          <p:cNvSpPr txBox="1"/>
+          <p:nvPr/>
+        </p:nvSpPr>
+        <p:spPr>
+          <a:xfrm>
+            <a:off x="2372515" y="5595834"/>
+            <a:ext cx="1958982" cy="611386"/>
+          </a:xfrm>
+          <a:prstGeom prst="flowChartDecision">
+            <a:avLst/>
+          </a:prstGeom>
+          <a:noFill/>
+          <a:ln>
+            <a:solidFill>
+              <a:schemeClr val="tx1"/>
+            </a:solidFill>
+          </a:ln>
+        </p:spPr>
+        <p:txBody>
+          <a:bodyPr wrap="none" rtlCol="0">
+            <a:spAutoFit/>
+          </a:bodyPr>
+          <a:lstStyle/>
+          <a:p>
+            <a:pPr algn="ctr"/>
+            <a:r>
+              <a:rPr lang="zh-TW" altLang="en-US" sz="1400" dirty="0" smtClean="0"/>
+              <a:t>密碼正確</a:t>
+            </a:r>
+            <a:r>
+              <a:rPr lang="en-US" altLang="zh-TW" sz="1400" dirty="0" smtClean="0"/>
+              <a:t>?</a:t>
+            </a:r>
+            <a:endParaRPr lang="zh-TW" altLang="en-US" sz="1400" dirty="0"/>
+          </a:p>
+        </p:txBody>
+      </p:sp>
+      <p:sp>
+        <p:nvSpPr>
+          <p:cNvPr id="16" name="文字方塊 15"/>
+          <p:cNvSpPr txBox="1"/>
+          <p:nvPr/>
+        </p:nvSpPr>
+        <p:spPr>
+          <a:xfrm>
+            <a:off x="6495418" y="4991429"/>
+            <a:ext cx="1245699" cy="611386"/>
+          </a:xfrm>
+          <a:prstGeom prst="flowChartDecision">
+            <a:avLst/>
+          </a:prstGeom>
+          <a:noFill/>
+          <a:ln>
+            <a:solidFill>
+              <a:schemeClr val="tx1"/>
+            </a:solidFill>
+          </a:ln>
+        </p:spPr>
+        <p:txBody>
+          <a:bodyPr wrap="none" rtlCol="0">
+            <a:spAutoFit/>
+          </a:bodyPr>
+          <a:lstStyle/>
+          <a:p>
+            <a:pPr algn="ctr"/>
+            <a:r>
+              <a:rPr lang="zh-TW" altLang="en-US" sz="1400" dirty="0" smtClean="0"/>
+              <a:t>成功</a:t>
+            </a:r>
+            <a:r>
+              <a:rPr lang="en-US" altLang="zh-TW" sz="1400" dirty="0" smtClean="0"/>
+              <a:t>?</a:t>
+            </a:r>
+          </a:p>
+        </p:txBody>
+      </p:sp>
+      <p:sp>
+        <p:nvSpPr>
+          <p:cNvPr id="17" name="文字方塊 16"/>
+          <p:cNvSpPr txBox="1"/>
+          <p:nvPr/>
+        </p:nvSpPr>
+        <p:spPr>
+          <a:xfrm>
+            <a:off x="859723" y="4776103"/>
+            <a:ext cx="1793399" cy="611386"/>
+          </a:xfrm>
+          <a:prstGeom prst="flowChartDecision">
+            <a:avLst/>
+          </a:prstGeom>
+          <a:noFill/>
+          <a:ln>
+            <a:solidFill>
+              <a:schemeClr val="tx1"/>
+            </a:solidFill>
+          </a:ln>
+        </p:spPr>
+        <p:txBody>
+          <a:bodyPr wrap="none" rtlCol="0">
+            <a:spAutoFit/>
+          </a:bodyPr>
+          <a:lstStyle/>
+          <a:p>
+            <a:pPr algn="ctr"/>
+            <a:r>
+              <a:rPr lang="zh-TW" altLang="en-US" sz="1400" dirty="0" smtClean="0"/>
+              <a:t>再試一</a:t>
+            </a:r>
+            <a:r>
+              <a:rPr lang="zh-TW" altLang="en-US" sz="1400" dirty="0"/>
+              <a:t>次</a:t>
+            </a:r>
+          </a:p>
+        </p:txBody>
+      </p:sp>
+      <p:cxnSp>
+        <p:nvCxnSpPr>
+          <p:cNvPr id="19" name="直線單箭頭接點 18"/>
+          <p:cNvCxnSpPr/>
+          <p:nvPr/>
+        </p:nvCxnSpPr>
+        <p:spPr>
+          <a:xfrm>
+            <a:off x="3341108" y="1713479"/>
+            <a:ext cx="0" cy="965362"/>
+          </a:xfrm>
+          <a:prstGeom prst="straightConnector1">
+            <a:avLst/>
+          </a:prstGeom>
+          <a:ln w="19050">
+            <a:solidFill>
+              <a:srgbClr val="FF0000"/>
+            </a:solidFill>
+            <a:tailEnd type="triangle"/>
+          </a:ln>
+        </p:spPr>
+        <p:style>
+          <a:lnRef idx="1">
+            <a:schemeClr val="accent1"/>
+          </a:lnRef>
+          <a:fillRef idx="0">
+            <a:schemeClr val="accent1"/>
+          </a:fillRef>
+          <a:effectRef idx="0">
+            <a:schemeClr val="accent1"/>
+          </a:effectRef>
+          <a:fontRef idx="minor">
+            <a:schemeClr val="tx1"/>
+          </a:fontRef>
+        </p:style>
+      </p:cxnSp>
+      <p:cxnSp>
+        <p:nvCxnSpPr>
+          <p:cNvPr id="20" name="直線單箭頭接點 19"/>
+          <p:cNvCxnSpPr/>
+          <p:nvPr/>
+        </p:nvCxnSpPr>
+        <p:spPr>
+          <a:xfrm>
+            <a:off x="3359600" y="4832693"/>
+            <a:ext cx="0" cy="683221"/>
+          </a:xfrm>
+          <a:prstGeom prst="straightConnector1">
+            <a:avLst/>
+          </a:prstGeom>
+          <a:ln w="19050">
+            <a:solidFill>
+              <a:srgbClr val="FF0000"/>
+            </a:solidFill>
+            <a:tailEnd type="triangle"/>
+          </a:ln>
+        </p:spPr>
+        <p:style>
+          <a:lnRef idx="1">
+            <a:schemeClr val="accent1"/>
+          </a:lnRef>
+          <a:fillRef idx="0">
+            <a:schemeClr val="accent1"/>
+          </a:fillRef>
+          <a:effectRef idx="0">
+            <a:schemeClr val="accent1"/>
+          </a:effectRef>
+          <a:fontRef idx="minor">
+            <a:schemeClr val="tx1"/>
+          </a:fontRef>
+        </p:style>
+      </p:cxnSp>
+      <p:sp>
+        <p:nvSpPr>
+          <p:cNvPr id="22" name="文字方塊 21"/>
+          <p:cNvSpPr txBox="1"/>
+          <p:nvPr/>
+        </p:nvSpPr>
+        <p:spPr>
+          <a:xfrm>
+            <a:off x="2910926" y="1993070"/>
+            <a:ext cx="338554" cy="276999"/>
+          </a:xfrm>
+          <a:prstGeom prst="rect">
+            <a:avLst/>
+          </a:prstGeom>
+          <a:noFill/>
+          <a:ln>
+            <a:noFill/>
+          </a:ln>
+        </p:spPr>
+        <p:txBody>
+          <a:bodyPr wrap="none" rtlCol="0">
+            <a:spAutoFit/>
+          </a:bodyPr>
+          <a:lstStyle/>
+          <a:p>
+            <a:pPr algn="ctr"/>
+            <a:r>
+              <a:rPr lang="zh-TW" altLang="en-US" sz="1200" dirty="0" smtClean="0"/>
+              <a:t>是</a:t>
+            </a:r>
+            <a:endParaRPr lang="zh-TW" altLang="en-US" sz="1200" dirty="0"/>
+          </a:p>
+        </p:txBody>
+      </p:sp>
+      <p:sp>
+        <p:nvSpPr>
+          <p:cNvPr id="23" name="文字方塊 22"/>
+          <p:cNvSpPr txBox="1"/>
+          <p:nvPr/>
+        </p:nvSpPr>
+        <p:spPr>
+          <a:xfrm>
+            <a:off x="4836649" y="5648999"/>
+            <a:ext cx="338554" cy="276999"/>
+          </a:xfrm>
+          <a:prstGeom prst="rect">
+            <a:avLst/>
+          </a:prstGeom>
+          <a:noFill/>
+          <a:ln>
+            <a:noFill/>
+          </a:ln>
+        </p:spPr>
+        <p:txBody>
+          <a:bodyPr wrap="none" rtlCol="0">
+            <a:spAutoFit/>
+          </a:bodyPr>
+          <a:lstStyle/>
+          <a:p>
+            <a:pPr algn="ctr"/>
+            <a:r>
+              <a:rPr lang="zh-TW" altLang="en-US" sz="1200" dirty="0" smtClean="0"/>
+              <a:t>是</a:t>
+            </a:r>
+            <a:endParaRPr lang="zh-TW" altLang="en-US" sz="1200" dirty="0"/>
+          </a:p>
+        </p:txBody>
+      </p:sp>
+      <p:sp>
+        <p:nvSpPr>
+          <p:cNvPr id="29" name="文字方塊 28"/>
+          <p:cNvSpPr txBox="1"/>
+          <p:nvPr/>
+        </p:nvSpPr>
+        <p:spPr>
+          <a:xfrm>
+            <a:off x="270933" y="1147568"/>
+            <a:ext cx="1505862" cy="340519"/>
+          </a:xfrm>
+          <a:prstGeom prst="roundRect">
+            <a:avLst/>
+          </a:prstGeom>
+          <a:solidFill>
+            <a:schemeClr val="accent1">
+              <a:lumMod val="60000"/>
+              <a:lumOff val="40000"/>
+            </a:schemeClr>
+          </a:solidFill>
+          <a:ln>
+            <a:solidFill>
+              <a:schemeClr val="tx1"/>
+            </a:solidFill>
+          </a:ln>
+        </p:spPr>
+        <p:txBody>
+          <a:bodyPr wrap="square" rtlCol="0">
+            <a:spAutoFit/>
+          </a:bodyPr>
+          <a:lstStyle/>
+          <a:p>
+            <a:pPr algn="ctr"/>
+            <a:r>
+              <a:rPr lang="en-US" altLang="zh-TW" sz="1400" dirty="0" smtClean="0"/>
+              <a:t>APP</a:t>
+            </a:r>
+            <a:endParaRPr lang="zh-TW" altLang="en-US" sz="1400" dirty="0"/>
+          </a:p>
+        </p:txBody>
+      </p:sp>
+      <p:sp>
+        <p:nvSpPr>
+          <p:cNvPr id="32" name="文字方塊 31"/>
+          <p:cNvSpPr txBox="1"/>
+          <p:nvPr/>
+        </p:nvSpPr>
+        <p:spPr>
+          <a:xfrm>
+            <a:off x="1375777" y="4269195"/>
+            <a:ext cx="338554" cy="276999"/>
+          </a:xfrm>
+          <a:prstGeom prst="rect">
+            <a:avLst/>
+          </a:prstGeom>
+          <a:noFill/>
+          <a:ln>
+            <a:noFill/>
+          </a:ln>
+        </p:spPr>
+        <p:txBody>
+          <a:bodyPr wrap="none" rtlCol="0">
+            <a:spAutoFit/>
+          </a:bodyPr>
+          <a:lstStyle/>
+          <a:p>
+            <a:pPr algn="ctr"/>
+            <a:r>
+              <a:rPr lang="zh-TW" altLang="en-US" sz="1200" dirty="0" smtClean="0"/>
+              <a:t>是</a:t>
+            </a:r>
+            <a:endParaRPr lang="zh-TW" altLang="en-US" sz="1200" dirty="0"/>
+          </a:p>
+        </p:txBody>
+      </p:sp>
+      <p:sp>
+        <p:nvSpPr>
+          <p:cNvPr id="33" name="文字方塊 32"/>
+          <p:cNvSpPr txBox="1"/>
+          <p:nvPr/>
+        </p:nvSpPr>
+        <p:spPr>
+          <a:xfrm>
+            <a:off x="485487" y="4776103"/>
+            <a:ext cx="338554" cy="276999"/>
+          </a:xfrm>
+          <a:prstGeom prst="rect">
+            <a:avLst/>
+          </a:prstGeom>
+          <a:noFill/>
+          <a:ln>
+            <a:noFill/>
+          </a:ln>
+        </p:spPr>
+        <p:txBody>
+          <a:bodyPr wrap="none" rtlCol="0">
+            <a:spAutoFit/>
+          </a:bodyPr>
+          <a:lstStyle/>
+          <a:p>
+            <a:pPr algn="ctr"/>
+            <a:r>
+              <a:rPr lang="zh-TW" altLang="en-US" sz="1200" dirty="0" smtClean="0"/>
+              <a:t>否</a:t>
+            </a:r>
+            <a:endParaRPr lang="zh-TW" altLang="en-US" sz="1200" dirty="0"/>
+          </a:p>
+        </p:txBody>
+      </p:sp>
+      <p:sp>
+        <p:nvSpPr>
+          <p:cNvPr id="35" name="文字方塊 34"/>
+          <p:cNvSpPr txBox="1"/>
+          <p:nvPr/>
+        </p:nvSpPr>
+        <p:spPr>
+          <a:xfrm>
+            <a:off x="5558231" y="2359500"/>
+            <a:ext cx="1023036" cy="276999"/>
+          </a:xfrm>
+          <a:prstGeom prst="rect">
+            <a:avLst/>
+          </a:prstGeom>
+          <a:noFill/>
+          <a:ln>
+            <a:noFill/>
+          </a:ln>
+        </p:spPr>
+        <p:txBody>
+          <a:bodyPr wrap="none" rtlCol="0">
+            <a:spAutoFit/>
+          </a:bodyPr>
+          <a:lstStyle/>
+          <a:p>
+            <a:pPr algn="ctr"/>
+            <a:r>
+              <a:rPr lang="zh-TW" altLang="en-US" sz="1200" dirty="0" smtClean="0"/>
+              <a:t>現有</a:t>
+            </a:r>
+            <a:r>
+              <a:rPr lang="en-US" altLang="zh-TW" sz="1200" dirty="0" smtClean="0"/>
+              <a:t>Apple</a:t>
+            </a:r>
+            <a:r>
+              <a:rPr lang="zh-TW" altLang="en-US" sz="1200" dirty="0" smtClean="0"/>
+              <a:t> </a:t>
+            </a:r>
+            <a:r>
+              <a:rPr lang="en-US" altLang="zh-TW" sz="1200" dirty="0" smtClean="0"/>
+              <a:t>ID</a:t>
+            </a:r>
+            <a:endParaRPr lang="zh-TW" altLang="en-US" sz="1200" dirty="0"/>
+          </a:p>
+        </p:txBody>
+      </p:sp>
+      <p:sp>
+        <p:nvSpPr>
+          <p:cNvPr id="36" name="文字方塊 35"/>
+          <p:cNvSpPr txBox="1"/>
+          <p:nvPr/>
+        </p:nvSpPr>
+        <p:spPr>
+          <a:xfrm>
+            <a:off x="7004156" y="746494"/>
+            <a:ext cx="1023036" cy="276999"/>
+          </a:xfrm>
+          <a:prstGeom prst="rect">
+            <a:avLst/>
+          </a:prstGeom>
+          <a:noFill/>
+          <a:ln>
+            <a:noFill/>
+          </a:ln>
+        </p:spPr>
+        <p:txBody>
+          <a:bodyPr wrap="none" rtlCol="0">
+            <a:spAutoFit/>
+          </a:bodyPr>
+          <a:lstStyle/>
+          <a:p>
+            <a:pPr algn="ctr"/>
+            <a:r>
+              <a:rPr lang="zh-TW" altLang="en-US" sz="1200" dirty="0" smtClean="0"/>
+              <a:t>新</a:t>
+            </a:r>
+            <a:r>
+              <a:rPr lang="zh-TW" altLang="en-US" sz="1200" dirty="0"/>
+              <a:t>增</a:t>
+            </a:r>
+            <a:r>
+              <a:rPr lang="en-US" altLang="zh-TW" sz="1200" dirty="0" smtClean="0"/>
+              <a:t>Apple</a:t>
+            </a:r>
+            <a:r>
+              <a:rPr lang="zh-TW" altLang="en-US" sz="1200" dirty="0" smtClean="0"/>
+              <a:t> </a:t>
+            </a:r>
+            <a:r>
+              <a:rPr lang="en-US" altLang="zh-TW" sz="1200" dirty="0" smtClean="0"/>
+              <a:t>ID</a:t>
+            </a:r>
+            <a:endParaRPr lang="zh-TW" altLang="en-US" sz="1200" dirty="0"/>
+          </a:p>
+        </p:txBody>
+      </p:sp>
+      <p:sp>
+        <p:nvSpPr>
+          <p:cNvPr id="37" name="文字方塊 36"/>
+          <p:cNvSpPr txBox="1"/>
+          <p:nvPr/>
+        </p:nvSpPr>
+        <p:spPr>
+          <a:xfrm>
+            <a:off x="7329459" y="1204586"/>
+            <a:ext cx="492443" cy="276999"/>
+          </a:xfrm>
+          <a:prstGeom prst="rect">
+            <a:avLst/>
+          </a:prstGeom>
+          <a:noFill/>
+          <a:ln>
+            <a:noFill/>
+          </a:ln>
+        </p:spPr>
+        <p:txBody>
+          <a:bodyPr wrap="none" rtlCol="0">
+            <a:spAutoFit/>
+          </a:bodyPr>
+          <a:lstStyle/>
+          <a:p>
+            <a:pPr algn="ctr"/>
+            <a:r>
+              <a:rPr lang="zh-TW" altLang="en-US" sz="1200" dirty="0" smtClean="0"/>
+              <a:t>取消</a:t>
+            </a:r>
+            <a:endParaRPr lang="zh-TW" altLang="en-US" sz="1200" dirty="0"/>
+          </a:p>
+        </p:txBody>
+      </p:sp>
+      <p:cxnSp>
+        <p:nvCxnSpPr>
+          <p:cNvPr id="39" name="直線單箭頭接點 38"/>
+          <p:cNvCxnSpPr/>
+          <p:nvPr/>
+        </p:nvCxnSpPr>
+        <p:spPr>
+          <a:xfrm>
+            <a:off x="6113140" y="1102107"/>
+            <a:ext cx="2834167" cy="0"/>
+          </a:xfrm>
+          <a:prstGeom prst="straightConnector1">
+            <a:avLst/>
+          </a:prstGeom>
+          <a:ln w="19050">
+            <a:solidFill>
+              <a:srgbClr val="FF0000"/>
+            </a:solidFill>
+            <a:tailEnd type="triangle"/>
+          </a:ln>
+        </p:spPr>
+        <p:style>
+          <a:lnRef idx="1">
+            <a:schemeClr val="accent1"/>
+          </a:lnRef>
+          <a:fillRef idx="0">
+            <a:schemeClr val="accent1"/>
+          </a:fillRef>
+          <a:effectRef idx="0">
+            <a:schemeClr val="accent1"/>
+          </a:effectRef>
+          <a:fontRef idx="minor">
+            <a:schemeClr val="tx1"/>
+          </a:fontRef>
+        </p:style>
+      </p:cxnSp>
+      <p:sp>
+        <p:nvSpPr>
+          <p:cNvPr id="40" name="文字方塊 39"/>
+          <p:cNvSpPr txBox="1"/>
+          <p:nvPr/>
+        </p:nvSpPr>
+        <p:spPr>
+          <a:xfrm>
+            <a:off x="9048189" y="869605"/>
+            <a:ext cx="1262590" cy="307777"/>
+          </a:xfrm>
+          <a:prstGeom prst="rect">
+            <a:avLst/>
+          </a:prstGeom>
+          <a:noFill/>
+          <a:ln>
+            <a:solidFill>
+              <a:schemeClr val="tx1"/>
+            </a:solidFill>
+          </a:ln>
+        </p:spPr>
+        <p:txBody>
+          <a:bodyPr wrap="square" rtlCol="0">
+            <a:spAutoFit/>
+          </a:bodyPr>
+          <a:lstStyle/>
+          <a:p>
+            <a:pPr algn="ctr"/>
+            <a:r>
+              <a:rPr lang="zh-TW" altLang="en-US" sz="1400" dirty="0"/>
+              <a:t>註冊</a:t>
+            </a:r>
+          </a:p>
+        </p:txBody>
+      </p:sp>
+      <p:cxnSp>
+        <p:nvCxnSpPr>
+          <p:cNvPr id="42" name="直線單箭頭接點 41"/>
+          <p:cNvCxnSpPr/>
+          <p:nvPr/>
+        </p:nvCxnSpPr>
+        <p:spPr>
+          <a:xfrm>
+            <a:off x="7118267" y="4000096"/>
+            <a:ext cx="1415721" cy="0"/>
+          </a:xfrm>
+          <a:prstGeom prst="straightConnector1">
+            <a:avLst/>
+          </a:prstGeom>
+          <a:ln w="19050">
+            <a:solidFill>
+              <a:schemeClr val="tx1"/>
+            </a:solidFill>
+            <a:tailEnd type="triangle"/>
+          </a:ln>
+        </p:spPr>
+        <p:style>
+          <a:lnRef idx="1">
+            <a:schemeClr val="accent1"/>
+          </a:lnRef>
+          <a:fillRef idx="0">
+            <a:schemeClr val="accent1"/>
+          </a:fillRef>
+          <a:effectRef idx="0">
+            <a:schemeClr val="accent1"/>
+          </a:effectRef>
+          <a:fontRef idx="minor">
+            <a:schemeClr val="tx1"/>
+          </a:fontRef>
+        </p:style>
+      </p:cxnSp>
+      <p:cxnSp>
+        <p:nvCxnSpPr>
+          <p:cNvPr id="44" name="直線單箭頭接點 43"/>
+          <p:cNvCxnSpPr/>
+          <p:nvPr/>
+        </p:nvCxnSpPr>
+        <p:spPr>
+          <a:xfrm flipH="1">
+            <a:off x="6089609" y="3660496"/>
+            <a:ext cx="2392875" cy="0"/>
+          </a:xfrm>
+          <a:prstGeom prst="straightConnector1">
+            <a:avLst/>
+          </a:prstGeom>
+          <a:ln w="19050">
+            <a:solidFill>
+              <a:srgbClr val="FF0000"/>
+            </a:solidFill>
+            <a:tailEnd type="triangle"/>
+          </a:ln>
+        </p:spPr>
+        <p:style>
+          <a:lnRef idx="1">
+            <a:schemeClr val="accent1"/>
+          </a:lnRef>
+          <a:fillRef idx="0">
+            <a:schemeClr val="accent1"/>
+          </a:fillRef>
+          <a:effectRef idx="0">
+            <a:schemeClr val="accent1"/>
+          </a:effectRef>
+          <a:fontRef idx="minor">
+            <a:schemeClr val="tx1"/>
+          </a:fontRef>
+        </p:style>
+      </p:cxnSp>
+      <p:cxnSp>
+        <p:nvCxnSpPr>
+          <p:cNvPr id="47" name="直線接點 46"/>
+          <p:cNvCxnSpPr/>
+          <p:nvPr/>
+        </p:nvCxnSpPr>
+        <p:spPr>
+          <a:xfrm flipV="1">
+            <a:off x="9561987" y="3644251"/>
+            <a:ext cx="582754" cy="1"/>
+          </a:xfrm>
+          <a:prstGeom prst="line">
+            <a:avLst/>
+          </a:prstGeom>
+          <a:ln w="19050">
+            <a:solidFill>
+              <a:schemeClr val="tx1"/>
+            </a:solidFill>
+          </a:ln>
+        </p:spPr>
+        <p:style>
+          <a:lnRef idx="1">
+            <a:schemeClr val="accent1"/>
+          </a:lnRef>
+          <a:fillRef idx="0">
+            <a:schemeClr val="accent1"/>
+          </a:fillRef>
+          <a:effectRef idx="0">
+            <a:schemeClr val="accent1"/>
+          </a:effectRef>
+          <a:fontRef idx="minor">
+            <a:schemeClr val="tx1"/>
+          </a:fontRef>
+        </p:style>
+      </p:cxnSp>
+      <p:sp>
+        <p:nvSpPr>
+          <p:cNvPr id="49" name="文字方塊 48"/>
+          <p:cNvSpPr txBox="1"/>
+          <p:nvPr/>
+        </p:nvSpPr>
+        <p:spPr>
+          <a:xfrm>
+            <a:off x="9643130" y="3308885"/>
+            <a:ext cx="351497" cy="276999"/>
+          </a:xfrm>
+          <a:prstGeom prst="rect">
+            <a:avLst/>
+          </a:prstGeom>
+          <a:noFill/>
+          <a:ln>
+            <a:noFill/>
+          </a:ln>
+        </p:spPr>
+        <p:txBody>
+          <a:bodyPr wrap="square" rtlCol="0">
+            <a:spAutoFit/>
+          </a:bodyPr>
+          <a:lstStyle/>
+          <a:p>
+            <a:pPr algn="ctr"/>
+            <a:r>
+              <a:rPr lang="zh-TW" altLang="en-US" sz="1200" dirty="0" smtClean="0"/>
+              <a:t>否</a:t>
+            </a:r>
+            <a:endParaRPr lang="zh-TW" altLang="en-US" sz="1200" dirty="0"/>
+          </a:p>
+        </p:txBody>
+      </p:sp>
+      <p:sp>
+        <p:nvSpPr>
+          <p:cNvPr id="50" name="文字方塊 49"/>
+          <p:cNvSpPr txBox="1"/>
+          <p:nvPr/>
+        </p:nvSpPr>
+        <p:spPr>
+          <a:xfrm>
+            <a:off x="7593585" y="3310466"/>
+            <a:ext cx="800219" cy="276999"/>
+          </a:xfrm>
+          <a:prstGeom prst="rect">
+            <a:avLst/>
+          </a:prstGeom>
+          <a:noFill/>
+          <a:ln>
+            <a:noFill/>
+          </a:ln>
+        </p:spPr>
+        <p:txBody>
+          <a:bodyPr wrap="none" rtlCol="0">
+            <a:spAutoFit/>
+          </a:bodyPr>
+          <a:lstStyle/>
+          <a:p>
+            <a:pPr algn="ctr"/>
+            <a:r>
+              <a:rPr lang="zh-TW" altLang="en-US" sz="1200" dirty="0"/>
+              <a:t>再</a:t>
+            </a:r>
+            <a:r>
+              <a:rPr lang="zh-TW" altLang="en-US" sz="1200" dirty="0" smtClean="0"/>
+              <a:t>試一</a:t>
+            </a:r>
+            <a:r>
+              <a:rPr lang="zh-TW" altLang="en-US" sz="1200" dirty="0"/>
+              <a:t>次</a:t>
+            </a:r>
+          </a:p>
+        </p:txBody>
+      </p:sp>
+      <p:sp>
+        <p:nvSpPr>
+          <p:cNvPr id="51" name="文字方塊 50"/>
+          <p:cNvSpPr txBox="1"/>
+          <p:nvPr/>
+        </p:nvSpPr>
+        <p:spPr>
+          <a:xfrm>
+            <a:off x="6763674" y="4420565"/>
+            <a:ext cx="338554" cy="276999"/>
+          </a:xfrm>
+          <a:prstGeom prst="rect">
+            <a:avLst/>
+          </a:prstGeom>
+          <a:noFill/>
+          <a:ln>
+            <a:noFill/>
+          </a:ln>
+        </p:spPr>
+        <p:txBody>
+          <a:bodyPr wrap="none" rtlCol="0">
+            <a:spAutoFit/>
+          </a:bodyPr>
+          <a:lstStyle/>
+          <a:p>
+            <a:pPr algn="ctr"/>
+            <a:r>
+              <a:rPr lang="zh-TW" altLang="en-US" sz="1200" dirty="0" smtClean="0"/>
+              <a:t>否</a:t>
+            </a:r>
+            <a:endParaRPr lang="zh-TW" altLang="en-US" sz="1200" dirty="0"/>
+          </a:p>
+        </p:txBody>
+      </p:sp>
+      <p:cxnSp>
+        <p:nvCxnSpPr>
+          <p:cNvPr id="53" name="直線接點 52"/>
+          <p:cNvCxnSpPr/>
+          <p:nvPr/>
+        </p:nvCxnSpPr>
+        <p:spPr>
+          <a:xfrm flipV="1">
+            <a:off x="5511023" y="4788944"/>
+            <a:ext cx="0" cy="492324"/>
+          </a:xfrm>
+          <a:prstGeom prst="line">
+            <a:avLst/>
+          </a:prstGeom>
+          <a:ln w="19050">
+            <a:solidFill>
+              <a:srgbClr val="FF0000"/>
+            </a:solidFill>
+          </a:ln>
+        </p:spPr>
+        <p:style>
+          <a:lnRef idx="1">
+            <a:schemeClr val="accent1"/>
+          </a:lnRef>
+          <a:fillRef idx="0">
+            <a:schemeClr val="accent1"/>
+          </a:fillRef>
+          <a:effectRef idx="0">
+            <a:schemeClr val="accent1"/>
+          </a:effectRef>
+          <a:fontRef idx="minor">
+            <a:schemeClr val="tx1"/>
+          </a:fontRef>
+        </p:style>
+      </p:cxnSp>
+      <p:sp>
+        <p:nvSpPr>
+          <p:cNvPr id="54" name="文字方塊 53"/>
+          <p:cNvSpPr txBox="1"/>
+          <p:nvPr/>
+        </p:nvSpPr>
+        <p:spPr>
+          <a:xfrm>
+            <a:off x="8055250" y="4944069"/>
+            <a:ext cx="338554" cy="276999"/>
+          </a:xfrm>
+          <a:prstGeom prst="rect">
+            <a:avLst/>
+          </a:prstGeom>
+          <a:noFill/>
+          <a:ln>
+            <a:noFill/>
+          </a:ln>
+        </p:spPr>
+        <p:txBody>
+          <a:bodyPr wrap="none" rtlCol="0">
+            <a:spAutoFit/>
+          </a:bodyPr>
+          <a:lstStyle/>
+          <a:p>
+            <a:pPr algn="ctr"/>
+            <a:r>
+              <a:rPr lang="zh-TW" altLang="en-US" sz="1200" dirty="0" smtClean="0"/>
+              <a:t>是</a:t>
+            </a:r>
+            <a:endParaRPr lang="zh-TW" altLang="en-US" sz="1200" dirty="0"/>
+          </a:p>
+        </p:txBody>
+      </p:sp>
+      <p:sp>
+        <p:nvSpPr>
+          <p:cNvPr id="55" name="文字方塊 54"/>
+          <p:cNvSpPr txBox="1"/>
+          <p:nvPr/>
+        </p:nvSpPr>
+        <p:spPr>
+          <a:xfrm>
+            <a:off x="4322297" y="1058458"/>
+            <a:ext cx="338554" cy="276999"/>
+          </a:xfrm>
+          <a:prstGeom prst="rect">
+            <a:avLst/>
+          </a:prstGeom>
+          <a:noFill/>
+          <a:ln>
+            <a:noFill/>
+          </a:ln>
+        </p:spPr>
+        <p:txBody>
+          <a:bodyPr wrap="none" rtlCol="0">
+            <a:spAutoFit/>
+          </a:bodyPr>
+          <a:lstStyle/>
+          <a:p>
+            <a:pPr algn="ctr"/>
+            <a:r>
+              <a:rPr lang="zh-TW" altLang="en-US" sz="1200" dirty="0" smtClean="0"/>
+              <a:t>否</a:t>
+            </a:r>
+            <a:endParaRPr lang="zh-TW" altLang="en-US" sz="1200" dirty="0"/>
+          </a:p>
+        </p:txBody>
+      </p:sp>
+      <p:sp>
+        <p:nvSpPr>
+          <p:cNvPr id="67" name="文字方塊 66"/>
+          <p:cNvSpPr txBox="1"/>
+          <p:nvPr/>
+        </p:nvSpPr>
+        <p:spPr>
+          <a:xfrm>
+            <a:off x="270933" y="333215"/>
+            <a:ext cx="1470274" cy="523220"/>
+          </a:xfrm>
+          <a:prstGeom prst="rect">
+            <a:avLst/>
+          </a:prstGeom>
+          <a:noFill/>
+        </p:spPr>
+        <p:txBody>
+          <a:bodyPr wrap="none" rtlCol="0">
+            <a:spAutoFit/>
+          </a:bodyPr>
+          <a:lstStyle/>
+          <a:p>
+            <a:r>
+              <a:rPr lang="en-US" altLang="zh-TW" sz="2800" dirty="0" smtClean="0"/>
+              <a:t>3-2.</a:t>
+            </a:r>
+            <a:r>
+              <a:rPr lang="zh-TW" altLang="en-US" sz="2800" dirty="0" smtClean="0"/>
+              <a:t>下載</a:t>
+            </a:r>
+            <a:endParaRPr lang="zh-TW" altLang="en-US" sz="2800" dirty="0"/>
+          </a:p>
+        </p:txBody>
+      </p:sp>
+      <p:sp>
+        <p:nvSpPr>
+          <p:cNvPr id="68" name="文字方塊 67"/>
+          <p:cNvSpPr txBox="1"/>
+          <p:nvPr/>
+        </p:nvSpPr>
+        <p:spPr>
+          <a:xfrm>
+            <a:off x="9048186" y="1416871"/>
+            <a:ext cx="1262590" cy="307777"/>
+          </a:xfrm>
+          <a:prstGeom prst="rect">
+            <a:avLst/>
+          </a:prstGeom>
+          <a:noFill/>
+          <a:ln>
+            <a:solidFill>
+              <a:schemeClr val="tx1"/>
+            </a:solidFill>
+          </a:ln>
+        </p:spPr>
+        <p:txBody>
+          <a:bodyPr wrap="none" rtlCol="0">
+            <a:spAutoFit/>
+          </a:bodyPr>
+          <a:lstStyle/>
+          <a:p>
+            <a:pPr algn="ctr"/>
+            <a:r>
+              <a:rPr lang="zh-TW" altLang="en-US" sz="1400" dirty="0" smtClean="0"/>
+              <a:t>回到</a:t>
+            </a:r>
+            <a:r>
+              <a:rPr lang="en-US" altLang="zh-TW" sz="1400" dirty="0" smtClean="0"/>
+              <a:t>App</a:t>
+            </a:r>
+            <a:r>
+              <a:rPr lang="zh-TW" altLang="en-US" sz="1400" dirty="0"/>
+              <a:t> </a:t>
+            </a:r>
+            <a:r>
+              <a:rPr lang="en-US" altLang="zh-TW" sz="1400" dirty="0" smtClean="0"/>
+              <a:t>Stor</a:t>
+            </a:r>
+            <a:r>
+              <a:rPr lang="en-US" altLang="zh-TW" sz="1400" dirty="0"/>
+              <a:t>e</a:t>
+            </a:r>
+            <a:endParaRPr lang="zh-TW" altLang="en-US" sz="1400" dirty="0"/>
+          </a:p>
+        </p:txBody>
+      </p:sp>
+      <p:cxnSp>
+        <p:nvCxnSpPr>
+          <p:cNvPr id="69" name="直線單箭頭接點 68"/>
+          <p:cNvCxnSpPr/>
+          <p:nvPr/>
+        </p:nvCxnSpPr>
+        <p:spPr>
+          <a:xfrm>
+            <a:off x="1776795" y="1315384"/>
+            <a:ext cx="624157" cy="0"/>
+          </a:xfrm>
+          <a:prstGeom prst="straightConnector1">
+            <a:avLst/>
+          </a:prstGeom>
+          <a:ln w="19050">
+            <a:solidFill>
+              <a:srgbClr val="FF0000"/>
+            </a:solidFill>
+            <a:tailEnd type="triangle"/>
+          </a:ln>
+        </p:spPr>
+        <p:style>
+          <a:lnRef idx="1">
+            <a:schemeClr val="accent1"/>
+          </a:lnRef>
+          <a:fillRef idx="0">
+            <a:schemeClr val="accent1"/>
+          </a:fillRef>
+          <a:effectRef idx="0">
+            <a:schemeClr val="accent1"/>
+          </a:effectRef>
+          <a:fontRef idx="minor">
+            <a:schemeClr val="tx1"/>
+          </a:fontRef>
+        </p:style>
+      </p:cxnSp>
+      <p:cxnSp>
+        <p:nvCxnSpPr>
+          <p:cNvPr id="72" name="直線單箭頭接點 71"/>
+          <p:cNvCxnSpPr/>
+          <p:nvPr/>
+        </p:nvCxnSpPr>
+        <p:spPr>
+          <a:xfrm>
+            <a:off x="4360560" y="5927751"/>
+            <a:ext cx="6217832" cy="0"/>
+          </a:xfrm>
+          <a:prstGeom prst="straightConnector1">
+            <a:avLst/>
+          </a:prstGeom>
+          <a:ln w="19050">
+            <a:solidFill>
+              <a:srgbClr val="FF0000"/>
+            </a:solidFill>
+            <a:tailEnd type="triangle"/>
+          </a:ln>
+        </p:spPr>
+        <p:style>
+          <a:lnRef idx="1">
+            <a:schemeClr val="accent1"/>
+          </a:lnRef>
+          <a:fillRef idx="0">
+            <a:schemeClr val="accent1"/>
+          </a:fillRef>
+          <a:effectRef idx="0">
+            <a:schemeClr val="accent1"/>
+          </a:effectRef>
+          <a:fontRef idx="minor">
+            <a:schemeClr val="tx1"/>
+          </a:fontRef>
+        </p:style>
+      </p:cxnSp>
+      <p:cxnSp>
+        <p:nvCxnSpPr>
+          <p:cNvPr id="74" name="直線單箭頭接點 73"/>
+          <p:cNvCxnSpPr/>
+          <p:nvPr/>
+        </p:nvCxnSpPr>
+        <p:spPr>
+          <a:xfrm>
+            <a:off x="4256776" y="1349815"/>
+            <a:ext cx="601593" cy="0"/>
+          </a:xfrm>
+          <a:prstGeom prst="straightConnector1">
+            <a:avLst/>
+          </a:prstGeom>
+          <a:ln w="19050">
+            <a:solidFill>
+              <a:srgbClr val="FF0000"/>
+            </a:solidFill>
+            <a:tailEnd type="triangle"/>
+          </a:ln>
+        </p:spPr>
+        <p:style>
+          <a:lnRef idx="1">
+            <a:schemeClr val="accent1"/>
+          </a:lnRef>
+          <a:fillRef idx="0">
+            <a:schemeClr val="accent1"/>
+          </a:fillRef>
+          <a:effectRef idx="0">
+            <a:schemeClr val="accent1"/>
+          </a:effectRef>
+          <a:fontRef idx="minor">
+            <a:schemeClr val="tx1"/>
+          </a:fontRef>
+        </p:style>
+      </p:cxnSp>
+      <p:sp>
+        <p:nvSpPr>
+          <p:cNvPr id="78" name="文字方塊 77"/>
+          <p:cNvSpPr txBox="1"/>
+          <p:nvPr/>
+        </p:nvSpPr>
+        <p:spPr>
+          <a:xfrm>
+            <a:off x="2002663" y="5645073"/>
+            <a:ext cx="338554" cy="276999"/>
+          </a:xfrm>
+          <a:prstGeom prst="rect">
+            <a:avLst/>
+          </a:prstGeom>
+          <a:noFill/>
+          <a:ln>
+            <a:noFill/>
+          </a:ln>
+        </p:spPr>
+        <p:txBody>
+          <a:bodyPr wrap="none" rtlCol="0">
+            <a:spAutoFit/>
+          </a:bodyPr>
+          <a:lstStyle/>
+          <a:p>
+            <a:pPr algn="ctr"/>
+            <a:r>
+              <a:rPr lang="zh-TW" altLang="en-US" sz="1200" dirty="0" smtClean="0"/>
+              <a:t>否</a:t>
+            </a:r>
+            <a:endParaRPr lang="zh-TW" altLang="en-US" sz="1200" dirty="0"/>
+          </a:p>
+        </p:txBody>
+      </p:sp>
+      <p:cxnSp>
+        <p:nvCxnSpPr>
+          <p:cNvPr id="80" name="直線接點 79"/>
+          <p:cNvCxnSpPr/>
+          <p:nvPr/>
+        </p:nvCxnSpPr>
+        <p:spPr>
+          <a:xfrm>
+            <a:off x="1751573" y="5907309"/>
+            <a:ext cx="589643" cy="0"/>
+          </a:xfrm>
+          <a:prstGeom prst="line">
+            <a:avLst/>
+          </a:prstGeom>
+          <a:ln w="19050">
+            <a:solidFill>
+              <a:schemeClr val="tx1"/>
+            </a:solidFill>
+          </a:ln>
+        </p:spPr>
+        <p:style>
+          <a:lnRef idx="1">
+            <a:schemeClr val="accent1"/>
+          </a:lnRef>
+          <a:fillRef idx="0">
+            <a:schemeClr val="accent1"/>
+          </a:fillRef>
+          <a:effectRef idx="0">
+            <a:schemeClr val="accent1"/>
+          </a:effectRef>
+          <a:fontRef idx="minor">
+            <a:schemeClr val="tx1"/>
+          </a:fontRef>
+        </p:style>
+      </p:cxnSp>
+      <p:cxnSp>
+        <p:nvCxnSpPr>
+          <p:cNvPr id="81" name="直線單箭頭接點 80"/>
+          <p:cNvCxnSpPr/>
+          <p:nvPr/>
+        </p:nvCxnSpPr>
+        <p:spPr>
+          <a:xfrm flipV="1">
+            <a:off x="1751573" y="5431132"/>
+            <a:ext cx="0" cy="483659"/>
+          </a:xfrm>
+          <a:prstGeom prst="straightConnector1">
+            <a:avLst/>
+          </a:prstGeom>
+          <a:ln w="19050">
+            <a:solidFill>
+              <a:schemeClr val="tx1"/>
+            </a:solidFill>
+            <a:tailEnd type="triangle"/>
+          </a:ln>
+        </p:spPr>
+        <p:style>
+          <a:lnRef idx="1">
+            <a:schemeClr val="accent1"/>
+          </a:lnRef>
+          <a:fillRef idx="0">
+            <a:schemeClr val="accent1"/>
+          </a:fillRef>
+          <a:effectRef idx="0">
+            <a:schemeClr val="accent1"/>
+          </a:effectRef>
+          <a:fontRef idx="minor">
+            <a:schemeClr val="tx1"/>
+          </a:fontRef>
+        </p:style>
+      </p:cxnSp>
+      <p:cxnSp>
+        <p:nvCxnSpPr>
+          <p:cNvPr id="85" name="直線單箭頭接點 84"/>
+          <p:cNvCxnSpPr/>
+          <p:nvPr/>
+        </p:nvCxnSpPr>
+        <p:spPr>
+          <a:xfrm>
+            <a:off x="1761999" y="3845114"/>
+            <a:ext cx="1053534" cy="0"/>
+          </a:xfrm>
+          <a:prstGeom prst="straightConnector1">
+            <a:avLst/>
+          </a:prstGeom>
+          <a:ln w="19050">
+            <a:solidFill>
+              <a:schemeClr val="tx1"/>
+            </a:solidFill>
+            <a:tailEnd type="triangle"/>
+          </a:ln>
+        </p:spPr>
+        <p:style>
+          <a:lnRef idx="1">
+            <a:schemeClr val="accent1"/>
+          </a:lnRef>
+          <a:fillRef idx="0">
+            <a:schemeClr val="accent1"/>
+          </a:fillRef>
+          <a:effectRef idx="0">
+            <a:schemeClr val="accent1"/>
+          </a:effectRef>
+          <a:fontRef idx="minor">
+            <a:schemeClr val="tx1"/>
+          </a:fontRef>
+        </p:style>
+      </p:cxnSp>
+      <p:cxnSp>
+        <p:nvCxnSpPr>
+          <p:cNvPr id="87" name="直線接點 86"/>
+          <p:cNvCxnSpPr/>
+          <p:nvPr/>
+        </p:nvCxnSpPr>
+        <p:spPr>
+          <a:xfrm flipV="1">
+            <a:off x="1761665" y="3842336"/>
+            <a:ext cx="0" cy="878115"/>
+          </a:xfrm>
+          <a:prstGeom prst="line">
+            <a:avLst/>
+          </a:prstGeom>
+          <a:ln w="19050">
+            <a:solidFill>
+              <a:schemeClr val="tx1"/>
+            </a:solidFill>
+          </a:ln>
+        </p:spPr>
+        <p:style>
+          <a:lnRef idx="1">
+            <a:schemeClr val="accent1"/>
+          </a:lnRef>
+          <a:fillRef idx="0">
+            <a:schemeClr val="accent1"/>
+          </a:fillRef>
+          <a:effectRef idx="0">
+            <a:schemeClr val="accent1"/>
+          </a:effectRef>
+          <a:fontRef idx="minor">
+            <a:schemeClr val="tx1"/>
+          </a:fontRef>
+        </p:style>
+      </p:cxnSp>
+      <p:cxnSp>
+        <p:nvCxnSpPr>
+          <p:cNvPr id="91" name="直線接點 90"/>
+          <p:cNvCxnSpPr/>
+          <p:nvPr/>
+        </p:nvCxnSpPr>
+        <p:spPr>
+          <a:xfrm>
+            <a:off x="460075" y="5081796"/>
+            <a:ext cx="324272" cy="0"/>
+          </a:xfrm>
+          <a:prstGeom prst="line">
+            <a:avLst/>
+          </a:prstGeom>
+          <a:ln w="19050">
+            <a:solidFill>
+              <a:schemeClr val="tx1"/>
+            </a:solidFill>
+          </a:ln>
+        </p:spPr>
+        <p:style>
+          <a:lnRef idx="1">
+            <a:schemeClr val="accent1"/>
+          </a:lnRef>
+          <a:fillRef idx="0">
+            <a:schemeClr val="accent1"/>
+          </a:fillRef>
+          <a:effectRef idx="0">
+            <a:schemeClr val="accent1"/>
+          </a:effectRef>
+          <a:fontRef idx="minor">
+            <a:schemeClr val="tx1"/>
+          </a:fontRef>
+        </p:style>
+      </p:cxnSp>
+      <p:cxnSp>
+        <p:nvCxnSpPr>
+          <p:cNvPr id="97" name="直線接點 96"/>
+          <p:cNvCxnSpPr/>
+          <p:nvPr/>
+        </p:nvCxnSpPr>
+        <p:spPr>
+          <a:xfrm>
+            <a:off x="1530300" y="3419342"/>
+            <a:ext cx="1400571" cy="0"/>
+          </a:xfrm>
+          <a:prstGeom prst="line">
+            <a:avLst/>
+          </a:prstGeom>
+          <a:ln w="19050">
+            <a:solidFill>
+              <a:schemeClr val="tx1"/>
+            </a:solidFill>
+          </a:ln>
+        </p:spPr>
+        <p:style>
+          <a:lnRef idx="1">
+            <a:schemeClr val="accent1"/>
+          </a:lnRef>
+          <a:fillRef idx="0">
+            <a:schemeClr val="accent1"/>
+          </a:fillRef>
+          <a:effectRef idx="0">
+            <a:schemeClr val="accent1"/>
+          </a:effectRef>
+          <a:fontRef idx="minor">
+            <a:schemeClr val="tx1"/>
+          </a:fontRef>
+        </p:style>
+      </p:cxnSp>
+      <p:cxnSp>
+        <p:nvCxnSpPr>
+          <p:cNvPr id="99" name="直線單箭頭接點 98"/>
+          <p:cNvCxnSpPr/>
+          <p:nvPr/>
+        </p:nvCxnSpPr>
+        <p:spPr>
+          <a:xfrm flipV="1">
+            <a:off x="1530300" y="1535977"/>
+            <a:ext cx="0" cy="1883365"/>
+          </a:xfrm>
+          <a:prstGeom prst="straightConnector1">
+            <a:avLst/>
+          </a:prstGeom>
+          <a:ln w="19050">
+            <a:solidFill>
+              <a:schemeClr val="tx1"/>
+            </a:solidFill>
+            <a:tailEnd type="triangle"/>
+          </a:ln>
+        </p:spPr>
+        <p:style>
+          <a:lnRef idx="1">
+            <a:schemeClr val="accent1"/>
+          </a:lnRef>
+          <a:fillRef idx="0">
+            <a:schemeClr val="accent1"/>
+          </a:fillRef>
+          <a:effectRef idx="0">
+            <a:schemeClr val="accent1"/>
+          </a:effectRef>
+          <a:fontRef idx="minor">
+            <a:schemeClr val="tx1"/>
+          </a:fontRef>
+        </p:style>
+      </p:cxnSp>
+      <p:sp>
+        <p:nvSpPr>
+          <p:cNvPr id="120" name="文字方塊 119"/>
+          <p:cNvSpPr txBox="1"/>
+          <p:nvPr/>
+        </p:nvSpPr>
+        <p:spPr>
+          <a:xfrm>
+            <a:off x="2123842" y="3102383"/>
+            <a:ext cx="492443" cy="276999"/>
+          </a:xfrm>
+          <a:prstGeom prst="rect">
+            <a:avLst/>
+          </a:prstGeom>
+          <a:noFill/>
+          <a:ln>
+            <a:noFill/>
+          </a:ln>
+        </p:spPr>
+        <p:txBody>
+          <a:bodyPr wrap="none" rtlCol="0">
+            <a:spAutoFit/>
+          </a:bodyPr>
+          <a:lstStyle/>
+          <a:p>
+            <a:pPr algn="ctr"/>
+            <a:r>
+              <a:rPr lang="zh-TW" altLang="en-US" sz="1200" dirty="0" smtClean="0"/>
+              <a:t>取</a:t>
+            </a:r>
+            <a:r>
+              <a:rPr lang="zh-TW" altLang="en-US" sz="1200" dirty="0"/>
+              <a:t>消</a:t>
+            </a:r>
+          </a:p>
+        </p:txBody>
+      </p:sp>
+      <p:cxnSp>
+        <p:nvCxnSpPr>
+          <p:cNvPr id="121" name="直線單箭頭接點 120"/>
+          <p:cNvCxnSpPr/>
+          <p:nvPr/>
+        </p:nvCxnSpPr>
+        <p:spPr>
+          <a:xfrm>
+            <a:off x="5463508" y="2215388"/>
+            <a:ext cx="0" cy="537168"/>
+          </a:xfrm>
+          <a:prstGeom prst="straightConnector1">
+            <a:avLst/>
+          </a:prstGeom>
+          <a:ln w="19050">
+            <a:solidFill>
+              <a:srgbClr val="FF0000"/>
+            </a:solidFill>
+            <a:tailEnd type="triangle"/>
+          </a:ln>
+        </p:spPr>
+        <p:style>
+          <a:lnRef idx="1">
+            <a:schemeClr val="accent1"/>
+          </a:lnRef>
+          <a:fillRef idx="0">
+            <a:schemeClr val="accent1"/>
+          </a:fillRef>
+          <a:effectRef idx="0">
+            <a:schemeClr val="accent1"/>
+          </a:effectRef>
+          <a:fontRef idx="minor">
+            <a:schemeClr val="tx1"/>
+          </a:fontRef>
+        </p:style>
+      </p:cxnSp>
+      <p:cxnSp>
+        <p:nvCxnSpPr>
+          <p:cNvPr id="128" name="直線單箭頭接點 127"/>
+          <p:cNvCxnSpPr/>
+          <p:nvPr/>
+        </p:nvCxnSpPr>
+        <p:spPr>
+          <a:xfrm flipV="1">
+            <a:off x="10134608" y="1828478"/>
+            <a:ext cx="0" cy="1828735"/>
+          </a:xfrm>
+          <a:prstGeom prst="straightConnector1">
+            <a:avLst/>
+          </a:prstGeom>
+          <a:ln w="19050">
+            <a:solidFill>
+              <a:schemeClr val="tx1"/>
+            </a:solidFill>
+            <a:tailEnd type="triangle"/>
+          </a:ln>
+        </p:spPr>
+        <p:style>
+          <a:lnRef idx="1">
+            <a:schemeClr val="accent1"/>
+          </a:lnRef>
+          <a:fillRef idx="0">
+            <a:schemeClr val="accent1"/>
+          </a:fillRef>
+          <a:effectRef idx="0">
+            <a:schemeClr val="accent1"/>
+          </a:effectRef>
+          <a:fontRef idx="minor">
+            <a:schemeClr val="tx1"/>
+          </a:fontRef>
+        </p:style>
+      </p:cxnSp>
+      <p:sp>
+        <p:nvSpPr>
+          <p:cNvPr id="137" name="文字方塊 136"/>
+          <p:cNvSpPr txBox="1"/>
+          <p:nvPr/>
+        </p:nvSpPr>
+        <p:spPr>
+          <a:xfrm>
+            <a:off x="5583435" y="4804795"/>
+            <a:ext cx="338554" cy="276999"/>
+          </a:xfrm>
+          <a:prstGeom prst="rect">
+            <a:avLst/>
+          </a:prstGeom>
+          <a:noFill/>
+          <a:ln>
+            <a:noFill/>
+          </a:ln>
+        </p:spPr>
+        <p:txBody>
+          <a:bodyPr wrap="none" rtlCol="0">
+            <a:spAutoFit/>
+          </a:bodyPr>
+          <a:lstStyle/>
+          <a:p>
+            <a:pPr algn="ctr"/>
+            <a:r>
+              <a:rPr lang="zh-TW" altLang="en-US" sz="1200" dirty="0" smtClean="0"/>
+              <a:t>好</a:t>
+            </a:r>
+            <a:endParaRPr lang="zh-TW" altLang="en-US" sz="1200" dirty="0"/>
+          </a:p>
+        </p:txBody>
+      </p:sp>
+      <p:cxnSp>
+        <p:nvCxnSpPr>
+          <p:cNvPr id="139" name="直線單箭頭接點 138"/>
+          <p:cNvCxnSpPr/>
+          <p:nvPr/>
+        </p:nvCxnSpPr>
+        <p:spPr>
+          <a:xfrm>
+            <a:off x="6136862" y="1604746"/>
+            <a:ext cx="2810442" cy="0"/>
+          </a:xfrm>
+          <a:prstGeom prst="straightConnector1">
+            <a:avLst/>
+          </a:prstGeom>
+          <a:ln w="19050">
+            <a:solidFill>
+              <a:schemeClr val="tx1"/>
+            </a:solidFill>
+            <a:tailEnd type="triangle"/>
+          </a:ln>
+        </p:spPr>
+        <p:style>
+          <a:lnRef idx="1">
+            <a:schemeClr val="accent1"/>
+          </a:lnRef>
+          <a:fillRef idx="0">
+            <a:schemeClr val="accent1"/>
+          </a:fillRef>
+          <a:effectRef idx="0">
+            <a:schemeClr val="accent1"/>
+          </a:effectRef>
+          <a:fontRef idx="minor">
+            <a:schemeClr val="tx1"/>
+          </a:fontRef>
+        </p:style>
+      </p:cxnSp>
       <p:pic>
         <p:nvPicPr>
-          <p:cNvPr id="4" name="圖片 3"/>
+          <p:cNvPr id="5" name="圖片 4"/>
           <p:cNvPicPr>
             <a:picLocks noChangeAspect="1"/>
           </p:cNvPicPr>
@@ -10602,114 +11900,535 @@
         </p:blipFill>
         <p:spPr>
           <a:xfrm>
-            <a:off x="3230284" y="2388795"/>
-            <a:ext cx="998844" cy="1981917"/>
+            <a:off x="10778902" y="3949995"/>
+            <a:ext cx="1140804" cy="2263597"/>
           </a:xfrm>
           <a:prstGeom prst="rect">
             <a:avLst/>
           </a:prstGeom>
         </p:spPr>
       </p:pic>
-      <p:pic>
-        <p:nvPicPr>
-          <p:cNvPr id="5" name="圖片 4"/>
-          <p:cNvPicPr>
-            <a:picLocks noChangeAspect="1"/>
-          </p:cNvPicPr>
-          <p:nvPr/>
-        </p:nvPicPr>
-        <p:blipFill>
-          <a:blip r:embed="rId5" cstate="print">
-            <a:extLst>
-              <a:ext uri="{28A0092B-C50C-407E-A947-70E740481C1C}">
-                <a14:useLocalDpi xmlns:a14="http://schemas.microsoft.com/office/drawing/2010/main" val="0"/>
-              </a:ext>
-            </a:extLst>
-          </a:blip>
-          <a:stretch>
-            <a:fillRect/>
-          </a:stretch>
-        </p:blipFill>
-        <p:spPr>
-          <a:xfrm>
-            <a:off x="5424631" y="4706873"/>
-            <a:ext cx="967907" cy="1920533"/>
-          </a:xfrm>
-          <a:prstGeom prst="rect">
-            <a:avLst/>
-          </a:prstGeom>
-        </p:spPr>
-      </p:pic>
-      <p:pic>
-        <p:nvPicPr>
-          <p:cNvPr id="6" name="圖片 5"/>
-          <p:cNvPicPr>
-            <a:picLocks noChangeAspect="1"/>
-          </p:cNvPicPr>
-          <p:nvPr/>
-        </p:nvPicPr>
-        <p:blipFill>
-          <a:blip r:embed="rId6" cstate="print">
-            <a:extLst>
-              <a:ext uri="{28A0092B-C50C-407E-A947-70E740481C1C}">
-                <a14:useLocalDpi xmlns:a14="http://schemas.microsoft.com/office/drawing/2010/main" val="0"/>
-              </a:ext>
-            </a:extLst>
-          </a:blip>
-          <a:stretch>
-            <a:fillRect/>
-          </a:stretch>
-        </p:blipFill>
-        <p:spPr>
-          <a:xfrm>
-            <a:off x="10408386" y="3704118"/>
-            <a:ext cx="950937" cy="1886860"/>
-          </a:xfrm>
-          <a:prstGeom prst="rect">
-            <a:avLst/>
-          </a:prstGeom>
-        </p:spPr>
-      </p:pic>
-      <p:pic>
-        <p:nvPicPr>
-          <p:cNvPr id="7" name="圖片 6"/>
-          <p:cNvPicPr>
-            <a:picLocks noChangeAspect="1"/>
-          </p:cNvPicPr>
-          <p:nvPr/>
-        </p:nvPicPr>
-        <p:blipFill>
-          <a:blip r:embed="rId7" cstate="print">
-            <a:extLst>
-              <a:ext uri="{28A0092B-C50C-407E-A947-70E740481C1C}">
-                <a14:useLocalDpi xmlns:a14="http://schemas.microsoft.com/office/drawing/2010/main" val="0"/>
-              </a:ext>
-            </a:extLst>
-          </a:blip>
-          <a:stretch>
-            <a:fillRect/>
-          </a:stretch>
-        </p:blipFill>
-        <p:spPr>
-          <a:xfrm>
-            <a:off x="6758455" y="517633"/>
-            <a:ext cx="998844" cy="1981917"/>
-          </a:xfrm>
-          <a:prstGeom prst="rect">
-            <a:avLst/>
-          </a:prstGeom>
-        </p:spPr>
-      </p:pic>
-      <p:sp>
-        <p:nvSpPr>
-          <p:cNvPr id="8" name="文字方塊 7"/>
+      <p:sp>
+        <p:nvSpPr>
+          <p:cNvPr id="148" name="文字方塊 147"/>
           <p:cNvSpPr txBox="1"/>
           <p:nvPr/>
         </p:nvSpPr>
         <p:spPr>
           <a:xfrm>
-            <a:off x="1701283" y="1072191"/>
-            <a:ext cx="1505862" cy="276999"/>
+            <a:off x="10897898" y="6306681"/>
+            <a:ext cx="902811" cy="307777"/>
+          </a:xfrm>
+          <a:prstGeom prst="rect">
+            <a:avLst/>
+          </a:prstGeom>
+          <a:solidFill>
+            <a:schemeClr val="accent1">
+              <a:lumMod val="60000"/>
+              <a:lumOff val="40000"/>
+            </a:schemeClr>
+          </a:solidFill>
+          <a:ln>
+            <a:noFill/>
+          </a:ln>
+        </p:spPr>
+        <p:txBody>
+          <a:bodyPr wrap="none" rtlCol="0">
+            <a:spAutoFit/>
+          </a:bodyPr>
+          <a:lstStyle/>
+          <a:p>
+            <a:pPr algn="ctr"/>
+            <a:r>
+              <a:rPr lang="zh-TW" altLang="en-US" sz="1400" dirty="0" smtClean="0"/>
+              <a:t>下載完成</a:t>
+            </a:r>
+            <a:endParaRPr lang="zh-TW" altLang="en-US" sz="1400" dirty="0"/>
+          </a:p>
+        </p:txBody>
+      </p:sp>
+      <p:sp>
+        <p:nvSpPr>
+          <p:cNvPr id="149" name="文字方塊 148"/>
+          <p:cNvSpPr txBox="1"/>
+          <p:nvPr/>
+        </p:nvSpPr>
+        <p:spPr>
+          <a:xfrm>
+            <a:off x="8341367" y="4262283"/>
+            <a:ext cx="870751" cy="276999"/>
+          </a:xfrm>
+          <a:prstGeom prst="rect">
+            <a:avLst/>
+          </a:prstGeom>
+          <a:solidFill>
+            <a:schemeClr val="accent1">
+              <a:lumMod val="20000"/>
+              <a:lumOff val="80000"/>
+            </a:schemeClr>
+          </a:solidFill>
+          <a:ln>
+            <a:noFill/>
+          </a:ln>
+        </p:spPr>
+        <p:txBody>
+          <a:bodyPr wrap="none" rtlCol="0">
+            <a:spAutoFit/>
+          </a:bodyPr>
+          <a:lstStyle/>
+          <a:p>
+            <a:pPr algn="ctr"/>
+            <a:r>
+              <a:rPr lang="zh-TW" altLang="en-US" sz="1200" dirty="0" smtClean="0"/>
+              <a:t>再試一次</a:t>
+            </a:r>
+            <a:r>
+              <a:rPr lang="en-US" altLang="zh-TW" sz="1200" dirty="0" smtClean="0"/>
+              <a:t>?</a:t>
+            </a:r>
+            <a:endParaRPr lang="zh-TW" altLang="en-US" sz="1200" dirty="0"/>
+          </a:p>
+        </p:txBody>
+      </p:sp>
+      <p:grpSp>
+        <p:nvGrpSpPr>
+          <p:cNvPr id="48" name="群組 47"/>
+          <p:cNvGrpSpPr/>
+          <p:nvPr/>
+        </p:nvGrpSpPr>
+        <p:grpSpPr>
+          <a:xfrm>
+            <a:off x="2772605" y="2751759"/>
+            <a:ext cx="1120493" cy="1981917"/>
+            <a:chOff x="2758249" y="2866078"/>
+            <a:chExt cx="1120493" cy="1981917"/>
+          </a:xfrm>
+        </p:grpSpPr>
+        <p:pic>
+          <p:nvPicPr>
+            <p:cNvPr id="4" name="圖片 3"/>
+            <p:cNvPicPr>
+              <a:picLocks noChangeAspect="1"/>
+            </p:cNvPicPr>
+            <p:nvPr/>
+          </p:nvPicPr>
+          <p:blipFill>
+            <a:blip r:embed="rId5" cstate="print">
+              <a:extLst>
+                <a:ext uri="{28A0092B-C50C-407E-A947-70E740481C1C}">
+                  <a14:useLocalDpi xmlns:a14="http://schemas.microsoft.com/office/drawing/2010/main" val="0"/>
+                </a:ext>
+              </a:extLst>
+            </a:blip>
+            <a:stretch>
+              <a:fillRect/>
+            </a:stretch>
+          </p:blipFill>
+          <p:spPr>
+            <a:xfrm>
+              <a:off x="2879898" y="2866078"/>
+              <a:ext cx="998844" cy="1981917"/>
+            </a:xfrm>
+            <a:prstGeom prst="rect">
+              <a:avLst/>
+            </a:prstGeom>
+          </p:spPr>
+        </p:pic>
+        <p:sp>
+          <p:nvSpPr>
+            <p:cNvPr id="144" name="文字方塊 143"/>
+            <p:cNvSpPr txBox="1"/>
+            <p:nvPr/>
+          </p:nvSpPr>
+          <p:spPr>
+            <a:xfrm>
+              <a:off x="2758249" y="4497041"/>
+              <a:ext cx="800219" cy="276999"/>
+            </a:xfrm>
+            <a:prstGeom prst="rect">
+              <a:avLst/>
+            </a:prstGeom>
+            <a:solidFill>
+              <a:schemeClr val="accent1">
+                <a:lumMod val="20000"/>
+                <a:lumOff val="80000"/>
+              </a:schemeClr>
+            </a:solidFill>
+            <a:ln>
+              <a:noFill/>
+            </a:ln>
+          </p:spPr>
+          <p:txBody>
+            <a:bodyPr wrap="none" rtlCol="0">
+              <a:spAutoFit/>
+            </a:bodyPr>
+            <a:lstStyle/>
+            <a:p>
+              <a:pPr algn="ctr"/>
+              <a:r>
+                <a:rPr lang="zh-TW" altLang="en-US" sz="1200" dirty="0" smtClean="0"/>
+                <a:t>填寫密</a:t>
+              </a:r>
+              <a:r>
+                <a:rPr lang="zh-TW" altLang="en-US" sz="1200" dirty="0"/>
+                <a:t>碼</a:t>
+              </a:r>
+            </a:p>
+          </p:txBody>
+        </p:sp>
+        <p:sp>
+          <p:nvSpPr>
+            <p:cNvPr id="66" name="橢圓 65"/>
+            <p:cNvSpPr/>
+            <p:nvPr/>
+          </p:nvSpPr>
+          <p:spPr>
+            <a:xfrm>
+              <a:off x="3426559" y="3617902"/>
+              <a:ext cx="300258" cy="202700"/>
+            </a:xfrm>
+            <a:prstGeom prst="ellipse">
+              <a:avLst/>
+            </a:prstGeom>
+            <a:noFill/>
+            <a:ln>
+              <a:solidFill>
+                <a:srgbClr val="FF0000"/>
+              </a:solidFill>
+            </a:ln>
+          </p:spPr>
+          <p:style>
+            <a:lnRef idx="2">
+              <a:schemeClr val="accent1">
+                <a:shade val="50000"/>
+              </a:schemeClr>
+            </a:lnRef>
+            <a:fillRef idx="1">
+              <a:schemeClr val="accent1"/>
+            </a:fillRef>
+            <a:effectRef idx="0">
+              <a:schemeClr val="accent1"/>
+            </a:effectRef>
+            <a:fontRef idx="minor">
+              <a:schemeClr val="lt1"/>
+            </a:fontRef>
+          </p:style>
+          <p:txBody>
+            <a:bodyPr rtlCol="0" anchor="ctr"/>
+            <a:lstStyle/>
+            <a:p>
+              <a:pPr algn="ctr"/>
+              <a:endParaRPr lang="zh-TW" altLang="en-US"/>
+            </a:p>
+          </p:txBody>
+        </p:sp>
+      </p:grpSp>
+      <p:grpSp>
+        <p:nvGrpSpPr>
+          <p:cNvPr id="57" name="群組 56"/>
+          <p:cNvGrpSpPr/>
+          <p:nvPr/>
+        </p:nvGrpSpPr>
+        <p:grpSpPr>
+          <a:xfrm>
+            <a:off x="4721734" y="193534"/>
+            <a:ext cx="1241197" cy="1981917"/>
+            <a:chOff x="4721734" y="193534"/>
+            <a:chExt cx="1241197" cy="1981917"/>
+          </a:xfrm>
+        </p:grpSpPr>
+        <p:pic>
+          <p:nvPicPr>
+            <p:cNvPr id="7" name="圖片 6"/>
+            <p:cNvPicPr>
+              <a:picLocks noChangeAspect="1"/>
+            </p:cNvPicPr>
+            <p:nvPr/>
+          </p:nvPicPr>
+          <p:blipFill>
+            <a:blip r:embed="rId6" cstate="print">
+              <a:extLst>
+                <a:ext uri="{28A0092B-C50C-407E-A947-70E740481C1C}">
+                  <a14:useLocalDpi xmlns:a14="http://schemas.microsoft.com/office/drawing/2010/main" val="0"/>
+                </a:ext>
+              </a:extLst>
+            </a:blip>
+            <a:stretch>
+              <a:fillRect/>
+            </a:stretch>
+          </p:blipFill>
+          <p:spPr>
+            <a:xfrm>
+              <a:off x="4964087" y="193534"/>
+              <a:ext cx="998844" cy="1981917"/>
+            </a:xfrm>
+            <a:prstGeom prst="rect">
+              <a:avLst/>
+            </a:prstGeom>
+          </p:spPr>
+        </p:pic>
+        <p:sp>
+          <p:nvSpPr>
+            <p:cNvPr id="146" name="文字方塊 145"/>
+            <p:cNvSpPr txBox="1"/>
+            <p:nvPr/>
+          </p:nvSpPr>
+          <p:spPr>
+            <a:xfrm>
+              <a:off x="4721734" y="1828478"/>
+              <a:ext cx="1107997" cy="276999"/>
+            </a:xfrm>
+            <a:prstGeom prst="rect">
+              <a:avLst/>
+            </a:prstGeom>
+            <a:solidFill>
+              <a:schemeClr val="accent1">
+                <a:lumMod val="20000"/>
+                <a:lumOff val="80000"/>
+              </a:schemeClr>
+            </a:solidFill>
+            <a:ln>
+              <a:noFill/>
+            </a:ln>
+          </p:spPr>
+          <p:txBody>
+            <a:bodyPr wrap="none" rtlCol="0">
+              <a:spAutoFit/>
+            </a:bodyPr>
+            <a:lstStyle/>
+            <a:p>
+              <a:pPr algn="ctr"/>
+              <a:r>
+                <a:rPr lang="zh-TW" altLang="en-US" sz="1200" dirty="0" smtClean="0"/>
+                <a:t>選擇登入方式</a:t>
+              </a:r>
+              <a:endParaRPr lang="zh-TW" altLang="en-US" sz="1200" dirty="0"/>
+            </a:p>
+          </p:txBody>
+        </p:sp>
+        <p:sp>
+          <p:nvSpPr>
+            <p:cNvPr id="70" name="橢圓 69"/>
+            <p:cNvSpPr/>
+            <p:nvPr/>
+          </p:nvSpPr>
+          <p:spPr>
+            <a:xfrm>
+              <a:off x="5091858" y="1005725"/>
+              <a:ext cx="692461" cy="146680"/>
+            </a:xfrm>
+            <a:prstGeom prst="ellipse">
+              <a:avLst/>
+            </a:prstGeom>
+            <a:noFill/>
+            <a:ln>
+              <a:solidFill>
+                <a:srgbClr val="FF0000"/>
+              </a:solidFill>
+            </a:ln>
+          </p:spPr>
+          <p:style>
+            <a:lnRef idx="2">
+              <a:schemeClr val="accent1">
+                <a:shade val="50000"/>
+              </a:schemeClr>
+            </a:lnRef>
+            <a:fillRef idx="1">
+              <a:schemeClr val="accent1"/>
+            </a:fillRef>
+            <a:effectRef idx="0">
+              <a:schemeClr val="accent1"/>
+            </a:effectRef>
+            <a:fontRef idx="minor">
+              <a:schemeClr val="lt1"/>
+            </a:fontRef>
+          </p:style>
+          <p:txBody>
+            <a:bodyPr rtlCol="0" anchor="ctr"/>
+            <a:lstStyle/>
+            <a:p>
+              <a:pPr algn="ctr"/>
+              <a:endParaRPr lang="zh-TW" altLang="en-US"/>
+            </a:p>
+          </p:txBody>
+        </p:sp>
+      </p:grpSp>
+      <p:grpSp>
+        <p:nvGrpSpPr>
+          <p:cNvPr id="56" name="群組 55"/>
+          <p:cNvGrpSpPr/>
+          <p:nvPr/>
+        </p:nvGrpSpPr>
+        <p:grpSpPr>
+          <a:xfrm>
+            <a:off x="4807107" y="2798467"/>
+            <a:ext cx="1185655" cy="1911741"/>
+            <a:chOff x="4807107" y="2798467"/>
+            <a:chExt cx="1185655" cy="1911741"/>
+          </a:xfrm>
+        </p:grpSpPr>
+        <p:pic>
+          <p:nvPicPr>
+            <p:cNvPr id="3" name="圖片 2"/>
+            <p:cNvPicPr>
+              <a:picLocks noChangeAspect="1"/>
+            </p:cNvPicPr>
+            <p:nvPr/>
+          </p:nvPicPr>
+          <p:blipFill>
+            <a:blip r:embed="rId7" cstate="print">
+              <a:extLst>
+                <a:ext uri="{28A0092B-C50C-407E-A947-70E740481C1C}">
+                  <a14:useLocalDpi xmlns:a14="http://schemas.microsoft.com/office/drawing/2010/main" val="0"/>
+                </a:ext>
+              </a:extLst>
+            </a:blip>
+            <a:stretch>
+              <a:fillRect/>
+            </a:stretch>
+          </p:blipFill>
+          <p:spPr>
+            <a:xfrm>
+              <a:off x="5029285" y="2798467"/>
+              <a:ext cx="963477" cy="1911741"/>
+            </a:xfrm>
+            <a:prstGeom prst="rect">
+              <a:avLst/>
+            </a:prstGeom>
+          </p:spPr>
+        </p:pic>
+        <p:sp>
+          <p:nvSpPr>
+            <p:cNvPr id="147" name="文字方塊 146"/>
+            <p:cNvSpPr txBox="1"/>
+            <p:nvPr/>
+          </p:nvSpPr>
+          <p:spPr>
+            <a:xfrm>
+              <a:off x="4807107" y="4358541"/>
+              <a:ext cx="800219" cy="276999"/>
+            </a:xfrm>
+            <a:prstGeom prst="rect">
+              <a:avLst/>
+            </a:prstGeom>
+            <a:solidFill>
+              <a:schemeClr val="accent1">
+                <a:lumMod val="20000"/>
+                <a:lumOff val="80000"/>
+              </a:schemeClr>
+            </a:solidFill>
+            <a:ln>
+              <a:noFill/>
+            </a:ln>
+          </p:spPr>
+          <p:txBody>
+            <a:bodyPr wrap="none" rtlCol="0">
+              <a:spAutoFit/>
+            </a:bodyPr>
+            <a:lstStyle/>
+            <a:p>
+              <a:pPr algn="ctr"/>
+              <a:r>
+                <a:rPr lang="zh-TW" altLang="en-US" sz="1200" dirty="0" smtClean="0"/>
+                <a:t>登入帳戶</a:t>
+              </a:r>
+              <a:endParaRPr lang="zh-TW" altLang="en-US" sz="1200" dirty="0"/>
+            </a:p>
+          </p:txBody>
+        </p:sp>
+        <p:sp>
+          <p:nvSpPr>
+            <p:cNvPr id="73" name="橢圓 72"/>
+            <p:cNvSpPr/>
+            <p:nvPr/>
+          </p:nvSpPr>
+          <p:spPr>
+            <a:xfrm>
+              <a:off x="5511023" y="3546463"/>
+              <a:ext cx="300258" cy="202700"/>
+            </a:xfrm>
+            <a:prstGeom prst="ellipse">
+              <a:avLst/>
+            </a:prstGeom>
+            <a:noFill/>
+            <a:ln>
+              <a:solidFill>
+                <a:srgbClr val="FF0000"/>
+              </a:solidFill>
+            </a:ln>
+          </p:spPr>
+          <p:style>
+            <a:lnRef idx="2">
+              <a:schemeClr val="accent1">
+                <a:shade val="50000"/>
+              </a:schemeClr>
+            </a:lnRef>
+            <a:fillRef idx="1">
+              <a:schemeClr val="accent1"/>
+            </a:fillRef>
+            <a:effectRef idx="0">
+              <a:schemeClr val="accent1"/>
+            </a:effectRef>
+            <a:fontRef idx="minor">
+              <a:schemeClr val="lt1"/>
+            </a:fontRef>
+          </p:style>
+          <p:txBody>
+            <a:bodyPr rtlCol="0" anchor="ctr"/>
+            <a:lstStyle/>
+            <a:p>
+              <a:pPr algn="ctr"/>
+              <a:endParaRPr lang="zh-TW" altLang="en-US"/>
+            </a:p>
+          </p:txBody>
+        </p:sp>
+      </p:grpSp>
+      <p:cxnSp>
+        <p:nvCxnSpPr>
+          <p:cNvPr id="75" name="直線單箭頭接點 74"/>
+          <p:cNvCxnSpPr/>
+          <p:nvPr/>
+        </p:nvCxnSpPr>
+        <p:spPr>
+          <a:xfrm flipV="1">
+            <a:off x="460075" y="1535977"/>
+            <a:ext cx="0" cy="3545817"/>
+          </a:xfrm>
+          <a:prstGeom prst="straightConnector1">
+            <a:avLst/>
+          </a:prstGeom>
+          <a:ln w="19050">
+            <a:solidFill>
+              <a:schemeClr val="tx1"/>
+            </a:solidFill>
+            <a:tailEnd type="triangle"/>
+          </a:ln>
+        </p:spPr>
+        <p:style>
+          <a:lnRef idx="1">
+            <a:schemeClr val="accent1"/>
+          </a:lnRef>
+          <a:fillRef idx="0">
+            <a:schemeClr val="accent1"/>
+          </a:fillRef>
+          <a:effectRef idx="0">
+            <a:schemeClr val="accent1"/>
+          </a:effectRef>
+          <a:fontRef idx="minor">
+            <a:schemeClr val="tx1"/>
+          </a:fontRef>
+        </p:style>
+      </p:cxnSp>
+      <p:sp>
+        <p:nvSpPr>
+          <p:cNvPr id="79" name="文字方塊 78"/>
+          <p:cNvSpPr txBox="1"/>
+          <p:nvPr/>
+        </p:nvSpPr>
+        <p:spPr>
+          <a:xfrm>
+            <a:off x="6372494" y="2758641"/>
+            <a:ext cx="492443" cy="276999"/>
           </a:xfrm>
           <a:prstGeom prst="rect">
             <a:avLst/>
@@ -10720,7 +12439,7 @@
           </a:ln>
         </p:spPr>
         <p:txBody>
-          <a:bodyPr wrap="square" rtlCol="0">
+          <a:bodyPr wrap="none" rtlCol="0">
             <a:spAutoFit/>
           </a:bodyPr>
           <a:lstStyle/>
@@ -10728,218 +12447,30 @@
             <a:pPr algn="ctr"/>
             <a:r>
               <a:rPr lang="zh-TW" altLang="en-US" sz="1200" dirty="0" smtClean="0"/>
-              <a:t>取得</a:t>
+              <a:t>取消</a:t>
             </a:r>
             <a:endParaRPr lang="zh-TW" altLang="en-US" sz="1200" dirty="0"/>
           </a:p>
         </p:txBody>
       </p:sp>
-      <p:sp>
-        <p:nvSpPr>
-          <p:cNvPr id="9" name="文字方塊 8"/>
-          <p:cNvSpPr txBox="1"/>
-          <p:nvPr/>
-        </p:nvSpPr>
-        <p:spPr>
-          <a:xfrm>
-            <a:off x="2814187" y="1119355"/>
-            <a:ext cx="1793399" cy="611386"/>
-          </a:xfrm>
-          <a:prstGeom prst="flowChartDecision">
-            <a:avLst/>
-          </a:prstGeom>
-          <a:noFill/>
-          <a:ln>
+      <p:cxnSp>
+        <p:nvCxnSpPr>
+          <p:cNvPr id="83" name="直線接點 82"/>
+          <p:cNvCxnSpPr/>
+          <p:nvPr/>
+        </p:nvCxnSpPr>
+        <p:spPr>
+          <a:xfrm>
+            <a:off x="6030135" y="3098240"/>
+            <a:ext cx="1299324" cy="0"/>
+          </a:xfrm>
+          <a:prstGeom prst="line">
+            <a:avLst/>
+          </a:prstGeom>
+          <a:ln w="19050">
             <a:solidFill>
               <a:schemeClr val="tx1"/>
             </a:solidFill>
-          </a:ln>
-        </p:spPr>
-        <p:txBody>
-          <a:bodyPr wrap="none" rtlCol="0">
-            <a:spAutoFit/>
-          </a:bodyPr>
-          <a:lstStyle/>
-          <a:p>
-            <a:pPr algn="ctr"/>
-            <a:r>
-              <a:rPr lang="zh-TW" altLang="en-US" sz="1400" dirty="0" smtClean="0"/>
-              <a:t>是否登陸</a:t>
-            </a:r>
-            <a:endParaRPr lang="zh-TW" altLang="en-US" sz="1400" dirty="0"/>
-          </a:p>
-        </p:txBody>
-      </p:sp>
-      <p:sp>
-        <p:nvSpPr>
-          <p:cNvPr id="11" name="文字方塊 10"/>
-          <p:cNvSpPr txBox="1"/>
-          <p:nvPr/>
-        </p:nvSpPr>
-        <p:spPr>
-          <a:xfrm>
-            <a:off x="3861449" y="4532142"/>
-            <a:ext cx="492443" cy="276999"/>
-          </a:xfrm>
-          <a:prstGeom prst="rect">
-            <a:avLst/>
-          </a:prstGeom>
-          <a:noFill/>
-          <a:ln>
-            <a:noFill/>
-          </a:ln>
-        </p:spPr>
-        <p:txBody>
-          <a:bodyPr wrap="none" rtlCol="0">
-            <a:spAutoFit/>
-          </a:bodyPr>
-          <a:lstStyle/>
-          <a:p>
-            <a:pPr algn="ctr"/>
-            <a:r>
-              <a:rPr lang="zh-TW" altLang="en-US" sz="1200" dirty="0"/>
-              <a:t>確定</a:t>
-            </a:r>
-          </a:p>
-        </p:txBody>
-      </p:sp>
-      <p:sp>
-        <p:nvSpPr>
-          <p:cNvPr id="12" name="文字方塊 11"/>
-          <p:cNvSpPr txBox="1"/>
-          <p:nvPr/>
-        </p:nvSpPr>
-        <p:spPr>
-          <a:xfrm>
-            <a:off x="2750215" y="5136547"/>
-            <a:ext cx="1958982" cy="611386"/>
-          </a:xfrm>
-          <a:prstGeom prst="flowChartDecision">
-            <a:avLst/>
-          </a:prstGeom>
-          <a:noFill/>
-          <a:ln>
-            <a:solidFill>
-              <a:schemeClr val="tx1"/>
-            </a:solidFill>
-          </a:ln>
-        </p:spPr>
-        <p:txBody>
-          <a:bodyPr wrap="none" rtlCol="0">
-            <a:spAutoFit/>
-          </a:bodyPr>
-          <a:lstStyle/>
-          <a:p>
-            <a:pPr algn="ctr"/>
-            <a:r>
-              <a:rPr lang="zh-TW" altLang="en-US" sz="1400" dirty="0" smtClean="0"/>
-              <a:t>密碼正確</a:t>
-            </a:r>
-            <a:r>
-              <a:rPr lang="en-US" altLang="zh-TW" sz="1400" dirty="0" smtClean="0"/>
-              <a:t>?</a:t>
-            </a:r>
-            <a:endParaRPr lang="zh-TW" altLang="en-US" sz="1400" dirty="0"/>
-          </a:p>
-        </p:txBody>
-      </p:sp>
-      <p:sp>
-        <p:nvSpPr>
-          <p:cNvPr id="16" name="文字方塊 15"/>
-          <p:cNvSpPr txBox="1"/>
-          <p:nvPr/>
-        </p:nvSpPr>
-        <p:spPr>
-          <a:xfrm>
-            <a:off x="8379622" y="4048575"/>
-            <a:ext cx="1245699" cy="611386"/>
-          </a:xfrm>
-          <a:prstGeom prst="flowChartDecision">
-            <a:avLst/>
-          </a:prstGeom>
-          <a:noFill/>
-          <a:ln>
-            <a:solidFill>
-              <a:schemeClr val="tx1"/>
-            </a:solidFill>
-          </a:ln>
-        </p:spPr>
-        <p:txBody>
-          <a:bodyPr wrap="none" rtlCol="0">
-            <a:spAutoFit/>
-          </a:bodyPr>
-          <a:lstStyle/>
-          <a:p>
-            <a:pPr algn="ctr"/>
-            <a:r>
-              <a:rPr lang="zh-TW" altLang="en-US" sz="1400" dirty="0" smtClean="0"/>
-              <a:t>成功</a:t>
-            </a:r>
-            <a:r>
-              <a:rPr lang="en-US" altLang="zh-TW" sz="1400" dirty="0" smtClean="0"/>
-              <a:t>?</a:t>
-            </a:r>
-          </a:p>
-        </p:txBody>
-      </p:sp>
-      <p:sp>
-        <p:nvSpPr>
-          <p:cNvPr id="17" name="文字方塊 16"/>
-          <p:cNvSpPr txBox="1"/>
-          <p:nvPr/>
-        </p:nvSpPr>
-        <p:spPr>
-          <a:xfrm>
-            <a:off x="816923" y="4303552"/>
-            <a:ext cx="1793399" cy="611386"/>
-          </a:xfrm>
-          <a:prstGeom prst="flowChartDecision">
-            <a:avLst/>
-          </a:prstGeom>
-          <a:noFill/>
-          <a:ln>
-            <a:solidFill>
-              <a:schemeClr val="tx1"/>
-            </a:solidFill>
-          </a:ln>
-        </p:spPr>
-        <p:txBody>
-          <a:bodyPr wrap="none" rtlCol="0">
-            <a:spAutoFit/>
-          </a:bodyPr>
-          <a:lstStyle/>
-          <a:p>
-            <a:pPr algn="ctr"/>
-            <a:r>
-              <a:rPr lang="zh-TW" altLang="en-US" sz="1400" dirty="0" smtClean="0"/>
-              <a:t>再試一</a:t>
-            </a:r>
-            <a:r>
-              <a:rPr lang="zh-TW" altLang="en-US" sz="1400" dirty="0"/>
-              <a:t>次</a:t>
-            </a:r>
-          </a:p>
-        </p:txBody>
-      </p:sp>
-      <p:cxnSp>
-        <p:nvCxnSpPr>
-          <p:cNvPr id="19" name="直線單箭頭接點 18"/>
-          <p:cNvCxnSpPr/>
-          <p:nvPr/>
-        </p:nvCxnSpPr>
-        <p:spPr>
-          <a:xfrm>
-            <a:off x="3720054" y="1803070"/>
-            <a:ext cx="0" cy="524484"/>
-          </a:xfrm>
-          <a:prstGeom prst="straightConnector1">
-            <a:avLst/>
-          </a:prstGeom>
-          <a:ln w="19050">
-            <a:solidFill>
-              <a:srgbClr val="FF0000"/>
-            </a:solidFill>
-            <a:tailEnd type="triangle"/>
           </a:ln>
         </p:spPr>
         <p:style>
@@ -10959,475 +12490,22 @@
       </p:cxnSp>
       <p:cxnSp>
         <p:nvCxnSpPr>
-          <p:cNvPr id="20" name="直線單箭頭接點 19"/>
+          <p:cNvPr id="96" name="直線接點 95"/>
           <p:cNvCxnSpPr/>
           <p:nvPr/>
         </p:nvCxnSpPr>
         <p:spPr>
-          <a:xfrm>
-            <a:off x="3737300" y="4373406"/>
-            <a:ext cx="0" cy="683221"/>
-          </a:xfrm>
-          <a:prstGeom prst="straightConnector1">
-            <a:avLst/>
-          </a:prstGeom>
-          <a:ln w="19050">
-            <a:solidFill>
-              <a:srgbClr val="FF0000"/>
-            </a:solidFill>
-            <a:tailEnd type="triangle"/>
-          </a:ln>
-        </p:spPr>
-        <p:style>
-          <a:lnRef idx="1">
-            <a:schemeClr val="accent1"/>
-          </a:lnRef>
-          <a:fillRef idx="0">
-            <a:schemeClr val="accent1"/>
-          </a:fillRef>
-          <a:effectRef idx="0">
-            <a:schemeClr val="accent1"/>
-          </a:effectRef>
-          <a:fontRef idx="minor">
-            <a:schemeClr val="tx1"/>
-          </a:fontRef>
-        </p:style>
-      </p:cxnSp>
-      <p:sp>
-        <p:nvSpPr>
-          <p:cNvPr id="22" name="文字方塊 21"/>
-          <p:cNvSpPr txBox="1"/>
-          <p:nvPr/>
-        </p:nvSpPr>
-        <p:spPr>
-          <a:xfrm>
-            <a:off x="3330307" y="1880871"/>
-            <a:ext cx="338554" cy="276999"/>
-          </a:xfrm>
-          <a:prstGeom prst="rect">
-            <a:avLst/>
-          </a:prstGeom>
-          <a:noFill/>
-          <a:ln>
-            <a:noFill/>
-          </a:ln>
-        </p:spPr>
-        <p:txBody>
-          <a:bodyPr wrap="none" rtlCol="0">
-            <a:spAutoFit/>
-          </a:bodyPr>
-          <a:lstStyle/>
-          <a:p>
-            <a:pPr algn="ctr"/>
-            <a:r>
-              <a:rPr lang="zh-TW" altLang="en-US" sz="1200" dirty="0" smtClean="0"/>
-              <a:t>是</a:t>
-            </a:r>
-            <a:endParaRPr lang="zh-TW" altLang="en-US" sz="1200" dirty="0"/>
-          </a:p>
-        </p:txBody>
-      </p:sp>
-      <p:sp>
-        <p:nvSpPr>
-          <p:cNvPr id="23" name="文字方塊 22"/>
-          <p:cNvSpPr txBox="1"/>
-          <p:nvPr/>
-        </p:nvSpPr>
-        <p:spPr>
-          <a:xfrm>
-            <a:off x="4844533" y="5090787"/>
-            <a:ext cx="338554" cy="276999"/>
-          </a:xfrm>
-          <a:prstGeom prst="rect">
-            <a:avLst/>
-          </a:prstGeom>
-          <a:noFill/>
-          <a:ln>
-            <a:noFill/>
-          </a:ln>
-        </p:spPr>
-        <p:txBody>
-          <a:bodyPr wrap="none" rtlCol="0">
-            <a:spAutoFit/>
-          </a:bodyPr>
-          <a:lstStyle/>
-          <a:p>
-            <a:pPr algn="ctr"/>
-            <a:r>
-              <a:rPr lang="zh-TW" altLang="en-US" sz="1200" dirty="0" smtClean="0"/>
-              <a:t>是</a:t>
-            </a:r>
-            <a:endParaRPr lang="zh-TW" altLang="en-US" sz="1200" dirty="0"/>
-          </a:p>
-        </p:txBody>
-      </p:sp>
-      <p:sp>
-        <p:nvSpPr>
-          <p:cNvPr id="24" name="文字方塊 23"/>
-          <p:cNvSpPr txBox="1"/>
-          <p:nvPr/>
-        </p:nvSpPr>
-        <p:spPr>
-          <a:xfrm>
-            <a:off x="5957761" y="3406586"/>
-            <a:ext cx="492443" cy="276999"/>
-          </a:xfrm>
-          <a:prstGeom prst="rect">
-            <a:avLst/>
-          </a:prstGeom>
-          <a:noFill/>
-          <a:ln>
-            <a:noFill/>
-          </a:ln>
-        </p:spPr>
-        <p:txBody>
-          <a:bodyPr wrap="none" rtlCol="0">
-            <a:spAutoFit/>
-          </a:bodyPr>
-          <a:lstStyle/>
-          <a:p>
-            <a:pPr algn="ctr"/>
-            <a:r>
-              <a:rPr lang="zh-TW" altLang="en-US" sz="1200" dirty="0" smtClean="0"/>
-              <a:t>取</a:t>
-            </a:r>
-            <a:r>
-              <a:rPr lang="zh-TW" altLang="en-US" sz="1200" dirty="0"/>
-              <a:t>消</a:t>
-            </a:r>
-            <a:endParaRPr lang="zh-TW" altLang="en-US" sz="1200" dirty="0"/>
-          </a:p>
-        </p:txBody>
-      </p:sp>
-      <p:sp>
-        <p:nvSpPr>
-          <p:cNvPr id="29" name="文字方塊 28"/>
-          <p:cNvSpPr txBox="1"/>
-          <p:nvPr/>
-        </p:nvSpPr>
-        <p:spPr>
-          <a:xfrm>
-            <a:off x="649879" y="1237159"/>
-            <a:ext cx="1505862" cy="340519"/>
-          </a:xfrm>
-          <a:prstGeom prst="roundRect">
-            <a:avLst/>
-          </a:prstGeom>
-          <a:solidFill>
-            <a:schemeClr val="accent1">
-              <a:lumMod val="60000"/>
-              <a:lumOff val="40000"/>
-            </a:schemeClr>
-          </a:solidFill>
-          <a:ln>
-            <a:solidFill>
-              <a:schemeClr val="tx1"/>
-            </a:solidFill>
-          </a:ln>
-        </p:spPr>
-        <p:txBody>
-          <a:bodyPr wrap="square" rtlCol="0">
-            <a:spAutoFit/>
-          </a:bodyPr>
-          <a:lstStyle/>
-          <a:p>
-            <a:pPr algn="ctr"/>
-            <a:r>
-              <a:rPr lang="en-US" altLang="zh-TW" sz="1400" dirty="0" smtClean="0"/>
-              <a:t>APP</a:t>
-            </a:r>
-            <a:endParaRPr lang="zh-TW" altLang="en-US" sz="1400" dirty="0"/>
-          </a:p>
-        </p:txBody>
-      </p:sp>
-      <p:sp>
-        <p:nvSpPr>
-          <p:cNvPr id="32" name="文字方塊 31"/>
-          <p:cNvSpPr txBox="1"/>
-          <p:nvPr/>
-        </p:nvSpPr>
-        <p:spPr>
-          <a:xfrm>
-            <a:off x="1332977" y="3796644"/>
-            <a:ext cx="338554" cy="276999"/>
-          </a:xfrm>
-          <a:prstGeom prst="rect">
-            <a:avLst/>
-          </a:prstGeom>
-          <a:noFill/>
-          <a:ln>
-            <a:noFill/>
-          </a:ln>
-        </p:spPr>
-        <p:txBody>
-          <a:bodyPr wrap="none" rtlCol="0">
-            <a:spAutoFit/>
-          </a:bodyPr>
-          <a:lstStyle/>
-          <a:p>
-            <a:pPr algn="ctr"/>
-            <a:r>
-              <a:rPr lang="zh-TW" altLang="en-US" sz="1200" dirty="0" smtClean="0"/>
-              <a:t>是</a:t>
-            </a:r>
-            <a:endParaRPr lang="zh-TW" altLang="en-US" sz="1200" dirty="0"/>
-          </a:p>
-        </p:txBody>
-      </p:sp>
-      <p:sp>
-        <p:nvSpPr>
-          <p:cNvPr id="33" name="文字方塊 32"/>
-          <p:cNvSpPr txBox="1"/>
-          <p:nvPr/>
-        </p:nvSpPr>
-        <p:spPr>
-          <a:xfrm>
-            <a:off x="442063" y="4292337"/>
-            <a:ext cx="338554" cy="276999"/>
-          </a:xfrm>
-          <a:prstGeom prst="rect">
-            <a:avLst/>
-          </a:prstGeom>
-          <a:noFill/>
-          <a:ln>
-            <a:noFill/>
-          </a:ln>
-        </p:spPr>
-        <p:txBody>
-          <a:bodyPr wrap="none" rtlCol="0">
-            <a:spAutoFit/>
-          </a:bodyPr>
-          <a:lstStyle/>
-          <a:p>
-            <a:pPr algn="ctr"/>
-            <a:r>
-              <a:rPr lang="zh-TW" altLang="en-US" sz="1200" dirty="0" smtClean="0"/>
-              <a:t>否</a:t>
-            </a:r>
-            <a:endParaRPr lang="zh-TW" altLang="en-US" sz="1200" dirty="0"/>
-          </a:p>
-        </p:txBody>
-      </p:sp>
-      <p:sp>
-        <p:nvSpPr>
-          <p:cNvPr id="35" name="文字方塊 34"/>
-          <p:cNvSpPr txBox="1"/>
-          <p:nvPr/>
-        </p:nvSpPr>
-        <p:spPr>
-          <a:xfrm>
-            <a:off x="7447508" y="2539487"/>
-            <a:ext cx="1023036" cy="276999"/>
-          </a:xfrm>
-          <a:prstGeom prst="rect">
-            <a:avLst/>
-          </a:prstGeom>
-          <a:noFill/>
-          <a:ln>
-            <a:noFill/>
-          </a:ln>
-        </p:spPr>
-        <p:txBody>
-          <a:bodyPr wrap="none" rtlCol="0">
-            <a:spAutoFit/>
-          </a:bodyPr>
-          <a:lstStyle/>
-          <a:p>
-            <a:pPr algn="ctr"/>
-            <a:r>
-              <a:rPr lang="zh-TW" altLang="en-US" sz="1200" dirty="0" smtClean="0"/>
-              <a:t>現有</a:t>
-            </a:r>
-            <a:r>
-              <a:rPr lang="en-US" altLang="zh-TW" sz="1200" dirty="0" smtClean="0"/>
-              <a:t>Apple</a:t>
-            </a:r>
-            <a:r>
-              <a:rPr lang="zh-TW" altLang="en-US" sz="1200" dirty="0" smtClean="0"/>
-              <a:t> </a:t>
-            </a:r>
-            <a:r>
-              <a:rPr lang="en-US" altLang="zh-TW" sz="1200" dirty="0" smtClean="0"/>
-              <a:t>ID</a:t>
-            </a:r>
-            <a:endParaRPr lang="zh-TW" altLang="en-US" sz="1200" dirty="0"/>
-          </a:p>
-        </p:txBody>
-      </p:sp>
-      <p:sp>
-        <p:nvSpPr>
-          <p:cNvPr id="36" name="文字方塊 35"/>
-          <p:cNvSpPr txBox="1"/>
-          <p:nvPr/>
-        </p:nvSpPr>
-        <p:spPr>
-          <a:xfrm>
-            <a:off x="8141786" y="1625568"/>
-            <a:ext cx="1023036" cy="276999"/>
-          </a:xfrm>
-          <a:prstGeom prst="rect">
-            <a:avLst/>
-          </a:prstGeom>
-          <a:noFill/>
-          <a:ln>
-            <a:noFill/>
-          </a:ln>
-        </p:spPr>
-        <p:txBody>
-          <a:bodyPr wrap="none" rtlCol="0">
-            <a:spAutoFit/>
-          </a:bodyPr>
-          <a:lstStyle/>
-          <a:p>
-            <a:pPr algn="ctr"/>
-            <a:r>
-              <a:rPr lang="zh-TW" altLang="en-US" sz="1200" dirty="0" smtClean="0"/>
-              <a:t>新</a:t>
-            </a:r>
-            <a:r>
-              <a:rPr lang="zh-TW" altLang="en-US" sz="1200" dirty="0"/>
-              <a:t>增</a:t>
-            </a:r>
-            <a:r>
-              <a:rPr lang="en-US" altLang="zh-TW" sz="1200" dirty="0" smtClean="0"/>
-              <a:t>Apple</a:t>
-            </a:r>
-            <a:r>
-              <a:rPr lang="zh-TW" altLang="en-US" sz="1200" dirty="0" smtClean="0"/>
-              <a:t> </a:t>
-            </a:r>
-            <a:r>
-              <a:rPr lang="en-US" altLang="zh-TW" sz="1200" dirty="0" smtClean="0"/>
-              <a:t>ID</a:t>
-            </a:r>
-            <a:endParaRPr lang="zh-TW" altLang="en-US" sz="1200" dirty="0"/>
-          </a:p>
-        </p:txBody>
-      </p:sp>
-      <p:sp>
-        <p:nvSpPr>
-          <p:cNvPr id="37" name="文字方塊 36"/>
-          <p:cNvSpPr txBox="1"/>
-          <p:nvPr/>
-        </p:nvSpPr>
-        <p:spPr>
-          <a:xfrm>
-            <a:off x="8762846" y="429737"/>
-            <a:ext cx="492443" cy="276999"/>
-          </a:xfrm>
-          <a:prstGeom prst="rect">
-            <a:avLst/>
-          </a:prstGeom>
-          <a:noFill/>
-          <a:ln>
-            <a:noFill/>
-          </a:ln>
-        </p:spPr>
-        <p:txBody>
-          <a:bodyPr wrap="none" rtlCol="0">
-            <a:spAutoFit/>
-          </a:bodyPr>
-          <a:lstStyle/>
-          <a:p>
-            <a:pPr algn="ctr"/>
-            <a:r>
-              <a:rPr lang="zh-TW" altLang="en-US" sz="1200" dirty="0" smtClean="0"/>
-              <a:t>取消</a:t>
-            </a:r>
-            <a:endParaRPr lang="zh-TW" altLang="en-US" sz="1200" dirty="0"/>
-          </a:p>
-        </p:txBody>
-      </p:sp>
-      <p:cxnSp>
-        <p:nvCxnSpPr>
-          <p:cNvPr id="39" name="直線單箭頭接點 38"/>
-          <p:cNvCxnSpPr/>
-          <p:nvPr/>
-        </p:nvCxnSpPr>
-        <p:spPr>
-          <a:xfrm>
-            <a:off x="7912758" y="1997011"/>
-            <a:ext cx="1578576" cy="0"/>
-          </a:xfrm>
-          <a:prstGeom prst="straightConnector1">
+          <a:xfrm flipV="1">
+            <a:off x="7331749" y="2224898"/>
+            <a:ext cx="0" cy="870358"/>
+          </a:xfrm>
+          <a:prstGeom prst="line">
             <a:avLst/>
           </a:prstGeom>
           <a:ln w="19050">
             <a:solidFill>
               <a:schemeClr val="tx1"/>
             </a:solidFill>
-            <a:tailEnd type="triangle"/>
-          </a:ln>
-        </p:spPr>
-        <p:style>
-          <a:lnRef idx="1">
-            <a:schemeClr val="accent1"/>
-          </a:lnRef>
-          <a:fillRef idx="0">
-            <a:schemeClr val="accent1"/>
-          </a:fillRef>
-          <a:effectRef idx="0">
-            <a:schemeClr val="accent1"/>
-          </a:effectRef>
-          <a:fontRef idx="minor">
-            <a:schemeClr val="tx1"/>
-          </a:fontRef>
-        </p:style>
-      </p:cxnSp>
-      <p:sp>
-        <p:nvSpPr>
-          <p:cNvPr id="40" name="文字方塊 39"/>
-          <p:cNvSpPr txBox="1"/>
-          <p:nvPr/>
-        </p:nvSpPr>
-        <p:spPr>
-          <a:xfrm>
-            <a:off x="9504969" y="1801510"/>
-            <a:ext cx="1051560" cy="307777"/>
-          </a:xfrm>
-          <a:prstGeom prst="rect">
-            <a:avLst/>
-          </a:prstGeom>
-          <a:noFill/>
-          <a:ln>
-            <a:solidFill>
-              <a:schemeClr val="tx1"/>
-            </a:solidFill>
-          </a:ln>
-        </p:spPr>
-        <p:txBody>
-          <a:bodyPr wrap="square" rtlCol="0">
-            <a:spAutoFit/>
-          </a:bodyPr>
-          <a:lstStyle/>
-          <a:p>
-            <a:pPr algn="ctr"/>
-            <a:r>
-              <a:rPr lang="zh-TW" altLang="en-US" sz="1400" dirty="0"/>
-              <a:t>註冊</a:t>
-            </a:r>
-          </a:p>
-        </p:txBody>
-      </p:sp>
-      <p:cxnSp>
-        <p:nvCxnSpPr>
-          <p:cNvPr id="42" name="直線單箭頭接點 41"/>
-          <p:cNvCxnSpPr/>
-          <p:nvPr/>
-        </p:nvCxnSpPr>
-        <p:spPr>
-          <a:xfrm>
-            <a:off x="9681477" y="4369576"/>
-            <a:ext cx="624157" cy="0"/>
-          </a:xfrm>
-          <a:prstGeom prst="straightConnector1">
-            <a:avLst/>
-          </a:prstGeom>
-          <a:ln w="19050">
-            <a:solidFill>
-              <a:schemeClr val="tx1"/>
-            </a:solidFill>
-            <a:tailEnd type="triangle"/>
           </a:ln>
         </p:spPr>
         <p:style>
@@ -11447,14 +12525,14 @@
       </p:cxnSp>
       <p:cxnSp>
         <p:nvCxnSpPr>
-          <p:cNvPr id="43" name="直線接點 42"/>
+          <p:cNvPr id="100" name="直線接點 99"/>
           <p:cNvCxnSpPr/>
           <p:nvPr/>
         </p:nvCxnSpPr>
         <p:spPr>
-          <a:xfrm flipV="1">
-            <a:off x="10856955" y="3203396"/>
-            <a:ext cx="0" cy="337418"/>
+          <a:xfrm>
+            <a:off x="7329459" y="2224898"/>
+            <a:ext cx="2215990" cy="0"/>
           </a:xfrm>
           <a:prstGeom prst="line">
             <a:avLst/>
@@ -11482,14 +12560,14 @@
       </p:cxnSp>
       <p:cxnSp>
         <p:nvCxnSpPr>
-          <p:cNvPr id="44" name="直線單箭頭接點 43"/>
+          <p:cNvPr id="102" name="直線單箭頭接點 101"/>
           <p:cNvCxnSpPr/>
           <p:nvPr/>
         </p:nvCxnSpPr>
         <p:spPr>
-          <a:xfrm flipH="1">
-            <a:off x="7828862" y="3203396"/>
-            <a:ext cx="3041400" cy="0"/>
+          <a:xfrm flipV="1">
+            <a:off x="9546156" y="1828478"/>
+            <a:ext cx="0" cy="386910"/>
           </a:xfrm>
           <a:prstGeom prst="straightConnector1">
             <a:avLst/>
@@ -11518,159 +12596,14 @@
       </p:cxnSp>
       <p:cxnSp>
         <p:nvCxnSpPr>
-          <p:cNvPr id="47" name="直線接點 46"/>
+          <p:cNvPr id="113" name="直線單箭頭接點 112"/>
           <p:cNvCxnSpPr/>
           <p:nvPr/>
         </p:nvCxnSpPr>
         <p:spPr>
-          <a:xfrm flipV="1">
-            <a:off x="11433160" y="4289973"/>
-            <a:ext cx="276939" cy="1"/>
-          </a:xfrm>
-          <a:prstGeom prst="line">
-            <a:avLst/>
-          </a:prstGeom>
-          <a:ln w="19050">
-            <a:solidFill>
-              <a:schemeClr val="tx1"/>
-            </a:solidFill>
-          </a:ln>
-        </p:spPr>
-        <p:style>
-          <a:lnRef idx="1">
-            <a:schemeClr val="accent1"/>
-          </a:lnRef>
-          <a:fillRef idx="0">
-            <a:schemeClr val="accent1"/>
-          </a:fillRef>
-          <a:effectRef idx="0">
-            <a:schemeClr val="accent1"/>
-          </a:effectRef>
-          <a:fontRef idx="minor">
-            <a:schemeClr val="tx1"/>
-          </a:fontRef>
-        </p:style>
-      </p:cxnSp>
-      <p:sp>
-        <p:nvSpPr>
-          <p:cNvPr id="49" name="文字方塊 48"/>
-          <p:cNvSpPr txBox="1"/>
-          <p:nvPr/>
-        </p:nvSpPr>
-        <p:spPr>
-          <a:xfrm>
-            <a:off x="11433160" y="4382962"/>
-            <a:ext cx="338554" cy="276999"/>
-          </a:xfrm>
-          <a:prstGeom prst="rect">
-            <a:avLst/>
-          </a:prstGeom>
-          <a:noFill/>
-          <a:ln>
-            <a:noFill/>
-          </a:ln>
-        </p:spPr>
-        <p:txBody>
-          <a:bodyPr wrap="none" rtlCol="0">
-            <a:spAutoFit/>
-          </a:bodyPr>
-          <a:lstStyle/>
-          <a:p>
-            <a:pPr algn="ctr"/>
-            <a:r>
-              <a:rPr lang="zh-TW" altLang="en-US" sz="1200" dirty="0" smtClean="0"/>
-              <a:t>否</a:t>
-            </a:r>
-            <a:endParaRPr lang="zh-TW" altLang="en-US" sz="1200" dirty="0"/>
-          </a:p>
-        </p:txBody>
-      </p:sp>
-      <p:sp>
-        <p:nvSpPr>
-          <p:cNvPr id="50" name="文字方塊 49"/>
-          <p:cNvSpPr txBox="1"/>
-          <p:nvPr/>
-        </p:nvSpPr>
-        <p:spPr>
-          <a:xfrm>
-            <a:off x="9453509" y="2849468"/>
-            <a:ext cx="800219" cy="276999"/>
-          </a:xfrm>
-          <a:prstGeom prst="rect">
-            <a:avLst/>
-          </a:prstGeom>
-          <a:noFill/>
-          <a:ln>
-            <a:noFill/>
-          </a:ln>
-        </p:spPr>
-        <p:txBody>
-          <a:bodyPr wrap="none" rtlCol="0">
-            <a:spAutoFit/>
-          </a:bodyPr>
-          <a:lstStyle/>
-          <a:p>
-            <a:pPr algn="ctr"/>
-            <a:r>
-              <a:rPr lang="zh-TW" altLang="en-US" sz="1200" dirty="0"/>
-              <a:t>再</a:t>
-            </a:r>
-            <a:r>
-              <a:rPr lang="zh-TW" altLang="en-US" sz="1200" dirty="0" smtClean="0"/>
-              <a:t>試一</a:t>
-            </a:r>
-            <a:r>
-              <a:rPr lang="zh-TW" altLang="en-US" sz="1200" dirty="0"/>
-              <a:t>次</a:t>
-            </a:r>
-            <a:endParaRPr lang="zh-TW" altLang="en-US" sz="1200" dirty="0"/>
-          </a:p>
-        </p:txBody>
-      </p:sp>
-      <p:sp>
-        <p:nvSpPr>
-          <p:cNvPr id="51" name="文字方塊 50"/>
-          <p:cNvSpPr txBox="1"/>
-          <p:nvPr/>
-        </p:nvSpPr>
-        <p:spPr>
-          <a:xfrm>
-            <a:off x="9724390" y="4043513"/>
-            <a:ext cx="338554" cy="276999"/>
-          </a:xfrm>
-          <a:prstGeom prst="rect">
-            <a:avLst/>
-          </a:prstGeom>
-          <a:noFill/>
-          <a:ln>
-            <a:noFill/>
-          </a:ln>
-        </p:spPr>
-        <p:txBody>
-          <a:bodyPr wrap="none" rtlCol="0">
-            <a:spAutoFit/>
-          </a:bodyPr>
-          <a:lstStyle/>
-          <a:p>
-            <a:pPr algn="ctr"/>
-            <a:r>
-              <a:rPr lang="zh-TW" altLang="en-US" sz="1200" dirty="0" smtClean="0"/>
-              <a:t>否</a:t>
-            </a:r>
-            <a:endParaRPr lang="zh-TW" altLang="en-US" sz="1200" dirty="0"/>
-          </a:p>
-        </p:txBody>
-      </p:sp>
-      <p:cxnSp>
-        <p:nvCxnSpPr>
-          <p:cNvPr id="52" name="直線單箭頭接點 51"/>
-          <p:cNvCxnSpPr/>
-          <p:nvPr/>
-        </p:nvCxnSpPr>
-        <p:spPr>
-          <a:xfrm flipH="1">
-            <a:off x="6524533" y="5442240"/>
-            <a:ext cx="2467800" cy="0"/>
+          <a:xfrm>
+            <a:off x="5517698" y="5276343"/>
+            <a:ext cx="874039" cy="0"/>
           </a:xfrm>
           <a:prstGeom prst="straightConnector1">
             <a:avLst/>
@@ -11699,214 +12632,22 @@
       </p:cxnSp>
       <p:cxnSp>
         <p:nvCxnSpPr>
-          <p:cNvPr id="53" name="直線接點 52"/>
-          <p:cNvCxnSpPr>
-            <a:endCxn id="16" idx="2"/>
-          </p:cNvCxnSpPr>
+          <p:cNvPr id="118" name="直線接點 117"/>
+          <p:cNvCxnSpPr/>
           <p:nvPr/>
         </p:nvCxnSpPr>
         <p:spPr>
           <a:xfrm flipV="1">
-            <a:off x="9002472" y="4659961"/>
-            <a:ext cx="0" cy="782279"/>
+            <a:off x="7118267" y="4000096"/>
+            <a:ext cx="0" cy="960142"/>
           </a:xfrm>
           <a:prstGeom prst="line">
             <a:avLst/>
           </a:prstGeom>
           <a:ln w="19050">
-            <a:solidFill>
-              <a:srgbClr val="FF0000"/>
-            </a:solidFill>
-          </a:ln>
-        </p:spPr>
-        <p:style>
-          <a:lnRef idx="1">
-            <a:schemeClr val="accent1"/>
-          </a:lnRef>
-          <a:fillRef idx="0">
-            <a:schemeClr val="accent1"/>
-          </a:fillRef>
-          <a:effectRef idx="0">
-            <a:schemeClr val="accent1"/>
-          </a:effectRef>
-          <a:fontRef idx="minor">
-            <a:schemeClr val="tx1"/>
-          </a:fontRef>
-        </p:style>
-      </p:cxnSp>
-      <p:sp>
-        <p:nvSpPr>
-          <p:cNvPr id="54" name="文字方塊 53"/>
-          <p:cNvSpPr txBox="1"/>
-          <p:nvPr/>
-        </p:nvSpPr>
-        <p:spPr>
-          <a:xfrm>
-            <a:off x="9128783" y="4894397"/>
-            <a:ext cx="338554" cy="276999"/>
-          </a:xfrm>
-          <a:prstGeom prst="rect">
-            <a:avLst/>
-          </a:prstGeom>
-          <a:noFill/>
-          <a:ln>
-            <a:noFill/>
-          </a:ln>
-        </p:spPr>
-        <p:txBody>
-          <a:bodyPr wrap="none" rtlCol="0">
-            <a:spAutoFit/>
-          </a:bodyPr>
-          <a:lstStyle/>
-          <a:p>
-            <a:pPr algn="ctr"/>
-            <a:r>
-              <a:rPr lang="zh-TW" altLang="en-US" sz="1200" dirty="0" smtClean="0"/>
-              <a:t>是</a:t>
-            </a:r>
-            <a:endParaRPr lang="zh-TW" altLang="en-US" sz="1200" dirty="0"/>
-          </a:p>
-        </p:txBody>
-      </p:sp>
-      <p:sp>
-        <p:nvSpPr>
-          <p:cNvPr id="55" name="文字方塊 54"/>
-          <p:cNvSpPr txBox="1"/>
-          <p:nvPr/>
-        </p:nvSpPr>
-        <p:spPr>
-          <a:xfrm>
-            <a:off x="5430711" y="1127976"/>
-            <a:ext cx="338554" cy="276999"/>
-          </a:xfrm>
-          <a:prstGeom prst="rect">
-            <a:avLst/>
-          </a:prstGeom>
-          <a:noFill/>
-          <a:ln>
-            <a:noFill/>
-          </a:ln>
-        </p:spPr>
-        <p:txBody>
-          <a:bodyPr wrap="none" rtlCol="0">
-            <a:spAutoFit/>
-          </a:bodyPr>
-          <a:lstStyle/>
-          <a:p>
-            <a:pPr algn="ctr"/>
-            <a:r>
-              <a:rPr lang="zh-TW" altLang="en-US" sz="1200" dirty="0" smtClean="0"/>
-              <a:t>否</a:t>
-            </a:r>
-            <a:endParaRPr lang="zh-TW" altLang="en-US" sz="1200" dirty="0"/>
-          </a:p>
-        </p:txBody>
-      </p:sp>
-      <p:sp>
-        <p:nvSpPr>
-          <p:cNvPr id="67" name="文字方塊 66"/>
-          <p:cNvSpPr txBox="1"/>
-          <p:nvPr/>
-        </p:nvSpPr>
-        <p:spPr>
-          <a:xfrm>
-            <a:off x="270933" y="333215"/>
-            <a:ext cx="1470274" cy="523220"/>
-          </a:xfrm>
-          <a:prstGeom prst="rect">
-            <a:avLst/>
-          </a:prstGeom>
-          <a:noFill/>
-        </p:spPr>
-        <p:txBody>
-          <a:bodyPr wrap="none" rtlCol="0">
-            <a:spAutoFit/>
-          </a:bodyPr>
-          <a:lstStyle/>
-          <a:p>
-            <a:r>
-              <a:rPr lang="en-US" altLang="zh-TW" sz="2800" dirty="0" smtClean="0"/>
-              <a:t>3-2.</a:t>
-            </a:r>
-            <a:r>
-              <a:rPr lang="zh-TW" altLang="en-US" sz="2800" dirty="0" smtClean="0"/>
-              <a:t>下載</a:t>
-            </a:r>
-            <a:endParaRPr lang="zh-TW" altLang="en-US" sz="2800" dirty="0"/>
-          </a:p>
-        </p:txBody>
-      </p:sp>
-      <p:sp>
-        <p:nvSpPr>
-          <p:cNvPr id="68" name="文字方塊 67"/>
-          <p:cNvSpPr txBox="1"/>
-          <p:nvPr/>
-        </p:nvSpPr>
-        <p:spPr>
-          <a:xfrm>
-            <a:off x="10806879" y="599455"/>
-            <a:ext cx="1262590" cy="307777"/>
-          </a:xfrm>
-          <a:prstGeom prst="rect">
-            <a:avLst/>
-          </a:prstGeom>
-          <a:noFill/>
-          <a:ln>
             <a:solidFill>
               <a:schemeClr val="tx1"/>
             </a:solidFill>
-          </a:ln>
-        </p:spPr>
-        <p:txBody>
-          <a:bodyPr wrap="none" rtlCol="0">
-            <a:spAutoFit/>
-          </a:bodyPr>
-          <a:lstStyle/>
-          <a:p>
-            <a:pPr algn="ctr"/>
-            <a:r>
-              <a:rPr lang="zh-TW" altLang="en-US" sz="1400" dirty="0" smtClean="0"/>
-              <a:t>回到</a:t>
-            </a:r>
-            <a:r>
-              <a:rPr lang="en-US" altLang="zh-TW" sz="1400" dirty="0" smtClean="0"/>
-              <a:t>App</a:t>
-            </a:r>
-            <a:r>
-              <a:rPr lang="zh-TW" altLang="en-US" sz="1400" dirty="0"/>
-              <a:t> </a:t>
-            </a:r>
-            <a:r>
-              <a:rPr lang="en-US" altLang="zh-TW" sz="1400" dirty="0" smtClean="0"/>
-              <a:t>Stor</a:t>
-            </a:r>
-            <a:r>
-              <a:rPr lang="en-US" altLang="zh-TW" sz="1400" dirty="0"/>
-              <a:t>e</a:t>
-            </a:r>
-            <a:endParaRPr lang="zh-TW" altLang="en-US" sz="1400" dirty="0"/>
-          </a:p>
-        </p:txBody>
-      </p:sp>
-      <p:cxnSp>
-        <p:nvCxnSpPr>
-          <p:cNvPr id="69" name="直線單箭頭接點 68"/>
-          <p:cNvCxnSpPr/>
-          <p:nvPr/>
-        </p:nvCxnSpPr>
-        <p:spPr>
-          <a:xfrm>
-            <a:off x="2155741" y="1404975"/>
-            <a:ext cx="624157" cy="0"/>
-          </a:xfrm>
-          <a:prstGeom prst="straightConnector1">
-            <a:avLst/>
-          </a:prstGeom>
-          <a:ln w="19050">
-            <a:solidFill>
-              <a:srgbClr val="FF0000"/>
-            </a:solidFill>
-            <a:tailEnd type="triangle"/>
           </a:ln>
         </p:spPr>
         <p:style>
@@ -11926,14 +12667,14 @@
       </p:cxnSp>
       <p:cxnSp>
         <p:nvCxnSpPr>
-          <p:cNvPr id="72" name="直線單箭頭接點 71"/>
+          <p:cNvPr id="122" name="直線單箭頭接點 121"/>
           <p:cNvCxnSpPr/>
           <p:nvPr/>
         </p:nvCxnSpPr>
         <p:spPr>
           <a:xfrm>
-            <a:off x="4781880" y="5442240"/>
-            <a:ext cx="581371" cy="0"/>
+            <a:off x="7856034" y="5281668"/>
+            <a:ext cx="2722358" cy="0"/>
           </a:xfrm>
           <a:prstGeom prst="straightConnector1">
             <a:avLst/>
@@ -11943,6 +12684,99 @@
               <a:srgbClr val="FF0000"/>
             </a:solidFill>
             <a:tailEnd type="triangle"/>
+          </a:ln>
+        </p:spPr>
+        <p:style>
+          <a:lnRef idx="1">
+            <a:schemeClr val="accent1"/>
+          </a:lnRef>
+          <a:fillRef idx="0">
+            <a:schemeClr val="accent1"/>
+          </a:fillRef>
+          <a:effectRef idx="0">
+            <a:schemeClr val="accent1"/>
+          </a:effectRef>
+          <a:fontRef idx="minor">
+            <a:schemeClr val="tx1"/>
+          </a:fontRef>
+        </p:style>
+      </p:cxnSp>
+      <p:sp>
+        <p:nvSpPr>
+          <p:cNvPr id="129" name="橢圓 128"/>
+          <p:cNvSpPr/>
+          <p:nvPr/>
+        </p:nvSpPr>
+        <p:spPr>
+          <a:xfrm>
+            <a:off x="9068915" y="3638147"/>
+            <a:ext cx="339884" cy="176427"/>
+          </a:xfrm>
+          <a:prstGeom prst="ellipse">
+            <a:avLst/>
+          </a:prstGeom>
+          <a:noFill/>
+          <a:ln>
+            <a:solidFill>
+              <a:srgbClr val="FF0000"/>
+            </a:solidFill>
+          </a:ln>
+        </p:spPr>
+        <p:style>
+          <a:lnRef idx="2">
+            <a:schemeClr val="accent1">
+              <a:shade val="50000"/>
+            </a:schemeClr>
+          </a:lnRef>
+          <a:fillRef idx="1">
+            <a:schemeClr val="accent1"/>
+          </a:fillRef>
+          <a:effectRef idx="0">
+            <a:schemeClr val="accent1"/>
+          </a:effectRef>
+          <a:fontRef idx="minor">
+            <a:schemeClr val="lt1"/>
+          </a:fontRef>
+        </p:style>
+        <p:txBody>
+          <a:bodyPr rtlCol="0" anchor="ctr"/>
+          <a:lstStyle/>
+          <a:p>
+            <a:pPr algn="ctr"/>
+            <a:endParaRPr lang="zh-TW" altLang="en-US">
+              <a:ln w="0"/>
+              <a:solidFill>
+                <a:schemeClr val="tx1"/>
+              </a:solidFill>
+              <a:effectLst>
+                <a:outerShdw blurRad="38100" dist="19050" dir="2700000" algn="tl" rotWithShape="0">
+                  <a:schemeClr val="dk1">
+                    <a:alpha val="40000"/>
+                  </a:schemeClr>
+                </a:outerShdw>
+              </a:effectLst>
+            </a:endParaRPr>
+          </a:p>
+        </p:txBody>
+      </p:sp>
+      <p:cxnSp>
+        <p:nvCxnSpPr>
+          <p:cNvPr id="141" name="直線接點 140"/>
+          <p:cNvCxnSpPr/>
+          <p:nvPr/>
+        </p:nvCxnSpPr>
+        <p:spPr>
+          <a:xfrm>
+            <a:off x="10413996" y="1048471"/>
+            <a:ext cx="808189" cy="0"/>
+          </a:xfrm>
+          <a:prstGeom prst="line">
+            <a:avLst/>
+          </a:prstGeom>
+          <a:ln w="19050">
+            <a:solidFill>
+              <a:srgbClr val="FF0000"/>
+            </a:solidFill>
           </a:ln>
         </p:spPr>
         <p:style>
@@ -11962,14 +12796,14 @@
       </p:cxnSp>
       <p:cxnSp>
         <p:nvCxnSpPr>
-          <p:cNvPr id="74" name="直線單箭頭接點 73"/>
+          <p:cNvPr id="143" name="直線單箭頭接點 142"/>
           <p:cNvCxnSpPr/>
           <p:nvPr/>
         </p:nvCxnSpPr>
         <p:spPr>
           <a:xfrm>
-            <a:off x="4672476" y="1434987"/>
-            <a:ext cx="1971397" cy="0"/>
+            <a:off x="11242836" y="1048471"/>
+            <a:ext cx="0" cy="2779958"/>
           </a:xfrm>
           <a:prstGeom prst="straightConnector1">
             <a:avLst/>
@@ -11998,14 +12832,14 @@
       </p:cxnSp>
       <p:sp>
         <p:nvSpPr>
-          <p:cNvPr id="78" name="文字方塊 77"/>
+          <p:cNvPr id="145" name="文字方塊 144"/>
           <p:cNvSpPr txBox="1"/>
           <p:nvPr/>
         </p:nvSpPr>
         <p:spPr>
           <a:xfrm>
-            <a:off x="2234931" y="5090751"/>
-            <a:ext cx="338554" cy="276999"/>
+            <a:off x="10571868" y="761180"/>
+            <a:ext cx="492443" cy="276999"/>
           </a:xfrm>
           <a:prstGeom prst="rect">
             <a:avLst/>
@@ -12023,869 +12857,8 @@
           <a:p>
             <a:pPr algn="ctr"/>
             <a:r>
-              <a:rPr lang="zh-TW" altLang="en-US" sz="1200" dirty="0" smtClean="0"/>
-              <a:t>否</a:t>
-            </a:r>
-            <a:endParaRPr lang="zh-TW" altLang="en-US" sz="1200" dirty="0"/>
-          </a:p>
-        </p:txBody>
-      </p:sp>
-      <p:cxnSp>
-        <p:nvCxnSpPr>
-          <p:cNvPr id="80" name="直線接點 79"/>
-          <p:cNvCxnSpPr/>
-          <p:nvPr/>
-        </p:nvCxnSpPr>
-        <p:spPr>
-          <a:xfrm>
-            <a:off x="1708773" y="5448022"/>
-            <a:ext cx="1010143" cy="0"/>
-          </a:xfrm>
-          <a:prstGeom prst="line">
-            <a:avLst/>
-          </a:prstGeom>
-          <a:ln w="19050">
-            <a:solidFill>
-              <a:schemeClr val="tx1"/>
-            </a:solidFill>
-          </a:ln>
-        </p:spPr>
-        <p:style>
-          <a:lnRef idx="1">
-            <a:schemeClr val="accent1"/>
-          </a:lnRef>
-          <a:fillRef idx="0">
-            <a:schemeClr val="accent1"/>
-          </a:fillRef>
-          <a:effectRef idx="0">
-            <a:schemeClr val="accent1"/>
-          </a:effectRef>
-          <a:fontRef idx="minor">
-            <a:schemeClr val="tx1"/>
-          </a:fontRef>
-        </p:style>
-      </p:cxnSp>
-      <p:cxnSp>
-        <p:nvCxnSpPr>
-          <p:cNvPr id="81" name="直線單箭頭接點 80"/>
-          <p:cNvCxnSpPr/>
-          <p:nvPr/>
-        </p:nvCxnSpPr>
-        <p:spPr>
-          <a:xfrm flipV="1">
-            <a:off x="1708773" y="4958581"/>
-            <a:ext cx="0" cy="483659"/>
-          </a:xfrm>
-          <a:prstGeom prst="straightConnector1">
-            <a:avLst/>
-          </a:prstGeom>
-          <a:ln w="19050">
-            <a:solidFill>
-              <a:schemeClr val="tx1"/>
-            </a:solidFill>
-            <a:tailEnd type="triangle"/>
-          </a:ln>
-        </p:spPr>
-        <p:style>
-          <a:lnRef idx="1">
-            <a:schemeClr val="accent1"/>
-          </a:lnRef>
-          <a:fillRef idx="0">
-            <a:schemeClr val="accent1"/>
-          </a:fillRef>
-          <a:effectRef idx="0">
-            <a:schemeClr val="accent1"/>
-          </a:effectRef>
-          <a:fontRef idx="minor">
-            <a:schemeClr val="tx1"/>
-          </a:fontRef>
-        </p:style>
-      </p:cxnSp>
-      <p:cxnSp>
-        <p:nvCxnSpPr>
-          <p:cNvPr id="85" name="直線單箭頭接點 84"/>
-          <p:cNvCxnSpPr/>
-          <p:nvPr/>
-        </p:nvCxnSpPr>
-        <p:spPr>
-          <a:xfrm>
-            <a:off x="1718865" y="3369785"/>
-            <a:ext cx="1490410" cy="0"/>
-          </a:xfrm>
-          <a:prstGeom prst="straightConnector1">
-            <a:avLst/>
-          </a:prstGeom>
-          <a:ln w="19050">
-            <a:solidFill>
-              <a:schemeClr val="tx1"/>
-            </a:solidFill>
-            <a:tailEnd type="triangle"/>
-          </a:ln>
-        </p:spPr>
-        <p:style>
-          <a:lnRef idx="1">
-            <a:schemeClr val="accent1"/>
-          </a:lnRef>
-          <a:fillRef idx="0">
-            <a:schemeClr val="accent1"/>
-          </a:fillRef>
-          <a:effectRef idx="0">
-            <a:schemeClr val="accent1"/>
-          </a:effectRef>
-          <a:fontRef idx="minor">
-            <a:schemeClr val="tx1"/>
-          </a:fontRef>
-        </p:style>
-      </p:cxnSp>
-      <p:cxnSp>
-        <p:nvCxnSpPr>
-          <p:cNvPr id="87" name="直線接點 86"/>
-          <p:cNvCxnSpPr/>
-          <p:nvPr/>
-        </p:nvCxnSpPr>
-        <p:spPr>
-          <a:xfrm flipV="1">
-            <a:off x="1718865" y="3369785"/>
-            <a:ext cx="0" cy="878115"/>
-          </a:xfrm>
-          <a:prstGeom prst="line">
-            <a:avLst/>
-          </a:prstGeom>
-          <a:ln w="19050">
-            <a:solidFill>
-              <a:schemeClr val="tx1"/>
-            </a:solidFill>
-          </a:ln>
-        </p:spPr>
-        <p:style>
-          <a:lnRef idx="1">
-            <a:schemeClr val="accent1"/>
-          </a:lnRef>
-          <a:fillRef idx="0">
-            <a:schemeClr val="accent1"/>
-          </a:fillRef>
-          <a:effectRef idx="0">
-            <a:schemeClr val="accent1"/>
-          </a:effectRef>
-          <a:fontRef idx="minor">
-            <a:schemeClr val="tx1"/>
-          </a:fontRef>
-        </p:style>
-      </p:cxnSp>
-      <p:cxnSp>
-        <p:nvCxnSpPr>
-          <p:cNvPr id="89" name="直線接點 88"/>
-          <p:cNvCxnSpPr/>
-          <p:nvPr/>
-        </p:nvCxnSpPr>
-        <p:spPr>
-          <a:xfrm flipV="1">
-            <a:off x="361524" y="1413017"/>
-            <a:ext cx="0" cy="3226548"/>
-          </a:xfrm>
-          <a:prstGeom prst="line">
-            <a:avLst/>
-          </a:prstGeom>
-          <a:ln w="19050">
-            <a:solidFill>
-              <a:schemeClr val="tx1"/>
-            </a:solidFill>
-          </a:ln>
-        </p:spPr>
-        <p:style>
-          <a:lnRef idx="1">
-            <a:schemeClr val="accent1"/>
-          </a:lnRef>
-          <a:fillRef idx="0">
-            <a:schemeClr val="accent1"/>
-          </a:fillRef>
-          <a:effectRef idx="0">
-            <a:schemeClr val="accent1"/>
-          </a:effectRef>
-          <a:fontRef idx="minor">
-            <a:schemeClr val="tx1"/>
-          </a:fontRef>
-        </p:style>
-      </p:cxnSp>
-      <p:cxnSp>
-        <p:nvCxnSpPr>
-          <p:cNvPr id="91" name="直線接點 90"/>
-          <p:cNvCxnSpPr/>
-          <p:nvPr/>
-        </p:nvCxnSpPr>
-        <p:spPr>
-          <a:xfrm>
-            <a:off x="376630" y="4621277"/>
-            <a:ext cx="419533" cy="0"/>
-          </a:xfrm>
-          <a:prstGeom prst="line">
-            <a:avLst/>
-          </a:prstGeom>
-          <a:ln w="19050">
-            <a:solidFill>
-              <a:schemeClr val="tx1"/>
-            </a:solidFill>
-          </a:ln>
-        </p:spPr>
-        <p:style>
-          <a:lnRef idx="1">
-            <a:schemeClr val="accent1"/>
-          </a:lnRef>
-          <a:fillRef idx="0">
-            <a:schemeClr val="accent1"/>
-          </a:fillRef>
-          <a:effectRef idx="0">
-            <a:schemeClr val="accent1"/>
-          </a:effectRef>
-          <a:fontRef idx="minor">
-            <a:schemeClr val="tx1"/>
-          </a:fontRef>
-        </p:style>
-      </p:cxnSp>
-      <p:cxnSp>
-        <p:nvCxnSpPr>
-          <p:cNvPr id="95" name="直線單箭頭接點 94"/>
-          <p:cNvCxnSpPr/>
-          <p:nvPr/>
-        </p:nvCxnSpPr>
-        <p:spPr>
-          <a:xfrm>
-            <a:off x="347134" y="1415936"/>
-            <a:ext cx="253316" cy="0"/>
-          </a:xfrm>
-          <a:prstGeom prst="straightConnector1">
-            <a:avLst/>
-          </a:prstGeom>
-          <a:ln w="19050">
-            <a:solidFill>
-              <a:schemeClr val="tx1"/>
-            </a:solidFill>
-            <a:tailEnd type="triangle"/>
-          </a:ln>
-        </p:spPr>
-        <p:style>
-          <a:lnRef idx="1">
-            <a:schemeClr val="accent1"/>
-          </a:lnRef>
-          <a:fillRef idx="0">
-            <a:schemeClr val="accent1"/>
-          </a:fillRef>
-          <a:effectRef idx="0">
-            <a:schemeClr val="accent1"/>
-          </a:effectRef>
-          <a:fontRef idx="minor">
-            <a:schemeClr val="tx1"/>
-          </a:fontRef>
-        </p:style>
-      </p:cxnSp>
-      <p:cxnSp>
-        <p:nvCxnSpPr>
-          <p:cNvPr id="97" name="直線接點 96"/>
-          <p:cNvCxnSpPr/>
-          <p:nvPr/>
-        </p:nvCxnSpPr>
-        <p:spPr>
-          <a:xfrm>
-            <a:off x="1411854" y="2954899"/>
-            <a:ext cx="1785033" cy="0"/>
-          </a:xfrm>
-          <a:prstGeom prst="line">
-            <a:avLst/>
-          </a:prstGeom>
-          <a:ln w="19050">
-            <a:solidFill>
-              <a:schemeClr val="tx1"/>
-            </a:solidFill>
-          </a:ln>
-        </p:spPr>
-        <p:style>
-          <a:lnRef idx="1">
-            <a:schemeClr val="accent1"/>
-          </a:lnRef>
-          <a:fillRef idx="0">
-            <a:schemeClr val="accent1"/>
-          </a:fillRef>
-          <a:effectRef idx="0">
-            <a:schemeClr val="accent1"/>
-          </a:effectRef>
-          <a:fontRef idx="minor">
-            <a:schemeClr val="tx1"/>
-          </a:fontRef>
-        </p:style>
-      </p:cxnSp>
-      <p:cxnSp>
-        <p:nvCxnSpPr>
-          <p:cNvPr id="99" name="直線單箭頭接點 98"/>
-          <p:cNvCxnSpPr/>
-          <p:nvPr/>
-        </p:nvCxnSpPr>
-        <p:spPr>
-          <a:xfrm flipV="1">
-            <a:off x="1402810" y="1641887"/>
-            <a:ext cx="0" cy="1313012"/>
-          </a:xfrm>
-          <a:prstGeom prst="straightConnector1">
-            <a:avLst/>
-          </a:prstGeom>
-          <a:ln w="19050">
-            <a:solidFill>
-              <a:schemeClr val="tx1"/>
-            </a:solidFill>
-            <a:tailEnd type="triangle"/>
-          </a:ln>
-        </p:spPr>
-        <p:style>
-          <a:lnRef idx="1">
-            <a:schemeClr val="accent1"/>
-          </a:lnRef>
-          <a:fillRef idx="0">
-            <a:schemeClr val="accent1"/>
-          </a:fillRef>
-          <a:effectRef idx="0">
-            <a:schemeClr val="accent1"/>
-          </a:effectRef>
-          <a:fontRef idx="minor">
-            <a:schemeClr val="tx1"/>
-          </a:fontRef>
-        </p:style>
-      </p:cxnSp>
-      <p:sp>
-        <p:nvSpPr>
-          <p:cNvPr id="114" name="文字方塊 113"/>
-          <p:cNvSpPr txBox="1"/>
-          <p:nvPr/>
-        </p:nvSpPr>
-        <p:spPr>
-          <a:xfrm>
-            <a:off x="5037719" y="2715920"/>
-            <a:ext cx="1262590" cy="307777"/>
-          </a:xfrm>
-          <a:prstGeom prst="rect">
-            <a:avLst/>
-          </a:prstGeom>
-          <a:noFill/>
-          <a:ln>
-            <a:solidFill>
-              <a:schemeClr val="tx1"/>
-            </a:solidFill>
-          </a:ln>
-        </p:spPr>
-        <p:txBody>
-          <a:bodyPr wrap="none" rtlCol="0">
-            <a:spAutoFit/>
-          </a:bodyPr>
-          <a:lstStyle/>
-          <a:p>
-            <a:pPr algn="ctr"/>
-            <a:r>
-              <a:rPr lang="zh-TW" altLang="en-US" sz="1400" dirty="0" smtClean="0"/>
-              <a:t>回到</a:t>
-            </a:r>
-            <a:r>
-              <a:rPr lang="en-US" altLang="zh-TW" sz="1400" dirty="0" smtClean="0"/>
-              <a:t>App</a:t>
-            </a:r>
-            <a:r>
-              <a:rPr lang="zh-TW" altLang="en-US" sz="1400" dirty="0"/>
-              <a:t> </a:t>
-            </a:r>
-            <a:r>
-              <a:rPr lang="en-US" altLang="zh-TW" sz="1400" dirty="0" smtClean="0"/>
-              <a:t>Stor</a:t>
-            </a:r>
-            <a:r>
-              <a:rPr lang="en-US" altLang="zh-TW" sz="1400" dirty="0"/>
-              <a:t>e</a:t>
-            </a:r>
-            <a:endParaRPr lang="zh-TW" altLang="en-US" sz="1400" dirty="0"/>
-          </a:p>
-        </p:txBody>
-      </p:sp>
-      <p:cxnSp>
-        <p:nvCxnSpPr>
-          <p:cNvPr id="115" name="直線接點 114"/>
-          <p:cNvCxnSpPr/>
-          <p:nvPr/>
-        </p:nvCxnSpPr>
-        <p:spPr>
-          <a:xfrm>
-            <a:off x="5658174" y="3704118"/>
-            <a:ext cx="1038996" cy="0"/>
-          </a:xfrm>
-          <a:prstGeom prst="line">
-            <a:avLst/>
-          </a:prstGeom>
-          <a:ln w="19050">
-            <a:solidFill>
-              <a:schemeClr val="tx1"/>
-            </a:solidFill>
-          </a:ln>
-        </p:spPr>
-        <p:style>
-          <a:lnRef idx="1">
-            <a:schemeClr val="accent1"/>
-          </a:lnRef>
-          <a:fillRef idx="0">
-            <a:schemeClr val="accent1"/>
-          </a:fillRef>
-          <a:effectRef idx="0">
-            <a:schemeClr val="accent1"/>
-          </a:effectRef>
-          <a:fontRef idx="minor">
-            <a:schemeClr val="tx1"/>
-          </a:fontRef>
-        </p:style>
-      </p:cxnSp>
-      <p:cxnSp>
-        <p:nvCxnSpPr>
-          <p:cNvPr id="117" name="直線單箭頭接點 116"/>
-          <p:cNvCxnSpPr/>
-          <p:nvPr/>
-        </p:nvCxnSpPr>
-        <p:spPr>
-          <a:xfrm flipV="1">
-            <a:off x="5669014" y="3098151"/>
-            <a:ext cx="0" cy="611332"/>
-          </a:xfrm>
-          <a:prstGeom prst="straightConnector1">
-            <a:avLst/>
-          </a:prstGeom>
-          <a:ln w="19050">
-            <a:solidFill>
-              <a:schemeClr val="tx1"/>
-            </a:solidFill>
-            <a:tailEnd type="triangle"/>
-          </a:ln>
-        </p:spPr>
-        <p:style>
-          <a:lnRef idx="1">
-            <a:schemeClr val="accent1"/>
-          </a:lnRef>
-          <a:fillRef idx="0">
-            <a:schemeClr val="accent1"/>
-          </a:fillRef>
-          <a:effectRef idx="0">
-            <a:schemeClr val="accent1"/>
-          </a:effectRef>
-          <a:fontRef idx="minor">
-            <a:schemeClr val="tx1"/>
-          </a:fontRef>
-        </p:style>
-      </p:cxnSp>
-      <p:sp>
-        <p:nvSpPr>
-          <p:cNvPr id="120" name="文字方塊 119"/>
-          <p:cNvSpPr txBox="1"/>
-          <p:nvPr/>
-        </p:nvSpPr>
-        <p:spPr>
-          <a:xfrm>
-            <a:off x="2234931" y="2677900"/>
-            <a:ext cx="492443" cy="276999"/>
-          </a:xfrm>
-          <a:prstGeom prst="rect">
-            <a:avLst/>
-          </a:prstGeom>
-          <a:noFill/>
-          <a:ln>
-            <a:noFill/>
-          </a:ln>
-        </p:spPr>
-        <p:txBody>
-          <a:bodyPr wrap="none" rtlCol="0">
-            <a:spAutoFit/>
-          </a:bodyPr>
-          <a:lstStyle/>
-          <a:p>
-            <a:pPr algn="ctr"/>
-            <a:r>
-              <a:rPr lang="zh-TW" altLang="en-US" sz="1200" dirty="0" smtClean="0"/>
-              <a:t>取</a:t>
-            </a:r>
-            <a:r>
               <a:rPr lang="zh-TW" altLang="en-US" sz="1200" dirty="0"/>
-              <a:t>消</a:t>
-            </a:r>
-            <a:endParaRPr lang="zh-TW" altLang="en-US" sz="1200" dirty="0"/>
-          </a:p>
-        </p:txBody>
-      </p:sp>
-      <p:cxnSp>
-        <p:nvCxnSpPr>
-          <p:cNvPr id="121" name="直線單箭頭接點 120"/>
-          <p:cNvCxnSpPr/>
-          <p:nvPr/>
-        </p:nvCxnSpPr>
-        <p:spPr>
-          <a:xfrm>
-            <a:off x="7257876" y="2539487"/>
-            <a:ext cx="0" cy="280673"/>
-          </a:xfrm>
-          <a:prstGeom prst="straightConnector1">
-            <a:avLst/>
-          </a:prstGeom>
-          <a:ln w="19050">
-            <a:solidFill>
-              <a:srgbClr val="FF0000"/>
-            </a:solidFill>
-            <a:tailEnd type="triangle"/>
-          </a:ln>
-        </p:spPr>
-        <p:style>
-          <a:lnRef idx="1">
-            <a:schemeClr val="accent1"/>
-          </a:lnRef>
-          <a:fillRef idx="0">
-            <a:schemeClr val="accent1"/>
-          </a:fillRef>
-          <a:effectRef idx="0">
-            <a:schemeClr val="accent1"/>
-          </a:effectRef>
-          <a:fontRef idx="minor">
-            <a:schemeClr val="tx1"/>
-          </a:fontRef>
-        </p:style>
-      </p:cxnSp>
-      <p:cxnSp>
-        <p:nvCxnSpPr>
-          <p:cNvPr id="128" name="直線單箭頭接點 127"/>
-          <p:cNvCxnSpPr/>
-          <p:nvPr/>
-        </p:nvCxnSpPr>
-        <p:spPr>
-          <a:xfrm flipH="1" flipV="1">
-            <a:off x="11699430" y="979606"/>
-            <a:ext cx="10669" cy="3330916"/>
-          </a:xfrm>
-          <a:prstGeom prst="straightConnector1">
-            <a:avLst/>
-          </a:prstGeom>
-          <a:ln w="19050">
-            <a:solidFill>
-              <a:schemeClr val="tx1"/>
-            </a:solidFill>
-            <a:tailEnd type="triangle"/>
-          </a:ln>
-        </p:spPr>
-        <p:style>
-          <a:lnRef idx="1">
-            <a:schemeClr val="accent1"/>
-          </a:lnRef>
-          <a:fillRef idx="0">
-            <a:schemeClr val="accent1"/>
-          </a:fillRef>
-          <a:effectRef idx="0">
-            <a:schemeClr val="accent1"/>
-          </a:effectRef>
-          <a:fontRef idx="minor">
-            <a:schemeClr val="tx1"/>
-          </a:fontRef>
-        </p:style>
-      </p:cxnSp>
-      <p:cxnSp>
-        <p:nvCxnSpPr>
-          <p:cNvPr id="133" name="直線單箭頭接點 132"/>
-          <p:cNvCxnSpPr/>
-          <p:nvPr/>
-        </p:nvCxnSpPr>
-        <p:spPr>
-          <a:xfrm>
-            <a:off x="7849857" y="4366742"/>
-            <a:ext cx="505701" cy="0"/>
-          </a:xfrm>
-          <a:prstGeom prst="straightConnector1">
-            <a:avLst/>
-          </a:prstGeom>
-          <a:ln w="19050">
-            <a:solidFill>
-              <a:srgbClr val="FF0000"/>
-            </a:solidFill>
-            <a:tailEnd type="triangle"/>
-          </a:ln>
-        </p:spPr>
-        <p:style>
-          <a:lnRef idx="1">
-            <a:schemeClr val="accent1"/>
-          </a:lnRef>
-          <a:fillRef idx="0">
-            <a:schemeClr val="accent1"/>
-          </a:fillRef>
-          <a:effectRef idx="0">
-            <a:schemeClr val="accent1"/>
-          </a:effectRef>
-          <a:fontRef idx="minor">
-            <a:schemeClr val="tx1"/>
-          </a:fontRef>
-        </p:style>
-      </p:cxnSp>
-      <p:sp>
-        <p:nvSpPr>
-          <p:cNvPr id="137" name="文字方塊 136"/>
-          <p:cNvSpPr txBox="1"/>
-          <p:nvPr/>
-        </p:nvSpPr>
-        <p:spPr>
-          <a:xfrm>
-            <a:off x="7912758" y="4055854"/>
-            <a:ext cx="338554" cy="276999"/>
-          </a:xfrm>
-          <a:prstGeom prst="rect">
-            <a:avLst/>
-          </a:prstGeom>
-          <a:noFill/>
-          <a:ln>
-            <a:noFill/>
-          </a:ln>
-        </p:spPr>
-        <p:txBody>
-          <a:bodyPr wrap="none" rtlCol="0">
-            <a:spAutoFit/>
-          </a:bodyPr>
-          <a:lstStyle/>
-          <a:p>
-            <a:pPr algn="ctr"/>
-            <a:r>
-              <a:rPr lang="zh-TW" altLang="en-US" sz="1200" dirty="0" smtClean="0"/>
-              <a:t>好</a:t>
-            </a:r>
-            <a:endParaRPr lang="zh-TW" altLang="en-US" sz="1200" dirty="0"/>
-          </a:p>
-        </p:txBody>
-      </p:sp>
-      <p:cxnSp>
-        <p:nvCxnSpPr>
-          <p:cNvPr id="139" name="直線單箭頭接點 138"/>
-          <p:cNvCxnSpPr/>
-          <p:nvPr/>
-        </p:nvCxnSpPr>
-        <p:spPr>
-          <a:xfrm>
-            <a:off x="7895555" y="787330"/>
-            <a:ext cx="2660974" cy="0"/>
-          </a:xfrm>
-          <a:prstGeom prst="straightConnector1">
-            <a:avLst/>
-          </a:prstGeom>
-          <a:ln w="19050">
-            <a:solidFill>
-              <a:schemeClr val="tx1"/>
-            </a:solidFill>
-            <a:tailEnd type="triangle"/>
-          </a:ln>
-        </p:spPr>
-        <p:style>
-          <a:lnRef idx="1">
-            <a:schemeClr val="accent1"/>
-          </a:lnRef>
-          <a:fillRef idx="0">
-            <a:schemeClr val="accent1"/>
-          </a:fillRef>
-          <a:effectRef idx="0">
-            <a:schemeClr val="accent1"/>
-          </a:effectRef>
-          <a:fontRef idx="minor">
-            <a:schemeClr val="tx1"/>
-          </a:fontRef>
-        </p:style>
-      </p:cxnSp>
-      <p:sp>
-        <p:nvSpPr>
-          <p:cNvPr id="144" name="文字方塊 143"/>
-          <p:cNvSpPr txBox="1"/>
-          <p:nvPr/>
-        </p:nvSpPr>
-        <p:spPr>
-          <a:xfrm>
-            <a:off x="3108635" y="4019758"/>
-            <a:ext cx="800219" cy="276999"/>
-          </a:xfrm>
-          <a:prstGeom prst="rect">
-            <a:avLst/>
-          </a:prstGeom>
-          <a:solidFill>
-            <a:schemeClr val="accent1">
-              <a:lumMod val="20000"/>
-              <a:lumOff val="80000"/>
-            </a:schemeClr>
-          </a:solidFill>
-          <a:ln>
-            <a:noFill/>
-          </a:ln>
-        </p:spPr>
-        <p:txBody>
-          <a:bodyPr wrap="none" rtlCol="0">
-            <a:spAutoFit/>
-          </a:bodyPr>
-          <a:lstStyle/>
-          <a:p>
-            <a:pPr algn="ctr"/>
-            <a:r>
-              <a:rPr lang="zh-TW" altLang="en-US" sz="1200" dirty="0" smtClean="0"/>
-              <a:t>填寫密</a:t>
-            </a:r>
-            <a:r>
-              <a:rPr lang="zh-TW" altLang="en-US" sz="1200" dirty="0"/>
-              <a:t>碼</a:t>
-            </a:r>
-            <a:endParaRPr lang="zh-TW" altLang="en-US" sz="1200" dirty="0"/>
-          </a:p>
-        </p:txBody>
-      </p:sp>
-      <p:sp>
-        <p:nvSpPr>
-          <p:cNvPr id="146" name="文字方塊 145"/>
-          <p:cNvSpPr txBox="1"/>
-          <p:nvPr/>
-        </p:nvSpPr>
-        <p:spPr>
-          <a:xfrm>
-            <a:off x="6516102" y="2152577"/>
-            <a:ext cx="1107997" cy="276999"/>
-          </a:xfrm>
-          <a:prstGeom prst="rect">
-            <a:avLst/>
-          </a:prstGeom>
-          <a:solidFill>
-            <a:schemeClr val="accent1">
-              <a:lumMod val="20000"/>
-              <a:lumOff val="80000"/>
-            </a:schemeClr>
-          </a:solidFill>
-          <a:ln>
-            <a:noFill/>
-          </a:ln>
-        </p:spPr>
-        <p:txBody>
-          <a:bodyPr wrap="none" rtlCol="0">
-            <a:spAutoFit/>
-          </a:bodyPr>
-          <a:lstStyle/>
-          <a:p>
-            <a:pPr algn="ctr"/>
-            <a:r>
-              <a:rPr lang="zh-TW" altLang="en-US" sz="1200" dirty="0" smtClean="0"/>
-              <a:t>選擇登入方式</a:t>
-            </a:r>
-            <a:endParaRPr lang="zh-TW" altLang="en-US" sz="1200" dirty="0"/>
-          </a:p>
-        </p:txBody>
-      </p:sp>
-      <p:sp>
-        <p:nvSpPr>
-          <p:cNvPr id="147" name="文字方塊 146"/>
-          <p:cNvSpPr txBox="1"/>
-          <p:nvPr/>
-        </p:nvSpPr>
-        <p:spPr>
-          <a:xfrm>
-            <a:off x="6592414" y="4398391"/>
-            <a:ext cx="800219" cy="276999"/>
-          </a:xfrm>
-          <a:prstGeom prst="rect">
-            <a:avLst/>
-          </a:prstGeom>
-          <a:solidFill>
-            <a:schemeClr val="accent1">
-              <a:lumMod val="20000"/>
-              <a:lumOff val="80000"/>
-            </a:schemeClr>
-          </a:solidFill>
-          <a:ln>
-            <a:noFill/>
-          </a:ln>
-        </p:spPr>
-        <p:txBody>
-          <a:bodyPr wrap="none" rtlCol="0">
-            <a:spAutoFit/>
-          </a:bodyPr>
-          <a:lstStyle/>
-          <a:p>
-            <a:pPr algn="ctr"/>
-            <a:r>
-              <a:rPr lang="zh-TW" altLang="en-US" sz="1200" dirty="0" smtClean="0"/>
-              <a:t>登入帳戶</a:t>
-            </a:r>
-            <a:endParaRPr lang="zh-TW" altLang="en-US" sz="1200" dirty="0"/>
-          </a:p>
-        </p:txBody>
-      </p:sp>
-      <p:sp>
-        <p:nvSpPr>
-          <p:cNvPr id="148" name="文字方塊 147"/>
-          <p:cNvSpPr txBox="1"/>
-          <p:nvPr/>
-        </p:nvSpPr>
-        <p:spPr>
-          <a:xfrm>
-            <a:off x="5236787" y="6256161"/>
-            <a:ext cx="800219" cy="276999"/>
-          </a:xfrm>
-          <a:prstGeom prst="rect">
-            <a:avLst/>
-          </a:prstGeom>
-          <a:solidFill>
-            <a:schemeClr val="accent1">
-              <a:lumMod val="60000"/>
-              <a:lumOff val="40000"/>
-            </a:schemeClr>
-          </a:solidFill>
-          <a:ln>
-            <a:noFill/>
-          </a:ln>
-        </p:spPr>
-        <p:txBody>
-          <a:bodyPr wrap="none" rtlCol="0">
-            <a:spAutoFit/>
-          </a:bodyPr>
-          <a:lstStyle/>
-          <a:p>
-            <a:pPr algn="ctr"/>
-            <a:r>
-              <a:rPr lang="zh-TW" altLang="en-US" sz="1200" dirty="0" smtClean="0"/>
-              <a:t>下載完成</a:t>
-            </a:r>
-            <a:endParaRPr lang="zh-TW" altLang="en-US" sz="1200" dirty="0"/>
-          </a:p>
-        </p:txBody>
-      </p:sp>
-      <p:sp>
-        <p:nvSpPr>
-          <p:cNvPr id="149" name="文字方塊 148"/>
-          <p:cNvSpPr txBox="1"/>
-          <p:nvPr/>
-        </p:nvSpPr>
-        <p:spPr>
-          <a:xfrm>
-            <a:off x="10253728" y="5235953"/>
-            <a:ext cx="870751" cy="276999"/>
-          </a:xfrm>
-          <a:prstGeom prst="rect">
-            <a:avLst/>
-          </a:prstGeom>
-          <a:solidFill>
-            <a:schemeClr val="accent1">
-              <a:lumMod val="20000"/>
-              <a:lumOff val="80000"/>
-            </a:schemeClr>
-          </a:solidFill>
-          <a:ln>
-            <a:noFill/>
-          </a:ln>
-        </p:spPr>
-        <p:txBody>
-          <a:bodyPr wrap="none" rtlCol="0">
-            <a:spAutoFit/>
-          </a:bodyPr>
-          <a:lstStyle/>
-          <a:p>
-            <a:pPr algn="ctr"/>
-            <a:r>
-              <a:rPr lang="zh-TW" altLang="en-US" sz="1200" dirty="0" smtClean="0"/>
-              <a:t>再試一次</a:t>
-            </a:r>
-            <a:r>
-              <a:rPr lang="en-US" altLang="zh-TW" sz="1200" dirty="0" smtClean="0"/>
-              <a:t>?</a:t>
+              <a:t>完成</a:t>
             </a:r>
             <a:endParaRPr lang="zh-TW" altLang="en-US" sz="1200" dirty="0"/>
           </a:p>

--- a/wk6/ios設計.pptx
+++ b/wk6/ios設計.pptx
@@ -205,7 +205,7 @@
           <a:p>
             <a:fld id="{6FFE7BFC-8FD5-4229-AEBC-424D9585DC45}" type="datetimeFigureOut">
               <a:rPr lang="zh-TW" altLang="en-US" smtClean="0"/>
-              <a:t>2017/3/27</a:t>
+              <a:t>2017/3/28</a:t>
             </a:fld>
             <a:endParaRPr lang="zh-TW" altLang="en-US"/>
           </a:p>
@@ -772,7 +772,7 @@
           <a:p>
             <a:fld id="{ADFA4DF7-23C1-44A9-81F7-17F7663E3372}" type="datetimeFigureOut">
               <a:rPr lang="zh-TW" altLang="en-US" smtClean="0"/>
-              <a:t>2017/3/27</a:t>
+              <a:t>2017/3/28</a:t>
             </a:fld>
             <a:endParaRPr lang="zh-TW" altLang="en-US"/>
           </a:p>
@@ -942,7 +942,7 @@
           <a:p>
             <a:fld id="{ADFA4DF7-23C1-44A9-81F7-17F7663E3372}" type="datetimeFigureOut">
               <a:rPr lang="zh-TW" altLang="en-US" smtClean="0"/>
-              <a:t>2017/3/27</a:t>
+              <a:t>2017/3/28</a:t>
             </a:fld>
             <a:endParaRPr lang="zh-TW" altLang="en-US"/>
           </a:p>
@@ -1122,7 +1122,7 @@
           <a:p>
             <a:fld id="{ADFA4DF7-23C1-44A9-81F7-17F7663E3372}" type="datetimeFigureOut">
               <a:rPr lang="zh-TW" altLang="en-US" smtClean="0"/>
-              <a:t>2017/3/27</a:t>
+              <a:t>2017/3/28</a:t>
             </a:fld>
             <a:endParaRPr lang="zh-TW" altLang="en-US"/>
           </a:p>
@@ -1292,7 +1292,7 @@
           <a:p>
             <a:fld id="{ADFA4DF7-23C1-44A9-81F7-17F7663E3372}" type="datetimeFigureOut">
               <a:rPr lang="zh-TW" altLang="en-US" smtClean="0"/>
-              <a:t>2017/3/27</a:t>
+              <a:t>2017/3/28</a:t>
             </a:fld>
             <a:endParaRPr lang="zh-TW" altLang="en-US"/>
           </a:p>
@@ -1538,7 +1538,7 @@
           <a:p>
             <a:fld id="{ADFA4DF7-23C1-44A9-81F7-17F7663E3372}" type="datetimeFigureOut">
               <a:rPr lang="zh-TW" altLang="en-US" smtClean="0"/>
-              <a:t>2017/3/27</a:t>
+              <a:t>2017/3/28</a:t>
             </a:fld>
             <a:endParaRPr lang="zh-TW" altLang="en-US"/>
           </a:p>
@@ -1770,7 +1770,7 @@
           <a:p>
             <a:fld id="{ADFA4DF7-23C1-44A9-81F7-17F7663E3372}" type="datetimeFigureOut">
               <a:rPr lang="zh-TW" altLang="en-US" smtClean="0"/>
-              <a:t>2017/3/27</a:t>
+              <a:t>2017/3/28</a:t>
             </a:fld>
             <a:endParaRPr lang="zh-TW" altLang="en-US"/>
           </a:p>
@@ -2137,7 +2137,7 @@
           <a:p>
             <a:fld id="{ADFA4DF7-23C1-44A9-81F7-17F7663E3372}" type="datetimeFigureOut">
               <a:rPr lang="zh-TW" altLang="en-US" smtClean="0"/>
-              <a:t>2017/3/27</a:t>
+              <a:t>2017/3/28</a:t>
             </a:fld>
             <a:endParaRPr lang="zh-TW" altLang="en-US"/>
           </a:p>
@@ -2255,7 +2255,7 @@
           <a:p>
             <a:fld id="{ADFA4DF7-23C1-44A9-81F7-17F7663E3372}" type="datetimeFigureOut">
               <a:rPr lang="zh-TW" altLang="en-US" smtClean="0"/>
-              <a:t>2017/3/27</a:t>
+              <a:t>2017/3/28</a:t>
             </a:fld>
             <a:endParaRPr lang="zh-TW" altLang="en-US"/>
           </a:p>
@@ -2350,7 +2350,7 @@
           <a:p>
             <a:fld id="{ADFA4DF7-23C1-44A9-81F7-17F7663E3372}" type="datetimeFigureOut">
               <a:rPr lang="zh-TW" altLang="en-US" smtClean="0"/>
-              <a:t>2017/3/27</a:t>
+              <a:t>2017/3/28</a:t>
             </a:fld>
             <a:endParaRPr lang="zh-TW" altLang="en-US"/>
           </a:p>
@@ -2627,7 +2627,7 @@
           <a:p>
             <a:fld id="{ADFA4DF7-23C1-44A9-81F7-17F7663E3372}" type="datetimeFigureOut">
               <a:rPr lang="zh-TW" altLang="en-US" smtClean="0"/>
-              <a:t>2017/3/27</a:t>
+              <a:t>2017/3/28</a:t>
             </a:fld>
             <a:endParaRPr lang="zh-TW" altLang="en-US"/>
           </a:p>
@@ -2880,7 +2880,7 @@
           <a:p>
             <a:fld id="{ADFA4DF7-23C1-44A9-81F7-17F7663E3372}" type="datetimeFigureOut">
               <a:rPr lang="zh-TW" altLang="en-US" smtClean="0"/>
-              <a:t>2017/3/27</a:t>
+              <a:t>2017/3/28</a:t>
             </a:fld>
             <a:endParaRPr lang="zh-TW" altLang="en-US"/>
           </a:p>
@@ -3093,7 +3093,7 @@
           <a:p>
             <a:fld id="{ADFA4DF7-23C1-44A9-81F7-17F7663E3372}" type="datetimeFigureOut">
               <a:rPr lang="zh-TW" altLang="en-US" smtClean="0"/>
-              <a:t>2017/3/27</a:t>
+              <a:t>2017/3/28</a:t>
             </a:fld>
             <a:endParaRPr lang="zh-TW" altLang="en-US"/>
           </a:p>
@@ -8978,11 +8978,7 @@
             <a:pPr algn="ctr"/>
             <a:r>
               <a:rPr lang="zh-TW" altLang="en-US" sz="1400" dirty="0" smtClean="0"/>
-              <a:t>填寫付款</a:t>
-            </a:r>
-            <a:r>
-              <a:rPr lang="zh-TW" altLang="en-US" sz="1400" dirty="0" smtClean="0"/>
-              <a:t>方式</a:t>
+              <a:t>填寫付款方式</a:t>
             </a:r>
             <a:endParaRPr lang="zh-TW" altLang="en-US" sz="1400" dirty="0"/>
           </a:p>
@@ -10757,7 +10753,7 @@
         </p:nvSpPr>
         <p:spPr>
           <a:xfrm>
-            <a:off x="7004156" y="746494"/>
+            <a:off x="6517619" y="774409"/>
             <a:ext cx="1023036" cy="276999"/>
           </a:xfrm>
           <a:prstGeom prst="rect">
@@ -10807,7 +10803,7 @@
         </p:nvSpPr>
         <p:spPr>
           <a:xfrm>
-            <a:off x="7329459" y="1204586"/>
+            <a:off x="6843284" y="1233029"/>
             <a:ext cx="492443" cy="276999"/>
           </a:xfrm>
           <a:prstGeom prst="rect">
@@ -10842,7 +10838,7 @@
         <p:spPr>
           <a:xfrm>
             <a:off x="6113140" y="1102107"/>
-            <a:ext cx="2834167" cy="0"/>
+            <a:ext cx="2050548" cy="0"/>
           </a:xfrm>
           <a:prstGeom prst="straightConnector1">
             <a:avLst/>
@@ -10877,7 +10873,7 @@
         </p:nvSpPr>
         <p:spPr>
           <a:xfrm>
-            <a:off x="9048189" y="869605"/>
+            <a:off x="8366622" y="911929"/>
             <a:ext cx="1262590" cy="307777"/>
           </a:xfrm>
           <a:prstGeom prst="rect">
@@ -10976,23 +10972,132 @@
           </a:fontRef>
         </p:style>
       </p:cxnSp>
+      <p:sp>
+        <p:nvSpPr>
+          <p:cNvPr id="49" name="文字方塊 48"/>
+          <p:cNvSpPr txBox="1"/>
+          <p:nvPr/>
+        </p:nvSpPr>
+        <p:spPr>
+          <a:xfrm>
+            <a:off x="9180872" y="2392168"/>
+            <a:ext cx="351497" cy="276999"/>
+          </a:xfrm>
+          <a:prstGeom prst="rect">
+            <a:avLst/>
+          </a:prstGeom>
+          <a:noFill/>
+          <a:ln>
+            <a:noFill/>
+          </a:ln>
+        </p:spPr>
+        <p:txBody>
+          <a:bodyPr wrap="square" rtlCol="0">
+            <a:spAutoFit/>
+          </a:bodyPr>
+          <a:lstStyle/>
+          <a:p>
+            <a:pPr algn="ctr"/>
+            <a:r>
+              <a:rPr lang="zh-TW" altLang="en-US" sz="1200" dirty="0" smtClean="0"/>
+              <a:t>否</a:t>
+            </a:r>
+            <a:endParaRPr lang="zh-TW" altLang="en-US" sz="1200" dirty="0"/>
+          </a:p>
+        </p:txBody>
+      </p:sp>
+      <p:sp>
+        <p:nvSpPr>
+          <p:cNvPr id="50" name="文字方塊 49"/>
+          <p:cNvSpPr txBox="1"/>
+          <p:nvPr/>
+        </p:nvSpPr>
+        <p:spPr>
+          <a:xfrm>
+            <a:off x="7593585" y="3310466"/>
+            <a:ext cx="800219" cy="276999"/>
+          </a:xfrm>
+          <a:prstGeom prst="rect">
+            <a:avLst/>
+          </a:prstGeom>
+          <a:noFill/>
+          <a:ln>
+            <a:noFill/>
+          </a:ln>
+        </p:spPr>
+        <p:txBody>
+          <a:bodyPr wrap="none" rtlCol="0">
+            <a:spAutoFit/>
+          </a:bodyPr>
+          <a:lstStyle/>
+          <a:p>
+            <a:pPr algn="ctr"/>
+            <a:r>
+              <a:rPr lang="zh-TW" altLang="en-US" sz="1200" dirty="0"/>
+              <a:t>再</a:t>
+            </a:r>
+            <a:r>
+              <a:rPr lang="zh-TW" altLang="en-US" sz="1200" dirty="0" smtClean="0"/>
+              <a:t>試一</a:t>
+            </a:r>
+            <a:r>
+              <a:rPr lang="zh-TW" altLang="en-US" sz="1200" dirty="0"/>
+              <a:t>次</a:t>
+            </a:r>
+          </a:p>
+        </p:txBody>
+      </p:sp>
+      <p:sp>
+        <p:nvSpPr>
+          <p:cNvPr id="51" name="文字方塊 50"/>
+          <p:cNvSpPr txBox="1"/>
+          <p:nvPr/>
+        </p:nvSpPr>
+        <p:spPr>
+          <a:xfrm>
+            <a:off x="6763674" y="4420565"/>
+            <a:ext cx="338554" cy="276999"/>
+          </a:xfrm>
+          <a:prstGeom prst="rect">
+            <a:avLst/>
+          </a:prstGeom>
+          <a:noFill/>
+          <a:ln>
+            <a:noFill/>
+          </a:ln>
+        </p:spPr>
+        <p:txBody>
+          <a:bodyPr wrap="none" rtlCol="0">
+            <a:spAutoFit/>
+          </a:bodyPr>
+          <a:lstStyle/>
+          <a:p>
+            <a:pPr algn="ctr"/>
+            <a:r>
+              <a:rPr lang="zh-TW" altLang="en-US" sz="1200" dirty="0" smtClean="0"/>
+              <a:t>否</a:t>
+            </a:r>
+            <a:endParaRPr lang="zh-TW" altLang="en-US" sz="1200" dirty="0"/>
+          </a:p>
+        </p:txBody>
+      </p:sp>
       <p:cxnSp>
         <p:nvCxnSpPr>
-          <p:cNvPr id="47" name="直線接點 46"/>
+          <p:cNvPr id="53" name="直線接點 52"/>
           <p:cNvCxnSpPr/>
           <p:nvPr/>
         </p:nvCxnSpPr>
         <p:spPr>
           <a:xfrm flipV="1">
-            <a:off x="9561987" y="3644251"/>
-            <a:ext cx="582754" cy="1"/>
+            <a:off x="5511023" y="4788944"/>
+            <a:ext cx="0" cy="492324"/>
           </a:xfrm>
           <a:prstGeom prst="line">
             <a:avLst/>
           </a:prstGeom>
           <a:ln w="19050">
             <a:solidFill>
-              <a:schemeClr val="tx1"/>
+              <a:srgbClr val="FF0000"/>
             </a:solidFill>
           </a:ln>
         </p:spPr>
@@ -11013,14 +11118,14 @@
       </p:cxnSp>
       <p:sp>
         <p:nvSpPr>
-          <p:cNvPr id="49" name="文字方塊 48"/>
+          <p:cNvPr id="54" name="文字方塊 53"/>
           <p:cNvSpPr txBox="1"/>
           <p:nvPr/>
         </p:nvSpPr>
         <p:spPr>
           <a:xfrm>
-            <a:off x="9643130" y="3308885"/>
-            <a:ext cx="351497" cy="276999"/>
+            <a:off x="8055250" y="4944069"/>
+            <a:ext cx="338554" cy="276999"/>
           </a:xfrm>
           <a:prstGeom prst="rect">
             <a:avLst/>
@@ -11031,7 +11136,7 @@
           </a:ln>
         </p:spPr>
         <p:txBody>
-          <a:bodyPr wrap="square" rtlCol="0">
+          <a:bodyPr wrap="none" rtlCol="0">
             <a:spAutoFit/>
           </a:bodyPr>
           <a:lstStyle/>
@@ -11039,7 +11144,7 @@
             <a:pPr algn="ctr"/>
             <a:r>
               <a:rPr lang="zh-TW" altLang="en-US" sz="1200" dirty="0" smtClean="0"/>
-              <a:t>否</a:t>
+              <a:t>是</a:t>
             </a:r>
             <a:endParaRPr lang="zh-TW" altLang="en-US" sz="1200" dirty="0"/>
           </a:p>
@@ -11047,14 +11152,14 @@
       </p:sp>
       <p:sp>
         <p:nvSpPr>
-          <p:cNvPr id="50" name="文字方塊 49"/>
+          <p:cNvPr id="55" name="文字方塊 54"/>
           <p:cNvSpPr txBox="1"/>
           <p:nvPr/>
         </p:nvSpPr>
         <p:spPr>
           <a:xfrm>
-            <a:off x="7593585" y="3310466"/>
-            <a:ext cx="800219" cy="276999"/>
+            <a:off x="4322297" y="1058458"/>
+            <a:ext cx="338554" cy="276999"/>
           </a:xfrm>
           <a:prstGeom prst="rect">
             <a:avLst/>
@@ -11072,38 +11177,28 @@
           <a:p>
             <a:pPr algn="ctr"/>
             <a:r>
-              <a:rPr lang="zh-TW" altLang="en-US" sz="1200" dirty="0"/>
-              <a:t>再</a:t>
-            </a:r>
-            <a:r>
               <a:rPr lang="zh-TW" altLang="en-US" sz="1200" dirty="0" smtClean="0"/>
-              <a:t>試一</a:t>
-            </a:r>
-            <a:r>
-              <a:rPr lang="zh-TW" altLang="en-US" sz="1200" dirty="0"/>
-              <a:t>次</a:t>
-            </a:r>
-          </a:p>
-        </p:txBody>
-      </p:sp>
-      <p:sp>
-        <p:nvSpPr>
-          <p:cNvPr id="51" name="文字方塊 50"/>
+              <a:t>否</a:t>
+            </a:r>
+            <a:endParaRPr lang="zh-TW" altLang="en-US" sz="1200" dirty="0"/>
+          </a:p>
+        </p:txBody>
+      </p:sp>
+      <p:sp>
+        <p:nvSpPr>
+          <p:cNvPr id="67" name="文字方塊 66"/>
           <p:cNvSpPr txBox="1"/>
           <p:nvPr/>
         </p:nvSpPr>
         <p:spPr>
           <a:xfrm>
-            <a:off x="6763674" y="4420565"/>
-            <a:ext cx="338554" cy="276999"/>
+            <a:off x="270933" y="333215"/>
+            <a:ext cx="1470274" cy="523220"/>
           </a:xfrm>
           <a:prstGeom prst="rect">
             <a:avLst/>
           </a:prstGeom>
           <a:noFill/>
-          <a:ln>
-            <a:noFill/>
-          </a:ln>
         </p:spPr>
         <p:txBody>
           <a:bodyPr wrap="none" rtlCol="0">
@@ -11111,140 +11206,6 @@
           </a:bodyPr>
           <a:lstStyle/>
           <a:p>
-            <a:pPr algn="ctr"/>
-            <a:r>
-              <a:rPr lang="zh-TW" altLang="en-US" sz="1200" dirty="0" smtClean="0"/>
-              <a:t>否</a:t>
-            </a:r>
-            <a:endParaRPr lang="zh-TW" altLang="en-US" sz="1200" dirty="0"/>
-          </a:p>
-        </p:txBody>
-      </p:sp>
-      <p:cxnSp>
-        <p:nvCxnSpPr>
-          <p:cNvPr id="53" name="直線接點 52"/>
-          <p:cNvCxnSpPr/>
-          <p:nvPr/>
-        </p:nvCxnSpPr>
-        <p:spPr>
-          <a:xfrm flipV="1">
-            <a:off x="5511023" y="4788944"/>
-            <a:ext cx="0" cy="492324"/>
-          </a:xfrm>
-          <a:prstGeom prst="line">
-            <a:avLst/>
-          </a:prstGeom>
-          <a:ln w="19050">
-            <a:solidFill>
-              <a:srgbClr val="FF0000"/>
-            </a:solidFill>
-          </a:ln>
-        </p:spPr>
-        <p:style>
-          <a:lnRef idx="1">
-            <a:schemeClr val="accent1"/>
-          </a:lnRef>
-          <a:fillRef idx="0">
-            <a:schemeClr val="accent1"/>
-          </a:fillRef>
-          <a:effectRef idx="0">
-            <a:schemeClr val="accent1"/>
-          </a:effectRef>
-          <a:fontRef idx="minor">
-            <a:schemeClr val="tx1"/>
-          </a:fontRef>
-        </p:style>
-      </p:cxnSp>
-      <p:sp>
-        <p:nvSpPr>
-          <p:cNvPr id="54" name="文字方塊 53"/>
-          <p:cNvSpPr txBox="1"/>
-          <p:nvPr/>
-        </p:nvSpPr>
-        <p:spPr>
-          <a:xfrm>
-            <a:off x="8055250" y="4944069"/>
-            <a:ext cx="338554" cy="276999"/>
-          </a:xfrm>
-          <a:prstGeom prst="rect">
-            <a:avLst/>
-          </a:prstGeom>
-          <a:noFill/>
-          <a:ln>
-            <a:noFill/>
-          </a:ln>
-        </p:spPr>
-        <p:txBody>
-          <a:bodyPr wrap="none" rtlCol="0">
-            <a:spAutoFit/>
-          </a:bodyPr>
-          <a:lstStyle/>
-          <a:p>
-            <a:pPr algn="ctr"/>
-            <a:r>
-              <a:rPr lang="zh-TW" altLang="en-US" sz="1200" dirty="0" smtClean="0"/>
-              <a:t>是</a:t>
-            </a:r>
-            <a:endParaRPr lang="zh-TW" altLang="en-US" sz="1200" dirty="0"/>
-          </a:p>
-        </p:txBody>
-      </p:sp>
-      <p:sp>
-        <p:nvSpPr>
-          <p:cNvPr id="55" name="文字方塊 54"/>
-          <p:cNvSpPr txBox="1"/>
-          <p:nvPr/>
-        </p:nvSpPr>
-        <p:spPr>
-          <a:xfrm>
-            <a:off x="4322297" y="1058458"/>
-            <a:ext cx="338554" cy="276999"/>
-          </a:xfrm>
-          <a:prstGeom prst="rect">
-            <a:avLst/>
-          </a:prstGeom>
-          <a:noFill/>
-          <a:ln>
-            <a:noFill/>
-          </a:ln>
-        </p:spPr>
-        <p:txBody>
-          <a:bodyPr wrap="none" rtlCol="0">
-            <a:spAutoFit/>
-          </a:bodyPr>
-          <a:lstStyle/>
-          <a:p>
-            <a:pPr algn="ctr"/>
-            <a:r>
-              <a:rPr lang="zh-TW" altLang="en-US" sz="1200" dirty="0" smtClean="0"/>
-              <a:t>否</a:t>
-            </a:r>
-            <a:endParaRPr lang="zh-TW" altLang="en-US" sz="1200" dirty="0"/>
-          </a:p>
-        </p:txBody>
-      </p:sp>
-      <p:sp>
-        <p:nvSpPr>
-          <p:cNvPr id="67" name="文字方塊 66"/>
-          <p:cNvSpPr txBox="1"/>
-          <p:nvPr/>
-        </p:nvSpPr>
-        <p:spPr>
-          <a:xfrm>
-            <a:off x="270933" y="333215"/>
-            <a:ext cx="1470274" cy="523220"/>
-          </a:xfrm>
-          <a:prstGeom prst="rect">
-            <a:avLst/>
-          </a:prstGeom>
-          <a:noFill/>
-        </p:spPr>
-        <p:txBody>
-          <a:bodyPr wrap="none" rtlCol="0">
-            <a:spAutoFit/>
-          </a:bodyPr>
-          <a:lstStyle/>
-          <a:p>
             <a:r>
               <a:rPr lang="en-US" altLang="zh-TW" sz="2800" dirty="0" smtClean="0"/>
               <a:t>3-2.</a:t>
@@ -11265,7 +11226,7 @@
         </p:nvSpPr>
         <p:spPr>
           <a:xfrm>
-            <a:off x="9048186" y="1416871"/>
+            <a:off x="8366622" y="1431860"/>
             <a:ext cx="1262590" cy="307777"/>
           </a:xfrm>
           <a:prstGeom prst="rect">
@@ -11772,42 +11733,6 @@
           </a:fontRef>
         </p:style>
       </p:cxnSp>
-      <p:cxnSp>
-        <p:nvCxnSpPr>
-          <p:cNvPr id="128" name="直線單箭頭接點 127"/>
-          <p:cNvCxnSpPr/>
-          <p:nvPr/>
-        </p:nvCxnSpPr>
-        <p:spPr>
-          <a:xfrm flipV="1">
-            <a:off x="10134608" y="1828478"/>
-            <a:ext cx="0" cy="1828735"/>
-          </a:xfrm>
-          <a:prstGeom prst="straightConnector1">
-            <a:avLst/>
-          </a:prstGeom>
-          <a:ln w="19050">
-            <a:solidFill>
-              <a:schemeClr val="tx1"/>
-            </a:solidFill>
-            <a:tailEnd type="triangle"/>
-          </a:ln>
-        </p:spPr>
-        <p:style>
-          <a:lnRef idx="1">
-            <a:schemeClr val="accent1"/>
-          </a:lnRef>
-          <a:fillRef idx="0">
-            <a:schemeClr val="accent1"/>
-          </a:fillRef>
-          <a:effectRef idx="0">
-            <a:schemeClr val="accent1"/>
-          </a:effectRef>
-          <a:fontRef idx="minor">
-            <a:schemeClr val="tx1"/>
-          </a:fontRef>
-        </p:style>
-      </p:cxnSp>
       <p:sp>
         <p:nvSpPr>
           <p:cNvPr id="137" name="文字方塊 136"/>
@@ -11851,7 +11776,7 @@
         <p:spPr>
           <a:xfrm>
             <a:off x="6136862" y="1604746"/>
-            <a:ext cx="2810442" cy="0"/>
+            <a:ext cx="2064163" cy="0"/>
           </a:xfrm>
           <a:prstGeom prst="straightConnector1">
             <a:avLst/>
@@ -12532,7 +12457,7 @@
         <p:spPr>
           <a:xfrm>
             <a:off x="7329459" y="2224898"/>
-            <a:ext cx="2215990" cy="0"/>
+            <a:ext cx="1668458" cy="0"/>
           </a:xfrm>
           <a:prstGeom prst="line">
             <a:avLst/>
@@ -12566,7 +12491,7 @@
         </p:nvCxnSpPr>
         <p:spPr>
           <a:xfrm flipV="1">
-            <a:off x="9546156" y="1828478"/>
+            <a:off x="8997917" y="1828478"/>
             <a:ext cx="0" cy="386910"/>
           </a:xfrm>
           <a:prstGeom prst="straightConnector1">
@@ -12767,8 +12692,8 @@
         </p:nvCxnSpPr>
         <p:spPr>
           <a:xfrm>
-            <a:off x="10413996" y="1048471"/>
-            <a:ext cx="808189" cy="0"/>
+            <a:off x="10141416" y="1051408"/>
+            <a:ext cx="0" cy="3706288"/>
           </a:xfrm>
           <a:prstGeom prst="line">
             <a:avLst/>
@@ -12802,8 +12727,8 @@
         </p:nvCxnSpPr>
         <p:spPr>
           <a:xfrm>
-            <a:off x="11242836" y="1048471"/>
-            <a:ext cx="0" cy="2779958"/>
+            <a:off x="10141416" y="4758550"/>
+            <a:ext cx="436976" cy="0"/>
           </a:xfrm>
           <a:prstGeom prst="straightConnector1">
             <a:avLst/>
@@ -12838,7 +12763,7 @@
         </p:nvSpPr>
         <p:spPr>
           <a:xfrm>
-            <a:off x="10571868" y="761180"/>
+            <a:off x="9721029" y="744109"/>
             <a:ext cx="492443" cy="276999"/>
           </a:xfrm>
           <a:prstGeom prst="rect">
@@ -12860,10 +12785,79 @@
               <a:rPr lang="zh-TW" altLang="en-US" sz="1200" dirty="0"/>
               <a:t>完成</a:t>
             </a:r>
-            <a:endParaRPr lang="zh-TW" altLang="en-US" sz="1200" dirty="0"/>
-          </a:p>
-        </p:txBody>
-      </p:sp>
+          </a:p>
+        </p:txBody>
+      </p:sp>
+      <p:cxnSp>
+        <p:nvCxnSpPr>
+          <p:cNvPr id="82" name="直線接點 81"/>
+          <p:cNvCxnSpPr/>
+          <p:nvPr/>
+        </p:nvCxnSpPr>
+        <p:spPr>
+          <a:xfrm flipV="1">
+            <a:off x="8997917" y="2105477"/>
+            <a:ext cx="0" cy="573364"/>
+          </a:xfrm>
+          <a:prstGeom prst="line">
+            <a:avLst/>
+          </a:prstGeom>
+          <a:ln w="19050">
+            <a:solidFill>
+              <a:schemeClr val="tx1"/>
+            </a:solidFill>
+          </a:ln>
+        </p:spPr>
+        <p:style>
+          <a:lnRef idx="1">
+            <a:schemeClr val="accent1"/>
+          </a:lnRef>
+          <a:fillRef idx="0">
+            <a:schemeClr val="accent1"/>
+          </a:fillRef>
+          <a:effectRef idx="0">
+            <a:schemeClr val="accent1"/>
+          </a:effectRef>
+          <a:fontRef idx="minor">
+            <a:schemeClr val="tx1"/>
+          </a:fontRef>
+        </p:style>
+      </p:cxnSp>
+      <p:cxnSp>
+        <p:nvCxnSpPr>
+          <p:cNvPr id="45" name="直線接點 44"/>
+          <p:cNvCxnSpPr/>
+          <p:nvPr/>
+        </p:nvCxnSpPr>
+        <p:spPr>
+          <a:xfrm>
+            <a:off x="9721029" y="1056772"/>
+            <a:ext cx="420387" cy="0"/>
+          </a:xfrm>
+          <a:prstGeom prst="line">
+            <a:avLst/>
+          </a:prstGeom>
+          <a:ln w="19050">
+            <a:solidFill>
+              <a:srgbClr val="FF0000"/>
+            </a:solidFill>
+          </a:ln>
+        </p:spPr>
+        <p:style>
+          <a:lnRef idx="1">
+            <a:schemeClr val="accent1"/>
+          </a:lnRef>
+          <a:fillRef idx="0">
+            <a:schemeClr val="accent1"/>
+          </a:fillRef>
+          <a:effectRef idx="0">
+            <a:schemeClr val="accent1"/>
+          </a:effectRef>
+          <a:fontRef idx="minor">
+            <a:schemeClr val="tx1"/>
+          </a:fontRef>
+        </p:style>
+      </p:cxnSp>
     </p:spTree>
     <p:extLst>
       <p:ext uri="{BB962C8B-B14F-4D97-AF65-F5344CB8AC3E}">

--- a/wk6/ios設計.pptx
+++ b/wk6/ios設計.pptx
@@ -205,7 +205,7 @@
           <a:p>
             <a:fld id="{6FFE7BFC-8FD5-4229-AEBC-424D9585DC45}" type="datetimeFigureOut">
               <a:rPr lang="zh-TW" altLang="en-US" smtClean="0"/>
-              <a:t>2017/3/28</a:t>
+              <a:t>2017/4/2</a:t>
             </a:fld>
             <a:endParaRPr lang="zh-TW" altLang="en-US"/>
           </a:p>
@@ -772,7 +772,7 @@
           <a:p>
             <a:fld id="{ADFA4DF7-23C1-44A9-81F7-17F7663E3372}" type="datetimeFigureOut">
               <a:rPr lang="zh-TW" altLang="en-US" smtClean="0"/>
-              <a:t>2017/3/28</a:t>
+              <a:t>2017/4/2</a:t>
             </a:fld>
             <a:endParaRPr lang="zh-TW" altLang="en-US"/>
           </a:p>
@@ -942,7 +942,7 @@
           <a:p>
             <a:fld id="{ADFA4DF7-23C1-44A9-81F7-17F7663E3372}" type="datetimeFigureOut">
               <a:rPr lang="zh-TW" altLang="en-US" smtClean="0"/>
-              <a:t>2017/3/28</a:t>
+              <a:t>2017/4/2</a:t>
             </a:fld>
             <a:endParaRPr lang="zh-TW" altLang="en-US"/>
           </a:p>
@@ -1122,7 +1122,7 @@
           <a:p>
             <a:fld id="{ADFA4DF7-23C1-44A9-81F7-17F7663E3372}" type="datetimeFigureOut">
               <a:rPr lang="zh-TW" altLang="en-US" smtClean="0"/>
-              <a:t>2017/3/28</a:t>
+              <a:t>2017/4/2</a:t>
             </a:fld>
             <a:endParaRPr lang="zh-TW" altLang="en-US"/>
           </a:p>
@@ -1292,7 +1292,7 @@
           <a:p>
             <a:fld id="{ADFA4DF7-23C1-44A9-81F7-17F7663E3372}" type="datetimeFigureOut">
               <a:rPr lang="zh-TW" altLang="en-US" smtClean="0"/>
-              <a:t>2017/3/28</a:t>
+              <a:t>2017/4/2</a:t>
             </a:fld>
             <a:endParaRPr lang="zh-TW" altLang="en-US"/>
           </a:p>
@@ -1538,7 +1538,7 @@
           <a:p>
             <a:fld id="{ADFA4DF7-23C1-44A9-81F7-17F7663E3372}" type="datetimeFigureOut">
               <a:rPr lang="zh-TW" altLang="en-US" smtClean="0"/>
-              <a:t>2017/3/28</a:t>
+              <a:t>2017/4/2</a:t>
             </a:fld>
             <a:endParaRPr lang="zh-TW" altLang="en-US"/>
           </a:p>
@@ -1770,7 +1770,7 @@
           <a:p>
             <a:fld id="{ADFA4DF7-23C1-44A9-81F7-17F7663E3372}" type="datetimeFigureOut">
               <a:rPr lang="zh-TW" altLang="en-US" smtClean="0"/>
-              <a:t>2017/3/28</a:t>
+              <a:t>2017/4/2</a:t>
             </a:fld>
             <a:endParaRPr lang="zh-TW" altLang="en-US"/>
           </a:p>
@@ -2137,7 +2137,7 @@
           <a:p>
             <a:fld id="{ADFA4DF7-23C1-44A9-81F7-17F7663E3372}" type="datetimeFigureOut">
               <a:rPr lang="zh-TW" altLang="en-US" smtClean="0"/>
-              <a:t>2017/3/28</a:t>
+              <a:t>2017/4/2</a:t>
             </a:fld>
             <a:endParaRPr lang="zh-TW" altLang="en-US"/>
           </a:p>
@@ -2255,7 +2255,7 @@
           <a:p>
             <a:fld id="{ADFA4DF7-23C1-44A9-81F7-17F7663E3372}" type="datetimeFigureOut">
               <a:rPr lang="zh-TW" altLang="en-US" smtClean="0"/>
-              <a:t>2017/3/28</a:t>
+              <a:t>2017/4/2</a:t>
             </a:fld>
             <a:endParaRPr lang="zh-TW" altLang="en-US"/>
           </a:p>
@@ -2350,7 +2350,7 @@
           <a:p>
             <a:fld id="{ADFA4DF7-23C1-44A9-81F7-17F7663E3372}" type="datetimeFigureOut">
               <a:rPr lang="zh-TW" altLang="en-US" smtClean="0"/>
-              <a:t>2017/3/28</a:t>
+              <a:t>2017/4/2</a:t>
             </a:fld>
             <a:endParaRPr lang="zh-TW" altLang="en-US"/>
           </a:p>
@@ -2627,7 +2627,7 @@
           <a:p>
             <a:fld id="{ADFA4DF7-23C1-44A9-81F7-17F7663E3372}" type="datetimeFigureOut">
               <a:rPr lang="zh-TW" altLang="en-US" smtClean="0"/>
-              <a:t>2017/3/28</a:t>
+              <a:t>2017/4/2</a:t>
             </a:fld>
             <a:endParaRPr lang="zh-TW" altLang="en-US"/>
           </a:p>
@@ -2880,7 +2880,7 @@
           <a:p>
             <a:fld id="{ADFA4DF7-23C1-44A9-81F7-17F7663E3372}" type="datetimeFigureOut">
               <a:rPr lang="zh-TW" altLang="en-US" smtClean="0"/>
-              <a:t>2017/3/28</a:t>
+              <a:t>2017/4/2</a:t>
             </a:fld>
             <a:endParaRPr lang="zh-TW" altLang="en-US"/>
           </a:p>
@@ -3093,7 +3093,7 @@
           <a:p>
             <a:fld id="{ADFA4DF7-23C1-44A9-81F7-17F7663E3372}" type="datetimeFigureOut">
               <a:rPr lang="zh-TW" altLang="en-US" smtClean="0"/>
-              <a:t>2017/3/28</a:t>
+              <a:t>2017/4/2</a:t>
             </a:fld>
             <a:endParaRPr lang="zh-TW" altLang="en-US"/>
           </a:p>
@@ -10293,7 +10293,11 @@
             <a:pPr algn="ctr"/>
             <a:r>
               <a:rPr lang="zh-TW" altLang="en-US" sz="1400" dirty="0" smtClean="0"/>
-              <a:t>是否登陸</a:t>
+              <a:t>是否</a:t>
+            </a:r>
+            <a:r>
+              <a:rPr lang="zh-TW" altLang="en-US" sz="1400" dirty="0" smtClean="0"/>
+              <a:t>登入</a:t>
             </a:r>
             <a:endParaRPr lang="zh-TW" altLang="en-US" sz="1400" dirty="0"/>
           </a:p>
